--- a/Final Project/Final Paper/HO-Ensemble Learning for Brain Age Prediction.pptx
+++ b/Final Project/Final Paper/HO-Ensemble Learning for Brain Age Prediction.pptx
@@ -5,10 +5,10 @@
     <p:sldMasterId id="2147483648" r:id="rId1"/>
   </p:sldMasterIdLst>
   <p:notesMasterIdLst>
-    <p:notesMasterId r:id="rId23"/>
+    <p:notesMasterId r:id="rId29"/>
   </p:notesMasterIdLst>
   <p:handoutMasterIdLst>
-    <p:handoutMasterId r:id="rId24"/>
+    <p:handoutMasterId r:id="rId30"/>
   </p:handoutMasterIdLst>
   <p:sldIdLst>
     <p:sldId id="256" r:id="rId2"/>
@@ -20,18 +20,24 @@
     <p:sldId id="290" r:id="rId8"/>
     <p:sldId id="322" r:id="rId9"/>
     <p:sldId id="323" r:id="rId10"/>
-    <p:sldId id="310" r:id="rId11"/>
-    <p:sldId id="324" r:id="rId12"/>
-    <p:sldId id="292" r:id="rId13"/>
-    <p:sldId id="318" r:id="rId14"/>
-    <p:sldId id="319" r:id="rId15"/>
-    <p:sldId id="320" r:id="rId16"/>
-    <p:sldId id="321" r:id="rId17"/>
-    <p:sldId id="325" r:id="rId18"/>
-    <p:sldId id="314" r:id="rId19"/>
-    <p:sldId id="295" r:id="rId20"/>
-    <p:sldId id="296" r:id="rId21"/>
-    <p:sldId id="288" r:id="rId22"/>
+    <p:sldId id="324" r:id="rId11"/>
+    <p:sldId id="292" r:id="rId12"/>
+    <p:sldId id="318" r:id="rId13"/>
+    <p:sldId id="319" r:id="rId14"/>
+    <p:sldId id="320" r:id="rId15"/>
+    <p:sldId id="321" r:id="rId16"/>
+    <p:sldId id="325" r:id="rId17"/>
+    <p:sldId id="310" r:id="rId18"/>
+    <p:sldId id="326" r:id="rId19"/>
+    <p:sldId id="314" r:id="rId20"/>
+    <p:sldId id="330" r:id="rId21"/>
+    <p:sldId id="327" r:id="rId22"/>
+    <p:sldId id="331" r:id="rId23"/>
+    <p:sldId id="328" r:id="rId24"/>
+    <p:sldId id="329" r:id="rId25"/>
+    <p:sldId id="295" r:id="rId26"/>
+    <p:sldId id="296" r:id="rId27"/>
+    <p:sldId id="288" r:id="rId28"/>
   </p:sldIdLst>
   <p:sldSz cx="12192000" cy="6858000"/>
   <p:notesSz cx="6858000" cy="9144000"/>
@@ -144,7 +150,6 @@
             <p14:sldId id="290"/>
             <p14:sldId id="322"/>
             <p14:sldId id="323"/>
-            <p14:sldId id="310"/>
             <p14:sldId id="324"/>
             <p14:sldId id="292"/>
             <p14:sldId id="318"/>
@@ -152,7 +157,14 @@
             <p14:sldId id="320"/>
             <p14:sldId id="321"/>
             <p14:sldId id="325"/>
+            <p14:sldId id="310"/>
+            <p14:sldId id="326"/>
             <p14:sldId id="314"/>
+            <p14:sldId id="330"/>
+            <p14:sldId id="327"/>
+            <p14:sldId id="331"/>
+            <p14:sldId id="328"/>
+            <p14:sldId id="329"/>
             <p14:sldId id="295"/>
             <p14:sldId id="296"/>
             <p14:sldId id="288"/>
@@ -1686,7 +1698,7 @@
           <a:p>
             <a:fld id="{ECAE79B1-EB1A-4B42-A3E4-97F6A2AA80AB}" type="datetimeFigureOut">
               <a:rPr lang="en-US" smtClean="0"/>
-              <a:t>12/5/2022</a:t>
+              <a:t>12/8/2022</a:t>
             </a:fld>
             <a:endParaRPr lang="en-US"/>
           </a:p>
@@ -1863,7 +1875,7 @@
           <a:p>
             <a:fld id="{95CB22CF-AAB2-4BCD-B4B6-1F2E0A3FEC72}" type="datetimeFigureOut">
               <a:rPr lang="zh-TW" altLang="en-US" smtClean="0"/>
-              <a:t>2022/12/5</a:t>
+              <a:t>2022/12/8</a:t>
             </a:fld>
             <a:endParaRPr lang="zh-TW" altLang="en-US"/>
           </a:p>
@@ -2309,14 +2321,13 @@
               <a:bodyPr/>
               <a:lstStyle/>
               <a:p>
-                <a:r>
-                  <a:rPr lang="en-US" altLang="zh-TW" sz="1800" dirty="0">
-                    <a:solidFill>
-                      <a:srgbClr val="000000"/>
-                    </a:solidFill>
-                    <a:latin typeface="Segoe UI" panose="020B0502040204020203" pitchFamily="34" charset="0"/>
-                  </a:rPr>
-                  <a:t>Special CNN model</a:t>
+                <a:pPr marL="171450" indent="-171450">
+                  <a:buFont typeface="Arial" panose="020B0604020202020204" pitchFamily="34" charset="0"/>
+                  <a:buChar char="•"/>
+                </a:pPr>
+                <a:r>
+                  <a:rPr lang="zh-TW" altLang="en-US" dirty="0"/>
+                  <a:t>整體結構：</a:t>
                 </a:r>
                 <a:r>
                   <a:rPr lang="zh-TW" altLang="en-US" sz="1800" dirty="0">
@@ -2326,7 +2337,7 @@
                     <a:latin typeface="微軟正黑體" panose="020B0604030504040204" pitchFamily="34" charset="-120"/>
                     <a:ea typeface="微軟正黑體" panose="020B0604030504040204" pitchFamily="34" charset="-120"/>
                   </a:rPr>
-                  <a:t>是由兩個</a:t>
+                  <a:t>該模型是一個 </a:t>
                 </a:r>
                 <a:r>
                   <a:rPr lang="en-US" altLang="zh-TW" sz="1800" dirty="0">
@@ -2336,7 +2347,7 @@
                     <a:latin typeface="微軟正黑體" panose="020B0604030504040204" pitchFamily="34" charset="-120"/>
                     <a:ea typeface="微軟正黑體" panose="020B0604030504040204" pitchFamily="34" charset="-120"/>
                   </a:rPr>
-                  <a:t>6-Layers CNN</a:t>
+                  <a:t>3D CNN</a:t>
                 </a:r>
                 <a:r>
                   <a:rPr lang="zh-TW" altLang="en-US" sz="1800" dirty="0">
@@ -2346,36 +2357,17 @@
                     <a:latin typeface="微軟正黑體" panose="020B0604030504040204" pitchFamily="34" charset="-120"/>
                     <a:ea typeface="微軟正黑體" panose="020B0604030504040204" pitchFamily="34" charset="-120"/>
                   </a:rPr>
-                  <a:t>的結構組成</a:t>
-                </a:r>
-                <a:r>
-                  <a:rPr lang="en-US" sz="1800" dirty="0">
-                    <a:solidFill>
-                      <a:srgbClr val="000000"/>
-                    </a:solidFill>
-                    <a:latin typeface="Segoe UI" panose="020B0502040204020203" pitchFamily="34" charset="0"/>
-                  </a:rPr>
-                  <a:t>(</a:t>
-                </a:r>
-                <a:r>
-                  <a:rPr lang="zh-TW" altLang="en-US" sz="1800" dirty="0">
+                  <a:t>，由五個</a:t>
+                </a:r>
+                <a:r>
+                  <a:rPr lang="en-US" altLang="zh-TW" sz="1800" dirty="0">
                     <a:solidFill>
                       <a:srgbClr val="000000"/>
                     </a:solidFill>
                     <a:latin typeface="微軟正黑體" panose="020B0604030504040204" pitchFamily="34" charset="-120"/>
                     <a:ea typeface="微軟正黑體" panose="020B0604030504040204" pitchFamily="34" charset="-120"/>
                   </a:rPr>
-                  <a:t>每一個</a:t>
-                </a:r>
-                <a:r>
-                  <a:rPr lang="en-US" altLang="zh-TW" sz="1800" dirty="0">
-                    <a:solidFill>
-                      <a:srgbClr val="000000"/>
-                    </a:solidFill>
-                    <a:latin typeface="Segoe UI" panose="020B0502040204020203" pitchFamily="34" charset="0"/>
-                    <a:ea typeface="微軟正黑體" panose="020B0604030504040204" pitchFamily="34" charset="-120"/>
-                  </a:rPr>
-                  <a:t>6-Layer</a:t>
+                  <a:t>residual block</a:t>
                 </a:r>
                 <a:r>
                   <a:rPr lang="zh-TW" altLang="en-US" sz="1800" dirty="0">
@@ -2385,37 +2377,17 @@
                     <a:latin typeface="微軟正黑體" panose="020B0604030504040204" pitchFamily="34" charset="-120"/>
                     <a:ea typeface="微軟正黑體" panose="020B0604030504040204" pitchFamily="34" charset="-120"/>
                   </a:rPr>
-                  <a:t> </a:t>
+                  <a:t>組成，每個</a:t>
                 </a:r>
                 <a:r>
                   <a:rPr lang="en-US" altLang="zh-TW" sz="1800" dirty="0">
-                    <a:solidFill>
-                      <a:srgbClr val="000000"/>
-                    </a:solidFill>
-                    <a:latin typeface="Segoe UI" panose="020B0502040204020203" pitchFamily="34" charset="0"/>
-                    <a:ea typeface="微軟正黑體" panose="020B0604030504040204" pitchFamily="34" charset="-120"/>
-                  </a:rPr>
-                  <a:t>CNN</a:t>
-                </a:r>
-                <a:r>
-                  <a:rPr lang="zh-TW" altLang="en-US" sz="1800" dirty="0">
                     <a:solidFill>
                       <a:srgbClr val="000000"/>
                     </a:solidFill>
                     <a:latin typeface="微軟正黑體" panose="020B0604030504040204" pitchFamily="34" charset="-120"/>
                     <a:ea typeface="微軟正黑體" panose="020B0604030504040204" pitchFamily="34" charset="-120"/>
                   </a:rPr>
-                  <a:t>架構都是如前一節所示</a:t>
-                </a:r>
-                <a:r>
-                  <a:rPr lang="en-US" altLang="zh-TW" sz="1800" dirty="0">
-                    <a:solidFill>
-                      <a:srgbClr val="000000"/>
-                    </a:solidFill>
-                    <a:latin typeface="Segoe UI" panose="020B0502040204020203" pitchFamily="34" charset="0"/>
-                    <a:ea typeface="微軟正黑體" panose="020B0604030504040204" pitchFamily="34" charset="-120"/>
-                  </a:rPr>
-                  <a:t>)</a:t>
+                  <a:t>residual block</a:t>
                 </a:r>
                 <a:r>
                   <a:rPr lang="zh-TW" altLang="en-US" sz="1800" dirty="0">
@@ -2425,7 +2397,7 @@
                     <a:latin typeface="微軟正黑體" panose="020B0604030504040204" pitchFamily="34" charset="-120"/>
                     <a:ea typeface="微軟正黑體" panose="020B0604030504040204" pitchFamily="34" charset="-120"/>
                   </a:rPr>
-                  <a:t>，第一個是</a:t>
+                  <a:t>後跟一個</a:t>
                 </a:r>
                 <a:r>
                   <a:rPr lang="en-US" altLang="zh-TW" sz="1800" dirty="0">
@@ -2435,7 +2407,7 @@
                     <a:latin typeface="微軟正黑體" panose="020B0604030504040204" pitchFamily="34" charset="-120"/>
                     <a:ea typeface="微軟正黑體" panose="020B0604030504040204" pitchFamily="34" charset="-120"/>
                   </a:rPr>
-                  <a:t>train</a:t>
+                  <a:t>kernel size</a:t>
                 </a:r>
                 <a:r>
                   <a:rPr lang="zh-TW" altLang="en-US" sz="1800" dirty="0">
@@ -2445,7 +2417,7 @@
                     <a:latin typeface="微軟正黑體" panose="020B0604030504040204" pitchFamily="34" charset="-120"/>
                     <a:ea typeface="微軟正黑體" panose="020B0604030504040204" pitchFamily="34" charset="-120"/>
                   </a:rPr>
-                  <a:t>全部的</a:t>
+                  <a:t>為 </a:t>
                 </a:r>
                 <a:r>
                   <a:rPr lang="en-US" altLang="zh-TW" sz="1800" dirty="0">
@@ -2455,7 +2427,7 @@
                     <a:latin typeface="微軟正黑體" panose="020B0604030504040204" pitchFamily="34" charset="-120"/>
                     <a:ea typeface="微軟正黑體" panose="020B0604030504040204" pitchFamily="34" charset="-120"/>
                   </a:rPr>
-                  <a:t>dataset</a:t>
+                  <a:t>3 × 3 × 3 </a:t>
                 </a:r>
                 <a:r>
                   <a:rPr lang="zh-TW" altLang="en-US" sz="1800" dirty="0">
@@ -2465,7 +2437,7 @@
                     <a:latin typeface="微軟正黑體" panose="020B0604030504040204" pitchFamily="34" charset="-120"/>
                     <a:ea typeface="微軟正黑體" panose="020B0604030504040204" pitchFamily="34" charset="-120"/>
                   </a:rPr>
-                  <a:t>，而第二個是只</a:t>
+                  <a:t>且</a:t>
                 </a:r>
                 <a:r>
                   <a:rPr lang="en-US" altLang="zh-TW" sz="1800" dirty="0">
@@ -2475,7 +2447,7 @@
                     <a:latin typeface="微軟正黑體" panose="020B0604030504040204" pitchFamily="34" charset="-120"/>
                     <a:ea typeface="微軟正黑體" panose="020B0604030504040204" pitchFamily="34" charset="-120"/>
                   </a:rPr>
-                  <a:t>train 40</a:t>
+                  <a:t>step size</a:t>
                 </a:r>
                 <a:r>
                   <a:rPr lang="zh-TW" altLang="en-US" sz="1800" dirty="0">
@@ -2485,7 +2457,7 @@
                     <a:latin typeface="微軟正黑體" panose="020B0604030504040204" pitchFamily="34" charset="-120"/>
                     <a:ea typeface="微軟正黑體" panose="020B0604030504040204" pitchFamily="34" charset="-120"/>
                   </a:rPr>
-                  <a:t>歲以上的</a:t>
+                  <a:t>為 </a:t>
                 </a:r>
                 <a:r>
                   <a:rPr lang="en-US" altLang="zh-TW" sz="1800" dirty="0">
@@ -2495,7 +2467,7 @@
                     <a:latin typeface="微軟正黑體" panose="020B0604030504040204" pitchFamily="34" charset="-120"/>
                     <a:ea typeface="微軟正黑體" panose="020B0604030504040204" pitchFamily="34" charset="-120"/>
                   </a:rPr>
-                  <a:t>data</a:t>
+                  <a:t>2 × 2 × 2 </a:t>
                 </a:r>
                 <a:r>
                   <a:rPr lang="zh-TW" altLang="en-US" sz="1800" dirty="0">
@@ -2505,7 +2477,7 @@
                     <a:latin typeface="微軟正黑體" panose="020B0604030504040204" pitchFamily="34" charset="-120"/>
                     <a:ea typeface="微軟正黑體" panose="020B0604030504040204" pitchFamily="34" charset="-120"/>
                   </a:rPr>
-                  <a:t>，所以年輕的</a:t>
+                  <a:t>的</a:t>
                 </a:r>
                 <a:r>
                   <a:rPr lang="en-US" altLang="zh-TW" sz="1800" dirty="0">
@@ -2515,7 +2487,7 @@
                     <a:latin typeface="微軟正黑體" panose="020B0604030504040204" pitchFamily="34" charset="-120"/>
                     <a:ea typeface="微軟正黑體" panose="020B0604030504040204" pitchFamily="34" charset="-120"/>
                   </a:rPr>
-                  <a:t>data prediction</a:t>
+                  <a:t>max-pooling layer</a:t>
                 </a:r>
                 <a:r>
                   <a:rPr lang="zh-TW" altLang="en-US" sz="1800" dirty="0">
@@ -2525,7 +2497,7 @@
                     <a:latin typeface="微軟正黑體" panose="020B0604030504040204" pitchFamily="34" charset="-120"/>
                     <a:ea typeface="微軟正黑體" panose="020B0604030504040204" pitchFamily="34" charset="-120"/>
                   </a:rPr>
-                  <a:t>是只有第一個</a:t>
+                  <a:t>，然後是一個</a:t>
                 </a:r>
                 <a:r>
                   <a:rPr lang="en-US" altLang="zh-TW" sz="1800" dirty="0">
@@ -2535,7 +2507,7 @@
                     <a:latin typeface="微軟正黑體" panose="020B0604030504040204" pitchFamily="34" charset="-120"/>
                     <a:ea typeface="微軟正黑體" panose="020B0604030504040204" pitchFamily="34" charset="-120"/>
                   </a:rPr>
-                  <a:t>CNN</a:t>
+                  <a:t>flatten layer</a:t>
                 </a:r>
                 <a:r>
                   <a:rPr lang="zh-TW" altLang="en-US" sz="1800" dirty="0">
@@ -2545,7 +2517,7 @@
                     <a:latin typeface="微軟正黑體" panose="020B0604030504040204" pitchFamily="34" charset="-120"/>
                     <a:ea typeface="微軟正黑體" panose="020B0604030504040204" pitchFamily="34" charset="-120"/>
                   </a:rPr>
-                  <a:t>參與</a:t>
+                  <a:t>和一個</a:t>
                 </a:r>
                 <a:r>
                   <a:rPr lang="en-US" altLang="zh-TW" sz="1800" dirty="0">
@@ -2555,7 +2527,7 @@
                     <a:latin typeface="微軟正黑體" panose="020B0604030504040204" pitchFamily="34" charset="-120"/>
                     <a:ea typeface="微軟正黑體" panose="020B0604030504040204" pitchFamily="34" charset="-120"/>
                   </a:rPr>
-                  <a:t>predict</a:t>
+                  <a:t>fully connected block</a:t>
                 </a:r>
                 <a:r>
                   <a:rPr lang="zh-TW" altLang="en-US" sz="1800" dirty="0">
@@ -2565,48 +2537,273 @@
                     <a:latin typeface="微軟正黑體" panose="020B0604030504040204" pitchFamily="34" charset="-120"/>
                     <a:ea typeface="微軟正黑體" panose="020B0604030504040204" pitchFamily="34" charset="-120"/>
                   </a:rPr>
-                  <a:t>，若是較老的</a:t>
-                </a:r>
-                <a:r>
-                  <a:rPr lang="en-US" altLang="zh-TW" sz="1800" dirty="0">
+                  <a:t>。</a:t>
+                </a:r>
+                <a:endParaRPr lang="en-US" altLang="zh-TW" sz="1800" dirty="0">
+                  <a:solidFill>
+                    <a:srgbClr val="000000"/>
+                  </a:solidFill>
+                  <a:latin typeface="微軟正黑體" panose="020B0604030504040204" pitchFamily="34" charset="-120"/>
+                  <a:ea typeface="微軟正黑體" panose="020B0604030504040204" pitchFamily="34" charset="-120"/>
+                </a:endParaRPr>
+              </a:p>
+              <a:p>
+                <a:pPr marL="171450" indent="-171450">
+                  <a:buFont typeface="Arial" panose="020B0604020202020204" pitchFamily="34" charset="0"/>
+                  <a:buChar char="•"/>
+                </a:pPr>
+                <a:r>
+                  <a:rPr lang="zh-TW" altLang="en-US" sz="1800" dirty="0">
                     <a:solidFill>
                       <a:srgbClr val="000000"/>
                     </a:solidFill>
                     <a:latin typeface="微軟正黑體" panose="020B0604030504040204" pitchFamily="34" charset="-120"/>
                     <a:ea typeface="微軟正黑體" panose="020B0604030504040204" pitchFamily="34" charset="-120"/>
                   </a:rPr>
-                  <a:t>data prediction</a:t>
-                </a:r>
-                <a:r>
-                  <a:rPr lang="zh-TW" altLang="en-US" sz="1800" dirty="0">
+                  <a:t>細部結構：每個</a:t>
+                </a:r>
+                <a:r>
+                  <a:rPr lang="en-US" altLang="zh-TW" sz="1800" dirty="0">
                     <a:solidFill>
                       <a:srgbClr val="000000"/>
                     </a:solidFill>
                     <a:latin typeface="微軟正黑體" panose="020B0604030504040204" pitchFamily="34" charset="-120"/>
                     <a:ea typeface="微軟正黑體" panose="020B0604030504040204" pitchFamily="34" charset="-120"/>
                   </a:rPr>
-                  <a:t>，則由整個</a:t>
-                </a:r>
-                <a:r>
-                  <a:rPr lang="en-US" altLang="zh-TW" sz="1800" dirty="0">
+                  <a:t>residual block</a:t>
+                </a:r>
+                <a:r>
+                  <a:rPr lang="zh-TW" altLang="en-US" sz="1800" dirty="0">
                     <a:solidFill>
                       <a:srgbClr val="000000"/>
                     </a:solidFill>
                     <a:latin typeface="微軟正黑體" panose="020B0604030504040204" pitchFamily="34" charset="-120"/>
                     <a:ea typeface="微軟正黑體" panose="020B0604030504040204" pitchFamily="34" charset="-120"/>
                   </a:rPr>
-                  <a:t>model</a:t>
-                </a:r>
-                <a:r>
-                  <a:rPr lang="zh-TW" altLang="en-US" sz="1800" dirty="0">
+                  <a:t>都是重複兩次的層的組合。每</a:t>
+                </a:r>
+                <a:r>
+                  <a:rPr lang="en-US" altLang="zh-TW" sz="1800" dirty="0">
                     <a:solidFill>
                       <a:srgbClr val="000000"/>
                     </a:solidFill>
                     <a:latin typeface="微軟正黑體" panose="020B0604030504040204" pitchFamily="34" charset="-120"/>
                     <a:ea typeface="微軟正黑體" panose="020B0604030504040204" pitchFamily="34" charset="-120"/>
                   </a:rPr>
-                  <a:t>給出最後的年齡</a:t>
-                </a:r>
+                  <a:t>layer</a:t>
+                </a:r>
+                <a:r>
+                  <a:rPr lang="zh-TW" altLang="en-US" sz="1800" dirty="0">
+                    <a:solidFill>
+                      <a:srgbClr val="000000"/>
+                    </a:solidFill>
+                    <a:latin typeface="微軟正黑體" panose="020B0604030504040204" pitchFamily="34" charset="-120"/>
+                    <a:ea typeface="微軟正黑體" panose="020B0604030504040204" pitchFamily="34" charset="-120"/>
+                  </a:rPr>
+                  <a:t>由</a:t>
+                </a:r>
+                <a:r>
+                  <a:rPr lang="en-US" altLang="zh-TW" sz="1800" dirty="0">
+                    <a:solidFill>
+                      <a:srgbClr val="000000"/>
+                    </a:solidFill>
+                    <a:latin typeface="微軟正黑體" panose="020B0604030504040204" pitchFamily="34" charset="-120"/>
+                    <a:ea typeface="微軟正黑體" panose="020B0604030504040204" pitchFamily="34" charset="-120"/>
+                  </a:rPr>
+                  <a:t>kernel size</a:t>
+                </a:r>
+                <a:r>
+                  <a:rPr lang="zh-TW" altLang="en-US" sz="1800" dirty="0">
+                    <a:solidFill>
+                      <a:srgbClr val="000000"/>
+                    </a:solidFill>
+                    <a:latin typeface="微軟正黑體" panose="020B0604030504040204" pitchFamily="34" charset="-120"/>
+                    <a:ea typeface="微軟正黑體" panose="020B0604030504040204" pitchFamily="34" charset="-120"/>
+                  </a:rPr>
+                  <a:t>為 </a:t>
+                </a:r>
+                <a:r>
+                  <a:rPr lang="en-US" altLang="zh-TW" sz="1800" dirty="0">
+                    <a:solidFill>
+                      <a:srgbClr val="000000"/>
+                    </a:solidFill>
+                    <a:latin typeface="微軟正黑體" panose="020B0604030504040204" pitchFamily="34" charset="-120"/>
+                    <a:ea typeface="微軟正黑體" panose="020B0604030504040204" pitchFamily="34" charset="-120"/>
+                  </a:rPr>
+                  <a:t>3×3×3</a:t>
+                </a:r>
+                <a:r>
+                  <a:rPr lang="zh-TW" altLang="en-US" sz="1800" dirty="0">
+                    <a:solidFill>
+                      <a:srgbClr val="000000"/>
+                    </a:solidFill>
+                    <a:latin typeface="微軟正黑體" panose="020B0604030504040204" pitchFamily="34" charset="-120"/>
+                    <a:ea typeface="微軟正黑體" panose="020B0604030504040204" pitchFamily="34" charset="-120"/>
+                  </a:rPr>
+                  <a:t>、</a:t>
+                </a:r>
+                <a:r>
+                  <a:rPr lang="en-US" altLang="zh-TW" sz="1800" dirty="0">
+                    <a:solidFill>
+                      <a:srgbClr val="000000"/>
+                    </a:solidFill>
+                    <a:latin typeface="微軟正黑體" panose="020B0604030504040204" pitchFamily="34" charset="-120"/>
+                    <a:ea typeface="微軟正黑體" panose="020B0604030504040204" pitchFamily="34" charset="-120"/>
+                  </a:rPr>
+                  <a:t>step size </a:t>
+                </a:r>
+                <a:r>
+                  <a:rPr lang="zh-TW" altLang="en-US" sz="1800" dirty="0">
+                    <a:solidFill>
+                      <a:srgbClr val="000000"/>
+                    </a:solidFill>
+                    <a:latin typeface="微軟正黑體" panose="020B0604030504040204" pitchFamily="34" charset="-120"/>
+                    <a:ea typeface="微軟正黑體" panose="020B0604030504040204" pitchFamily="34" charset="-120"/>
+                  </a:rPr>
+                  <a:t>為 </a:t>
+                </a:r>
+                <a:r>
+                  <a:rPr lang="en-US" altLang="zh-TW" sz="1800" dirty="0">
+                    <a:solidFill>
+                      <a:srgbClr val="000000"/>
+                    </a:solidFill>
+                    <a:latin typeface="微軟正黑體" panose="020B0604030504040204" pitchFamily="34" charset="-120"/>
+                    <a:ea typeface="微軟正黑體" panose="020B0604030504040204" pitchFamily="34" charset="-120"/>
+                  </a:rPr>
+                  <a:t>1×1×1 </a:t>
+                </a:r>
+                <a:r>
+                  <a:rPr lang="zh-TW" altLang="en-US" sz="1800" dirty="0">
+                    <a:solidFill>
+                      <a:srgbClr val="000000"/>
+                    </a:solidFill>
+                    <a:latin typeface="微軟正黑體" panose="020B0604030504040204" pitchFamily="34" charset="-120"/>
+                    <a:ea typeface="微軟正黑體" panose="020B0604030504040204" pitchFamily="34" charset="-120"/>
+                  </a:rPr>
+                  <a:t>的 </a:t>
+                </a:r>
+                <a:r>
+                  <a:rPr lang="en-US" altLang="zh-TW" sz="1800" dirty="0">
+                    <a:solidFill>
+                      <a:srgbClr val="000000"/>
+                    </a:solidFill>
+                    <a:latin typeface="微軟正黑體" panose="020B0604030504040204" pitchFamily="34" charset="-120"/>
+                    <a:ea typeface="微軟正黑體" panose="020B0604030504040204" pitchFamily="34" charset="-120"/>
+                  </a:rPr>
+                  <a:t>3D </a:t>
+                </a:r>
+                <a:r>
+                  <a:rPr lang="zh-TW" altLang="en-US" sz="1800" dirty="0">
+                    <a:solidFill>
+                      <a:srgbClr val="000000"/>
+                    </a:solidFill>
+                    <a:latin typeface="微軟正黑體" panose="020B0604030504040204" pitchFamily="34" charset="-120"/>
+                    <a:ea typeface="微軟正黑體" panose="020B0604030504040204" pitchFamily="34" charset="-120"/>
+                  </a:rPr>
+                  <a:t>卷積層、</a:t>
+                </a:r>
+                <a:r>
+                  <a:rPr lang="en-US" altLang="zh-TW" sz="1800" dirty="0">
+                    <a:solidFill>
+                      <a:srgbClr val="000000"/>
+                    </a:solidFill>
+                    <a:latin typeface="微軟正黑體" panose="020B0604030504040204" pitchFamily="34" charset="-120"/>
+                    <a:ea typeface="微軟正黑體" panose="020B0604030504040204" pitchFamily="34" charset="-120"/>
+                  </a:rPr>
+                  <a:t>batch normalization layer</a:t>
+                </a:r>
+                <a:r>
+                  <a:rPr lang="zh-TW" altLang="en-US" sz="1800" dirty="0">
+                    <a:solidFill>
+                      <a:srgbClr val="000000"/>
+                    </a:solidFill>
+                    <a:latin typeface="微軟正黑體" panose="020B0604030504040204" pitchFamily="34" charset="-120"/>
+                    <a:ea typeface="微軟正黑體" panose="020B0604030504040204" pitchFamily="34" charset="-120"/>
+                  </a:rPr>
+                  <a:t>和</a:t>
+                </a:r>
+                <a:r>
+                  <a:rPr lang="en-US" altLang="zh-TW" sz="1800" dirty="0">
+                    <a:solidFill>
+                      <a:srgbClr val="000000"/>
+                    </a:solidFill>
+                    <a:latin typeface="微軟正黑體" panose="020B0604030504040204" pitchFamily="34" charset="-120"/>
+                    <a:ea typeface="微軟正黑體" panose="020B0604030504040204" pitchFamily="34" charset="-120"/>
+                  </a:rPr>
+                  <a:t>exponential linear unit</a:t>
+                </a:r>
+                <a:r>
+                  <a:rPr lang="zh-TW" altLang="en-US" sz="1800" dirty="0">
+                    <a:solidFill>
+                      <a:srgbClr val="000000"/>
+                    </a:solidFill>
+                    <a:latin typeface="微軟正黑體" panose="020B0604030504040204" pitchFamily="34" charset="-120"/>
+                    <a:ea typeface="微軟正黑體" panose="020B0604030504040204" pitchFamily="34" charset="-120"/>
+                  </a:rPr>
+                  <a:t> </a:t>
+                </a:r>
+                <a:r>
+                  <a:rPr lang="en-US" altLang="zh-TW" sz="1800" dirty="0">
+                    <a:solidFill>
+                      <a:srgbClr val="000000"/>
+                    </a:solidFill>
+                    <a:latin typeface="微軟正黑體" panose="020B0604030504040204" pitchFamily="34" charset="-120"/>
+                    <a:ea typeface="微軟正黑體" panose="020B0604030504040204" pitchFamily="34" charset="-120"/>
+                  </a:rPr>
+                  <a:t>(ELU) activation function</a:t>
+                </a:r>
+                <a:r>
+                  <a:rPr lang="zh-TW" altLang="en-US" sz="1800" dirty="0">
+                    <a:solidFill>
+                      <a:srgbClr val="000000"/>
+                    </a:solidFill>
+                    <a:latin typeface="微軟正黑體" panose="020B0604030504040204" pitchFamily="34" charset="-120"/>
+                    <a:ea typeface="微軟正黑體" panose="020B0604030504040204" pitchFamily="34" charset="-120"/>
+                  </a:rPr>
+                  <a:t>組成，在最後一個</a:t>
+                </a:r>
+                <a:r>
+                  <a:rPr lang="en-US" altLang="zh-TW" sz="1800" dirty="0">
+                    <a:solidFill>
+                      <a:srgbClr val="000000"/>
+                    </a:solidFill>
+                    <a:latin typeface="微軟正黑體" panose="020B0604030504040204" pitchFamily="34" charset="-120"/>
+                    <a:ea typeface="微軟正黑體" panose="020B0604030504040204" pitchFamily="34" charset="-120"/>
+                  </a:rPr>
+                  <a:t>activation function</a:t>
+                </a:r>
+                <a:r>
+                  <a:rPr lang="zh-TW" altLang="en-US" sz="1800" dirty="0">
+                    <a:solidFill>
+                      <a:srgbClr val="000000"/>
+                    </a:solidFill>
+                    <a:latin typeface="微軟正黑體" panose="020B0604030504040204" pitchFamily="34" charset="-120"/>
+                    <a:ea typeface="微軟正黑體" panose="020B0604030504040204" pitchFamily="34" charset="-120"/>
+                  </a:rPr>
+                  <a:t>之前添加一個跳過連接</a:t>
+                </a:r>
+                <a:endParaRPr lang="en-US" altLang="zh-TW" sz="1800" dirty="0">
+                  <a:solidFill>
+                    <a:srgbClr val="000000"/>
+                  </a:solidFill>
+                  <a:latin typeface="微軟正黑體" panose="020B0604030504040204" pitchFamily="34" charset="-120"/>
+                  <a:ea typeface="微軟正黑體" panose="020B0604030504040204" pitchFamily="34" charset="-120"/>
+                </a:endParaRPr>
+              </a:p>
+              <a:p>
+                <a:pPr marL="171450" indent="-171450">
+                  <a:buFont typeface="Arial" panose="020B0604020202020204" pitchFamily="34" charset="0"/>
+                  <a:buChar char="•"/>
+                </a:pPr>
+                <a:endParaRPr lang="zh-TW" altLang="en-US" sz="1800" dirty="0">
+                  <a:solidFill>
+                    <a:prstClr val="black"/>
+                  </a:solidFill>
+                  <a:latin typeface="Segoe UI" panose="020B0502040204020203" pitchFamily="34" charset="0"/>
+                  <a:ea typeface="微軟正黑體" panose="020B0604030504040204" pitchFamily="34" charset="-120"/>
+                </a:endParaRPr>
+              </a:p>
+              <a:p>
                 <a:endParaRPr lang="en-US" altLang="zh-TW" dirty="0"/>
               </a:p>
             </p:txBody>
@@ -3377,7 +3574,7 @@
     </p:spTree>
     <p:extLst>
       <p:ext uri="{BB962C8B-B14F-4D97-AF65-F5344CB8AC3E}">
-        <p14:creationId xmlns:p14="http://schemas.microsoft.com/office/powerpoint/2010/main" val="1032364227"/>
+        <p14:creationId xmlns:p14="http://schemas.microsoft.com/office/powerpoint/2010/main" val="514971231"/>
       </p:ext>
     </p:extLst>
   </p:cSld>
@@ -3438,226 +3635,45 @@
                   <a:buChar char="•"/>
                 </a:pPr>
                 <a:r>
+                  <a:rPr lang="zh-TW" dirty="0"/>
+                  <a:t>最後的 softmax </a:t>
+                </a:r>
+                <a:r>
+                  <a:rPr lang="en-US" altLang="zh-TW" dirty="0"/>
+                  <a:t> layer</a:t>
+                </a:r>
+                <a:r>
+                  <a:rPr lang="zh-TW" dirty="0"/>
+                  <a:t>被移除，留下一個</a:t>
+                </a:r>
+                <a:r>
+                  <a:rPr lang="en-US" altLang="zh-TW" dirty="0"/>
+                  <a:t>fully connected layer</a:t>
+                </a:r>
+                <a:r>
+                  <a:rPr lang="zh-TW" dirty="0"/>
+                  <a:t>作為最後一層，從而確保</a:t>
+                </a:r>
+                <a:r>
+                  <a:rPr lang="en-US" altLang="zh-TW" dirty="0"/>
+                  <a:t>regression task</a:t>
+                </a:r>
+                <a:r>
+                  <a:rPr lang="zh-TW" dirty="0"/>
+                  <a:t>而不是</a:t>
+                </a:r>
+                <a:r>
+                  <a:rPr lang="en-US" altLang="zh-TW" dirty="0"/>
+                  <a:t>classified task(</a:t>
+                </a:r>
+                <a:r>
                   <a:rPr lang="zh-TW" altLang="en-US" dirty="0"/>
-                  <a:t>整體結構：</a:t>
-                </a:r>
-                <a:r>
-                  <a:rPr lang="zh-TW" altLang="en-US" sz="1800" dirty="0">
-                    <a:solidFill>
-                      <a:srgbClr val="000000"/>
-                    </a:solidFill>
-                    <a:latin typeface="微軟正黑體" panose="020B0604030504040204" pitchFamily="34" charset="-120"/>
-                    <a:ea typeface="微軟正黑體" panose="020B0604030504040204" pitchFamily="34" charset="-120"/>
-                  </a:rPr>
-                  <a:t>該模型是一個 </a:t>
-                </a:r>
-                <a:r>
-                  <a:rPr lang="en-US" altLang="zh-TW" sz="1800" dirty="0">
-                    <a:solidFill>
-                      <a:srgbClr val="000000"/>
-                    </a:solidFill>
-                    <a:latin typeface="微軟正黑體" panose="020B0604030504040204" pitchFamily="34" charset="-120"/>
-                    <a:ea typeface="微軟正黑體" panose="020B0604030504040204" pitchFamily="34" charset="-120"/>
-                  </a:rPr>
-                  <a:t>3D CNN</a:t>
-                </a:r>
-                <a:r>
-                  <a:rPr lang="zh-TW" altLang="en-US" sz="1800" dirty="0">
-                    <a:solidFill>
-                      <a:srgbClr val="000000"/>
-                    </a:solidFill>
-                    <a:latin typeface="微軟正黑體" panose="020B0604030504040204" pitchFamily="34" charset="-120"/>
-                    <a:ea typeface="微軟正黑體" panose="020B0604030504040204" pitchFamily="34" charset="-120"/>
-                  </a:rPr>
-                  <a:t>，由五個</a:t>
-                </a:r>
-                <a:r>
-                  <a:rPr lang="en-US" altLang="zh-TW" sz="1800" dirty="0">
-                    <a:solidFill>
-                      <a:srgbClr val="000000"/>
-                    </a:solidFill>
-                    <a:latin typeface="微軟正黑體" panose="020B0604030504040204" pitchFamily="34" charset="-120"/>
-                    <a:ea typeface="微軟正黑體" panose="020B0604030504040204" pitchFamily="34" charset="-120"/>
-                  </a:rPr>
-                  <a:t>residual block</a:t>
-                </a:r>
-                <a:r>
-                  <a:rPr lang="zh-TW" altLang="en-US" sz="1800" dirty="0">
-                    <a:solidFill>
-                      <a:srgbClr val="000000"/>
-                    </a:solidFill>
-                    <a:latin typeface="微軟正黑體" panose="020B0604030504040204" pitchFamily="34" charset="-120"/>
-                    <a:ea typeface="微軟正黑體" panose="020B0604030504040204" pitchFamily="34" charset="-120"/>
-                  </a:rPr>
-                  <a:t>組成，每個</a:t>
-                </a:r>
-                <a:r>
-                  <a:rPr lang="en-US" altLang="zh-TW" sz="1800" dirty="0">
-                    <a:solidFill>
-                      <a:srgbClr val="000000"/>
-                    </a:solidFill>
-                    <a:latin typeface="微軟正黑體" panose="020B0604030504040204" pitchFamily="34" charset="-120"/>
-                    <a:ea typeface="微軟正黑體" panose="020B0604030504040204" pitchFamily="34" charset="-120"/>
-                  </a:rPr>
-                  <a:t>residual block</a:t>
-                </a:r>
-                <a:r>
-                  <a:rPr lang="zh-TW" altLang="en-US" sz="1800" dirty="0">
-                    <a:solidFill>
-                      <a:srgbClr val="000000"/>
-                    </a:solidFill>
-                    <a:latin typeface="微軟正黑體" panose="020B0604030504040204" pitchFamily="34" charset="-120"/>
-                    <a:ea typeface="微軟正黑體" panose="020B0604030504040204" pitchFamily="34" charset="-120"/>
-                  </a:rPr>
-                  <a:t>後跟一個</a:t>
-                </a:r>
-                <a:r>
-                  <a:rPr lang="en-US" altLang="zh-TW" sz="1800" dirty="0">
-                    <a:solidFill>
-                      <a:srgbClr val="000000"/>
-                    </a:solidFill>
-                    <a:latin typeface="微軟正黑體" panose="020B0604030504040204" pitchFamily="34" charset="-120"/>
-                    <a:ea typeface="微軟正黑體" panose="020B0604030504040204" pitchFamily="34" charset="-120"/>
-                  </a:rPr>
-                  <a:t>kernel size</a:t>
-                </a:r>
-                <a:r>
-                  <a:rPr lang="zh-TW" altLang="en-US" sz="1800" dirty="0">
-                    <a:solidFill>
-                      <a:srgbClr val="000000"/>
-                    </a:solidFill>
-                    <a:latin typeface="微軟正黑體" panose="020B0604030504040204" pitchFamily="34" charset="-120"/>
-                    <a:ea typeface="微軟正黑體" panose="020B0604030504040204" pitchFamily="34" charset="-120"/>
-                  </a:rPr>
-                  <a:t>為 </a:t>
-                </a:r>
-                <a:r>
-                  <a:rPr lang="en-US" altLang="zh-TW" sz="1800" dirty="0">
-                    <a:solidFill>
-                      <a:srgbClr val="000000"/>
-                    </a:solidFill>
-                    <a:latin typeface="微軟正黑體" panose="020B0604030504040204" pitchFamily="34" charset="-120"/>
-                    <a:ea typeface="微軟正黑體" panose="020B0604030504040204" pitchFamily="34" charset="-120"/>
-                  </a:rPr>
-                  <a:t>3 × 3 × 3 </a:t>
-                </a:r>
-                <a:r>
-                  <a:rPr lang="zh-TW" altLang="en-US" sz="1800" dirty="0">
-                    <a:solidFill>
-                      <a:srgbClr val="000000"/>
-                    </a:solidFill>
-                    <a:latin typeface="微軟正黑體" panose="020B0604030504040204" pitchFamily="34" charset="-120"/>
-                    <a:ea typeface="微軟正黑體" panose="020B0604030504040204" pitchFamily="34" charset="-120"/>
-                  </a:rPr>
-                  <a:t>且</a:t>
-                </a:r>
-                <a:r>
-                  <a:rPr lang="en-US" altLang="zh-TW" sz="1800" dirty="0">
-                    <a:solidFill>
-                      <a:srgbClr val="000000"/>
-                    </a:solidFill>
-                    <a:latin typeface="微軟正黑體" panose="020B0604030504040204" pitchFamily="34" charset="-120"/>
-                    <a:ea typeface="微軟正黑體" panose="020B0604030504040204" pitchFamily="34" charset="-120"/>
-                  </a:rPr>
-                  <a:t>step size</a:t>
-                </a:r>
-                <a:r>
-                  <a:rPr lang="zh-TW" altLang="en-US" sz="1800" dirty="0">
-                    <a:solidFill>
-                      <a:srgbClr val="000000"/>
-                    </a:solidFill>
-                    <a:latin typeface="微軟正黑體" panose="020B0604030504040204" pitchFamily="34" charset="-120"/>
-                    <a:ea typeface="微軟正黑體" panose="020B0604030504040204" pitchFamily="34" charset="-120"/>
-                  </a:rPr>
-                  <a:t>為 </a:t>
-                </a:r>
-                <a:r>
-                  <a:rPr lang="en-US" altLang="zh-TW" sz="1800" dirty="0">
-                    <a:solidFill>
-                      <a:srgbClr val="000000"/>
-                    </a:solidFill>
-                    <a:latin typeface="微軟正黑體" panose="020B0604030504040204" pitchFamily="34" charset="-120"/>
-                    <a:ea typeface="微軟正黑體" panose="020B0604030504040204" pitchFamily="34" charset="-120"/>
-                  </a:rPr>
-                  <a:t>2 × 2 × 2 </a:t>
-                </a:r>
-                <a:r>
-                  <a:rPr lang="zh-TW" altLang="en-US" sz="1800" dirty="0">
-                    <a:solidFill>
-                      <a:srgbClr val="000000"/>
-                    </a:solidFill>
-                    <a:latin typeface="微軟正黑體" panose="020B0604030504040204" pitchFamily="34" charset="-120"/>
-                    <a:ea typeface="微軟正黑體" panose="020B0604030504040204" pitchFamily="34" charset="-120"/>
-                  </a:rPr>
-                  <a:t>的</a:t>
-                </a:r>
-                <a:r>
-                  <a:rPr lang="en-US" altLang="zh-TW" sz="1800" dirty="0">
-                    <a:solidFill>
-                      <a:srgbClr val="000000"/>
-                    </a:solidFill>
-                    <a:latin typeface="微軟正黑體" panose="020B0604030504040204" pitchFamily="34" charset="-120"/>
-                    <a:ea typeface="微軟正黑體" panose="020B0604030504040204" pitchFamily="34" charset="-120"/>
-                  </a:rPr>
-                  <a:t>max-pooling layer</a:t>
-                </a:r>
-                <a:r>
-                  <a:rPr lang="zh-TW" altLang="en-US" sz="1800" dirty="0">
-                    <a:solidFill>
-                      <a:srgbClr val="000000"/>
-                    </a:solidFill>
-                    <a:latin typeface="微軟正黑體" panose="020B0604030504040204" pitchFamily="34" charset="-120"/>
-                    <a:ea typeface="微軟正黑體" panose="020B0604030504040204" pitchFamily="34" charset="-120"/>
-                  </a:rPr>
-                  <a:t>，然後是一個</a:t>
-                </a:r>
-                <a:r>
-                  <a:rPr lang="en-US" altLang="zh-TW" sz="1800" dirty="0">
-                    <a:solidFill>
-                      <a:srgbClr val="000000"/>
-                    </a:solidFill>
-                    <a:latin typeface="微軟正黑體" panose="020B0604030504040204" pitchFamily="34" charset="-120"/>
-                    <a:ea typeface="微軟正黑體" panose="020B0604030504040204" pitchFamily="34" charset="-120"/>
-                  </a:rPr>
-                  <a:t>flatten layer</a:t>
-                </a:r>
-                <a:r>
-                  <a:rPr lang="zh-TW" altLang="en-US" sz="1800" dirty="0">
-                    <a:solidFill>
-                      <a:srgbClr val="000000"/>
-                    </a:solidFill>
-                    <a:latin typeface="微軟正黑體" panose="020B0604030504040204" pitchFamily="34" charset="-120"/>
-                    <a:ea typeface="微軟正黑體" panose="020B0604030504040204" pitchFamily="34" charset="-120"/>
-                  </a:rPr>
-                  <a:t>和一個</a:t>
-                </a:r>
-                <a:r>
-                  <a:rPr lang="en-US" altLang="zh-TW" sz="1800" dirty="0">
-                    <a:solidFill>
-                      <a:srgbClr val="000000"/>
-                    </a:solidFill>
-                    <a:latin typeface="微軟正黑體" panose="020B0604030504040204" pitchFamily="34" charset="-120"/>
-                    <a:ea typeface="微軟正黑體" panose="020B0604030504040204" pitchFamily="34" charset="-120"/>
-                  </a:rPr>
-                  <a:t>fully connected block</a:t>
-                </a:r>
-                <a:r>
-                  <a:rPr lang="zh-TW" altLang="en-US" sz="1800" dirty="0">
-                    <a:solidFill>
-                      <a:srgbClr val="000000"/>
-                    </a:solidFill>
-                    <a:latin typeface="微軟正黑體" panose="020B0604030504040204" pitchFamily="34" charset="-120"/>
-                    <a:ea typeface="微軟正黑體" panose="020B0604030504040204" pitchFamily="34" charset="-120"/>
-                  </a:rPr>
-                  <a:t>。</a:t>
-                </a:r>
-                <a:endParaRPr lang="en-US" altLang="zh-TW" sz="1800" dirty="0">
-                  <a:solidFill>
-                    <a:srgbClr val="000000"/>
-                  </a:solidFill>
-                  <a:latin typeface="微軟正黑體" panose="020B0604030504040204" pitchFamily="34" charset="-120"/>
-                  <a:ea typeface="微軟正黑體" panose="020B0604030504040204" pitchFamily="34" charset="-120"/>
-                </a:endParaRPr>
+                  <a:t>很明確，因為是要預測一個明確的數值</a:t>
+                </a:r>
+                <a:r>
+                  <a:rPr lang="en-US" altLang="zh-TW" dirty="0"/>
+                  <a:t>)</a:t>
+                </a:r>
               </a:p>
               <a:p>
                 <a:pPr marL="171450" indent="-171450">
@@ -3672,7 +3688,7 @@
                     <a:latin typeface="微軟正黑體" panose="020B0604030504040204" pitchFamily="34" charset="-120"/>
                     <a:ea typeface="微軟正黑體" panose="020B0604030504040204" pitchFamily="34" charset="-120"/>
                   </a:rPr>
-                  <a:t>細部結構：每個</a:t>
+                  <a:t>為了防止梯度消失所以用</a:t>
                 </a:r>
                 <a:r>
                   <a:rPr lang="en-US" altLang="zh-TW" sz="1800" dirty="0">
@@ -3682,7 +3698,7 @@
                     <a:latin typeface="微軟正黑體" panose="020B0604030504040204" pitchFamily="34" charset="-120"/>
                     <a:ea typeface="微軟正黑體" panose="020B0604030504040204" pitchFamily="34" charset="-120"/>
                   </a:rPr>
-                  <a:t>residual block</a:t>
+                  <a:t>auxiliary layer</a:t>
                 </a:r>
                 <a:r>
                   <a:rPr lang="zh-TW" altLang="en-US" sz="1800" dirty="0">
@@ -3692,230 +3708,8 @@
                     <a:latin typeface="微軟正黑體" panose="020B0604030504040204" pitchFamily="34" charset="-120"/>
                     <a:ea typeface="微軟正黑體" panose="020B0604030504040204" pitchFamily="34" charset="-120"/>
                   </a:rPr>
-                  <a:t>都是重複兩次的層的組合。每</a:t>
-                </a:r>
-                <a:r>
-                  <a:rPr lang="en-US" altLang="zh-TW" sz="1800" dirty="0">
-                    <a:solidFill>
-                      <a:srgbClr val="000000"/>
-                    </a:solidFill>
-                    <a:latin typeface="微軟正黑體" panose="020B0604030504040204" pitchFamily="34" charset="-120"/>
-                    <a:ea typeface="微軟正黑體" panose="020B0604030504040204" pitchFamily="34" charset="-120"/>
-                  </a:rPr>
-                  <a:t>layer</a:t>
-                </a:r>
-                <a:r>
-                  <a:rPr lang="zh-TW" altLang="en-US" sz="1800" dirty="0">
-                    <a:solidFill>
-                      <a:srgbClr val="000000"/>
-                    </a:solidFill>
-                    <a:latin typeface="微軟正黑體" panose="020B0604030504040204" pitchFamily="34" charset="-120"/>
-                    <a:ea typeface="微軟正黑體" panose="020B0604030504040204" pitchFamily="34" charset="-120"/>
-                  </a:rPr>
-                  <a:t>由</a:t>
-                </a:r>
-                <a:r>
-                  <a:rPr lang="en-US" altLang="zh-TW" sz="1800" dirty="0">
-                    <a:solidFill>
-                      <a:srgbClr val="000000"/>
-                    </a:solidFill>
-                    <a:latin typeface="微軟正黑體" panose="020B0604030504040204" pitchFamily="34" charset="-120"/>
-                    <a:ea typeface="微軟正黑體" panose="020B0604030504040204" pitchFamily="34" charset="-120"/>
-                  </a:rPr>
-                  <a:t>kernel size</a:t>
-                </a:r>
-                <a:r>
-                  <a:rPr lang="zh-TW" altLang="en-US" sz="1800" dirty="0">
-                    <a:solidFill>
-                      <a:srgbClr val="000000"/>
-                    </a:solidFill>
-                    <a:latin typeface="微軟正黑體" panose="020B0604030504040204" pitchFamily="34" charset="-120"/>
-                    <a:ea typeface="微軟正黑體" panose="020B0604030504040204" pitchFamily="34" charset="-120"/>
-                  </a:rPr>
-                  <a:t>為 </a:t>
-                </a:r>
-                <a:r>
-                  <a:rPr lang="en-US" altLang="zh-TW" sz="1800" dirty="0">
-                    <a:solidFill>
-                      <a:srgbClr val="000000"/>
-                    </a:solidFill>
-                    <a:latin typeface="微軟正黑體" panose="020B0604030504040204" pitchFamily="34" charset="-120"/>
-                    <a:ea typeface="微軟正黑體" panose="020B0604030504040204" pitchFamily="34" charset="-120"/>
-                  </a:rPr>
-                  <a:t>3×3×3</a:t>
-                </a:r>
-                <a:r>
-                  <a:rPr lang="zh-TW" altLang="en-US" sz="1800" dirty="0">
-                    <a:solidFill>
-                      <a:srgbClr val="000000"/>
-                    </a:solidFill>
-                    <a:latin typeface="微軟正黑體" panose="020B0604030504040204" pitchFamily="34" charset="-120"/>
-                    <a:ea typeface="微軟正黑體" panose="020B0604030504040204" pitchFamily="34" charset="-120"/>
-                  </a:rPr>
-                  <a:t>、</a:t>
-                </a:r>
-                <a:r>
-                  <a:rPr lang="en-US" altLang="zh-TW" sz="1800" dirty="0">
-                    <a:solidFill>
-                      <a:srgbClr val="000000"/>
-                    </a:solidFill>
-                    <a:latin typeface="微軟正黑體" panose="020B0604030504040204" pitchFamily="34" charset="-120"/>
-                    <a:ea typeface="微軟正黑體" panose="020B0604030504040204" pitchFamily="34" charset="-120"/>
-                  </a:rPr>
-                  <a:t>step size </a:t>
-                </a:r>
-                <a:r>
-                  <a:rPr lang="zh-TW" altLang="en-US" sz="1800" dirty="0">
-                    <a:solidFill>
-                      <a:srgbClr val="000000"/>
-                    </a:solidFill>
-                    <a:latin typeface="微軟正黑體" panose="020B0604030504040204" pitchFamily="34" charset="-120"/>
-                    <a:ea typeface="微軟正黑體" panose="020B0604030504040204" pitchFamily="34" charset="-120"/>
-                  </a:rPr>
-                  <a:t>為 </a:t>
-                </a:r>
-                <a:r>
-                  <a:rPr lang="en-US" altLang="zh-TW" sz="1800" dirty="0">
-                    <a:solidFill>
-                      <a:srgbClr val="000000"/>
-                    </a:solidFill>
-                    <a:latin typeface="微軟正黑體" panose="020B0604030504040204" pitchFamily="34" charset="-120"/>
-                    <a:ea typeface="微軟正黑體" panose="020B0604030504040204" pitchFamily="34" charset="-120"/>
-                  </a:rPr>
-                  <a:t>1×1×1 </a:t>
-                </a:r>
-                <a:r>
-                  <a:rPr lang="zh-TW" altLang="en-US" sz="1800" dirty="0">
-                    <a:solidFill>
-                      <a:srgbClr val="000000"/>
-                    </a:solidFill>
-                    <a:latin typeface="微軟正黑體" panose="020B0604030504040204" pitchFamily="34" charset="-120"/>
-                    <a:ea typeface="微軟正黑體" panose="020B0604030504040204" pitchFamily="34" charset="-120"/>
-                  </a:rPr>
-                  <a:t>的 </a:t>
-                </a:r>
-                <a:r>
-                  <a:rPr lang="en-US" altLang="zh-TW" sz="1800" dirty="0">
-                    <a:solidFill>
-                      <a:srgbClr val="000000"/>
-                    </a:solidFill>
-                    <a:latin typeface="微軟正黑體" panose="020B0604030504040204" pitchFamily="34" charset="-120"/>
-                    <a:ea typeface="微軟正黑體" panose="020B0604030504040204" pitchFamily="34" charset="-120"/>
-                  </a:rPr>
-                  <a:t>3D </a:t>
-                </a:r>
-                <a:r>
-                  <a:rPr lang="zh-TW" altLang="en-US" sz="1800" dirty="0">
-                    <a:solidFill>
-                      <a:srgbClr val="000000"/>
-                    </a:solidFill>
-                    <a:latin typeface="微軟正黑體" panose="020B0604030504040204" pitchFamily="34" charset="-120"/>
-                    <a:ea typeface="微軟正黑體" panose="020B0604030504040204" pitchFamily="34" charset="-120"/>
-                  </a:rPr>
-                  <a:t>卷積層、</a:t>
-                </a:r>
-                <a:r>
-                  <a:rPr lang="en-US" altLang="zh-TW" sz="1800" dirty="0">
-                    <a:solidFill>
-                      <a:srgbClr val="000000"/>
-                    </a:solidFill>
-                    <a:latin typeface="微軟正黑體" panose="020B0604030504040204" pitchFamily="34" charset="-120"/>
-                    <a:ea typeface="微軟正黑體" panose="020B0604030504040204" pitchFamily="34" charset="-120"/>
-                  </a:rPr>
-                  <a:t>batch normalization layer</a:t>
-                </a:r>
-                <a:r>
-                  <a:rPr lang="zh-TW" altLang="en-US" sz="1800" dirty="0">
-                    <a:solidFill>
-                      <a:srgbClr val="000000"/>
-                    </a:solidFill>
-                    <a:latin typeface="微軟正黑體" panose="020B0604030504040204" pitchFamily="34" charset="-120"/>
-                    <a:ea typeface="微軟正黑體" panose="020B0604030504040204" pitchFamily="34" charset="-120"/>
-                  </a:rPr>
-                  <a:t>和</a:t>
-                </a:r>
-                <a:r>
-                  <a:rPr lang="en-US" altLang="zh-TW" sz="1800" dirty="0">
-                    <a:solidFill>
-                      <a:srgbClr val="000000"/>
-                    </a:solidFill>
-                    <a:latin typeface="微軟正黑體" panose="020B0604030504040204" pitchFamily="34" charset="-120"/>
-                    <a:ea typeface="微軟正黑體" panose="020B0604030504040204" pitchFamily="34" charset="-120"/>
-                  </a:rPr>
-                  <a:t>exponential linear unit</a:t>
-                </a:r>
-                <a:r>
-                  <a:rPr lang="zh-TW" altLang="en-US" sz="1800" dirty="0">
-                    <a:solidFill>
-                      <a:srgbClr val="000000"/>
-                    </a:solidFill>
-                    <a:latin typeface="微軟正黑體" panose="020B0604030504040204" pitchFamily="34" charset="-120"/>
-                    <a:ea typeface="微軟正黑體" panose="020B0604030504040204" pitchFamily="34" charset="-120"/>
-                  </a:rPr>
-                  <a:t> </a:t>
-                </a:r>
-                <a:r>
-                  <a:rPr lang="en-US" altLang="zh-TW" sz="1800" dirty="0">
-                    <a:solidFill>
-                      <a:srgbClr val="000000"/>
-                    </a:solidFill>
-                    <a:latin typeface="微軟正黑體" panose="020B0604030504040204" pitchFamily="34" charset="-120"/>
-                    <a:ea typeface="微軟正黑體" panose="020B0604030504040204" pitchFamily="34" charset="-120"/>
-                  </a:rPr>
-                  <a:t>(ELU) activation function</a:t>
-                </a:r>
-                <a:r>
-                  <a:rPr lang="zh-TW" altLang="en-US" sz="1800" dirty="0">
-                    <a:solidFill>
-                      <a:srgbClr val="000000"/>
-                    </a:solidFill>
-                    <a:latin typeface="微軟正黑體" panose="020B0604030504040204" pitchFamily="34" charset="-120"/>
-                    <a:ea typeface="微軟正黑體" panose="020B0604030504040204" pitchFamily="34" charset="-120"/>
-                  </a:rPr>
-                  <a:t>組成，在最後一個</a:t>
-                </a:r>
-                <a:r>
-                  <a:rPr lang="en-US" altLang="zh-TW" sz="1800" dirty="0">
-                    <a:solidFill>
-                      <a:srgbClr val="000000"/>
-                    </a:solidFill>
-                    <a:latin typeface="微軟正黑體" panose="020B0604030504040204" pitchFamily="34" charset="-120"/>
-                    <a:ea typeface="微軟正黑體" panose="020B0604030504040204" pitchFamily="34" charset="-120"/>
-                  </a:rPr>
-                  <a:t>activation function</a:t>
-                </a:r>
-                <a:r>
-                  <a:rPr lang="zh-TW" altLang="en-US" sz="1800" dirty="0">
-                    <a:solidFill>
-                      <a:srgbClr val="000000"/>
-                    </a:solidFill>
-                    <a:latin typeface="微軟正黑體" panose="020B0604030504040204" pitchFamily="34" charset="-120"/>
-                    <a:ea typeface="微軟正黑體" panose="020B0604030504040204" pitchFamily="34" charset="-120"/>
-                  </a:rPr>
-                  <a:t>之前添加一個跳過連接</a:t>
-                </a:r>
-                <a:endParaRPr lang="en-US" altLang="zh-TW" sz="1800" dirty="0">
-                  <a:solidFill>
-                    <a:srgbClr val="000000"/>
-                  </a:solidFill>
-                  <a:latin typeface="微軟正黑體" panose="020B0604030504040204" pitchFamily="34" charset="-120"/>
-                  <a:ea typeface="微軟正黑體" panose="020B0604030504040204" pitchFamily="34" charset="-120"/>
-                </a:endParaRPr>
-              </a:p>
-              <a:p>
-                <a:pPr marL="171450" indent="-171450">
-                  <a:buFont typeface="Arial" panose="020B0604020202020204" pitchFamily="34" charset="0"/>
-                  <a:buChar char="•"/>
-                </a:pPr>
-                <a:endParaRPr lang="zh-TW" altLang="en-US" sz="1800" dirty="0">
-                  <a:solidFill>
-                    <a:prstClr val="black"/>
-                  </a:solidFill>
-                  <a:latin typeface="Segoe UI" panose="020B0502040204020203" pitchFamily="34" charset="0"/>
-                  <a:ea typeface="微軟正黑體" panose="020B0604030504040204" pitchFamily="34" charset="-120"/>
-                </a:endParaRPr>
-              </a:p>
-              <a:p>
+                  <a:t>處理梯度消失的問題</a:t>
+                </a:r>
                 <a:endParaRPr lang="en-US" altLang="zh-TW" dirty="0"/>
               </a:p>
             </p:txBody>
@@ -4686,7 +4480,7 @@
     </p:spTree>
     <p:extLst>
       <p:ext uri="{BB962C8B-B14F-4D97-AF65-F5344CB8AC3E}">
-        <p14:creationId xmlns:p14="http://schemas.microsoft.com/office/powerpoint/2010/main" val="514971231"/>
+        <p14:creationId xmlns:p14="http://schemas.microsoft.com/office/powerpoint/2010/main" val="3156694788"/>
       </p:ext>
     </p:extLst>
   </p:cSld>
@@ -4725,847 +4519,175 @@
         </p:nvSpPr>
         <p:spPr/>
       </p:sp>
-      <mc:AlternateContent xmlns:mc="http://schemas.openxmlformats.org/markup-compatibility/2006" xmlns:a14="http://schemas.microsoft.com/office/drawing/2010/main">
-        <mc:Choice Requires="a14">
-          <p:sp>
-            <p:nvSpPr>
-              <p:cNvPr id="3" name="備忘稿版面配置區 2"/>
-              <p:cNvSpPr>
-                <a:spLocks noGrp="1"/>
-              </p:cNvSpPr>
-              <p:nvPr>
-                <p:ph type="body" idx="1"/>
-              </p:nvPr>
-            </p:nvSpPr>
-            <p:spPr/>
-            <p:txBody>
-              <a:bodyPr/>
-              <a:lstStyle/>
-              <a:p>
-                <a:pPr marL="171450" indent="-171450">
-                  <a:buFont typeface="Arial" panose="020B0604020202020204" pitchFamily="34" charset="0"/>
-                  <a:buChar char="•"/>
-                </a:pPr>
-                <a:r>
-                  <a:rPr lang="zh-TW" dirty="0"/>
-                  <a:t>最後的 softmax </a:t>
-                </a:r>
-                <a:r>
-                  <a:rPr lang="en-US" altLang="zh-TW" dirty="0"/>
-                  <a:t> layer</a:t>
-                </a:r>
-                <a:r>
-                  <a:rPr lang="zh-TW" dirty="0"/>
-                  <a:t>被移除，留下一個</a:t>
-                </a:r>
-                <a:r>
-                  <a:rPr lang="en-US" altLang="zh-TW" dirty="0"/>
-                  <a:t>fully connected layer</a:t>
-                </a:r>
-                <a:r>
-                  <a:rPr lang="zh-TW" dirty="0"/>
-                  <a:t>作為最後一層，從而確保</a:t>
-                </a:r>
-                <a:r>
-                  <a:rPr lang="en-US" altLang="zh-TW" dirty="0"/>
-                  <a:t>regression task</a:t>
-                </a:r>
-                <a:r>
-                  <a:rPr lang="zh-TW" dirty="0"/>
-                  <a:t>而不是</a:t>
-                </a:r>
-                <a:r>
-                  <a:rPr lang="en-US" altLang="zh-TW" dirty="0"/>
-                  <a:t>classified task(</a:t>
-                </a:r>
-                <a:r>
-                  <a:rPr lang="zh-TW" altLang="en-US" dirty="0"/>
-                  <a:t>很明確，因為是要預測一個明確的數值</a:t>
-                </a:r>
-                <a:r>
-                  <a:rPr lang="en-US" altLang="zh-TW" dirty="0"/>
-                  <a:t>)</a:t>
-                </a:r>
-              </a:p>
-              <a:p>
-                <a:pPr marL="171450" indent="-171450">
-                  <a:buFont typeface="Arial" panose="020B0604020202020204" pitchFamily="34" charset="0"/>
-                  <a:buChar char="•"/>
-                </a:pPr>
-                <a:r>
-                  <a:rPr lang="zh-TW" altLang="en-US" sz="1800" dirty="0">
-                    <a:solidFill>
-                      <a:srgbClr val="000000"/>
-                    </a:solidFill>
-                    <a:latin typeface="微軟正黑體" panose="020B0604030504040204" pitchFamily="34" charset="-120"/>
-                    <a:ea typeface="微軟正黑體" panose="020B0604030504040204" pitchFamily="34" charset="-120"/>
-                  </a:rPr>
-                  <a:t>為了防止梯度消失所以用</a:t>
-                </a:r>
-                <a:r>
-                  <a:rPr lang="en-US" altLang="zh-TW" sz="1800" dirty="0">
-                    <a:solidFill>
-                      <a:srgbClr val="000000"/>
-                    </a:solidFill>
-                    <a:latin typeface="微軟正黑體" panose="020B0604030504040204" pitchFamily="34" charset="-120"/>
-                    <a:ea typeface="微軟正黑體" panose="020B0604030504040204" pitchFamily="34" charset="-120"/>
-                  </a:rPr>
-                  <a:t>auxiliary layer</a:t>
-                </a:r>
-                <a:r>
-                  <a:rPr lang="zh-TW" altLang="en-US" sz="1800" dirty="0">
-                    <a:solidFill>
-                      <a:srgbClr val="000000"/>
-                    </a:solidFill>
-                    <a:latin typeface="微軟正黑體" panose="020B0604030504040204" pitchFamily="34" charset="-120"/>
-                    <a:ea typeface="微軟正黑體" panose="020B0604030504040204" pitchFamily="34" charset="-120"/>
-                  </a:rPr>
-                  <a:t>處理梯度消失的問題</a:t>
-                </a:r>
-                <a:endParaRPr lang="en-US" altLang="zh-TW" dirty="0"/>
-              </a:p>
-            </p:txBody>
-          </p:sp>
-        </mc:Choice>
-        <mc:Fallback xmlns="">
-          <p:sp>
-            <p:nvSpPr>
-              <p:cNvPr id="3" name="備忘稿版面配置區 2"/>
-              <p:cNvSpPr>
-                <a:spLocks noGrp="1"/>
-              </p:cNvSpPr>
-              <p:nvPr>
-                <p:ph type="body" idx="1"/>
-              </p:nvPr>
-            </p:nvSpPr>
-            <p:spPr/>
-            <p:txBody>
-              <a:bodyPr/>
-              <a:lstStyle/>
-              <a:p>
-                <a:r>
-                  <a:rPr lang="en-US" b="0" i="0">
-                    <a:solidFill>
-                      <a:srgbClr val="FF0000"/>
-                    </a:solidFill>
-                    <a:latin typeface="Cambria Math" panose="02040503050406030204" pitchFamily="18" charset="0"/>
-                  </a:rPr>
-                  <a:t>𝑤_(</a:t>
-                </a:r>
-                <a:r>
-                  <a:rPr lang="en-US" i="0">
-                    <a:solidFill>
-                      <a:srgbClr val="FF0000"/>
-                    </a:solidFill>
-                    <a:latin typeface="Cambria Math" panose="02040503050406030204" pitchFamily="18" charset="0"/>
-                  </a:rPr>
-                  <a:t>ⅆ_𝑗)^1</a:t>
-                </a:r>
-                <a:r>
-                  <a:rPr lang="zh-TW" altLang="en-US" i="0">
-                    <a:solidFill>
-                      <a:srgbClr val="FF0000"/>
-                    </a:solidFill>
-                    <a:latin typeface="Cambria Math" panose="02040503050406030204" pitchFamily="18" charset="0"/>
-                  </a:rPr>
-                  <a:t> 就是</a:t>
-                </a:r>
-                <a:r>
-                  <a:rPr lang="en-US" altLang="zh-TW" dirty="0">
-                    <a:solidFill>
-                      <a:srgbClr val="FF0000"/>
-                    </a:solidFill>
-                  </a:rPr>
-                  <a:t>abnormality</a:t>
-                </a:r>
-                <a:r>
-                  <a:rPr lang="en-US" altLang="zh-TW" baseline="0" dirty="0">
-                    <a:solidFill>
-                      <a:srgbClr val="FF0000"/>
-                    </a:solidFill>
-                  </a:rPr>
-                  <a:t> parameter</a:t>
-                </a:r>
-                <a:r>
-                  <a:rPr lang="zh-TW" altLang="en-US" baseline="0" dirty="0">
-                    <a:solidFill>
-                      <a:srgbClr val="FF0000"/>
-                    </a:solidFill>
-                  </a:rPr>
-                  <a:t>用來反映</a:t>
-                </a:r>
-                <a:r>
-                  <a:rPr lang="en-US" altLang="zh-TW" baseline="0" dirty="0">
-                    <a:solidFill>
-                      <a:srgbClr val="FF0000"/>
-                    </a:solidFill>
-                    <a:latin typeface="Times New Roman" panose="02020603050405020304" pitchFamily="18" charset="0"/>
-                    <a:ea typeface="標楷體" panose="03000509000000000000" pitchFamily="65" charset="-120"/>
-                    <a:sym typeface="Wingdings" panose="05000000000000000000" pitchFamily="2" charset="2"/>
-                  </a:rPr>
-                  <a:t>data-items </a:t>
-                </a:r>
-                <a:r>
-                  <a:rPr lang="en-US" sz="1200" i="0">
-                    <a:solidFill>
-                      <a:srgbClr val="FF0000"/>
-                    </a:solidFill>
-                    <a:latin typeface="Cambria Math" panose="02040503050406030204" pitchFamily="18" charset="0"/>
-                    <a:ea typeface="Cambria Math" panose="02040503050406030204" pitchFamily="18" charset="0"/>
-                  </a:rPr>
-                  <a:t>𝑑_𝑗</a:t>
-                </a:r>
-                <a:r>
-                  <a:rPr lang="zh-TW" altLang="en-US" dirty="0">
-                    <a:solidFill>
-                      <a:srgbClr val="FF0000"/>
-                    </a:solidFill>
-                  </a:rPr>
-                  <a:t>的異常</a:t>
-                </a:r>
-                <a:endParaRPr lang="en-US" altLang="zh-TW" dirty="0">
-                  <a:solidFill>
-                    <a:srgbClr val="FF0000"/>
-                  </a:solidFill>
-                </a:endParaRPr>
-              </a:p>
-              <a:p>
-                <a:endParaRPr lang="en-US" altLang="zh-TW" dirty="0">
-                  <a:solidFill>
-                    <a:srgbClr val="FF0000"/>
-                  </a:solidFill>
-                </a:endParaRPr>
-              </a:p>
-              <a:p>
-                <a:r>
-                  <a:rPr lang="en-US" i="0">
-                    <a:latin typeface="Cambria Math" panose="02040503050406030204" pitchFamily="18" charset="0"/>
-                  </a:rPr>
-                  <a:t>𝑤</a:t>
-                </a:r>
-                <a:r>
-                  <a:rPr lang="en-US" i="0">
-                    <a:solidFill>
-                      <a:srgbClr val="836967"/>
-                    </a:solidFill>
-                    <a:latin typeface="Cambria Math" panose="02040503050406030204" pitchFamily="18" charset="0"/>
-                  </a:rPr>
-                  <a:t>_(</a:t>
-                </a:r>
-                <a:r>
-                  <a:rPr lang="en-US" i="0">
-                    <a:latin typeface="Cambria Math" panose="02040503050406030204" pitchFamily="18" charset="0"/>
-                  </a:rPr>
-                  <a:t>𝑒</a:t>
-                </a:r>
-                <a:r>
-                  <a:rPr lang="en-US" i="0">
-                    <a:solidFill>
-                      <a:srgbClr val="836967"/>
-                    </a:solidFill>
-                    <a:latin typeface="Cambria Math" panose="02040503050406030204" pitchFamily="18" charset="0"/>
-                  </a:rPr>
-                  <a:t>_</a:t>
-                </a:r>
-                <a:r>
-                  <a:rPr lang="en-US" i="0">
-                    <a:latin typeface="Cambria Math" panose="02040503050406030204" pitchFamily="18" charset="0"/>
-                  </a:rPr>
-                  <a:t>𝑖</a:t>
-                </a:r>
-                <a:r>
-                  <a:rPr lang="en-US" i="0">
-                    <a:solidFill>
-                      <a:srgbClr val="836967"/>
-                    </a:solidFill>
-                    <a:latin typeface="Cambria Math" panose="02040503050406030204" pitchFamily="18" charset="0"/>
-                  </a:rPr>
-                  <a:t>)^</a:t>
-                </a:r>
-                <a:r>
-                  <a:rPr lang="en-US" i="0">
-                    <a:latin typeface="Cambria Math" panose="02040503050406030204" pitchFamily="18" charset="0"/>
-                  </a:rPr>
-                  <a:t>2</a:t>
-                </a:r>
-                <a:r>
-                  <a:rPr lang="zh-TW" altLang="en-US" i="0">
-                    <a:latin typeface="Cambria Math" panose="02040503050406030204" pitchFamily="18" charset="0"/>
-                  </a:rPr>
-                  <a:t> 代表</a:t>
-                </a:r>
-                <a:r>
-                  <a:rPr lang="en-US" dirty="0"/>
-                  <a:t>event </a:t>
-                </a:r>
-                <a:r>
-                  <a:rPr lang="en-US" i="0">
-                    <a:latin typeface="Cambria Math" panose="02040503050406030204" pitchFamily="18" charset="0"/>
-                  </a:rPr>
-                  <a:t>𝑒</a:t>
-                </a:r>
-                <a:r>
-                  <a:rPr lang="en-US" i="0">
-                    <a:solidFill>
-                      <a:srgbClr val="836967"/>
-                    </a:solidFill>
-                    <a:latin typeface="Cambria Math" panose="02040503050406030204" pitchFamily="18" charset="0"/>
-                  </a:rPr>
-                  <a:t>_</a:t>
-                </a:r>
-                <a:r>
-                  <a:rPr lang="en-US" i="0">
-                    <a:latin typeface="Cambria Math" panose="02040503050406030204" pitchFamily="18" charset="0"/>
-                  </a:rPr>
-                  <a:t>𝑖</a:t>
-                </a:r>
-                <a:r>
-                  <a:rPr lang="zh-TW" altLang="en-US" dirty="0"/>
-                  <a:t>的</a:t>
-                </a:r>
-                <a:r>
-                  <a:rPr lang="en-US" altLang="zh-TW" dirty="0"/>
-                  <a:t>priority(0&lt;</a:t>
-                </a:r>
-                <a:r>
-                  <a:rPr lang="en-US" i="0">
-                    <a:latin typeface="Cambria Math" panose="02040503050406030204" pitchFamily="18" charset="0"/>
-                  </a:rPr>
-                  <a:t>𝑤</a:t>
-                </a:r>
-                <a:r>
-                  <a:rPr lang="en-US" i="0">
-                    <a:solidFill>
-                      <a:srgbClr val="836967"/>
-                    </a:solidFill>
-                    <a:latin typeface="Cambria Math" panose="02040503050406030204" pitchFamily="18" charset="0"/>
-                  </a:rPr>
-                  <a:t>_(</a:t>
-                </a:r>
-                <a:r>
-                  <a:rPr lang="en-US" i="0">
-                    <a:latin typeface="Cambria Math" panose="02040503050406030204" pitchFamily="18" charset="0"/>
-                  </a:rPr>
-                  <a:t>𝑒</a:t>
-                </a:r>
-                <a:r>
-                  <a:rPr lang="en-US" i="0">
-                    <a:solidFill>
-                      <a:srgbClr val="836967"/>
-                    </a:solidFill>
-                    <a:latin typeface="Cambria Math" panose="02040503050406030204" pitchFamily="18" charset="0"/>
-                  </a:rPr>
-                  <a:t>_</a:t>
-                </a:r>
-                <a:r>
-                  <a:rPr lang="en-US" i="0">
-                    <a:latin typeface="Cambria Math" panose="02040503050406030204" pitchFamily="18" charset="0"/>
-                  </a:rPr>
-                  <a:t>𝑖</a:t>
-                </a:r>
-                <a:r>
-                  <a:rPr lang="en-US" i="0">
-                    <a:solidFill>
-                      <a:srgbClr val="836967"/>
-                    </a:solidFill>
-                    <a:latin typeface="Cambria Math" panose="02040503050406030204" pitchFamily="18" charset="0"/>
-                  </a:rPr>
-                  <a:t>)^</a:t>
-                </a:r>
-                <a:r>
-                  <a:rPr lang="en-US" i="0">
-                    <a:latin typeface="Cambria Math" panose="02040503050406030204" pitchFamily="18" charset="0"/>
-                  </a:rPr>
-                  <a:t>2</a:t>
-                </a:r>
-                <a:r>
-                  <a:rPr lang="zh-TW" altLang="en-US" dirty="0"/>
-                  <a:t>≦</a:t>
-                </a:r>
-                <a:r>
-                  <a:rPr lang="en-US" altLang="zh-TW" dirty="0"/>
-                  <a:t>1)</a:t>
-                </a:r>
-                <a:r>
-                  <a:rPr lang="zh-TW" altLang="en-US" dirty="0"/>
-                  <a:t>，</a:t>
-                </a:r>
-                <a:r>
-                  <a:rPr lang="en-US" i="0">
-                    <a:latin typeface="Cambria Math" panose="02040503050406030204" pitchFamily="18" charset="0"/>
-                  </a:rPr>
-                  <a:t>𝑝</a:t>
-                </a:r>
-                <a:r>
-                  <a:rPr lang="en-US" i="0">
-                    <a:solidFill>
-                      <a:srgbClr val="836967"/>
-                    </a:solidFill>
-                    <a:latin typeface="Cambria Math" panose="02040503050406030204" pitchFamily="18" charset="0"/>
-                  </a:rPr>
-                  <a:t>_(</a:t>
-                </a:r>
-                <a:r>
-                  <a:rPr lang="en-US" i="0">
-                    <a:latin typeface="Cambria Math" panose="02040503050406030204" pitchFamily="18" charset="0"/>
-                  </a:rPr>
-                  <a:t>𝑒</a:t>
-                </a:r>
-                <a:r>
-                  <a:rPr lang="en-US" i="0">
-                    <a:solidFill>
-                      <a:srgbClr val="836967"/>
-                    </a:solidFill>
-                    <a:latin typeface="Cambria Math" panose="02040503050406030204" pitchFamily="18" charset="0"/>
-                  </a:rPr>
-                  <a:t>_</a:t>
-                </a:r>
-                <a:r>
-                  <a:rPr lang="en-US" i="0">
-                    <a:latin typeface="Cambria Math" panose="02040503050406030204" pitchFamily="18" charset="0"/>
-                  </a:rPr>
-                  <a:t>𝑖 </a:t>
-                </a:r>
-                <a:r>
-                  <a:rPr lang="en-US" i="0">
-                    <a:solidFill>
-                      <a:srgbClr val="836967"/>
-                    </a:solidFill>
-                    <a:latin typeface="Cambria Math" panose="02040503050406030204" pitchFamily="18" charset="0"/>
-                  </a:rPr>
-                  <a:t>)</a:t>
-                </a:r>
-                <a:r>
-                  <a:rPr lang="zh-TW" altLang="en-US" i="0">
-                    <a:solidFill>
-                      <a:srgbClr val="836967"/>
-                    </a:solidFill>
-                    <a:latin typeface="Cambria Math" panose="02040503050406030204" pitchFamily="18" charset="0"/>
-                  </a:rPr>
-                  <a:t> </a:t>
-                </a:r>
-                <a:r>
-                  <a:rPr lang="zh-TW" altLang="en-US" i="0">
-                    <a:latin typeface="Cambria Math" panose="02040503050406030204" pitchFamily="18" charset="0"/>
-                  </a:rPr>
-                  <a:t>代表</a:t>
-                </a:r>
-                <a:r>
-                  <a:rPr lang="en-US" dirty="0"/>
-                  <a:t>event </a:t>
-                </a:r>
-                <a:r>
-                  <a:rPr lang="en-US" i="0">
-                    <a:latin typeface="Cambria Math" panose="02040503050406030204" pitchFamily="18" charset="0"/>
-                  </a:rPr>
-                  <a:t>𝑒</a:t>
-                </a:r>
-                <a:r>
-                  <a:rPr lang="en-US" i="0">
-                    <a:solidFill>
-                      <a:srgbClr val="836967"/>
-                    </a:solidFill>
-                    <a:latin typeface="Cambria Math" panose="02040503050406030204" pitchFamily="18" charset="0"/>
-                  </a:rPr>
-                  <a:t>_</a:t>
-                </a:r>
-                <a:r>
-                  <a:rPr lang="en-US" i="0">
-                    <a:latin typeface="Cambria Math" panose="02040503050406030204" pitchFamily="18" charset="0"/>
-                  </a:rPr>
-                  <a:t>𝑖</a:t>
-                </a:r>
-                <a:r>
-                  <a:rPr lang="zh-TW" altLang="en-US" dirty="0"/>
-                  <a:t>會發生的機率，且</a:t>
-                </a:r>
-                <a:r>
-                  <a:rPr lang="en-US" i="0">
-                    <a:latin typeface="Cambria Math" panose="02040503050406030204" pitchFamily="18" charset="0"/>
-                  </a:rPr>
-                  <a:t>𝑤</a:t>
-                </a:r>
-                <a:r>
-                  <a:rPr lang="en-US" i="0">
-                    <a:solidFill>
-                      <a:srgbClr val="836967"/>
-                    </a:solidFill>
-                    <a:latin typeface="Cambria Math" panose="02040503050406030204" pitchFamily="18" charset="0"/>
-                  </a:rPr>
-                  <a:t>_(</a:t>
-                </a:r>
-                <a:r>
-                  <a:rPr lang="en-US" i="0">
-                    <a:latin typeface="Cambria Math" panose="02040503050406030204" pitchFamily="18" charset="0"/>
-                  </a:rPr>
-                  <a:t>𝑒</a:t>
-                </a:r>
-                <a:r>
-                  <a:rPr lang="en-US" i="0">
-                    <a:solidFill>
-                      <a:srgbClr val="836967"/>
-                    </a:solidFill>
-                    <a:latin typeface="Cambria Math" panose="02040503050406030204" pitchFamily="18" charset="0"/>
-                  </a:rPr>
-                  <a:t>_</a:t>
-                </a:r>
-                <a:r>
-                  <a:rPr lang="en-US" i="0">
-                    <a:latin typeface="Cambria Math" panose="02040503050406030204" pitchFamily="18" charset="0"/>
-                  </a:rPr>
-                  <a:t>𝑖</a:t>
-                </a:r>
-                <a:r>
-                  <a:rPr lang="en-US" i="0">
-                    <a:solidFill>
-                      <a:srgbClr val="836967"/>
-                    </a:solidFill>
-                    <a:latin typeface="Cambria Math" panose="02040503050406030204" pitchFamily="18" charset="0"/>
-                  </a:rPr>
-                  <a:t>)^</a:t>
-                </a:r>
-                <a:r>
-                  <a:rPr lang="en-US" i="0">
-                    <a:latin typeface="Cambria Math" panose="02040503050406030204" pitchFamily="18" charset="0"/>
-                  </a:rPr>
-                  <a:t>2</a:t>
-                </a:r>
-                <a:r>
-                  <a:rPr lang="zh-TW" altLang="en-US" dirty="0"/>
-                  <a:t>會不斷更新，當一個</a:t>
-                </a:r>
-                <a:r>
-                  <a:rPr lang="en-US" altLang="zh-TW" dirty="0"/>
-                  <a:t>event</a:t>
-                </a:r>
-                <a:r>
-                  <a:rPr lang="zh-TW" altLang="en-US" dirty="0"/>
-                  <a:t>被預測會發生時，</a:t>
-                </a:r>
-                <a:r>
-                  <a:rPr lang="en-US" i="0">
-                    <a:latin typeface="Cambria Math" panose="02040503050406030204" pitchFamily="18" charset="0"/>
-                  </a:rPr>
-                  <a:t>𝑤</a:t>
-                </a:r>
-                <a:r>
-                  <a:rPr lang="en-US" i="0">
-                    <a:solidFill>
-                      <a:srgbClr val="836967"/>
-                    </a:solidFill>
-                    <a:latin typeface="Cambria Math" panose="02040503050406030204" pitchFamily="18" charset="0"/>
-                  </a:rPr>
-                  <a:t>_(</a:t>
-                </a:r>
-                <a:r>
-                  <a:rPr lang="en-US" i="0">
-                    <a:latin typeface="Cambria Math" panose="02040503050406030204" pitchFamily="18" charset="0"/>
-                  </a:rPr>
-                  <a:t>𝑒</a:t>
-                </a:r>
-                <a:r>
-                  <a:rPr lang="en-US" i="0">
-                    <a:solidFill>
-                      <a:srgbClr val="836967"/>
-                    </a:solidFill>
-                    <a:latin typeface="Cambria Math" panose="02040503050406030204" pitchFamily="18" charset="0"/>
-                  </a:rPr>
-                  <a:t>_</a:t>
-                </a:r>
-                <a:r>
-                  <a:rPr lang="en-US" i="0">
-                    <a:latin typeface="Cambria Math" panose="02040503050406030204" pitchFamily="18" charset="0"/>
-                  </a:rPr>
-                  <a:t>𝑖</a:t>
-                </a:r>
-                <a:r>
-                  <a:rPr lang="en-US" i="0">
-                    <a:solidFill>
-                      <a:srgbClr val="836967"/>
-                    </a:solidFill>
-                    <a:latin typeface="Cambria Math" panose="02040503050406030204" pitchFamily="18" charset="0"/>
-                  </a:rPr>
-                  <a:t>)^</a:t>
-                </a:r>
-                <a:r>
-                  <a:rPr lang="en-US" i="0">
-                    <a:latin typeface="Cambria Math" panose="02040503050406030204" pitchFamily="18" charset="0"/>
-                  </a:rPr>
-                  <a:t>2</a:t>
-                </a:r>
-                <a:r>
-                  <a:rPr lang="zh-TW" altLang="en-US" dirty="0"/>
-                  <a:t>就會提高此時</a:t>
-                </a:r>
-                <a:r>
-                  <a:rPr lang="en-US" altLang="zh-TW" dirty="0" err="1"/>
-                  <a:t>priorit</a:t>
-                </a:r>
-                <a:r>
-                  <a:rPr lang="zh-TW" altLang="en-US" dirty="0"/>
-                  <a:t>也會上升</a:t>
-                </a:r>
-                <a:endParaRPr lang="en-US" altLang="zh-TW" dirty="0"/>
-              </a:p>
-              <a:p>
-                <a:endParaRPr lang="en-US" dirty="0"/>
-              </a:p>
-              <a:p>
-                <a:pPr marL="0" marR="0" lvl="0" indent="0" algn="l" defTabSz="914400" rtl="0" eaLnBrk="1" fontAlgn="auto" latinLnBrk="0" hangingPunct="1">
-                  <a:lnSpc>
-                    <a:spcPct val="100000"/>
-                  </a:lnSpc>
-                  <a:spcBef>
-                    <a:spcPts val="0"/>
-                  </a:spcBef>
-                  <a:spcAft>
-                    <a:spcPts val="0"/>
-                  </a:spcAft>
-                  <a:buClrTx/>
-                  <a:buSzTx/>
-                  <a:buFontTx/>
-                  <a:buNone/>
-                  <a:tabLst/>
-                  <a:defRPr/>
-                </a:pPr>
-                <a:r>
-                  <a:rPr lang="en-US" i="0">
-                    <a:latin typeface="Cambria Math" panose="02040503050406030204" pitchFamily="18" charset="0"/>
-                  </a:rPr>
-                  <a:t>𝑤_(ⅆ_𝑗,𝑒_𝑖)^3</a:t>
-                </a:r>
-                <a:r>
-                  <a:rPr lang="zh-TW" altLang="en-US" i="0">
-                    <a:latin typeface="Cambria Math" panose="02040503050406030204" pitchFamily="18" charset="0"/>
-                  </a:rPr>
-                  <a:t> 代表</a:t>
-                </a:r>
-                <a:r>
-                  <a:rPr lang="zh-TW" dirty="0"/>
-                  <a:t>事件 ei 上</a:t>
-                </a:r>
-                <a:r>
-                  <a:rPr lang="zh-TW" altLang="en-US" dirty="0"/>
-                  <a:t>，</a:t>
-                </a:r>
-                <a:r>
-                  <a:rPr lang="en-US" altLang="zh-TW" dirty="0"/>
-                  <a:t>data-item</a:t>
-                </a:r>
-                <a:r>
-                  <a:rPr lang="zh-TW" dirty="0"/>
-                  <a:t> dj 的</a:t>
-                </a:r>
-                <a:r>
-                  <a:rPr lang="en-US" altLang="zh-TW" dirty="0"/>
-                  <a:t>data</a:t>
-                </a:r>
-                <a:r>
-                  <a:rPr lang="zh-TW" dirty="0"/>
-                  <a:t>權重參數</a:t>
-                </a:r>
-                <a:endParaRPr lang="en-US" i="1" dirty="0">
-                  <a:latin typeface="Cambria Math" panose="02040503050406030204" pitchFamily="18" charset="0"/>
-                </a:endParaRPr>
-              </a:p>
-              <a:p>
-                <a:pPr marL="0" marR="0" lvl="0" indent="0" algn="l" defTabSz="914400" rtl="0" eaLnBrk="1" fontAlgn="auto" latinLnBrk="0" hangingPunct="1">
-                  <a:lnSpc>
-                    <a:spcPct val="100000"/>
-                  </a:lnSpc>
-                  <a:spcBef>
-                    <a:spcPts val="0"/>
-                  </a:spcBef>
-                  <a:spcAft>
-                    <a:spcPts val="0"/>
-                  </a:spcAft>
-                  <a:buClrTx/>
-                  <a:buSzTx/>
-                  <a:buFontTx/>
-                  <a:buNone/>
-                  <a:tabLst/>
-                  <a:defRPr/>
-                </a:pPr>
-                <a:endParaRPr lang="en-US" i="1" dirty="0">
-                  <a:latin typeface="Cambria Math" panose="02040503050406030204" pitchFamily="18" charset="0"/>
-                </a:endParaRPr>
-              </a:p>
-              <a:p>
-                <a:pPr marL="0" marR="0" lvl="0" indent="0" algn="l" defTabSz="914400" rtl="0" eaLnBrk="1" fontAlgn="auto" latinLnBrk="0" hangingPunct="1">
-                  <a:lnSpc>
-                    <a:spcPct val="100000"/>
-                  </a:lnSpc>
-                  <a:spcBef>
-                    <a:spcPts val="0"/>
-                  </a:spcBef>
-                  <a:spcAft>
-                    <a:spcPts val="0"/>
-                  </a:spcAft>
-                  <a:buClrTx/>
-                  <a:buSzTx/>
-                  <a:buFontTx/>
-                  <a:buNone/>
-                  <a:tabLst/>
-                  <a:defRPr/>
-                </a:pPr>
-                <a:r>
-                  <a:rPr lang="en-US" i="0">
-                    <a:latin typeface="Cambria Math" panose="02040503050406030204" pitchFamily="18" charset="0"/>
-                  </a:rPr>
-                  <a:t>𝑤_(</a:t>
-                </a:r>
-                <a:r>
-                  <a:rPr lang="en-US" b="0" i="0">
-                    <a:latin typeface="Cambria Math" panose="02040503050406030204" pitchFamily="18" charset="0"/>
-                  </a:rPr>
-                  <a:t>𝑐_𝑖</a:t>
-                </a:r>
-                <a:r>
-                  <a:rPr lang="en-US" i="0">
-                    <a:latin typeface="Cambria Math" panose="02040503050406030204" pitchFamily="18" charset="0"/>
-                  </a:rPr>
-                  <a:t>,</a:t>
-                </a:r>
-                <a:r>
-                  <a:rPr lang="en-US" b="0" i="0">
-                    <a:latin typeface="Cambria Math" panose="02040503050406030204" pitchFamily="18" charset="0"/>
-                  </a:rPr>
-                  <a:t>𝑘</a:t>
-                </a:r>
-                <a:r>
-                  <a:rPr lang="en-US" i="0">
-                    <a:latin typeface="Cambria Math" panose="02040503050406030204" pitchFamily="18" charset="0"/>
-                  </a:rPr>
-                  <a:t> )^</a:t>
-                </a:r>
-                <a:r>
-                  <a:rPr lang="en-US" b="0" i="0">
-                    <a:latin typeface="Cambria Math" panose="02040503050406030204" pitchFamily="18" charset="0"/>
-                  </a:rPr>
-                  <a:t>4</a:t>
-                </a:r>
-                <a:r>
-                  <a:rPr lang="zh-TW" altLang="en-US" b="0" i="0">
-                    <a:latin typeface="Cambria Math" panose="02040503050406030204" pitchFamily="18" charset="0"/>
-                  </a:rPr>
-                  <a:t> 代表</a:t>
-                </a:r>
-                <a:r>
-                  <a:rPr lang="zh-TW" altLang="en-US" dirty="0"/>
-                  <a:t>在指定的</a:t>
-                </a:r>
-                <a:r>
-                  <a:rPr lang="en-US" altLang="zh-TW" dirty="0"/>
-                  <a:t>context k</a:t>
-                </a:r>
-                <a:r>
-                  <a:rPr lang="zh-TW" altLang="en-US" dirty="0"/>
-                  <a:t>中，</a:t>
-                </a:r>
-                <a:r>
-                  <a:rPr lang="en-US" dirty="0"/>
-                  <a:t>event </a:t>
-                </a:r>
-                <a:r>
-                  <a:rPr lang="en-US" i="0">
-                    <a:latin typeface="Cambria Math" panose="02040503050406030204" pitchFamily="18" charset="0"/>
-                  </a:rPr>
-                  <a:t>𝑒</a:t>
-                </a:r>
-                <a:r>
-                  <a:rPr lang="en-US" i="0">
-                    <a:solidFill>
-                      <a:srgbClr val="836967"/>
-                    </a:solidFill>
-                    <a:latin typeface="Cambria Math" panose="02040503050406030204" pitchFamily="18" charset="0"/>
-                  </a:rPr>
-                  <a:t>_</a:t>
-                </a:r>
-                <a:r>
-                  <a:rPr lang="en-US" i="0">
-                    <a:latin typeface="Cambria Math" panose="02040503050406030204" pitchFamily="18" charset="0"/>
-                  </a:rPr>
-                  <a:t>𝑖</a:t>
-                </a:r>
-                <a:r>
-                  <a:rPr lang="zh-TW" altLang="en-US" dirty="0"/>
-                  <a:t>是</a:t>
-                </a:r>
-                <a:r>
-                  <a:rPr lang="en-US" altLang="zh-TW" dirty="0"/>
-                  <a:t>true</a:t>
-                </a:r>
-                <a:r>
-                  <a:rPr lang="zh-TW" altLang="en-US" dirty="0"/>
-                  <a:t>的機率，</a:t>
-                </a:r>
-                <a:r>
-                  <a:rPr lang="en-US" i="0">
-                    <a:latin typeface="Cambria Math" panose="02040503050406030204" pitchFamily="18" charset="0"/>
-                  </a:rPr>
-                  <a:t>𝑤_(𝑒_𝑖)^</a:t>
-                </a:r>
-                <a:r>
-                  <a:rPr lang="en-US" b="0" i="0">
-                    <a:latin typeface="Cambria Math" panose="02040503050406030204" pitchFamily="18" charset="0"/>
-                  </a:rPr>
-                  <a:t>4</a:t>
-                </a:r>
-                <a:r>
-                  <a:rPr lang="zh-TW" altLang="en-US" dirty="0"/>
-                  <a:t>則代表</a:t>
-                </a:r>
-                <a:r>
-                  <a:rPr lang="en-US" dirty="0"/>
-                  <a:t>event </a:t>
-                </a:r>
-                <a:r>
-                  <a:rPr lang="en-US" i="0">
-                    <a:latin typeface="Cambria Math" panose="02040503050406030204" pitchFamily="18" charset="0"/>
-                  </a:rPr>
-                  <a:t>𝑒</a:t>
-                </a:r>
-                <a:r>
-                  <a:rPr lang="en-US" i="0">
-                    <a:solidFill>
-                      <a:srgbClr val="836967"/>
-                    </a:solidFill>
-                    <a:latin typeface="Cambria Math" panose="02040503050406030204" pitchFamily="18" charset="0"/>
-                  </a:rPr>
-                  <a:t>_</a:t>
-                </a:r>
-                <a:r>
-                  <a:rPr lang="en-US" i="0">
-                    <a:latin typeface="Cambria Math" panose="02040503050406030204" pitchFamily="18" charset="0"/>
-                  </a:rPr>
-                  <a:t>𝑖</a:t>
-                </a:r>
-                <a:r>
-                  <a:rPr lang="zh-TW" altLang="en-US" dirty="0"/>
-                  <a:t>在特定</a:t>
-                </a:r>
-                <a:r>
-                  <a:rPr lang="en-US" altLang="zh-TW" dirty="0"/>
-                  <a:t>context</a:t>
-                </a:r>
-                <a:r>
-                  <a:rPr lang="zh-TW" altLang="en-US" dirty="0"/>
-                  <a:t>是</a:t>
-                </a:r>
-                <a:r>
-                  <a:rPr lang="en-US" altLang="zh-TW" dirty="0"/>
-                  <a:t>true</a:t>
-                </a:r>
-                <a:r>
-                  <a:rPr lang="zh-TW" altLang="en-US" dirty="0"/>
-                  <a:t>的機率</a:t>
-                </a:r>
-                <a:endParaRPr lang="en-US" altLang="zh-TW" dirty="0"/>
-              </a:p>
-            </p:txBody>
-          </p:sp>
-        </mc:Fallback>
-      </mc:AlternateContent>
+      <p:sp>
+        <p:nvSpPr>
+          <p:cNvPr id="3" name="備忘稿版面配置區 2"/>
+          <p:cNvSpPr>
+            <a:spLocks noGrp="1"/>
+          </p:cNvSpPr>
+          <p:nvPr>
+            <p:ph type="body" idx="1"/>
+          </p:nvPr>
+        </p:nvSpPr>
+        <p:spPr/>
+        <p:txBody>
+          <a:bodyPr/>
+          <a:lstStyle/>
+          <a:p>
+            <a:r>
+              <a:rPr lang="zh-TW" altLang="en-US" sz="1800" dirty="0">
+                <a:solidFill>
+                  <a:srgbClr val="000000"/>
+                </a:solidFill>
+                <a:latin typeface="微軟正黑體" panose="020B0604030504040204" pitchFamily="34" charset="-120"/>
+                <a:ea typeface="微軟正黑體" panose="020B0604030504040204" pitchFamily="34" charset="-120"/>
+              </a:rPr>
+              <a:t>作者觀察到，根據年齡和預測誤差之間的 </a:t>
+            </a:r>
+            <a:r>
+              <a:rPr lang="en-US" altLang="zh-TW" sz="1800" dirty="0">
+                <a:solidFill>
+                  <a:srgbClr val="000000"/>
+                </a:solidFill>
+                <a:latin typeface="微軟正黑體" panose="020B0604030504040204" pitchFamily="34" charset="-120"/>
+                <a:ea typeface="微軟正黑體" panose="020B0604030504040204" pitchFamily="34" charset="-120"/>
+              </a:rPr>
+              <a:t>Spearman correlation</a:t>
+            </a:r>
+            <a:r>
+              <a:rPr lang="zh-TW" altLang="en-US" sz="1800" dirty="0">
+                <a:solidFill>
+                  <a:srgbClr val="000000"/>
+                </a:solidFill>
+                <a:latin typeface="微軟正黑體" panose="020B0604030504040204" pitchFamily="34" charset="-120"/>
+                <a:ea typeface="微軟正黑體" panose="020B0604030504040204" pitchFamily="34" charset="-120"/>
+              </a:rPr>
+              <a:t>定義，使用中位數和</a:t>
+            </a:r>
+            <a:r>
+              <a:rPr lang="en-US" altLang="zh-TW" sz="1800" dirty="0">
+                <a:solidFill>
+                  <a:srgbClr val="000000"/>
+                </a:solidFill>
+                <a:latin typeface="微軟正黑體" panose="020B0604030504040204" pitchFamily="34" charset="-120"/>
+                <a:ea typeface="微軟正黑體" panose="020B0604030504040204" pitchFamily="34" charset="-120"/>
+              </a:rPr>
+              <a:t>mean absolute deviation</a:t>
+            </a:r>
+            <a:r>
+              <a:rPr lang="zh-TW" altLang="en-US" sz="1800" dirty="0">
+                <a:solidFill>
+                  <a:srgbClr val="000000"/>
+                </a:solidFill>
+                <a:latin typeface="微軟正黑體" panose="020B0604030504040204" pitchFamily="34" charset="-120"/>
+                <a:ea typeface="微軟正黑體" panose="020B0604030504040204" pitchFamily="34" charset="-120"/>
+              </a:rPr>
+              <a:t>對每個年齡</a:t>
+            </a:r>
+            <a:r>
+              <a:rPr lang="en-US" altLang="zh-TW" sz="1800" dirty="0">
+                <a:solidFill>
+                  <a:srgbClr val="000000"/>
+                </a:solidFill>
+                <a:latin typeface="微軟正黑體" panose="020B0604030504040204" pitchFamily="34" charset="-120"/>
+                <a:ea typeface="微軟正黑體" panose="020B0604030504040204" pitchFamily="34" charset="-120"/>
+              </a:rPr>
+              <a:t>score</a:t>
+            </a:r>
+            <a:r>
+              <a:rPr lang="zh-TW" altLang="en-US" sz="1800" dirty="0">
+                <a:solidFill>
+                  <a:srgbClr val="000000"/>
+                </a:solidFill>
+                <a:latin typeface="微軟正黑體" panose="020B0604030504040204" pitchFamily="34" charset="-120"/>
+                <a:ea typeface="微軟正黑體" panose="020B0604030504040204" pitchFamily="34" charset="-120"/>
+              </a:rPr>
+              <a:t>進行</a:t>
+            </a:r>
+            <a:r>
+              <a:rPr lang="en-US" altLang="zh-TW" sz="1800" dirty="0">
+                <a:solidFill>
+                  <a:srgbClr val="000000"/>
+                </a:solidFill>
+                <a:latin typeface="微軟正黑體" panose="020B0604030504040204" pitchFamily="34" charset="-120"/>
+                <a:ea typeface="微軟正黑體" panose="020B0604030504040204" pitchFamily="34" charset="-120"/>
+              </a:rPr>
+              <a:t>scaling</a:t>
+            </a:r>
+            <a:r>
+              <a:rPr lang="zh-TW" altLang="en-US" sz="1800" dirty="0">
+                <a:solidFill>
+                  <a:srgbClr val="000000"/>
+                </a:solidFill>
+                <a:latin typeface="微軟正黑體" panose="020B0604030504040204" pitchFamily="34" charset="-120"/>
+                <a:ea typeface="微軟正黑體" panose="020B0604030504040204" pitchFamily="34" charset="-120"/>
+              </a:rPr>
+              <a:t>大大減少了</a:t>
+            </a:r>
+            <a:r>
+              <a:rPr lang="en-US" altLang="zh-TW" sz="1800" dirty="0">
+                <a:solidFill>
+                  <a:srgbClr val="000000"/>
+                </a:solidFill>
+                <a:latin typeface="微軟正黑體" panose="020B0604030504040204" pitchFamily="34" charset="-120"/>
+                <a:ea typeface="微軟正黑體" panose="020B0604030504040204" pitchFamily="34" charset="-120"/>
+              </a:rPr>
+              <a:t>bias</a:t>
+            </a:r>
+            <a:r>
+              <a:rPr lang="zh-TW" altLang="en-US" sz="1800" dirty="0">
+                <a:solidFill>
+                  <a:srgbClr val="000000"/>
+                </a:solidFill>
+                <a:latin typeface="微軟正黑體" panose="020B0604030504040204" pitchFamily="34" charset="-120"/>
+                <a:ea typeface="微軟正黑體" panose="020B0604030504040204" pitchFamily="34" charset="-120"/>
+              </a:rPr>
+              <a:t>。 因此，作者轉換每個</a:t>
+            </a:r>
+            <a:r>
+              <a:rPr lang="en-US" altLang="zh-TW" sz="1800" dirty="0">
+                <a:solidFill>
+                  <a:srgbClr val="000000"/>
+                </a:solidFill>
+                <a:latin typeface="微軟正黑體" panose="020B0604030504040204" pitchFamily="34" charset="-120"/>
+                <a:ea typeface="微軟正黑體" panose="020B0604030504040204" pitchFamily="34" charset="-120"/>
+              </a:rPr>
+              <a:t>score</a:t>
+            </a:r>
+            <a:r>
+              <a:rPr lang="zh-TW" altLang="en-US" sz="1800" dirty="0">
+                <a:solidFill>
+                  <a:srgbClr val="000000"/>
+                </a:solidFill>
+                <a:latin typeface="微軟正黑體" panose="020B0604030504040204" pitchFamily="34" charset="-120"/>
+                <a:ea typeface="微軟正黑體" panose="020B0604030504040204" pitchFamily="34" charset="-120"/>
+              </a:rPr>
+              <a:t>並使用如上所述的</a:t>
+            </a:r>
+            <a:r>
+              <a:rPr lang="en-US" altLang="zh-TW" sz="1800" dirty="0">
+                <a:solidFill>
+                  <a:srgbClr val="000000"/>
+                </a:solidFill>
+                <a:latin typeface="微軟正黑體" panose="020B0604030504040204" pitchFamily="34" charset="-120"/>
+                <a:ea typeface="微軟正黑體" panose="020B0604030504040204" pitchFamily="34" charset="-120"/>
+              </a:rPr>
+              <a:t>linear regression</a:t>
+            </a:r>
+            <a:r>
+              <a:rPr lang="zh-TW" altLang="en-US" sz="1800" dirty="0">
+                <a:solidFill>
+                  <a:srgbClr val="000000"/>
+                </a:solidFill>
+                <a:latin typeface="微軟正黑體" panose="020B0604030504040204" pitchFamily="34" charset="-120"/>
+                <a:ea typeface="微軟正黑體" panose="020B0604030504040204" pitchFamily="34" charset="-120"/>
+              </a:rPr>
+              <a:t>將它們組合起來</a:t>
+            </a:r>
+            <a:endParaRPr lang="en-US" dirty="0"/>
+          </a:p>
+        </p:txBody>
+      </p:sp>
       <p:sp>
         <p:nvSpPr>
           <p:cNvPr id="4" name="投影片編號版面配置區 3"/>
@@ -5592,7 +4714,7 @@
     </p:spTree>
     <p:extLst>
       <p:ext uri="{BB962C8B-B14F-4D97-AF65-F5344CB8AC3E}">
-        <p14:creationId xmlns:p14="http://schemas.microsoft.com/office/powerpoint/2010/main" val="3156694788"/>
+        <p14:creationId xmlns:p14="http://schemas.microsoft.com/office/powerpoint/2010/main" val="1013670749"/>
       </p:ext>
     </p:extLst>
   </p:cSld>
@@ -5650,8 +4772,112 @@
               <a:buFont typeface="Arial" panose="020B0604020202020204" pitchFamily="34" charset="0"/>
               <a:buChar char="•"/>
             </a:pPr>
-            <a:endParaRPr lang="en-US" dirty="0">
+            <a:r>
+              <a:rPr lang="zh-TW" altLang="en-US" baseline="0" dirty="0">
+                <a:latin typeface="Times New Roman" panose="02020603050405020304" pitchFamily="18" charset="0"/>
+                <a:ea typeface="標楷體" panose="03000509000000000000" pitchFamily="65" charset="-120"/>
+                <a:cs typeface="Times New Roman" panose="02020603050405020304" pitchFamily="18" charset="0"/>
+              </a:rPr>
+              <a:t>我們對 </a:t>
+            </a:r>
+            <a:r>
+              <a:rPr lang="en-US" altLang="zh-TW" baseline="0" dirty="0">
+                <a:latin typeface="Times New Roman" panose="02020603050405020304" pitchFamily="18" charset="0"/>
+                <a:ea typeface="標楷體" panose="03000509000000000000" pitchFamily="65" charset="-120"/>
+                <a:cs typeface="Times New Roman" panose="02020603050405020304" pitchFamily="18" charset="0"/>
+              </a:rPr>
+              <a:t>2,640 </a:t>
+            </a:r>
+            <a:r>
+              <a:rPr lang="zh-TW" altLang="en-US" baseline="0" dirty="0">
+                <a:latin typeface="Times New Roman" panose="02020603050405020304" pitchFamily="18" charset="0"/>
+                <a:ea typeface="標楷體" panose="03000509000000000000" pitchFamily="65" charset="-120"/>
+                <a:cs typeface="Times New Roman" panose="02020603050405020304" pitchFamily="18" charset="0"/>
+              </a:rPr>
+              <a:t>個 </a:t>
+            </a:r>
+            <a:r>
+              <a:rPr lang="en-US" altLang="zh-TW" baseline="0" dirty="0">
+                <a:latin typeface="Times New Roman" panose="02020603050405020304" pitchFamily="18" charset="0"/>
+                <a:ea typeface="標楷體" panose="03000509000000000000" pitchFamily="65" charset="-120"/>
+                <a:cs typeface="Times New Roman" panose="02020603050405020304" pitchFamily="18" charset="0"/>
+              </a:rPr>
+              <a:t>PAC </a:t>
+            </a:r>
+            <a:r>
+              <a:rPr lang="zh-TW" altLang="en-US" baseline="0" dirty="0">
+                <a:latin typeface="Times New Roman" panose="02020603050405020304" pitchFamily="18" charset="0"/>
+                <a:ea typeface="標楷體" panose="03000509000000000000" pitchFamily="65" charset="-120"/>
+                <a:cs typeface="Times New Roman" panose="02020603050405020304" pitchFamily="18" charset="0"/>
+              </a:rPr>
+              <a:t>個體使用了 </a:t>
+            </a:r>
+            <a:r>
+              <a:rPr lang="en-US" altLang="zh-TW" sz="1200" dirty="0"/>
+              <a:t>5-Folds CV</a:t>
+            </a:r>
+            <a:r>
+              <a:rPr lang="zh-TW" altLang="en-US" baseline="0" dirty="0">
+                <a:latin typeface="Times New Roman" panose="02020603050405020304" pitchFamily="18" charset="0"/>
+                <a:ea typeface="標楷體" panose="03000509000000000000" pitchFamily="65" charset="-120"/>
+                <a:cs typeface="Times New Roman" panose="02020603050405020304" pitchFamily="18" charset="0"/>
+              </a:rPr>
+              <a:t>設計，以評估每個演算法預測精度的穩定性</a:t>
+            </a:r>
+            <a:endParaRPr lang="en-US" altLang="zh-TW" baseline="0" dirty="0">
               <a:latin typeface="Times New Roman" panose="02020603050405020304" pitchFamily="18" charset="0"/>
+              <a:ea typeface="標楷體" panose="03000509000000000000" pitchFamily="65" charset="-120"/>
+              <a:cs typeface="Times New Roman" panose="02020603050405020304" pitchFamily="18" charset="0"/>
+            </a:endParaRPr>
+          </a:p>
+          <a:p>
+            <a:pPr marL="171450" indent="-171450">
+              <a:buFont typeface="Arial" panose="020B0604020202020204" pitchFamily="34" charset="0"/>
+              <a:buChar char="•"/>
+            </a:pPr>
+            <a:r>
+              <a:rPr lang="zh-TW" altLang="en-US" baseline="0" dirty="0">
+                <a:latin typeface="Times New Roman" panose="02020603050405020304" pitchFamily="18" charset="0"/>
+                <a:ea typeface="標楷體" panose="03000509000000000000" pitchFamily="65" charset="-120"/>
+                <a:cs typeface="Times New Roman" panose="02020603050405020304" pitchFamily="18" charset="0"/>
+              </a:rPr>
+              <a:t>針對</a:t>
+            </a:r>
+            <a:r>
+              <a:rPr lang="en-US" altLang="zh-TW" baseline="0" dirty="0">
+                <a:latin typeface="Times New Roman" panose="02020603050405020304" pitchFamily="18" charset="0"/>
+                <a:ea typeface="標楷體" panose="03000509000000000000" pitchFamily="65" charset="-120"/>
+                <a:cs typeface="Times New Roman" panose="02020603050405020304" pitchFamily="18" charset="0"/>
+              </a:rPr>
+              <a:t>combination</a:t>
+            </a:r>
+            <a:r>
+              <a:rPr lang="zh-TW" altLang="en-US" baseline="0" dirty="0">
+                <a:latin typeface="Times New Roman" panose="02020603050405020304" pitchFamily="18" charset="0"/>
+                <a:ea typeface="標楷體" panose="03000509000000000000" pitchFamily="65" charset="-120"/>
+                <a:cs typeface="Times New Roman" panose="02020603050405020304" pitchFamily="18" charset="0"/>
+              </a:rPr>
+              <a:t>，作者提出四種</a:t>
+            </a:r>
+            <a:r>
+              <a:rPr lang="en-US" altLang="zh-TW" baseline="0" dirty="0">
+                <a:latin typeface="Times New Roman" panose="02020603050405020304" pitchFamily="18" charset="0"/>
+                <a:ea typeface="標楷體" panose="03000509000000000000" pitchFamily="65" charset="-120"/>
+                <a:cs typeface="Times New Roman" panose="02020603050405020304" pitchFamily="18" charset="0"/>
+              </a:rPr>
+              <a:t>ensemble learning</a:t>
+            </a:r>
+            <a:r>
+              <a:rPr lang="zh-TW" altLang="en-US" baseline="0" dirty="0">
+                <a:latin typeface="Times New Roman" panose="02020603050405020304" pitchFamily="18" charset="0"/>
+                <a:ea typeface="標楷體" panose="03000509000000000000" pitchFamily="65" charset="-120"/>
+                <a:cs typeface="Times New Roman" panose="02020603050405020304" pitchFamily="18" charset="0"/>
+              </a:rPr>
+              <a:t>的組合</a:t>
+            </a:r>
+            <a:endParaRPr lang="en-US" baseline="0" dirty="0">
+              <a:latin typeface="Times New Roman" panose="02020603050405020304" pitchFamily="18" charset="0"/>
+              <a:ea typeface="標楷體" panose="03000509000000000000" pitchFamily="65" charset="-120"/>
               <a:cs typeface="Times New Roman" panose="02020603050405020304" pitchFamily="18" charset="0"/>
             </a:endParaRPr>
           </a:p>
@@ -5674,7 +4900,209 @@
           <a:p>
             <a:fld id="{CA802C15-8439-4650-9275-89E8E467F89F}" type="slidenum">
               <a:rPr lang="zh-TW" altLang="en-US" smtClean="0"/>
+              <a:t>17</a:t>
+            </a:fld>
+            <a:endParaRPr lang="zh-TW" altLang="en-US"/>
+          </a:p>
+        </p:txBody>
+      </p:sp>
+    </p:spTree>
+    <p:extLst>
+      <p:ext uri="{BB962C8B-B14F-4D97-AF65-F5344CB8AC3E}">
+        <p14:creationId xmlns:p14="http://schemas.microsoft.com/office/powerpoint/2010/main" val="2640755648"/>
+      </p:ext>
+    </p:extLst>
+  </p:cSld>
+  <p:clrMapOvr>
+    <a:masterClrMapping/>
+  </p:clrMapOvr>
+</p:notes>
+</file>
+
+<file path=ppt/notesSlides/notesSlide14.xml><?xml version="1.0" encoding="utf-8"?>
+<p:notes xmlns:a="http://schemas.openxmlformats.org/drawingml/2006/main" xmlns:r="http://schemas.openxmlformats.org/officeDocument/2006/relationships" xmlns:p="http://schemas.openxmlformats.org/presentationml/2006/main">
+  <p:cSld>
+    <p:spTree>
+      <p:nvGrpSpPr>
+        <p:cNvPr id="1" name=""/>
+        <p:cNvGrpSpPr/>
+        <p:nvPr/>
+      </p:nvGrpSpPr>
+      <p:grpSpPr>
+        <a:xfrm>
+          <a:off x="0" y="0"/>
+          <a:ext cx="0" cy="0"/>
+          <a:chOff x="0" y="0"/>
+          <a:chExt cx="0" cy="0"/>
+        </a:xfrm>
+      </p:grpSpPr>
+      <p:sp>
+        <p:nvSpPr>
+          <p:cNvPr id="2" name="投影片影像版面配置區 1"/>
+          <p:cNvSpPr>
+            <a:spLocks noGrp="1" noRot="1" noChangeAspect="1"/>
+          </p:cNvSpPr>
+          <p:nvPr>
+            <p:ph type="sldImg"/>
+          </p:nvPr>
+        </p:nvSpPr>
+        <p:spPr/>
+      </p:sp>
+      <p:sp>
+        <p:nvSpPr>
+          <p:cNvPr id="3" name="備忘稿版面配置區 2"/>
+          <p:cNvSpPr>
+            <a:spLocks noGrp="1"/>
+          </p:cNvSpPr>
+          <p:nvPr>
+            <p:ph type="body" idx="1"/>
+          </p:nvPr>
+        </p:nvSpPr>
+        <p:spPr/>
+        <p:txBody>
+          <a:bodyPr/>
+          <a:lstStyle/>
+          <a:p>
+            <a:pPr marL="171450" indent="-171450">
+              <a:buFont typeface="Arial" panose="020B0604020202020204" pitchFamily="34" charset="0"/>
+              <a:buChar char="•"/>
+            </a:pPr>
+            <a:endParaRPr lang="en-US" baseline="0" dirty="0">
+              <a:latin typeface="Times New Roman" panose="02020603050405020304" pitchFamily="18" charset="0"/>
+              <a:ea typeface="標楷體" panose="03000509000000000000" pitchFamily="65" charset="-120"/>
+              <a:cs typeface="Times New Roman" panose="02020603050405020304" pitchFamily="18" charset="0"/>
+            </a:endParaRPr>
+          </a:p>
+        </p:txBody>
+      </p:sp>
+      <p:sp>
+        <p:nvSpPr>
+          <p:cNvPr id="4" name="投影片編號版面配置區 3"/>
+          <p:cNvSpPr>
+            <a:spLocks noGrp="1"/>
+          </p:cNvSpPr>
+          <p:nvPr>
+            <p:ph type="sldNum" sz="quarter" idx="5"/>
+          </p:nvPr>
+        </p:nvSpPr>
+        <p:spPr/>
+        <p:txBody>
+          <a:bodyPr/>
+          <a:lstStyle/>
+          <a:p>
+            <a:fld id="{CA802C15-8439-4650-9275-89E8E467F89F}" type="slidenum">
+              <a:rPr lang="zh-TW" altLang="en-US" smtClean="0"/>
               <a:t>18</a:t>
+            </a:fld>
+            <a:endParaRPr lang="zh-TW" altLang="en-US"/>
+          </a:p>
+        </p:txBody>
+      </p:sp>
+    </p:spTree>
+    <p:extLst>
+      <p:ext uri="{BB962C8B-B14F-4D97-AF65-F5344CB8AC3E}">
+        <p14:creationId xmlns:p14="http://schemas.microsoft.com/office/powerpoint/2010/main" val="3068740779"/>
+      </p:ext>
+    </p:extLst>
+  </p:cSld>
+  <p:clrMapOvr>
+    <a:masterClrMapping/>
+  </p:clrMapOvr>
+</p:notes>
+</file>
+
+<file path=ppt/notesSlides/notesSlide15.xml><?xml version="1.0" encoding="utf-8"?>
+<p:notes xmlns:a="http://schemas.openxmlformats.org/drawingml/2006/main" xmlns:r="http://schemas.openxmlformats.org/officeDocument/2006/relationships" xmlns:p="http://schemas.openxmlformats.org/presentationml/2006/main">
+  <p:cSld>
+    <p:spTree>
+      <p:nvGrpSpPr>
+        <p:cNvPr id="1" name=""/>
+        <p:cNvGrpSpPr/>
+        <p:nvPr/>
+      </p:nvGrpSpPr>
+      <p:grpSpPr>
+        <a:xfrm>
+          <a:off x="0" y="0"/>
+          <a:ext cx="0" cy="0"/>
+          <a:chOff x="0" y="0"/>
+          <a:chExt cx="0" cy="0"/>
+        </a:xfrm>
+      </p:grpSpPr>
+      <p:sp>
+        <p:nvSpPr>
+          <p:cNvPr id="2" name="投影片影像版面配置區 1"/>
+          <p:cNvSpPr>
+            <a:spLocks noGrp="1" noRot="1" noChangeAspect="1"/>
+          </p:cNvSpPr>
+          <p:nvPr>
+            <p:ph type="sldImg"/>
+          </p:nvPr>
+        </p:nvSpPr>
+        <p:spPr/>
+      </p:sp>
+      <p:sp>
+        <p:nvSpPr>
+          <p:cNvPr id="3" name="備忘稿版面配置區 2"/>
+          <p:cNvSpPr>
+            <a:spLocks noGrp="1"/>
+          </p:cNvSpPr>
+          <p:nvPr>
+            <p:ph type="body" idx="1"/>
+          </p:nvPr>
+        </p:nvSpPr>
+        <p:spPr/>
+        <p:txBody>
+          <a:bodyPr/>
+          <a:lstStyle/>
+          <a:p>
+            <a:pPr marL="171450" indent="-171450">
+              <a:buFont typeface="Arial" panose="020B0604020202020204" pitchFamily="34" charset="0"/>
+              <a:buChar char="•"/>
+            </a:pPr>
+            <a:r>
+              <a:rPr lang="zh-TW" altLang="en-US" dirty="0">
+                <a:latin typeface="Times New Roman" panose="02020603050405020304" pitchFamily="18" charset="0"/>
+                <a:cs typeface="Times New Roman" panose="02020603050405020304" pitchFamily="18" charset="0"/>
+              </a:rPr>
+              <a:t>*符號代表</a:t>
+            </a:r>
+            <a:r>
+              <a:rPr lang="zh-TW" dirty="0"/>
+              <a:t>與單獨的 Inception 相比，通過</a:t>
+            </a:r>
+            <a:r>
+              <a:rPr lang="en-US" altLang="zh-TW" dirty="0"/>
+              <a:t>Ensemble Learning</a:t>
+            </a:r>
+            <a:r>
+              <a:rPr lang="zh-TW" dirty="0"/>
+              <a:t>顯著減少了 MAE (p &lt; 0.05)</a:t>
+            </a:r>
+            <a:endParaRPr lang="en-US" altLang="zh-TW" dirty="0">
+              <a:latin typeface="Times New Roman" panose="02020603050405020304" pitchFamily="18" charset="0"/>
+              <a:cs typeface="Times New Roman" panose="02020603050405020304" pitchFamily="18" charset="0"/>
+            </a:endParaRPr>
+          </a:p>
+        </p:txBody>
+      </p:sp>
+      <p:sp>
+        <p:nvSpPr>
+          <p:cNvPr id="4" name="投影片編號版面配置區 3"/>
+          <p:cNvSpPr>
+            <a:spLocks noGrp="1"/>
+          </p:cNvSpPr>
+          <p:nvPr>
+            <p:ph type="sldNum" sz="quarter" idx="5"/>
+          </p:nvPr>
+        </p:nvSpPr>
+        <p:spPr/>
+        <p:txBody>
+          <a:bodyPr/>
+          <a:lstStyle/>
+          <a:p>
+            <a:fld id="{CA802C15-8439-4650-9275-89E8E467F89F}" type="slidenum">
+              <a:rPr lang="zh-TW" altLang="en-US" smtClean="0"/>
+              <a:t>19</a:t>
             </a:fld>
             <a:endParaRPr lang="zh-TW" altLang="en-US"/>
           </a:p>
@@ -5684,6 +5112,1799 @@
     <p:extLst>
       <p:ext uri="{BB962C8B-B14F-4D97-AF65-F5344CB8AC3E}">
         <p14:creationId xmlns:p14="http://schemas.microsoft.com/office/powerpoint/2010/main" val="4093892230"/>
+      </p:ext>
+    </p:extLst>
+  </p:cSld>
+  <p:clrMapOvr>
+    <a:masterClrMapping/>
+  </p:clrMapOvr>
+</p:notes>
+</file>
+
+<file path=ppt/notesSlides/notesSlide16.xml><?xml version="1.0" encoding="utf-8"?>
+<p:notes xmlns:a="http://schemas.openxmlformats.org/drawingml/2006/main" xmlns:r="http://schemas.openxmlformats.org/officeDocument/2006/relationships" xmlns:p="http://schemas.openxmlformats.org/presentationml/2006/main">
+  <p:cSld>
+    <p:spTree>
+      <p:nvGrpSpPr>
+        <p:cNvPr id="1" name=""/>
+        <p:cNvGrpSpPr/>
+        <p:nvPr/>
+      </p:nvGrpSpPr>
+      <p:grpSpPr>
+        <a:xfrm>
+          <a:off x="0" y="0"/>
+          <a:ext cx="0" cy="0"/>
+          <a:chOff x="0" y="0"/>
+          <a:chExt cx="0" cy="0"/>
+        </a:xfrm>
+      </p:grpSpPr>
+      <p:sp>
+        <p:nvSpPr>
+          <p:cNvPr id="2" name="投影片影像版面配置區 1"/>
+          <p:cNvSpPr>
+            <a:spLocks noGrp="1" noRot="1" noChangeAspect="1"/>
+          </p:cNvSpPr>
+          <p:nvPr>
+            <p:ph type="sldImg"/>
+          </p:nvPr>
+        </p:nvSpPr>
+        <p:spPr/>
+      </p:sp>
+      <p:sp>
+        <p:nvSpPr>
+          <p:cNvPr id="3" name="備忘稿版面配置區 2"/>
+          <p:cNvSpPr>
+            <a:spLocks noGrp="1"/>
+          </p:cNvSpPr>
+          <p:nvPr>
+            <p:ph type="body" idx="1"/>
+          </p:nvPr>
+        </p:nvSpPr>
+        <p:spPr/>
+        <p:txBody>
+          <a:bodyPr/>
+          <a:lstStyle/>
+          <a:p>
+            <a:pPr marL="171450" indent="-171450">
+              <a:buFont typeface="Arial" panose="020B0604020202020204" pitchFamily="34" charset="0"/>
+              <a:buChar char="•"/>
+            </a:pPr>
+            <a:r>
+              <a:rPr lang="zh-TW" altLang="en-US" dirty="0">
+                <a:latin typeface="Times New Roman" panose="02020603050405020304" pitchFamily="18" charset="0"/>
+                <a:cs typeface="Times New Roman" panose="02020603050405020304" pitchFamily="18" charset="0"/>
+              </a:rPr>
+              <a:t>以</a:t>
+            </a:r>
+            <a:r>
+              <a:rPr lang="en-US" altLang="zh-TW" dirty="0">
+                <a:latin typeface="Times New Roman" panose="02020603050405020304" pitchFamily="18" charset="0"/>
+                <a:cs typeface="Times New Roman" panose="02020603050405020304" pitchFamily="18" charset="0"/>
+              </a:rPr>
+              <a:t>minimize MAE</a:t>
+            </a:r>
+            <a:r>
+              <a:rPr lang="zh-TW" altLang="en-US" dirty="0">
+                <a:latin typeface="Times New Roman" panose="02020603050405020304" pitchFamily="18" charset="0"/>
+                <a:cs typeface="Times New Roman" panose="02020603050405020304" pitchFamily="18" charset="0"/>
+              </a:rPr>
+              <a:t>這個</a:t>
+            </a:r>
+            <a:r>
+              <a:rPr lang="en-US" altLang="zh-TW" dirty="0">
+                <a:latin typeface="Times New Roman" panose="02020603050405020304" pitchFamily="18" charset="0"/>
+                <a:cs typeface="Times New Roman" panose="02020603050405020304" pitchFamily="18" charset="0"/>
+              </a:rPr>
+              <a:t>objective</a:t>
+            </a:r>
+            <a:r>
+              <a:rPr lang="zh-TW" altLang="en-US" dirty="0">
+                <a:latin typeface="Times New Roman" panose="02020603050405020304" pitchFamily="18" charset="0"/>
+                <a:cs typeface="Times New Roman" panose="02020603050405020304" pitchFamily="18" charset="0"/>
+              </a:rPr>
+              <a:t>來說，深度學習的方式比</a:t>
+            </a:r>
+            <a:r>
+              <a:rPr lang="en-US" altLang="zh-TW" dirty="0">
+                <a:latin typeface="Times New Roman" panose="02020603050405020304" pitchFamily="18" charset="0"/>
+                <a:cs typeface="Times New Roman" panose="02020603050405020304" pitchFamily="18" charset="0"/>
+              </a:rPr>
+              <a:t>BLUP</a:t>
+            </a:r>
+            <a:r>
+              <a:rPr lang="zh-TW" altLang="en-US" dirty="0">
+                <a:latin typeface="Times New Roman" panose="02020603050405020304" pitchFamily="18" charset="0"/>
+                <a:cs typeface="Times New Roman" panose="02020603050405020304" pitchFamily="18" charset="0"/>
+              </a:rPr>
+              <a:t>和</a:t>
+            </a:r>
+            <a:r>
+              <a:rPr lang="en-US" altLang="zh-TW" dirty="0">
+                <a:latin typeface="Times New Roman" panose="02020603050405020304" pitchFamily="18" charset="0"/>
+                <a:cs typeface="Times New Roman" panose="02020603050405020304" pitchFamily="18" charset="0"/>
+              </a:rPr>
+              <a:t>SVM(paired t-test</a:t>
+            </a:r>
+            <a:r>
+              <a:rPr lang="zh-TW" altLang="en-US" dirty="0">
+                <a:latin typeface="Times New Roman" panose="02020603050405020304" pitchFamily="18" charset="0"/>
+                <a:cs typeface="Times New Roman" panose="02020603050405020304" pitchFamily="18" charset="0"/>
+              </a:rPr>
+              <a:t>的</a:t>
+            </a:r>
+            <a:r>
+              <a:rPr lang="en-US" altLang="zh-TW" dirty="0">
+                <a:latin typeface="Times New Roman" panose="02020603050405020304" pitchFamily="18" charset="0"/>
+                <a:cs typeface="Times New Roman" panose="02020603050405020304" pitchFamily="18" charset="0"/>
+              </a:rPr>
+              <a:t>p-value&lt;3.1e-4)</a:t>
+            </a:r>
+            <a:r>
+              <a:rPr lang="zh-TW" altLang="en-US" dirty="0">
+                <a:latin typeface="Times New Roman" panose="02020603050405020304" pitchFamily="18" charset="0"/>
+                <a:cs typeface="Times New Roman" panose="02020603050405020304" pitchFamily="18" charset="0"/>
+              </a:rPr>
+              <a:t>代表有顯著性差異</a:t>
+            </a:r>
+            <a:r>
+              <a:rPr lang="en-US" altLang="zh-TW" dirty="0">
+                <a:latin typeface="Times New Roman" panose="02020603050405020304" pitchFamily="18" charset="0"/>
+                <a:cs typeface="Times New Roman" panose="02020603050405020304" pitchFamily="18" charset="0"/>
+              </a:rPr>
+              <a:t>(</a:t>
+            </a:r>
+            <a:r>
+              <a:rPr lang="zh-TW" altLang="en-US" dirty="0">
+                <a:latin typeface="Times New Roman" panose="02020603050405020304" pitchFamily="18" charset="0"/>
+                <a:cs typeface="Times New Roman" panose="02020603050405020304" pitchFamily="18" charset="0"/>
+              </a:rPr>
+              <a:t>正常只要</a:t>
+            </a:r>
+            <a:r>
+              <a:rPr lang="en-US" altLang="zh-TW" dirty="0">
+                <a:latin typeface="Times New Roman" panose="02020603050405020304" pitchFamily="18" charset="0"/>
+                <a:cs typeface="Times New Roman" panose="02020603050405020304" pitchFamily="18" charset="0"/>
+              </a:rPr>
+              <a:t>&lt;0.05</a:t>
+            </a:r>
+            <a:r>
+              <a:rPr lang="zh-TW" altLang="en-US" dirty="0">
+                <a:latin typeface="Times New Roman" panose="02020603050405020304" pitchFamily="18" charset="0"/>
+                <a:cs typeface="Times New Roman" panose="02020603050405020304" pitchFamily="18" charset="0"/>
+              </a:rPr>
+              <a:t>就是有顯著性差異</a:t>
+            </a:r>
+            <a:r>
+              <a:rPr lang="en-US" altLang="zh-TW" dirty="0">
+                <a:latin typeface="Times New Roman" panose="02020603050405020304" pitchFamily="18" charset="0"/>
+                <a:cs typeface="Times New Roman" panose="02020603050405020304" pitchFamily="18" charset="0"/>
+              </a:rPr>
+              <a:t>)</a:t>
+            </a:r>
+          </a:p>
+          <a:p>
+            <a:pPr marL="171450" indent="-171450">
+              <a:buFont typeface="Arial" panose="020B0604020202020204" pitchFamily="34" charset="0"/>
+              <a:buChar char="•"/>
+            </a:pPr>
+            <a:r>
+              <a:rPr lang="en-US" altLang="zh-TW" dirty="0">
+                <a:latin typeface="Times New Roman" panose="02020603050405020304" pitchFamily="18" charset="0"/>
+                <a:cs typeface="Times New Roman" panose="02020603050405020304" pitchFamily="18" charset="0"/>
+              </a:rPr>
+              <a:t>Inception MAE=3.82</a:t>
+            </a:r>
+            <a:r>
+              <a:rPr lang="zh-TW" altLang="en-US" dirty="0">
+                <a:latin typeface="Times New Roman" panose="02020603050405020304" pitchFamily="18" charset="0"/>
+                <a:cs typeface="Times New Roman" panose="02020603050405020304" pitchFamily="18" charset="0"/>
+              </a:rPr>
+              <a:t>且</a:t>
+            </a:r>
+            <a:r>
+              <a:rPr lang="en-US" altLang="zh-TW" dirty="0">
+                <a:latin typeface="Times New Roman" panose="02020603050405020304" pitchFamily="18" charset="0"/>
+                <a:cs typeface="Times New Roman" panose="02020603050405020304" pitchFamily="18" charset="0"/>
+              </a:rPr>
+              <a:t>six-layer CNN MAE=4.18</a:t>
+            </a:r>
+            <a:r>
+              <a:rPr lang="zh-TW" altLang="en-US" dirty="0">
+                <a:latin typeface="Times New Roman" panose="02020603050405020304" pitchFamily="18" charset="0"/>
+                <a:cs typeface="Times New Roman" panose="02020603050405020304" pitchFamily="18" charset="0"/>
+              </a:rPr>
+              <a:t>，相較之下</a:t>
+            </a:r>
+            <a:r>
+              <a:rPr lang="en-US" altLang="zh-TW" dirty="0">
+                <a:latin typeface="Times New Roman" panose="02020603050405020304" pitchFamily="18" charset="0"/>
+                <a:cs typeface="Times New Roman" panose="02020603050405020304" pitchFamily="18" charset="0"/>
+              </a:rPr>
+              <a:t>BLUP-quantiles</a:t>
+            </a:r>
+            <a:r>
+              <a:rPr lang="zh-TW" altLang="en-US" dirty="0">
+                <a:latin typeface="Times New Roman" panose="02020603050405020304" pitchFamily="18" charset="0"/>
+                <a:cs typeface="Times New Roman" panose="02020603050405020304" pitchFamily="18" charset="0"/>
+              </a:rPr>
+              <a:t>的</a:t>
+            </a:r>
+            <a:r>
+              <a:rPr lang="en-US" altLang="zh-TW" dirty="0">
+                <a:latin typeface="Times New Roman" panose="02020603050405020304" pitchFamily="18" charset="0"/>
+                <a:cs typeface="Times New Roman" panose="02020603050405020304" pitchFamily="18" charset="0"/>
+              </a:rPr>
+              <a:t>MAE=4.90</a:t>
+            </a:r>
+          </a:p>
+          <a:p>
+            <a:pPr marL="171450" indent="-171450">
+              <a:buFont typeface="Arial" panose="020B0604020202020204" pitchFamily="34" charset="0"/>
+              <a:buChar char="•"/>
+            </a:pPr>
+            <a:r>
+              <a:rPr lang="zh-TW" altLang="en-US" dirty="0">
+                <a:latin typeface="Times New Roman" panose="02020603050405020304" pitchFamily="18" charset="0"/>
+                <a:cs typeface="Times New Roman" panose="02020603050405020304" pitchFamily="18" charset="0"/>
+              </a:rPr>
+              <a:t>深度學習演算法的表現沒有顯著性差異</a:t>
+            </a:r>
+            <a:r>
+              <a:rPr lang="en-US" altLang="zh-TW" dirty="0">
+                <a:latin typeface="Times New Roman" panose="02020603050405020304" pitchFamily="18" charset="0"/>
+                <a:cs typeface="Times New Roman" panose="02020603050405020304" pitchFamily="18" charset="0"/>
+              </a:rPr>
+              <a:t>(</a:t>
+            </a:r>
+            <a:r>
+              <a:rPr lang="en-US" sz="1800" b="0" i="0" u="none" strike="noStrike" baseline="0" dirty="0">
+                <a:latin typeface="MinionPro-It"/>
+              </a:rPr>
+              <a:t>p </a:t>
+            </a:r>
+            <a:r>
+              <a:rPr lang="en-US" sz="1800" b="0" i="0" u="none" strike="noStrike" baseline="0" dirty="0">
+                <a:latin typeface="RMTMI"/>
+              </a:rPr>
+              <a:t>&gt; </a:t>
+            </a:r>
+            <a:r>
+              <a:rPr lang="en-US" sz="1800" b="0" i="0" u="none" strike="noStrike" baseline="0" dirty="0">
+                <a:latin typeface="MinionPro-Regular"/>
+              </a:rPr>
+              <a:t>0.027</a:t>
+            </a:r>
+            <a:r>
+              <a:rPr lang="en-US" altLang="zh-TW" dirty="0">
+                <a:latin typeface="Times New Roman" panose="02020603050405020304" pitchFamily="18" charset="0"/>
+                <a:cs typeface="Times New Roman" panose="02020603050405020304" pitchFamily="18" charset="0"/>
+              </a:rPr>
+              <a:t>)</a:t>
+            </a:r>
+          </a:p>
+          <a:p>
+            <a:pPr marL="171450" indent="-171450">
+              <a:buFont typeface="Arial" panose="020B0604020202020204" pitchFamily="34" charset="0"/>
+              <a:buChar char="•"/>
+            </a:pPr>
+            <a:r>
+              <a:rPr lang="zh-TW" altLang="en-US" dirty="0">
+                <a:latin typeface="Times New Roman" panose="02020603050405020304" pitchFamily="18" charset="0"/>
+                <a:cs typeface="Times New Roman" panose="02020603050405020304" pitchFamily="18" charset="0"/>
+              </a:rPr>
+              <a:t>相較之下</a:t>
+            </a:r>
+            <a:r>
+              <a:rPr lang="en-US" altLang="zh-TW" dirty="0">
+                <a:latin typeface="Times New Roman" panose="02020603050405020304" pitchFamily="18" charset="0"/>
+                <a:cs typeface="Times New Roman" panose="02020603050405020304" pitchFamily="18" charset="0"/>
+              </a:rPr>
+              <a:t>Ensemble Learning</a:t>
+            </a:r>
+            <a:r>
+              <a:rPr lang="zh-TW" altLang="en-US" dirty="0">
+                <a:latin typeface="Times New Roman" panose="02020603050405020304" pitchFamily="18" charset="0"/>
+                <a:cs typeface="Times New Roman" panose="02020603050405020304" pitchFamily="18" charset="0"/>
+              </a:rPr>
+              <a:t>的</a:t>
+            </a:r>
+            <a:r>
+              <a:rPr lang="en-US" altLang="zh-TW" dirty="0">
+                <a:latin typeface="Times New Roman" panose="02020603050405020304" pitchFamily="18" charset="0"/>
+                <a:cs typeface="Times New Roman" panose="02020603050405020304" pitchFamily="18" charset="0"/>
+              </a:rPr>
+              <a:t>MAE=3.46</a:t>
+            </a:r>
+            <a:r>
+              <a:rPr lang="zh-TW" altLang="en-US" dirty="0">
+                <a:latin typeface="Times New Roman" panose="02020603050405020304" pitchFamily="18" charset="0"/>
+                <a:cs typeface="Times New Roman" panose="02020603050405020304" pitchFamily="18" charset="0"/>
+              </a:rPr>
+              <a:t>，有顯著差異</a:t>
+            </a:r>
+            <a:r>
+              <a:rPr lang="en-US" altLang="zh-TW" dirty="0">
+                <a:latin typeface="Times New Roman" panose="02020603050405020304" pitchFamily="18" charset="0"/>
+                <a:cs typeface="Times New Roman" panose="02020603050405020304" pitchFamily="18" charset="0"/>
+              </a:rPr>
+              <a:t>(p=1.3e-4)</a:t>
+            </a:r>
+          </a:p>
+          <a:p>
+            <a:pPr marL="171450" indent="-171450">
+              <a:buFont typeface="Arial" panose="020B0604020202020204" pitchFamily="34" charset="0"/>
+              <a:buChar char="•"/>
+            </a:pPr>
+            <a:r>
+              <a:rPr lang="zh-TW" altLang="en-US" dirty="0">
+                <a:latin typeface="Times New Roman" panose="02020603050405020304" pitchFamily="18" charset="0"/>
+                <a:cs typeface="Times New Roman" panose="02020603050405020304" pitchFamily="18" charset="0"/>
+              </a:rPr>
+              <a:t>以挑戰</a:t>
+            </a:r>
+            <a:r>
+              <a:rPr lang="en-US" altLang="zh-TW" dirty="0">
+                <a:latin typeface="Times New Roman" panose="02020603050405020304" pitchFamily="18" charset="0"/>
+                <a:cs typeface="Times New Roman" panose="02020603050405020304" pitchFamily="18" charset="0"/>
+              </a:rPr>
+              <a:t>2</a:t>
+            </a:r>
+            <a:r>
+              <a:rPr lang="zh-TW" altLang="en-US" dirty="0">
+                <a:latin typeface="Times New Roman" panose="02020603050405020304" pitchFamily="18" charset="0"/>
+                <a:cs typeface="Times New Roman" panose="02020603050405020304" pitchFamily="18" charset="0"/>
+              </a:rPr>
+              <a:t>來說，作者用</a:t>
+            </a:r>
+            <a:r>
+              <a:rPr lang="en-US" altLang="zh-TW" dirty="0">
+                <a:latin typeface="Times New Roman" panose="02020603050405020304" pitchFamily="18" charset="0"/>
+                <a:cs typeface="Times New Roman" panose="02020603050405020304" pitchFamily="18" charset="0"/>
+              </a:rPr>
+              <a:t>median</a:t>
+            </a:r>
+            <a:r>
+              <a:rPr lang="zh-TW" altLang="en-US" dirty="0">
+                <a:latin typeface="Times New Roman" panose="02020603050405020304" pitchFamily="18" charset="0"/>
+                <a:cs typeface="Times New Roman" panose="02020603050405020304" pitchFamily="18" charset="0"/>
+              </a:rPr>
+              <a:t>和</a:t>
+            </a:r>
+            <a:r>
+              <a:rPr lang="en-US" altLang="zh-TW" dirty="0">
+                <a:latin typeface="Times New Roman" panose="02020603050405020304" pitchFamily="18" charset="0"/>
+                <a:cs typeface="Times New Roman" panose="02020603050405020304" pitchFamily="18" charset="0"/>
+              </a:rPr>
+              <a:t>man absolute deviation per site</a:t>
+            </a:r>
+            <a:r>
+              <a:rPr lang="zh-TW" altLang="en-US" dirty="0">
+                <a:latin typeface="Times New Roman" panose="02020603050405020304" pitchFamily="18" charset="0"/>
+                <a:cs typeface="Times New Roman" panose="02020603050405020304" pitchFamily="18" charset="0"/>
+              </a:rPr>
+              <a:t>去</a:t>
+            </a:r>
+            <a:r>
+              <a:rPr lang="en-US" altLang="zh-TW" dirty="0">
+                <a:latin typeface="Times New Roman" panose="02020603050405020304" pitchFamily="18" charset="0"/>
+                <a:cs typeface="Times New Roman" panose="02020603050405020304" pitchFamily="18" charset="0"/>
+              </a:rPr>
+              <a:t>rescaled prediction</a:t>
+            </a:r>
+            <a:r>
+              <a:rPr lang="zh-TW" altLang="en-US" dirty="0">
+                <a:latin typeface="Times New Roman" panose="02020603050405020304" pitchFamily="18" charset="0"/>
+                <a:cs typeface="Times New Roman" panose="02020603050405020304" pitchFamily="18" charset="0"/>
+              </a:rPr>
+              <a:t>，結果顯示</a:t>
+            </a:r>
+            <a:r>
+              <a:rPr lang="en-US" altLang="zh-TW" dirty="0">
+                <a:latin typeface="Times New Roman" panose="02020603050405020304" pitchFamily="18" charset="0"/>
+                <a:cs typeface="Times New Roman" panose="02020603050405020304" pitchFamily="18" charset="0"/>
+              </a:rPr>
+              <a:t>MAE</a:t>
+            </a:r>
+            <a:r>
+              <a:rPr lang="zh-TW" altLang="en-US" dirty="0">
+                <a:latin typeface="Times New Roman" panose="02020603050405020304" pitchFamily="18" charset="0"/>
+                <a:cs typeface="Times New Roman" panose="02020603050405020304" pitchFamily="18" charset="0"/>
+              </a:rPr>
+              <a:t>會比原來的增加一年，但會減少</a:t>
+            </a:r>
+            <a:r>
+              <a:rPr lang="en-US" altLang="zh-TW" dirty="0">
+                <a:latin typeface="Times New Roman" panose="02020603050405020304" pitchFamily="18" charset="0"/>
+                <a:cs typeface="Times New Roman" panose="02020603050405020304" pitchFamily="18" charset="0"/>
+              </a:rPr>
+              <a:t>bias</a:t>
+            </a:r>
+            <a:r>
+              <a:rPr lang="zh-TW" altLang="en-US" dirty="0">
+                <a:latin typeface="Times New Roman" panose="02020603050405020304" pitchFamily="18" charset="0"/>
+                <a:cs typeface="Times New Roman" panose="02020603050405020304" pitchFamily="18" charset="0"/>
+              </a:rPr>
+              <a:t>，同樣的</a:t>
+            </a:r>
+            <a:r>
+              <a:rPr lang="en-US" altLang="zh-TW" dirty="0">
+                <a:latin typeface="Times New Roman" panose="02020603050405020304" pitchFamily="18" charset="0"/>
+                <a:cs typeface="Times New Roman" panose="02020603050405020304" pitchFamily="18" charset="0"/>
+              </a:rPr>
+              <a:t>ensemble learning</a:t>
+            </a:r>
+            <a:r>
+              <a:rPr lang="zh-TW" altLang="en-US" dirty="0">
+                <a:latin typeface="Times New Roman" panose="02020603050405020304" pitchFamily="18" charset="0"/>
+                <a:cs typeface="Times New Roman" panose="02020603050405020304" pitchFamily="18" charset="0"/>
+              </a:rPr>
+              <a:t>相比於</a:t>
+            </a:r>
+            <a:r>
+              <a:rPr lang="en-US" altLang="zh-TW" dirty="0">
+                <a:latin typeface="Times New Roman" panose="02020603050405020304" pitchFamily="18" charset="0"/>
+                <a:cs typeface="Times New Roman" panose="02020603050405020304" pitchFamily="18" charset="0"/>
+              </a:rPr>
+              <a:t>Inception</a:t>
+            </a:r>
+            <a:r>
+              <a:rPr lang="zh-TW" altLang="en-US" dirty="0">
+                <a:latin typeface="Times New Roman" panose="02020603050405020304" pitchFamily="18" charset="0"/>
+                <a:cs typeface="Times New Roman" panose="02020603050405020304" pitchFamily="18" charset="0"/>
+              </a:rPr>
+              <a:t>有顯著提升</a:t>
+            </a:r>
+            <a:r>
+              <a:rPr lang="en-US" altLang="zh-TW" dirty="0">
+                <a:latin typeface="Times New Roman" panose="02020603050405020304" pitchFamily="18" charset="0"/>
+                <a:cs typeface="Times New Roman" panose="02020603050405020304" pitchFamily="18" charset="0"/>
+              </a:rPr>
+              <a:t>(p=0.010)</a:t>
+            </a:r>
+          </a:p>
+          <a:p>
+            <a:pPr marL="171450" indent="-171450">
+              <a:buFont typeface="Arial" panose="020B0604020202020204" pitchFamily="34" charset="0"/>
+              <a:buChar char="•"/>
+            </a:pPr>
+            <a:endParaRPr lang="en-US" dirty="0">
+              <a:latin typeface="Times New Roman" panose="02020603050405020304" pitchFamily="18" charset="0"/>
+              <a:cs typeface="Times New Roman" panose="02020603050405020304" pitchFamily="18" charset="0"/>
+            </a:endParaRPr>
+          </a:p>
+        </p:txBody>
+      </p:sp>
+      <p:sp>
+        <p:nvSpPr>
+          <p:cNvPr id="4" name="投影片編號版面配置區 3"/>
+          <p:cNvSpPr>
+            <a:spLocks noGrp="1"/>
+          </p:cNvSpPr>
+          <p:nvPr>
+            <p:ph type="sldNum" sz="quarter" idx="5"/>
+          </p:nvPr>
+        </p:nvSpPr>
+        <p:spPr/>
+        <p:txBody>
+          <a:bodyPr/>
+          <a:lstStyle/>
+          <a:p>
+            <a:fld id="{CA802C15-8439-4650-9275-89E8E467F89F}" type="slidenum">
+              <a:rPr lang="zh-TW" altLang="en-US" smtClean="0"/>
+              <a:t>20</a:t>
+            </a:fld>
+            <a:endParaRPr lang="zh-TW" altLang="en-US"/>
+          </a:p>
+        </p:txBody>
+      </p:sp>
+    </p:spTree>
+    <p:extLst>
+      <p:ext uri="{BB962C8B-B14F-4D97-AF65-F5344CB8AC3E}">
+        <p14:creationId xmlns:p14="http://schemas.microsoft.com/office/powerpoint/2010/main" val="3397365873"/>
+      </p:ext>
+    </p:extLst>
+  </p:cSld>
+  <p:clrMapOvr>
+    <a:masterClrMapping/>
+  </p:clrMapOvr>
+</p:notes>
+</file>
+
+<file path=ppt/notesSlides/notesSlide17.xml><?xml version="1.0" encoding="utf-8"?>
+<p:notes xmlns:a="http://schemas.openxmlformats.org/drawingml/2006/main" xmlns:r="http://schemas.openxmlformats.org/officeDocument/2006/relationships" xmlns:p="http://schemas.openxmlformats.org/presentationml/2006/main">
+  <p:cSld>
+    <p:spTree>
+      <p:nvGrpSpPr>
+        <p:cNvPr id="1" name=""/>
+        <p:cNvGrpSpPr/>
+        <p:nvPr/>
+      </p:nvGrpSpPr>
+      <p:grpSpPr>
+        <a:xfrm>
+          <a:off x="0" y="0"/>
+          <a:ext cx="0" cy="0"/>
+          <a:chOff x="0" y="0"/>
+          <a:chExt cx="0" cy="0"/>
+        </a:xfrm>
+      </p:grpSpPr>
+      <p:sp>
+        <p:nvSpPr>
+          <p:cNvPr id="2" name="投影片影像版面配置區 1"/>
+          <p:cNvSpPr>
+            <a:spLocks noGrp="1" noRot="1" noChangeAspect="1"/>
+          </p:cNvSpPr>
+          <p:nvPr>
+            <p:ph type="sldImg"/>
+          </p:nvPr>
+        </p:nvSpPr>
+        <p:spPr/>
+      </p:sp>
+      <p:sp>
+        <p:nvSpPr>
+          <p:cNvPr id="3" name="備忘稿版面配置區 2"/>
+          <p:cNvSpPr>
+            <a:spLocks noGrp="1"/>
+          </p:cNvSpPr>
+          <p:nvPr>
+            <p:ph type="body" idx="1"/>
+          </p:nvPr>
+        </p:nvSpPr>
+        <p:spPr/>
+        <p:txBody>
+          <a:bodyPr/>
+          <a:lstStyle/>
+          <a:p>
+            <a:pPr marL="285750" indent="-285750">
+              <a:buFont typeface="Arial" panose="020B0604020202020204" pitchFamily="34" charset="0"/>
+              <a:buChar char="•"/>
+            </a:pPr>
+            <a:r>
+              <a:rPr lang="zh-TW" sz="2800" dirty="0"/>
+              <a:t>*表示與單獨的 Inception 相比，通過集成學習顯著減少了 MAE（p &lt; 0.01，假設有五個獨立測試）</a:t>
+            </a:r>
+            <a:endParaRPr lang="en-US" altLang="zh-TW" sz="1800" dirty="0">
+              <a:solidFill>
+                <a:srgbClr val="000000"/>
+              </a:solidFill>
+              <a:latin typeface="微軟正黑體" panose="020B0604030504040204" pitchFamily="34" charset="-120"/>
+              <a:ea typeface="微軟正黑體" panose="020B0604030504040204" pitchFamily="34" charset="-120"/>
+            </a:endParaRPr>
+          </a:p>
+          <a:p>
+            <a:pPr marL="285750" indent="-285750">
+              <a:buFont typeface="Arial" panose="020B0604020202020204" pitchFamily="34" charset="0"/>
+              <a:buChar char="•"/>
+            </a:pPr>
+            <a:r>
+              <a:rPr lang="zh-TW" altLang="en-US" sz="1800" dirty="0">
+                <a:solidFill>
+                  <a:srgbClr val="000000"/>
+                </a:solidFill>
+                <a:latin typeface="微軟正黑體" panose="020B0604030504040204" pitchFamily="34" charset="-120"/>
+                <a:ea typeface="微軟正黑體" panose="020B0604030504040204" pitchFamily="34" charset="-120"/>
+              </a:rPr>
+              <a:t>試圖通過執行 </a:t>
+            </a:r>
+            <a:r>
+              <a:rPr lang="en-US" altLang="zh-TW" sz="1800" dirty="0">
+                <a:solidFill>
+                  <a:srgbClr val="000000"/>
+                </a:solidFill>
+                <a:latin typeface="微軟正黑體" panose="020B0604030504040204" pitchFamily="34" charset="-120"/>
+                <a:ea typeface="微軟正黑體" panose="020B0604030504040204" pitchFamily="34" charset="-120"/>
+              </a:rPr>
+              <a:t>5 </a:t>
+            </a:r>
+            <a:r>
+              <a:rPr lang="zh-TW" altLang="en-US" sz="1800" dirty="0">
+                <a:solidFill>
+                  <a:srgbClr val="000000"/>
+                </a:solidFill>
+                <a:latin typeface="微軟正黑體" panose="020B0604030504040204" pitchFamily="34" charset="-120"/>
+                <a:ea typeface="微軟正黑體" panose="020B0604030504040204" pitchFamily="34" charset="-120"/>
+              </a:rPr>
+              <a:t>折交叉</a:t>
+            </a:r>
+            <a:r>
+              <a:rPr lang="zh-TW" altLang="en-US" sz="1800" dirty="0">
+                <a:solidFill>
+                  <a:srgbClr val="000000"/>
+                </a:solidFill>
+                <a:latin typeface="Segoe UI" panose="020B0502040204020203" pitchFamily="34" charset="0"/>
+                <a:ea typeface="微軟正黑體" panose="020B0604030504040204" pitchFamily="34" charset="-120"/>
+              </a:rPr>
+              <a:t>驗證實驗來評估我們的結論是否依賴於上一節中使用的訓練</a:t>
+            </a:r>
+            <a:r>
+              <a:rPr lang="en-US" altLang="zh-TW" sz="1800" dirty="0">
+                <a:solidFill>
+                  <a:srgbClr val="000000"/>
+                </a:solidFill>
+                <a:latin typeface="Segoe UI" panose="020B0502040204020203" pitchFamily="34" charset="0"/>
+                <a:ea typeface="微軟正黑體" panose="020B0604030504040204" pitchFamily="34" charset="-120"/>
+              </a:rPr>
+              <a:t>/</a:t>
+            </a:r>
+            <a:r>
+              <a:rPr lang="zh-TW" altLang="en-US" sz="1800" dirty="0">
+                <a:solidFill>
+                  <a:srgbClr val="000000"/>
+                </a:solidFill>
+                <a:latin typeface="Segoe UI" panose="020B0502040204020203" pitchFamily="34" charset="0"/>
+                <a:ea typeface="微軟正黑體" panose="020B0604030504040204" pitchFamily="34" charset="-120"/>
+              </a:rPr>
+              <a:t>測試拆分</a:t>
+            </a:r>
+          </a:p>
+          <a:p>
+            <a:pPr marL="285750" indent="-285750">
+              <a:buFont typeface="Arial" panose="020B0604020202020204" pitchFamily="34" charset="0"/>
+              <a:buChar char="•"/>
+            </a:pPr>
+            <a:r>
+              <a:rPr lang="zh-TW" altLang="en-US" sz="1800" dirty="0">
+                <a:solidFill>
+                  <a:srgbClr val="000000"/>
+                </a:solidFill>
+                <a:latin typeface="Segoe UI" panose="020B0502040204020203" pitchFamily="34" charset="0"/>
+                <a:ea typeface="微軟正黑體" panose="020B0604030504040204" pitchFamily="34" charset="-120"/>
+              </a:rPr>
+              <a:t>在每個</a:t>
+            </a:r>
+            <a:r>
+              <a:rPr lang="en-US" altLang="zh-TW" sz="1800" dirty="0">
+                <a:solidFill>
+                  <a:srgbClr val="000000"/>
+                </a:solidFill>
+                <a:latin typeface="Segoe UI" panose="020B0502040204020203" pitchFamily="34" charset="0"/>
+                <a:ea typeface="微軟正黑體" panose="020B0604030504040204" pitchFamily="34" charset="-120"/>
+              </a:rPr>
+              <a:t>fold</a:t>
+            </a:r>
+            <a:r>
+              <a:rPr lang="zh-TW" altLang="en-US" sz="1800" dirty="0">
+                <a:solidFill>
+                  <a:srgbClr val="000000"/>
+                </a:solidFill>
+                <a:latin typeface="Segoe UI" panose="020B0502040204020203" pitchFamily="34" charset="0"/>
+                <a:ea typeface="微軟正黑體" panose="020B0604030504040204" pitchFamily="34" charset="-120"/>
+              </a:rPr>
+              <a:t>中，我們發現 </a:t>
+            </a:r>
+            <a:r>
+              <a:rPr lang="en-US" altLang="zh-TW" sz="1800" dirty="0">
+                <a:solidFill>
+                  <a:srgbClr val="000000"/>
+                </a:solidFill>
+                <a:latin typeface="Segoe UI" panose="020B0502040204020203" pitchFamily="34" charset="0"/>
+                <a:ea typeface="微軟正黑體" panose="020B0604030504040204" pitchFamily="34" charset="-120"/>
+              </a:rPr>
+              <a:t>BLUP/SVM </a:t>
+            </a:r>
+            <a:r>
+              <a:rPr lang="zh-TW" altLang="en-US" sz="1800" dirty="0">
+                <a:solidFill>
+                  <a:srgbClr val="000000"/>
+                </a:solidFill>
+                <a:latin typeface="Segoe UI" panose="020B0502040204020203" pitchFamily="34" charset="0"/>
+                <a:ea typeface="微軟正黑體" panose="020B0604030504040204" pitchFamily="34" charset="-120"/>
+              </a:rPr>
+              <a:t>和 </a:t>
+            </a:r>
+            <a:r>
+              <a:rPr lang="en-US" altLang="zh-TW" sz="1800" dirty="0" err="1">
+                <a:solidFill>
+                  <a:srgbClr val="000000"/>
+                </a:solidFill>
+                <a:latin typeface="Segoe UI" panose="020B0502040204020203" pitchFamily="34" charset="0"/>
+                <a:ea typeface="微軟正黑體" panose="020B0604030504040204" pitchFamily="34" charset="-120"/>
+              </a:rPr>
+              <a:t>ResNet</a:t>
+            </a:r>
+            <a:r>
+              <a:rPr lang="en-US" altLang="zh-TW" sz="1800" dirty="0">
+                <a:solidFill>
+                  <a:srgbClr val="000000"/>
+                </a:solidFill>
+                <a:latin typeface="Segoe UI" panose="020B0502040204020203" pitchFamily="34" charset="0"/>
+                <a:ea typeface="微軟正黑體" panose="020B0604030504040204" pitchFamily="34" charset="-120"/>
+              </a:rPr>
+              <a:t> </a:t>
+            </a:r>
+            <a:r>
+              <a:rPr lang="zh-TW" altLang="en-US" sz="1800" dirty="0">
+                <a:solidFill>
+                  <a:srgbClr val="000000"/>
+                </a:solidFill>
+                <a:latin typeface="Segoe UI" panose="020B0502040204020203" pitchFamily="34" charset="0"/>
+                <a:ea typeface="微軟正黑體" panose="020B0604030504040204" pitchFamily="34" charset="-120"/>
+              </a:rPr>
+              <a:t>之間的 </a:t>
+            </a:r>
+            <a:r>
+              <a:rPr lang="en-US" altLang="zh-TW" sz="1800" dirty="0">
+                <a:solidFill>
+                  <a:srgbClr val="000000"/>
+                </a:solidFill>
+                <a:latin typeface="Segoe UI" panose="020B0502040204020203" pitchFamily="34" charset="0"/>
+                <a:ea typeface="微軟正黑體" panose="020B0604030504040204" pitchFamily="34" charset="-120"/>
+              </a:rPr>
+              <a:t>MAE </a:t>
+            </a:r>
+            <a:r>
+              <a:rPr lang="zh-TW" altLang="en-US" sz="1800" dirty="0">
+                <a:solidFill>
+                  <a:srgbClr val="000000"/>
+                </a:solidFill>
+                <a:latin typeface="Segoe UI" panose="020B0502040204020203" pitchFamily="34" charset="0"/>
+                <a:ea typeface="微軟正黑體" panose="020B0604030504040204" pitchFamily="34" charset="-120"/>
+              </a:rPr>
+              <a:t>存在名義上的顯著差異</a:t>
+            </a:r>
+            <a:r>
+              <a:rPr lang="en-US" altLang="zh-TW" sz="1800" dirty="0">
+                <a:solidFill>
+                  <a:srgbClr val="000000"/>
+                </a:solidFill>
+                <a:latin typeface="Segoe UI" panose="020B0502040204020203" pitchFamily="34" charset="0"/>
+                <a:ea typeface="微軟正黑體" panose="020B0604030504040204" pitchFamily="34" charset="-120"/>
+              </a:rPr>
+              <a:t>(</a:t>
+            </a:r>
+            <a:r>
+              <a:rPr lang="en-US" sz="1800" b="0" i="0" u="none" strike="noStrike" baseline="0" dirty="0">
+                <a:latin typeface="MinionPro-It"/>
+              </a:rPr>
+              <a:t>p </a:t>
+            </a:r>
+            <a:r>
+              <a:rPr lang="en-US" sz="1800" b="0" i="0" u="none" strike="noStrike" baseline="0" dirty="0">
+                <a:latin typeface="RMTMI"/>
+              </a:rPr>
+              <a:t>&lt; </a:t>
+            </a:r>
+            <a:r>
+              <a:rPr lang="en-US" sz="1800" b="0" i="0" u="none" strike="noStrike" baseline="0" dirty="0">
+                <a:latin typeface="MinionPro-Regular"/>
+              </a:rPr>
+              <a:t>5.5E</a:t>
+            </a:r>
+            <a:r>
+              <a:rPr lang="en-US" sz="1800" b="0" i="0" u="none" strike="noStrike" baseline="0" dirty="0">
+                <a:latin typeface="MTSY"/>
+              </a:rPr>
+              <a:t>−</a:t>
+            </a:r>
+            <a:r>
+              <a:rPr lang="en-US" sz="1800" b="0" i="0" u="none" strike="noStrike" baseline="0" dirty="0">
+                <a:latin typeface="MinionPro-Regular"/>
+              </a:rPr>
+              <a:t>3)</a:t>
+            </a:r>
+            <a:endParaRPr lang="zh-TW" altLang="en-US" sz="1800" dirty="0">
+              <a:solidFill>
+                <a:srgbClr val="000000"/>
+              </a:solidFill>
+              <a:latin typeface="Segoe UI" panose="020B0502040204020203" pitchFamily="34" charset="0"/>
+              <a:ea typeface="微軟正黑體" panose="020B0604030504040204" pitchFamily="34" charset="-120"/>
+            </a:endParaRPr>
+          </a:p>
+          <a:p>
+            <a:pPr marL="285750" indent="-285750">
+              <a:buFont typeface="Arial" panose="020B0604020202020204" pitchFamily="34" charset="0"/>
+              <a:buChar char="•"/>
+            </a:pPr>
+            <a:r>
+              <a:rPr lang="en-US" altLang="zh-TW" sz="1800" dirty="0">
+                <a:solidFill>
+                  <a:srgbClr val="000000"/>
+                </a:solidFill>
+                <a:latin typeface="Segoe UI" panose="020B0502040204020203" pitchFamily="34" charset="0"/>
+                <a:ea typeface="微軟正黑體" panose="020B0604030504040204" pitchFamily="34" charset="-120"/>
+              </a:rPr>
+              <a:t>BLUP/SVM </a:t>
+            </a:r>
+            <a:r>
+              <a:rPr lang="zh-TW" altLang="en-US" sz="1800" dirty="0">
+                <a:solidFill>
+                  <a:srgbClr val="000000"/>
+                </a:solidFill>
+                <a:latin typeface="Segoe UI" panose="020B0502040204020203" pitchFamily="34" charset="0"/>
+                <a:ea typeface="微軟正黑體" panose="020B0604030504040204" pitchFamily="34" charset="-120"/>
+              </a:rPr>
+              <a:t>和 </a:t>
+            </a:r>
+            <a:r>
+              <a:rPr lang="en-US" altLang="zh-TW" sz="1800" dirty="0">
+                <a:solidFill>
+                  <a:srgbClr val="000000"/>
+                </a:solidFill>
+                <a:latin typeface="Segoe UI" panose="020B0502040204020203" pitchFamily="34" charset="0"/>
+                <a:ea typeface="微軟正黑體" panose="020B0604030504040204" pitchFamily="34" charset="-120"/>
+              </a:rPr>
+              <a:t>Inception V1 </a:t>
+            </a:r>
+            <a:r>
+              <a:rPr lang="zh-TW" altLang="en-US" sz="1800" dirty="0">
+                <a:solidFill>
+                  <a:srgbClr val="000000"/>
+                </a:solidFill>
+                <a:latin typeface="Segoe UI" panose="020B0502040204020203" pitchFamily="34" charset="0"/>
+                <a:ea typeface="微軟正黑體" panose="020B0604030504040204" pitchFamily="34" charset="-120"/>
+              </a:rPr>
+              <a:t>之間的差異在四個折疊中是顯著的</a:t>
+            </a:r>
+            <a:r>
+              <a:rPr lang="en-US" sz="1800" dirty="0"/>
+              <a:t>(p &lt; 5.3E−5) </a:t>
+            </a:r>
+            <a:endParaRPr lang="zh-TW" altLang="en-US" sz="1800" dirty="0">
+              <a:solidFill>
+                <a:srgbClr val="000000"/>
+              </a:solidFill>
+              <a:latin typeface="Segoe UI" panose="020B0502040204020203" pitchFamily="34" charset="0"/>
+              <a:ea typeface="微軟正黑體" panose="020B0604030504040204" pitchFamily="34" charset="-120"/>
+            </a:endParaRPr>
+          </a:p>
+          <a:p>
+            <a:pPr marL="285750" indent="-285750">
+              <a:buFont typeface="Arial" panose="020B0604020202020204" pitchFamily="34" charset="0"/>
+              <a:buChar char="•"/>
+            </a:pPr>
+            <a:endParaRPr lang="zh-TW" altLang="en-US" sz="1800" dirty="0">
+              <a:solidFill>
+                <a:srgbClr val="000000"/>
+              </a:solidFill>
+              <a:latin typeface="Segoe UI" panose="020B0502040204020203" pitchFamily="34" charset="0"/>
+              <a:ea typeface="微軟正黑體" panose="020B0604030504040204" pitchFamily="34" charset="-120"/>
+            </a:endParaRPr>
+          </a:p>
+        </p:txBody>
+      </p:sp>
+      <p:sp>
+        <p:nvSpPr>
+          <p:cNvPr id="4" name="投影片編號版面配置區 3"/>
+          <p:cNvSpPr>
+            <a:spLocks noGrp="1"/>
+          </p:cNvSpPr>
+          <p:nvPr>
+            <p:ph type="sldNum" sz="quarter" idx="5"/>
+          </p:nvPr>
+        </p:nvSpPr>
+        <p:spPr/>
+        <p:txBody>
+          <a:bodyPr/>
+          <a:lstStyle/>
+          <a:p>
+            <a:fld id="{CA802C15-8439-4650-9275-89E8E467F89F}" type="slidenum">
+              <a:rPr lang="zh-TW" altLang="en-US" smtClean="0"/>
+              <a:t>21</a:t>
+            </a:fld>
+            <a:endParaRPr lang="zh-TW" altLang="en-US"/>
+          </a:p>
+        </p:txBody>
+      </p:sp>
+    </p:spTree>
+    <p:extLst>
+      <p:ext uri="{BB962C8B-B14F-4D97-AF65-F5344CB8AC3E}">
+        <p14:creationId xmlns:p14="http://schemas.microsoft.com/office/powerpoint/2010/main" val="158387899"/>
+      </p:ext>
+    </p:extLst>
+  </p:cSld>
+  <p:clrMapOvr>
+    <a:masterClrMapping/>
+  </p:clrMapOvr>
+</p:notes>
+</file>
+
+<file path=ppt/notesSlides/notesSlide18.xml><?xml version="1.0" encoding="utf-8"?>
+<p:notes xmlns:a="http://schemas.openxmlformats.org/drawingml/2006/main" xmlns:r="http://schemas.openxmlformats.org/officeDocument/2006/relationships" xmlns:p="http://schemas.openxmlformats.org/presentationml/2006/main">
+  <p:cSld>
+    <p:spTree>
+      <p:nvGrpSpPr>
+        <p:cNvPr id="1" name=""/>
+        <p:cNvGrpSpPr/>
+        <p:nvPr/>
+      </p:nvGrpSpPr>
+      <p:grpSpPr>
+        <a:xfrm>
+          <a:off x="0" y="0"/>
+          <a:ext cx="0" cy="0"/>
+          <a:chOff x="0" y="0"/>
+          <a:chExt cx="0" cy="0"/>
+        </a:xfrm>
+      </p:grpSpPr>
+      <p:sp>
+        <p:nvSpPr>
+          <p:cNvPr id="2" name="投影片影像版面配置區 1"/>
+          <p:cNvSpPr>
+            <a:spLocks noGrp="1" noRot="1" noChangeAspect="1"/>
+          </p:cNvSpPr>
+          <p:nvPr>
+            <p:ph type="sldImg"/>
+          </p:nvPr>
+        </p:nvSpPr>
+        <p:spPr/>
+      </p:sp>
+      <p:sp>
+        <p:nvSpPr>
+          <p:cNvPr id="3" name="備忘稿版面配置區 2"/>
+          <p:cNvSpPr>
+            <a:spLocks noGrp="1"/>
+          </p:cNvSpPr>
+          <p:nvPr>
+            <p:ph type="body" idx="1"/>
+          </p:nvPr>
+        </p:nvSpPr>
+        <p:spPr/>
+        <p:txBody>
+          <a:bodyPr/>
+          <a:lstStyle/>
+          <a:p>
+            <a:pPr marL="285750" indent="-285750" algn="l">
+              <a:buFont typeface="Arial" panose="020B0604020202020204" pitchFamily="34" charset="0"/>
+              <a:buChar char="•"/>
+            </a:pPr>
+            <a:r>
+              <a:rPr lang="zh-TW" altLang="en-US" sz="1800" dirty="0">
+                <a:solidFill>
+                  <a:srgbClr val="000000"/>
+                </a:solidFill>
+                <a:latin typeface="微軟正黑體" panose="020B0604030504040204" pitchFamily="34" charset="-120"/>
+                <a:ea typeface="微軟正黑體" panose="020B0604030504040204" pitchFamily="34" charset="-120"/>
+              </a:rPr>
+              <a:t>在每個 </a:t>
+            </a:r>
+            <a:r>
+              <a:rPr lang="en-US" altLang="zh-TW" sz="1800" dirty="0">
+                <a:solidFill>
+                  <a:srgbClr val="000000"/>
+                </a:solidFill>
+                <a:latin typeface="Segoe UI" panose="020B0502040204020203" pitchFamily="34" charset="0"/>
+                <a:ea typeface="微軟正黑體" panose="020B0604030504040204" pitchFamily="34" charset="-120"/>
+              </a:rPr>
+              <a:t>fold</a:t>
+            </a:r>
+            <a:r>
+              <a:rPr lang="zh-TW" altLang="en-US" sz="1800" dirty="0">
+                <a:solidFill>
+                  <a:srgbClr val="000000"/>
+                </a:solidFill>
+                <a:latin typeface="微軟正黑體" panose="020B0604030504040204" pitchFamily="34" charset="-120"/>
+                <a:ea typeface="微軟正黑體" panose="020B0604030504040204" pitchFamily="34" charset="-120"/>
+              </a:rPr>
+              <a:t>中，使用線性回歸的綜合年齡得分優於 </a:t>
+            </a:r>
+            <a:r>
+              <a:rPr lang="en-US" altLang="zh-TW" sz="1800" dirty="0">
+                <a:solidFill>
+                  <a:srgbClr val="000000"/>
+                </a:solidFill>
+                <a:latin typeface="微軟正黑體" panose="020B0604030504040204" pitchFamily="34" charset="-120"/>
+                <a:ea typeface="微軟正黑體" panose="020B0604030504040204" pitchFamily="34" charset="-120"/>
+              </a:rPr>
+              <a:t>Inception V1 </a:t>
+            </a:r>
+            <a:r>
+              <a:rPr lang="zh-TW" altLang="en-US" sz="1800" dirty="0">
+                <a:solidFill>
+                  <a:srgbClr val="000000"/>
+                </a:solidFill>
+                <a:latin typeface="微軟正黑體" panose="020B0604030504040204" pitchFamily="34" charset="-120"/>
+                <a:ea typeface="微軟正黑體" panose="020B0604030504040204" pitchFamily="34" charset="-120"/>
+              </a:rPr>
+              <a:t>的預測 </a:t>
+            </a:r>
+            <a:r>
+              <a:rPr lang="en-US" altLang="zh-TW" sz="1800" dirty="0">
+                <a:solidFill>
+                  <a:srgbClr val="000000"/>
+                </a:solidFill>
+                <a:latin typeface="微軟正黑體" panose="020B0604030504040204" pitchFamily="34" charset="-120"/>
+                <a:ea typeface="微軟正黑體" panose="020B0604030504040204" pitchFamily="34" charset="-120"/>
+              </a:rPr>
+              <a:t>(p &lt; 0.0022)</a:t>
+            </a:r>
+            <a:r>
+              <a:rPr lang="zh-TW" altLang="en-US" sz="1800" dirty="0">
+                <a:solidFill>
+                  <a:srgbClr val="000000"/>
+                </a:solidFill>
+                <a:latin typeface="微軟正黑體" panose="020B0604030504040204" pitchFamily="34" charset="-120"/>
+                <a:ea typeface="微軟正黑體" panose="020B0604030504040204" pitchFamily="34" charset="-120"/>
+              </a:rPr>
+              <a:t>。對於折疊 </a:t>
+            </a:r>
+            <a:r>
+              <a:rPr lang="en-US" altLang="zh-TW" sz="1800" dirty="0">
+                <a:solidFill>
+                  <a:srgbClr val="000000"/>
+                </a:solidFill>
+                <a:latin typeface="微軟正黑體" panose="020B0604030504040204" pitchFamily="34" charset="-120"/>
+                <a:ea typeface="微軟正黑體" panose="020B0604030504040204" pitchFamily="34" charset="-120"/>
+              </a:rPr>
+              <a:t>2 </a:t>
+            </a:r>
+            <a:r>
+              <a:rPr lang="zh-TW" altLang="en-US" sz="1800" dirty="0">
+                <a:solidFill>
+                  <a:srgbClr val="000000"/>
+                </a:solidFill>
+                <a:latin typeface="微軟正黑體" panose="020B0604030504040204" pitchFamily="34" charset="-120"/>
+                <a:ea typeface="微軟正黑體" panose="020B0604030504040204" pitchFamily="34" charset="-120"/>
+              </a:rPr>
+              <a:t>和 </a:t>
+            </a:r>
+            <a:r>
+              <a:rPr lang="en-US" altLang="zh-TW" sz="1800" dirty="0">
+                <a:solidFill>
+                  <a:srgbClr val="000000"/>
+                </a:solidFill>
+                <a:latin typeface="微軟正黑體" panose="020B0604030504040204" pitchFamily="34" charset="-120"/>
+                <a:ea typeface="微軟正黑體" panose="020B0604030504040204" pitchFamily="34" charset="-120"/>
+              </a:rPr>
+              <a:t>3</a:t>
+            </a:r>
+            <a:r>
+              <a:rPr lang="zh-TW" altLang="en-US" sz="1800" dirty="0">
+                <a:solidFill>
+                  <a:srgbClr val="000000"/>
+                </a:solidFill>
+                <a:latin typeface="微軟正黑體" panose="020B0604030504040204" pitchFamily="34" charset="-120"/>
+                <a:ea typeface="微軟正黑體" panose="020B0604030504040204" pitchFamily="34" charset="-120"/>
+              </a:rPr>
+              <a:t>，通過隨機樹進行的集成學習明顯優於單獨的 </a:t>
+            </a:r>
+            <a:r>
+              <a:rPr lang="en-US" altLang="zh-TW" sz="1800" dirty="0">
+                <a:solidFill>
+                  <a:srgbClr val="000000"/>
+                </a:solidFill>
+                <a:latin typeface="微軟正黑體" panose="020B0604030504040204" pitchFamily="34" charset="-120"/>
+                <a:ea typeface="微軟正黑體" panose="020B0604030504040204" pitchFamily="34" charset="-120"/>
+              </a:rPr>
+              <a:t>Inception V1</a:t>
+            </a:r>
+            <a:r>
+              <a:rPr lang="en-US" sz="1800" b="0" i="0" u="none" strike="noStrike" baseline="0" dirty="0">
+                <a:latin typeface="MinionPro-Regular"/>
+              </a:rPr>
+              <a:t>(</a:t>
+            </a:r>
+            <a:r>
+              <a:rPr lang="en-US" sz="1800" b="0" i="0" u="none" strike="noStrike" baseline="0" dirty="0">
+                <a:latin typeface="MinionPro-It"/>
+              </a:rPr>
+              <a:t>p</a:t>
+            </a:r>
+            <a:r>
+              <a:rPr lang="en-US" sz="1800" b="0" i="0" u="none" strike="noStrike" baseline="0" dirty="0">
+                <a:latin typeface="MTSY"/>
+              </a:rPr>
+              <a:t>=</a:t>
+            </a:r>
+            <a:r>
+              <a:rPr lang="en-US" sz="1800" b="0" i="0" u="none" strike="noStrike" baseline="0" dirty="0">
+                <a:latin typeface="MinionPro-Regular"/>
+              </a:rPr>
+              <a:t>4.0E</a:t>
+            </a:r>
+            <a:r>
+              <a:rPr lang="en-US" sz="1800" b="0" i="0" u="none" strike="noStrike" baseline="0" dirty="0">
+                <a:latin typeface="MTSY"/>
+              </a:rPr>
+              <a:t>−</a:t>
+            </a:r>
+            <a:r>
+              <a:rPr lang="en-US" sz="1800" b="0" i="0" u="none" strike="noStrike" baseline="0" dirty="0">
+                <a:latin typeface="MinionPro-Regular"/>
+              </a:rPr>
+              <a:t>3and 3.4E</a:t>
+            </a:r>
+            <a:r>
+              <a:rPr lang="en-US" sz="1800" b="0" i="0" u="none" strike="noStrike" baseline="0" dirty="0">
+                <a:latin typeface="MTSY"/>
+              </a:rPr>
+              <a:t>−</a:t>
+            </a:r>
+            <a:r>
+              <a:rPr lang="en-US" sz="1800" b="0" i="0" u="none" strike="noStrike" baseline="0" dirty="0">
+                <a:latin typeface="MinionPro-Regular"/>
+              </a:rPr>
+              <a:t>4)</a:t>
+            </a:r>
+          </a:p>
+          <a:p>
+            <a:pPr marL="285750" indent="-285750" algn="l">
+              <a:buFont typeface="Arial" panose="020B0604020202020204" pitchFamily="34" charset="0"/>
+              <a:buChar char="•"/>
+            </a:pPr>
+            <a:r>
+              <a:rPr lang="zh-TW" altLang="en-US" sz="1800" dirty="0">
+                <a:solidFill>
+                  <a:srgbClr val="000000"/>
+                </a:solidFill>
+                <a:latin typeface="微軟正黑體" panose="020B0604030504040204" pitchFamily="34" charset="-120"/>
+                <a:ea typeface="微軟正黑體" panose="020B0604030504040204" pitchFamily="34" charset="-120"/>
+              </a:rPr>
+              <a:t>需要注意的是，使用隨機森林獲得的 </a:t>
+            </a:r>
+            <a:r>
+              <a:rPr lang="en-US" altLang="zh-TW" sz="1800" dirty="0">
+                <a:solidFill>
+                  <a:srgbClr val="000000"/>
+                </a:solidFill>
+                <a:latin typeface="微軟正黑體" panose="020B0604030504040204" pitchFamily="34" charset="-120"/>
+                <a:ea typeface="微軟正黑體" panose="020B0604030504040204" pitchFamily="34" charset="-120"/>
+              </a:rPr>
+              <a:t>MAE </a:t>
+            </a:r>
+            <a:r>
+              <a:rPr lang="zh-TW" altLang="en-US" sz="1800" dirty="0">
+                <a:solidFill>
+                  <a:srgbClr val="000000"/>
+                </a:solidFill>
+                <a:latin typeface="微軟正黑體" panose="020B0604030504040204" pitchFamily="34" charset="-120"/>
+                <a:ea typeface="微軟正黑體" panose="020B0604030504040204" pitchFamily="34" charset="-120"/>
+              </a:rPr>
+              <a:t>非常接近通過對每個人取平均或中位數分數獲得的 </a:t>
+            </a:r>
+            <a:r>
+              <a:rPr lang="en-US" altLang="zh-TW" sz="1800" dirty="0">
+                <a:solidFill>
+                  <a:srgbClr val="000000"/>
+                </a:solidFill>
+                <a:latin typeface="微軟正黑體" panose="020B0604030504040204" pitchFamily="34" charset="-120"/>
+                <a:ea typeface="微軟正黑體" panose="020B0604030504040204" pitchFamily="34" charset="-120"/>
+              </a:rPr>
+              <a:t>MAE</a:t>
+            </a:r>
+            <a:r>
+              <a:rPr lang="zh-TW" altLang="en-US" sz="1800" dirty="0">
+                <a:solidFill>
+                  <a:srgbClr val="000000"/>
+                </a:solidFill>
+                <a:latin typeface="微軟正黑體" panose="020B0604030504040204" pitchFamily="34" charset="-120"/>
+                <a:ea typeface="微軟正黑體" panose="020B0604030504040204" pitchFamily="34" charset="-120"/>
+              </a:rPr>
+              <a:t>。我們無法得出線性模型組合與隨機森林之間存在顯著差異的結論</a:t>
+            </a:r>
+            <a:endParaRPr lang="zh-TW" altLang="en-US" sz="1800" dirty="0">
+              <a:solidFill>
+                <a:srgbClr val="000000"/>
+              </a:solidFill>
+              <a:latin typeface="Segoe UI" panose="020B0502040204020203" pitchFamily="34" charset="0"/>
+              <a:ea typeface="微軟正黑體" panose="020B0604030504040204" pitchFamily="34" charset="-120"/>
+            </a:endParaRPr>
+          </a:p>
+        </p:txBody>
+      </p:sp>
+      <p:sp>
+        <p:nvSpPr>
+          <p:cNvPr id="4" name="投影片編號版面配置區 3"/>
+          <p:cNvSpPr>
+            <a:spLocks noGrp="1"/>
+          </p:cNvSpPr>
+          <p:nvPr>
+            <p:ph type="sldNum" sz="quarter" idx="5"/>
+          </p:nvPr>
+        </p:nvSpPr>
+        <p:spPr/>
+        <p:txBody>
+          <a:bodyPr/>
+          <a:lstStyle/>
+          <a:p>
+            <a:fld id="{CA802C15-8439-4650-9275-89E8E467F89F}" type="slidenum">
+              <a:rPr lang="zh-TW" altLang="en-US" smtClean="0"/>
+              <a:t>22</a:t>
+            </a:fld>
+            <a:endParaRPr lang="zh-TW" altLang="en-US"/>
+          </a:p>
+        </p:txBody>
+      </p:sp>
+    </p:spTree>
+    <p:extLst>
+      <p:ext uri="{BB962C8B-B14F-4D97-AF65-F5344CB8AC3E}">
+        <p14:creationId xmlns:p14="http://schemas.microsoft.com/office/powerpoint/2010/main" val="1584628424"/>
+      </p:ext>
+    </p:extLst>
+  </p:cSld>
+  <p:clrMapOvr>
+    <a:masterClrMapping/>
+  </p:clrMapOvr>
+</p:notes>
+</file>
+
+<file path=ppt/notesSlides/notesSlide19.xml><?xml version="1.0" encoding="utf-8"?>
+<p:notes xmlns:a="http://schemas.openxmlformats.org/drawingml/2006/main" xmlns:r="http://schemas.openxmlformats.org/officeDocument/2006/relationships" xmlns:p="http://schemas.openxmlformats.org/presentationml/2006/main">
+  <p:cSld>
+    <p:spTree>
+      <p:nvGrpSpPr>
+        <p:cNvPr id="1" name=""/>
+        <p:cNvGrpSpPr/>
+        <p:nvPr/>
+      </p:nvGrpSpPr>
+      <p:grpSpPr>
+        <a:xfrm>
+          <a:off x="0" y="0"/>
+          <a:ext cx="0" cy="0"/>
+          <a:chOff x="0" y="0"/>
+          <a:chExt cx="0" cy="0"/>
+        </a:xfrm>
+      </p:grpSpPr>
+      <p:sp>
+        <p:nvSpPr>
+          <p:cNvPr id="2" name="投影片影像版面配置區 1"/>
+          <p:cNvSpPr>
+            <a:spLocks noGrp="1" noRot="1" noChangeAspect="1"/>
+          </p:cNvSpPr>
+          <p:nvPr>
+            <p:ph type="sldImg"/>
+          </p:nvPr>
+        </p:nvSpPr>
+        <p:spPr/>
+      </p:sp>
+      <p:sp>
+        <p:nvSpPr>
+          <p:cNvPr id="3" name="備忘稿版面配置區 2"/>
+          <p:cNvSpPr>
+            <a:spLocks noGrp="1"/>
+          </p:cNvSpPr>
+          <p:nvPr>
+            <p:ph type="body" idx="1"/>
+          </p:nvPr>
+        </p:nvSpPr>
+        <p:spPr/>
+        <p:txBody>
+          <a:bodyPr/>
+          <a:lstStyle/>
+          <a:p>
+            <a:pPr marL="285750" indent="-285750">
+              <a:buFont typeface="Arial" panose="020B0604020202020204" pitchFamily="34" charset="0"/>
+              <a:buChar char="•"/>
+            </a:pPr>
+            <a:r>
+              <a:rPr lang="zh-TW" altLang="en-US" sz="1800" dirty="0">
+                <a:solidFill>
+                  <a:srgbClr val="000000"/>
+                </a:solidFill>
+                <a:latin typeface="微軟正黑體" panose="020B0604030504040204" pitchFamily="34" charset="-120"/>
+                <a:ea typeface="微軟正黑體" panose="020B0604030504040204" pitchFamily="34" charset="-120"/>
+              </a:rPr>
+              <a:t>與深度學</a:t>
+            </a:r>
+            <a:r>
+              <a:rPr lang="zh-TW" altLang="en-US" sz="1800" dirty="0">
+                <a:solidFill>
+                  <a:srgbClr val="000000"/>
+                </a:solidFill>
+                <a:latin typeface="Segoe UI" panose="020B0502040204020203" pitchFamily="34" charset="0"/>
+                <a:ea typeface="微軟正黑體" panose="020B0604030504040204" pitchFamily="34" charset="-120"/>
+              </a:rPr>
+              <a:t>習算法相比，</a:t>
+            </a:r>
+            <a:r>
+              <a:rPr lang="en-US" altLang="zh-TW" sz="1800" dirty="0">
+                <a:solidFill>
+                  <a:srgbClr val="000000"/>
+                </a:solidFill>
+                <a:latin typeface="Segoe UI" panose="020B0502040204020203" pitchFamily="34" charset="0"/>
+                <a:ea typeface="微軟正黑體" panose="020B0604030504040204" pitchFamily="34" charset="-120"/>
+              </a:rPr>
+              <a:t>BLUP/SVM </a:t>
+            </a:r>
+            <a:r>
+              <a:rPr lang="zh-TW" altLang="en-US" sz="1800" dirty="0">
+                <a:solidFill>
+                  <a:srgbClr val="000000"/>
+                </a:solidFill>
+                <a:latin typeface="Segoe UI" panose="020B0502040204020203" pitchFamily="34" charset="0"/>
+                <a:ea typeface="微軟正黑體" panose="020B0604030504040204" pitchFamily="34" charset="-120"/>
+              </a:rPr>
+              <a:t>的性能較低，這促使作者想要測試它是否可以歸因於</a:t>
+            </a:r>
+            <a:r>
+              <a:rPr lang="en-US" altLang="zh-TW" sz="1800" dirty="0">
+                <a:solidFill>
+                  <a:srgbClr val="000000"/>
+                </a:solidFill>
+                <a:latin typeface="Segoe UI" panose="020B0502040204020203" pitchFamily="34" charset="0"/>
+                <a:ea typeface="微軟正黑體" panose="020B0604030504040204" pitchFamily="34" charset="-120"/>
+              </a:rPr>
+              <a:t>input data</a:t>
+            </a:r>
+            <a:r>
+              <a:rPr lang="zh-TW" altLang="en-US" sz="1800" dirty="0">
+                <a:solidFill>
+                  <a:srgbClr val="000000"/>
+                </a:solidFill>
+                <a:latin typeface="Segoe UI" panose="020B0502040204020203" pitchFamily="34" charset="0"/>
+                <a:ea typeface="微軟正黑體" panose="020B0604030504040204" pitchFamily="34" charset="-120"/>
+              </a:rPr>
+              <a:t>或</a:t>
+            </a:r>
+            <a:r>
+              <a:rPr lang="en-US" altLang="zh-TW" sz="1800" dirty="0">
+                <a:solidFill>
+                  <a:srgbClr val="000000"/>
+                </a:solidFill>
+                <a:latin typeface="Segoe UI" panose="020B0502040204020203" pitchFamily="34" charset="0"/>
+                <a:ea typeface="微軟正黑體" panose="020B0604030504040204" pitchFamily="34" charset="-120"/>
+              </a:rPr>
+              <a:t>algorithm</a:t>
+            </a:r>
+            <a:r>
+              <a:rPr lang="zh-TW" altLang="en-US" sz="1800" dirty="0">
+                <a:solidFill>
+                  <a:srgbClr val="000000"/>
+                </a:solidFill>
+                <a:latin typeface="Segoe UI" panose="020B0502040204020203" pitchFamily="34" charset="0"/>
+                <a:ea typeface="微軟正黑體" panose="020B0604030504040204" pitchFamily="34" charset="-120"/>
+              </a:rPr>
+              <a:t>本身</a:t>
+            </a:r>
+          </a:p>
+          <a:p>
+            <a:pPr marL="285750" indent="-285750">
+              <a:buFont typeface="Arial" panose="020B0604020202020204" pitchFamily="34" charset="0"/>
+              <a:buChar char="•"/>
+            </a:pPr>
+            <a:r>
+              <a:rPr lang="zh-TW" altLang="en-US" sz="1800" dirty="0">
+                <a:solidFill>
+                  <a:srgbClr val="000000"/>
+                </a:solidFill>
+                <a:latin typeface="Segoe UI" panose="020B0502040204020203" pitchFamily="34" charset="0"/>
+                <a:ea typeface="微軟正黑體" panose="020B0604030504040204" pitchFamily="34" charset="-120"/>
+              </a:rPr>
+              <a:t>因此作者對於</a:t>
+            </a:r>
+            <a:r>
+              <a:rPr lang="en-US" altLang="zh-TW" sz="1800" dirty="0">
+                <a:solidFill>
+                  <a:srgbClr val="000000"/>
+                </a:solidFill>
+                <a:latin typeface="Segoe UI" panose="020B0502040204020203" pitchFamily="34" charset="0"/>
+                <a:ea typeface="微軟正黑體" panose="020B0604030504040204" pitchFamily="34" charset="-120"/>
+              </a:rPr>
+              <a:t>BLUP</a:t>
+            </a:r>
+            <a:r>
+              <a:rPr lang="zh-TW" altLang="en-US" sz="1800" dirty="0">
+                <a:solidFill>
+                  <a:srgbClr val="000000"/>
+                </a:solidFill>
+                <a:latin typeface="Segoe UI" panose="020B0502040204020203" pitchFamily="34" charset="0"/>
+                <a:ea typeface="微軟正黑體" panose="020B0604030504040204" pitchFamily="34" charset="-120"/>
+              </a:rPr>
+              <a:t>和</a:t>
+            </a:r>
+            <a:r>
+              <a:rPr lang="en-US" altLang="zh-TW" sz="1800" dirty="0">
+                <a:solidFill>
+                  <a:srgbClr val="000000"/>
+                </a:solidFill>
+                <a:latin typeface="Segoe UI" panose="020B0502040204020203" pitchFamily="34" charset="0"/>
+                <a:ea typeface="微軟正黑體" panose="020B0604030504040204" pitchFamily="34" charset="-120"/>
+              </a:rPr>
+              <a:t>SVM</a:t>
+            </a:r>
+            <a:r>
+              <a:rPr lang="zh-TW" altLang="en-US" sz="1800" dirty="0">
+                <a:solidFill>
+                  <a:srgbClr val="000000"/>
+                </a:solidFill>
+                <a:latin typeface="Segoe UI" panose="020B0502040204020203" pitchFamily="34" charset="0"/>
+                <a:ea typeface="微軟正黑體" panose="020B0604030504040204" pitchFamily="34" charset="-120"/>
+              </a:rPr>
+              <a:t>進行再訓練</a:t>
+            </a:r>
+            <a:r>
+              <a:rPr lang="en-US" altLang="zh-TW" sz="1800" dirty="0">
+                <a:solidFill>
+                  <a:srgbClr val="000000"/>
+                </a:solidFill>
+                <a:latin typeface="Segoe UI" panose="020B0502040204020203" pitchFamily="34" charset="0"/>
+                <a:ea typeface="微軟正黑體" panose="020B0604030504040204" pitchFamily="34" charset="-120"/>
+              </a:rPr>
+              <a:t>(trained on gray matter maps)</a:t>
+            </a:r>
+          </a:p>
+          <a:p>
+            <a:pPr marL="285750" marR="0" lvl="0" indent="-285750" algn="l" defTabSz="914400" rtl="0" eaLnBrk="1" fontAlgn="auto" latinLnBrk="0" hangingPunct="1">
+              <a:lnSpc>
+                <a:spcPct val="100000"/>
+              </a:lnSpc>
+              <a:spcBef>
+                <a:spcPts val="0"/>
+              </a:spcBef>
+              <a:spcAft>
+                <a:spcPts val="0"/>
+              </a:spcAft>
+              <a:buClrTx/>
+              <a:buSzTx/>
+              <a:buFont typeface="Arial" panose="020B0604020202020204" pitchFamily="34" charset="0"/>
+              <a:buChar char="•"/>
+              <a:tabLst/>
+              <a:defRPr/>
+            </a:pPr>
+            <a:r>
+              <a:rPr lang="en-US" altLang="zh-TW" sz="1800" dirty="0"/>
+              <a:t>†</a:t>
+            </a:r>
+            <a:r>
+              <a:rPr lang="zh-TW" altLang="en-US" sz="1800" dirty="0"/>
+              <a:t>符號代表：用</a:t>
+            </a:r>
+            <a:r>
+              <a:rPr lang="en-US" altLang="zh-TW" sz="1800" dirty="0"/>
+              <a:t>gray matter map</a:t>
+            </a:r>
+            <a:r>
+              <a:rPr lang="zh-TW" sz="1800" dirty="0"/>
+              <a:t>訓練的</a:t>
+            </a:r>
+            <a:r>
+              <a:rPr lang="zh-TW" altLang="en-US" sz="1800" dirty="0"/>
+              <a:t>演算法</a:t>
+            </a:r>
+            <a:r>
+              <a:rPr lang="zh-TW" sz="1800" dirty="0"/>
+              <a:t>明顯優於在</a:t>
+            </a:r>
+            <a:r>
+              <a:rPr lang="en-US" altLang="zh-TW" sz="1800" dirty="0"/>
+              <a:t>surface-based vertices</a:t>
+            </a:r>
+            <a:r>
+              <a:rPr lang="zh-TW" sz="1800" dirty="0"/>
+              <a:t>訓練的</a:t>
+            </a:r>
+            <a:r>
+              <a:rPr lang="zh-TW" altLang="en-US" sz="1800" dirty="0"/>
+              <a:t>演算法</a:t>
+            </a:r>
+            <a:r>
+              <a:rPr lang="zh-TW" sz="1800" dirty="0"/>
+              <a:t>(p &lt; 0.05/15)</a:t>
+            </a:r>
+            <a:endParaRPr lang="en-US" altLang="zh-TW" sz="1800" dirty="0"/>
+          </a:p>
+          <a:p>
+            <a:pPr marL="285750" marR="0" lvl="0" indent="-285750" algn="l" defTabSz="914400" rtl="0" eaLnBrk="1" fontAlgn="auto" latinLnBrk="0" hangingPunct="1">
+              <a:lnSpc>
+                <a:spcPct val="100000"/>
+              </a:lnSpc>
+              <a:spcBef>
+                <a:spcPts val="0"/>
+              </a:spcBef>
+              <a:spcAft>
+                <a:spcPts val="0"/>
+              </a:spcAft>
+              <a:buClrTx/>
+              <a:buSzTx/>
+              <a:buFont typeface="Arial" panose="020B0604020202020204" pitchFamily="34" charset="0"/>
+              <a:buChar char="•"/>
+              <a:tabLst/>
+              <a:defRPr/>
+            </a:pPr>
+            <a:r>
+              <a:rPr lang="zh-TW" dirty="0"/>
+              <a:t>*在灰質圖上訓練的算法的性能明顯低於 Inception V1 (p &lt; 0.05/15)</a:t>
+            </a:r>
+            <a:endParaRPr lang="en-US" altLang="zh-TW" sz="1200" dirty="0">
+              <a:solidFill>
+                <a:srgbClr val="000000"/>
+              </a:solidFill>
+              <a:latin typeface="微軟正黑體" panose="020B0604030504040204" pitchFamily="34" charset="-120"/>
+              <a:ea typeface="微軟正黑體" panose="020B0604030504040204" pitchFamily="34" charset="-120"/>
+            </a:endParaRPr>
+          </a:p>
+          <a:p>
+            <a:pPr marL="285750" indent="-285750">
+              <a:buFont typeface="Arial" panose="020B0604020202020204" pitchFamily="34" charset="0"/>
+              <a:buChar char="•"/>
+            </a:pPr>
+            <a:r>
+              <a:rPr lang="zh-TW" altLang="en-US" sz="1800" dirty="0">
+                <a:solidFill>
+                  <a:srgbClr val="000000"/>
+                </a:solidFill>
+                <a:latin typeface="微軟正黑體" panose="020B0604030504040204" pitchFamily="34" charset="-120"/>
+                <a:ea typeface="微軟正黑體" panose="020B0604030504040204" pitchFamily="34" charset="-120"/>
+              </a:rPr>
+              <a:t>儘管 </a:t>
+            </a:r>
+            <a:r>
+              <a:rPr lang="en-US" altLang="zh-TW" sz="1800" dirty="0">
+                <a:solidFill>
+                  <a:srgbClr val="000000"/>
+                </a:solidFill>
+                <a:latin typeface="微軟正黑體" panose="020B0604030504040204" pitchFamily="34" charset="-120"/>
+                <a:ea typeface="微軟正黑體" panose="020B0604030504040204" pitchFamily="34" charset="-120"/>
+              </a:rPr>
+              <a:t>MAE </a:t>
+            </a:r>
+            <a:r>
+              <a:rPr lang="zh-TW" altLang="en-US" sz="1800" dirty="0">
+                <a:solidFill>
+                  <a:srgbClr val="000000"/>
+                </a:solidFill>
+                <a:latin typeface="微軟正黑體" panose="020B0604030504040204" pitchFamily="34" charset="-120"/>
+                <a:ea typeface="微軟正黑體" panose="020B0604030504040204" pitchFamily="34" charset="-120"/>
+              </a:rPr>
+              <a:t>有所減少，但在灰質圖上訓練的 </a:t>
+            </a:r>
+            <a:r>
+              <a:rPr lang="en-US" altLang="zh-TW" sz="1800" dirty="0">
+                <a:solidFill>
+                  <a:srgbClr val="000000"/>
+                </a:solidFill>
+                <a:latin typeface="微軟正黑體" panose="020B0604030504040204" pitchFamily="34" charset="-120"/>
+                <a:ea typeface="微軟正黑體" panose="020B0604030504040204" pitchFamily="34" charset="-120"/>
+              </a:rPr>
+              <a:t>BLUP-mean </a:t>
+            </a:r>
+            <a:r>
+              <a:rPr lang="zh-TW" altLang="en-US" sz="1800" dirty="0">
+                <a:solidFill>
+                  <a:srgbClr val="000000"/>
+                </a:solidFill>
+                <a:latin typeface="微軟正黑體" panose="020B0604030504040204" pitchFamily="34" charset="-120"/>
+                <a:ea typeface="微軟正黑體" panose="020B0604030504040204" pitchFamily="34" charset="-120"/>
+              </a:rPr>
+              <a:t>和 </a:t>
+            </a:r>
+            <a:r>
+              <a:rPr lang="en-US" altLang="zh-TW" sz="1800" dirty="0">
+                <a:solidFill>
+                  <a:srgbClr val="000000"/>
+                </a:solidFill>
+                <a:latin typeface="微軟正黑體" panose="020B0604030504040204" pitchFamily="34" charset="-120"/>
+                <a:ea typeface="微軟正黑體" panose="020B0604030504040204" pitchFamily="34" charset="-120"/>
+              </a:rPr>
+              <a:t>SVM </a:t>
+            </a:r>
+            <a:r>
+              <a:rPr lang="zh-TW" altLang="en-US" sz="1800" dirty="0">
+                <a:solidFill>
+                  <a:srgbClr val="000000"/>
+                </a:solidFill>
+                <a:latin typeface="微軟正黑體" panose="020B0604030504040204" pitchFamily="34" charset="-120"/>
+                <a:ea typeface="微軟正黑體" panose="020B0604030504040204" pitchFamily="34" charset="-120"/>
+              </a:rPr>
+              <a:t>的表現仍然比 </a:t>
+            </a:r>
+            <a:r>
+              <a:rPr lang="en-US" altLang="zh-TW" sz="1800" dirty="0">
+                <a:solidFill>
+                  <a:srgbClr val="000000"/>
+                </a:solidFill>
+                <a:latin typeface="微軟正黑體" panose="020B0604030504040204" pitchFamily="34" charset="-120"/>
+                <a:ea typeface="微軟正黑體" panose="020B0604030504040204" pitchFamily="34" charset="-120"/>
+              </a:rPr>
+              <a:t>Inception V1 </a:t>
+            </a:r>
+            <a:r>
+              <a:rPr lang="zh-TW" altLang="en-US" sz="1800" dirty="0">
+                <a:solidFill>
+                  <a:srgbClr val="000000"/>
+                </a:solidFill>
+                <a:latin typeface="微軟正黑體" panose="020B0604030504040204" pitchFamily="34" charset="-120"/>
+                <a:ea typeface="微軟正黑體" panose="020B0604030504040204" pitchFamily="34" charset="-120"/>
+              </a:rPr>
+              <a:t>差（</a:t>
+            </a:r>
+            <a:r>
+              <a:rPr lang="en-US" altLang="zh-TW" sz="1800" dirty="0">
+                <a:solidFill>
+                  <a:srgbClr val="000000"/>
+                </a:solidFill>
+                <a:latin typeface="微軟正黑體" panose="020B0604030504040204" pitchFamily="34" charset="-120"/>
+                <a:ea typeface="微軟正黑體" panose="020B0604030504040204" pitchFamily="34" charset="-120"/>
+              </a:rPr>
+              <a:t>p &lt; 0.0033</a:t>
+            </a:r>
+            <a:r>
+              <a:rPr lang="zh-TW" altLang="en-US" sz="1800" dirty="0">
+                <a:solidFill>
+                  <a:srgbClr val="000000"/>
+                </a:solidFill>
+                <a:latin typeface="微軟正黑體" panose="020B0604030504040204" pitchFamily="34" charset="-120"/>
+                <a:ea typeface="微軟正黑體" panose="020B0604030504040204" pitchFamily="34" charset="-120"/>
+              </a:rPr>
+              <a:t>），雖然 </a:t>
+            </a:r>
+            <a:r>
+              <a:rPr lang="en-US" altLang="zh-TW" sz="1800" dirty="0">
+                <a:solidFill>
+                  <a:srgbClr val="000000"/>
+                </a:solidFill>
+                <a:latin typeface="微軟正黑體" panose="020B0604030504040204" pitchFamily="34" charset="-120"/>
+                <a:ea typeface="微軟正黑體" panose="020B0604030504040204" pitchFamily="34" charset="-120"/>
+              </a:rPr>
+              <a:t>Inception V1 </a:t>
+            </a:r>
+            <a:r>
+              <a:rPr lang="zh-TW" altLang="en-US" sz="1800" dirty="0">
+                <a:solidFill>
+                  <a:srgbClr val="000000"/>
+                </a:solidFill>
+                <a:latin typeface="微軟正黑體" panose="020B0604030504040204" pitchFamily="34" charset="-120"/>
+                <a:ea typeface="微軟正黑體" panose="020B0604030504040204" pitchFamily="34" charset="-120"/>
+              </a:rPr>
+              <a:t>和 </a:t>
+            </a:r>
+            <a:r>
+              <a:rPr lang="en-US" altLang="zh-TW" sz="1800" dirty="0">
+                <a:solidFill>
+                  <a:srgbClr val="000000"/>
+                </a:solidFill>
+                <a:latin typeface="微軟正黑體" panose="020B0604030504040204" pitchFamily="34" charset="-120"/>
+                <a:ea typeface="微軟正黑體" panose="020B0604030504040204" pitchFamily="34" charset="-120"/>
+              </a:rPr>
+              <a:t>BLUP-</a:t>
+            </a:r>
+            <a:r>
+              <a:rPr lang="zh-TW" altLang="en-US" sz="1800" dirty="0">
+                <a:solidFill>
+                  <a:srgbClr val="000000"/>
+                </a:solidFill>
+                <a:latin typeface="微軟正黑體" panose="020B0604030504040204" pitchFamily="34" charset="-120"/>
+                <a:ea typeface="微軟正黑體" panose="020B0604030504040204" pitchFamily="34" charset="-120"/>
+              </a:rPr>
+              <a:t>分位數之間的差異在所有折疊中變得不顯著（表 </a:t>
+            </a:r>
+            <a:r>
+              <a:rPr lang="en-US" altLang="zh-TW" sz="1800" dirty="0">
+                <a:solidFill>
+                  <a:srgbClr val="000000"/>
+                </a:solidFill>
+                <a:latin typeface="微軟正黑體" panose="020B0604030504040204" pitchFamily="34" charset="-120"/>
+                <a:ea typeface="微軟正黑體" panose="020B0604030504040204" pitchFamily="34" charset="-120"/>
+              </a:rPr>
+              <a:t>3). </a:t>
+            </a:r>
+            <a:endParaRPr lang="zh-TW" altLang="en-US" sz="1800" dirty="0">
+              <a:solidFill>
+                <a:srgbClr val="000000"/>
+              </a:solidFill>
+              <a:latin typeface="微軟正黑體" panose="020B0604030504040204" pitchFamily="34" charset="-120"/>
+              <a:ea typeface="微軟正黑體" panose="020B0604030504040204" pitchFamily="34" charset="-120"/>
+            </a:endParaRPr>
+          </a:p>
+          <a:p>
+            <a:pPr marL="285750" indent="-285750">
+              <a:buFont typeface="Arial" panose="020B0604020202020204" pitchFamily="34" charset="0"/>
+              <a:buChar char="•"/>
+            </a:pPr>
+            <a:r>
+              <a:rPr lang="zh-TW" altLang="en-US" sz="1800" dirty="0">
+                <a:solidFill>
+                  <a:srgbClr val="000000"/>
+                </a:solidFill>
+                <a:latin typeface="微軟正黑體" panose="020B0604030504040204" pitchFamily="34" charset="-120"/>
+                <a:ea typeface="微軟正黑體" panose="020B0604030504040204" pitchFamily="34" charset="-120"/>
+              </a:rPr>
+              <a:t>包括基於</a:t>
+            </a:r>
+            <a:r>
+              <a:rPr lang="en-US" altLang="zh-TW" sz="1800" dirty="0">
+                <a:solidFill>
+                  <a:srgbClr val="000000"/>
+                </a:solidFill>
+                <a:latin typeface="微軟正黑體" panose="020B0604030504040204" pitchFamily="34" charset="-120"/>
+                <a:ea typeface="微軟正黑體" panose="020B0604030504040204" pitchFamily="34" charset="-120"/>
+              </a:rPr>
+              <a:t>gray matter map</a:t>
+            </a:r>
+            <a:r>
+              <a:rPr lang="zh-TW" altLang="en-US" sz="1800" dirty="0">
+                <a:solidFill>
+                  <a:srgbClr val="000000"/>
+                </a:solidFill>
+                <a:latin typeface="微軟正黑體" panose="020B0604030504040204" pitchFamily="34" charset="-120"/>
+                <a:ea typeface="微軟正黑體" panose="020B0604030504040204" pitchFamily="34" charset="-120"/>
+              </a:rPr>
+              <a:t>的 </a:t>
+            </a:r>
+            <a:r>
+              <a:rPr lang="en-US" altLang="zh-TW" sz="1800" dirty="0">
+                <a:solidFill>
+                  <a:srgbClr val="000000"/>
+                </a:solidFill>
+                <a:latin typeface="微軟正黑體" panose="020B0604030504040204" pitchFamily="34" charset="-120"/>
+                <a:ea typeface="微軟正黑體" panose="020B0604030504040204" pitchFamily="34" charset="-120"/>
+              </a:rPr>
+              <a:t>BLUP </a:t>
+            </a:r>
+            <a:r>
+              <a:rPr lang="zh-TW" altLang="en-US" sz="1800" dirty="0">
+                <a:solidFill>
+                  <a:srgbClr val="000000"/>
+                </a:solidFill>
+                <a:latin typeface="微軟正黑體" panose="020B0604030504040204" pitchFamily="34" charset="-120"/>
+                <a:ea typeface="微軟正黑體" panose="020B0604030504040204" pitchFamily="34" charset="-120"/>
+              </a:rPr>
+              <a:t>和 </a:t>
+            </a:r>
+            <a:r>
+              <a:rPr lang="en-US" altLang="zh-TW" sz="1800" dirty="0">
+                <a:solidFill>
+                  <a:srgbClr val="000000"/>
+                </a:solidFill>
+                <a:latin typeface="微軟正黑體" panose="020B0604030504040204" pitchFamily="34" charset="-120"/>
+                <a:ea typeface="微軟正黑體" panose="020B0604030504040204" pitchFamily="34" charset="-120"/>
+              </a:rPr>
+              <a:t>SVM </a:t>
+            </a:r>
+            <a:r>
+              <a:rPr lang="zh-TW" altLang="en-US" sz="1800" dirty="0">
+                <a:solidFill>
+                  <a:srgbClr val="000000"/>
+                </a:solidFill>
+                <a:latin typeface="微軟正黑體" panose="020B0604030504040204" pitchFamily="34" charset="-120"/>
+                <a:ea typeface="微軟正黑體" panose="020B0604030504040204" pitchFamily="34" charset="-120"/>
+              </a:rPr>
+              <a:t>預測並沒有提高</a:t>
+            </a:r>
+            <a:r>
+              <a:rPr lang="en-US" altLang="zh-TW" sz="1800" dirty="0">
+                <a:solidFill>
+                  <a:srgbClr val="000000"/>
+                </a:solidFill>
+                <a:latin typeface="微軟正黑體" panose="020B0604030504040204" pitchFamily="34" charset="-120"/>
+                <a:ea typeface="微軟正黑體" panose="020B0604030504040204" pitchFamily="34" charset="-120"/>
+              </a:rPr>
+              <a:t>ensemble learning</a:t>
+            </a:r>
+            <a:r>
+              <a:rPr lang="zh-TW" altLang="en-US" sz="1800" dirty="0">
+                <a:solidFill>
+                  <a:srgbClr val="000000"/>
+                </a:solidFill>
+                <a:latin typeface="微軟正黑體" panose="020B0604030504040204" pitchFamily="34" charset="-120"/>
+                <a:ea typeface="微軟正黑體" panose="020B0604030504040204" pitchFamily="34" charset="-120"/>
+              </a:rPr>
+              <a:t>的性能超過上面報告的內容</a:t>
+            </a:r>
+            <a:endParaRPr lang="zh-TW" altLang="en-US" sz="1800" dirty="0">
+              <a:solidFill>
+                <a:prstClr val="black"/>
+              </a:solidFill>
+              <a:latin typeface="Segoe UI" panose="020B0502040204020203" pitchFamily="34" charset="0"/>
+              <a:ea typeface="微軟正黑體" panose="020B0604030504040204" pitchFamily="34" charset="-120"/>
+            </a:endParaRPr>
+          </a:p>
+        </p:txBody>
+      </p:sp>
+      <p:sp>
+        <p:nvSpPr>
+          <p:cNvPr id="4" name="投影片編號版面配置區 3"/>
+          <p:cNvSpPr>
+            <a:spLocks noGrp="1"/>
+          </p:cNvSpPr>
+          <p:nvPr>
+            <p:ph type="sldNum" sz="quarter" idx="5"/>
+          </p:nvPr>
+        </p:nvSpPr>
+        <p:spPr/>
+        <p:txBody>
+          <a:bodyPr/>
+          <a:lstStyle/>
+          <a:p>
+            <a:fld id="{CA802C15-8439-4650-9275-89E8E467F89F}" type="slidenum">
+              <a:rPr lang="zh-TW" altLang="en-US" smtClean="0"/>
+              <a:t>23</a:t>
+            </a:fld>
+            <a:endParaRPr lang="zh-TW" altLang="en-US"/>
+          </a:p>
+        </p:txBody>
+      </p:sp>
+    </p:spTree>
+    <p:extLst>
+      <p:ext uri="{BB962C8B-B14F-4D97-AF65-F5344CB8AC3E}">
+        <p14:creationId xmlns:p14="http://schemas.microsoft.com/office/powerpoint/2010/main" val="4144558036"/>
       </p:ext>
     </p:extLst>
   </p:cSld>
@@ -5885,6 +7106,277 @@
     <p:extLst>
       <p:ext uri="{BB962C8B-B14F-4D97-AF65-F5344CB8AC3E}">
         <p14:creationId xmlns:p14="http://schemas.microsoft.com/office/powerpoint/2010/main" val="2705213131"/>
+      </p:ext>
+    </p:extLst>
+  </p:cSld>
+  <p:clrMapOvr>
+    <a:masterClrMapping/>
+  </p:clrMapOvr>
+</p:notes>
+</file>
+
+<file path=ppt/notesSlides/notesSlide20.xml><?xml version="1.0" encoding="utf-8"?>
+<p:notes xmlns:a="http://schemas.openxmlformats.org/drawingml/2006/main" xmlns:r="http://schemas.openxmlformats.org/officeDocument/2006/relationships" xmlns:p="http://schemas.openxmlformats.org/presentationml/2006/main">
+  <p:cSld>
+    <p:spTree>
+      <p:nvGrpSpPr>
+        <p:cNvPr id="1" name=""/>
+        <p:cNvGrpSpPr/>
+        <p:nvPr/>
+      </p:nvGrpSpPr>
+      <p:grpSpPr>
+        <a:xfrm>
+          <a:off x="0" y="0"/>
+          <a:ext cx="0" cy="0"/>
+          <a:chOff x="0" y="0"/>
+          <a:chExt cx="0" cy="0"/>
+        </a:xfrm>
+      </p:grpSpPr>
+      <p:sp>
+        <p:nvSpPr>
+          <p:cNvPr id="2" name="投影片影像版面配置區 1"/>
+          <p:cNvSpPr>
+            <a:spLocks noGrp="1" noRot="1" noChangeAspect="1"/>
+          </p:cNvSpPr>
+          <p:nvPr>
+            <p:ph type="sldImg"/>
+          </p:nvPr>
+        </p:nvSpPr>
+        <p:spPr/>
+      </p:sp>
+      <p:sp>
+        <p:nvSpPr>
+          <p:cNvPr id="3" name="備忘稿版面配置區 2"/>
+          <p:cNvSpPr>
+            <a:spLocks noGrp="1"/>
+          </p:cNvSpPr>
+          <p:nvPr>
+            <p:ph type="body" idx="1"/>
+          </p:nvPr>
+        </p:nvSpPr>
+        <p:spPr/>
+        <p:txBody>
+          <a:bodyPr/>
+          <a:lstStyle/>
+          <a:p>
+            <a:pPr marL="285750" indent="-285750">
+              <a:buFont typeface="Arial" panose="020B0604020202020204" pitchFamily="34" charset="0"/>
+              <a:buChar char="•"/>
+            </a:pPr>
+            <a:r>
+              <a:rPr lang="zh-TW" altLang="en-US" sz="1800" dirty="0">
+                <a:solidFill>
+                  <a:srgbClr val="000000"/>
+                </a:solidFill>
+                <a:latin typeface="微軟正黑體" panose="020B0604030504040204" pitchFamily="34" charset="-120"/>
+                <a:ea typeface="微軟正黑體" panose="020B0604030504040204" pitchFamily="34" charset="-120"/>
+              </a:rPr>
+              <a:t>作者年齡越大，預測的誤差也越大</a:t>
+            </a:r>
+            <a:r>
+              <a:rPr lang="en-US" altLang="zh-TW" sz="1800" dirty="0">
+                <a:solidFill>
+                  <a:srgbClr val="000000"/>
+                </a:solidFill>
+                <a:latin typeface="微軟正黑體" panose="020B0604030504040204" pitchFamily="34" charset="-120"/>
+                <a:ea typeface="微軟正黑體" panose="020B0604030504040204" pitchFamily="34" charset="-120"/>
+              </a:rPr>
+              <a:t>-&gt;</a:t>
+            </a:r>
+            <a:r>
+              <a:rPr lang="zh-TW" altLang="en-US" sz="1800" dirty="0">
+                <a:solidFill>
+                  <a:srgbClr val="000000"/>
+                </a:solidFill>
+                <a:latin typeface="微軟正黑體" panose="020B0604030504040204" pitchFamily="34" charset="-120"/>
+                <a:ea typeface="微軟正黑體" panose="020B0604030504040204" pitchFamily="34" charset="-120"/>
+              </a:rPr>
+              <a:t>因此，預測的年齡往往會低估年長參與者的年齡而高估年輕人的年齡</a:t>
+            </a:r>
+          </a:p>
+          <a:p>
+            <a:pPr marL="285750" indent="-285750">
+              <a:buFont typeface="Arial" panose="020B0604020202020204" pitchFamily="34" charset="0"/>
+              <a:buChar char="•"/>
+            </a:pPr>
+            <a:r>
+              <a:rPr lang="zh-TW" altLang="en-US" sz="1800" dirty="0">
+                <a:solidFill>
+                  <a:srgbClr val="000000"/>
+                </a:solidFill>
+                <a:latin typeface="微軟正黑體" panose="020B0604030504040204" pitchFamily="34" charset="-120"/>
+                <a:ea typeface="微軟正黑體" panose="020B0604030504040204" pitchFamily="34" charset="-120"/>
+              </a:rPr>
+              <a:t>我們沒有觀察到預測誤差與性別或地點的顯著關聯</a:t>
+            </a:r>
+            <a:endParaRPr lang="zh-TW" altLang="en-US" sz="1800" dirty="0">
+              <a:solidFill>
+                <a:prstClr val="black"/>
+              </a:solidFill>
+              <a:latin typeface="Segoe UI" panose="020B0502040204020203" pitchFamily="34" charset="0"/>
+              <a:ea typeface="微軟正黑體" panose="020B0604030504040204" pitchFamily="34" charset="-120"/>
+            </a:endParaRPr>
+          </a:p>
+        </p:txBody>
+      </p:sp>
+      <p:sp>
+        <p:nvSpPr>
+          <p:cNvPr id="4" name="投影片編號版面配置區 3"/>
+          <p:cNvSpPr>
+            <a:spLocks noGrp="1"/>
+          </p:cNvSpPr>
+          <p:nvPr>
+            <p:ph type="sldNum" sz="quarter" idx="5"/>
+          </p:nvPr>
+        </p:nvSpPr>
+        <p:spPr/>
+        <p:txBody>
+          <a:bodyPr/>
+          <a:lstStyle/>
+          <a:p>
+            <a:fld id="{CA802C15-8439-4650-9275-89E8E467F89F}" type="slidenum">
+              <a:rPr lang="zh-TW" altLang="en-US" smtClean="0"/>
+              <a:t>24</a:t>
+            </a:fld>
+            <a:endParaRPr lang="zh-TW" altLang="en-US"/>
+          </a:p>
+        </p:txBody>
+      </p:sp>
+    </p:spTree>
+    <p:extLst>
+      <p:ext uri="{BB962C8B-B14F-4D97-AF65-F5344CB8AC3E}">
+        <p14:creationId xmlns:p14="http://schemas.microsoft.com/office/powerpoint/2010/main" val="672502366"/>
+      </p:ext>
+    </p:extLst>
+  </p:cSld>
+  <p:clrMapOvr>
+    <a:masterClrMapping/>
+  </p:clrMapOvr>
+</p:notes>
+</file>
+
+<file path=ppt/notesSlides/notesSlide21.xml><?xml version="1.0" encoding="utf-8"?>
+<p:notes xmlns:a="http://schemas.openxmlformats.org/drawingml/2006/main" xmlns:r="http://schemas.openxmlformats.org/officeDocument/2006/relationships" xmlns:p="http://schemas.openxmlformats.org/presentationml/2006/main">
+  <p:cSld>
+    <p:spTree>
+      <p:nvGrpSpPr>
+        <p:cNvPr id="1" name=""/>
+        <p:cNvGrpSpPr/>
+        <p:nvPr/>
+      </p:nvGrpSpPr>
+      <p:grpSpPr>
+        <a:xfrm>
+          <a:off x="0" y="0"/>
+          <a:ext cx="0" cy="0"/>
+          <a:chOff x="0" y="0"/>
+          <a:chExt cx="0" cy="0"/>
+        </a:xfrm>
+      </p:grpSpPr>
+      <p:sp>
+        <p:nvSpPr>
+          <p:cNvPr id="2" name="投影片影像版面配置區 1"/>
+          <p:cNvSpPr>
+            <a:spLocks noGrp="1" noRot="1" noChangeAspect="1"/>
+          </p:cNvSpPr>
+          <p:nvPr>
+            <p:ph type="sldImg"/>
+          </p:nvPr>
+        </p:nvSpPr>
+        <p:spPr/>
+      </p:sp>
+      <p:sp>
+        <p:nvSpPr>
+          <p:cNvPr id="3" name="備忘稿版面配置區 2"/>
+          <p:cNvSpPr>
+            <a:spLocks noGrp="1"/>
+          </p:cNvSpPr>
+          <p:nvPr>
+            <p:ph type="body" idx="1"/>
+          </p:nvPr>
+        </p:nvSpPr>
+        <p:spPr/>
+        <p:txBody>
+          <a:bodyPr/>
+          <a:lstStyle/>
+          <a:p>
+            <a:pPr marL="171450" indent="-171450">
+              <a:buFont typeface="Arial" panose="020B0604020202020204" pitchFamily="34" charset="0"/>
+              <a:buChar char="•"/>
+            </a:pPr>
+            <a:r>
+              <a:rPr lang="zh-TW" dirty="0"/>
+              <a:t>重要的是要記住，預測準確性的排名可能在很大程度上取決於所選的指標以及測試數據</a:t>
+            </a:r>
+            <a:endParaRPr lang="en-US" altLang="zh-TW" dirty="0"/>
+          </a:p>
+          <a:p>
+            <a:pPr marL="171450" indent="-171450">
+              <a:buFont typeface="Arial" panose="020B0604020202020204" pitchFamily="34" charset="0"/>
+              <a:buChar char="•"/>
+            </a:pPr>
+            <a:r>
+              <a:rPr lang="zh-TW" altLang="en-US" dirty="0"/>
+              <a:t>作者</a:t>
+            </a:r>
+            <a:r>
+              <a:rPr lang="zh-TW" dirty="0"/>
+              <a:t>評估了 (i) 算法選擇，(ii) </a:t>
+            </a:r>
+            <a:r>
+              <a:rPr lang="en-US" altLang="zh-TW" dirty="0"/>
+              <a:t>ensemble learning</a:t>
+            </a:r>
+            <a:r>
+              <a:rPr lang="zh-TW" dirty="0"/>
+              <a:t>方法，(iii) 特徵輸入/數據處理，(iv) </a:t>
+            </a:r>
+            <a:r>
+              <a:rPr lang="en-US" altLang="zh-TW" dirty="0"/>
+              <a:t>ensemble learning</a:t>
+            </a:r>
+            <a:r>
+              <a:rPr lang="zh-TW" dirty="0"/>
+              <a:t>中</a:t>
+            </a:r>
+            <a:r>
+              <a:rPr lang="en-US" altLang="zh-TW" dirty="0"/>
+              <a:t>score</a:t>
+            </a:r>
+            <a:r>
+              <a:rPr lang="zh-TW" dirty="0"/>
+              <a:t>的數量和類型，以及 (v) 協變量等對性能的影響 如年齡、性別和地點</a:t>
+            </a:r>
+            <a:endParaRPr lang="en-US" dirty="0"/>
+          </a:p>
+        </p:txBody>
+      </p:sp>
+      <p:sp>
+        <p:nvSpPr>
+          <p:cNvPr id="4" name="投影片編號版面配置區 3"/>
+          <p:cNvSpPr>
+            <a:spLocks noGrp="1"/>
+          </p:cNvSpPr>
+          <p:nvPr>
+            <p:ph type="sldNum" sz="quarter" idx="5"/>
+          </p:nvPr>
+        </p:nvSpPr>
+        <p:spPr/>
+        <p:txBody>
+          <a:bodyPr/>
+          <a:lstStyle/>
+          <a:p>
+            <a:fld id="{CA802C15-8439-4650-9275-89E8E467F89F}" type="slidenum">
+              <a:rPr lang="zh-TW" altLang="en-US" smtClean="0"/>
+              <a:t>26</a:t>
+            </a:fld>
+            <a:endParaRPr lang="zh-TW" altLang="en-US"/>
+          </a:p>
+        </p:txBody>
+      </p:sp>
+    </p:spTree>
+    <p:extLst>
+      <p:ext uri="{BB962C8B-B14F-4D97-AF65-F5344CB8AC3E}">
+        <p14:creationId xmlns:p14="http://schemas.microsoft.com/office/powerpoint/2010/main" val="3690064145"/>
       </p:ext>
     </p:extLst>
   </p:cSld>
@@ -6547,98 +8039,6 @@
 </file>
 
 <file path=ppt/notesSlides/notesSlide6.xml><?xml version="1.0" encoding="utf-8"?>
-<p:notes xmlns:a="http://schemas.openxmlformats.org/drawingml/2006/main" xmlns:r="http://schemas.openxmlformats.org/officeDocument/2006/relationships" xmlns:p="http://schemas.openxmlformats.org/presentationml/2006/main">
-  <p:cSld>
-    <p:spTree>
-      <p:nvGrpSpPr>
-        <p:cNvPr id="1" name=""/>
-        <p:cNvGrpSpPr/>
-        <p:nvPr/>
-      </p:nvGrpSpPr>
-      <p:grpSpPr>
-        <a:xfrm>
-          <a:off x="0" y="0"/>
-          <a:ext cx="0" cy="0"/>
-          <a:chOff x="0" y="0"/>
-          <a:chExt cx="0" cy="0"/>
-        </a:xfrm>
-      </p:grpSpPr>
-      <p:sp>
-        <p:nvSpPr>
-          <p:cNvPr id="2" name="投影片影像版面配置區 1"/>
-          <p:cNvSpPr>
-            <a:spLocks noGrp="1" noRot="1" noChangeAspect="1"/>
-          </p:cNvSpPr>
-          <p:nvPr>
-            <p:ph type="sldImg"/>
-          </p:nvPr>
-        </p:nvSpPr>
-        <p:spPr/>
-      </p:sp>
-      <p:sp>
-        <p:nvSpPr>
-          <p:cNvPr id="3" name="備忘稿版面配置區 2"/>
-          <p:cNvSpPr>
-            <a:spLocks noGrp="1"/>
-          </p:cNvSpPr>
-          <p:nvPr>
-            <p:ph type="body" idx="1"/>
-          </p:nvPr>
-        </p:nvSpPr>
-        <p:spPr/>
-        <p:txBody>
-          <a:bodyPr/>
-          <a:lstStyle/>
-          <a:p>
-            <a:pPr marL="171450" indent="-171450">
-              <a:buFont typeface="Arial" panose="020B0604020202020204" pitchFamily="34" charset="0"/>
-              <a:buChar char="•"/>
-            </a:pPr>
-            <a:endParaRPr lang="en-US" baseline="0" dirty="0">
-              <a:latin typeface="Times New Roman" panose="02020603050405020304" pitchFamily="18" charset="0"/>
-              <a:ea typeface="標楷體" panose="03000509000000000000" pitchFamily="65" charset="-120"/>
-              <a:cs typeface="Times New Roman" panose="02020603050405020304" pitchFamily="18" charset="0"/>
-            </a:endParaRPr>
-          </a:p>
-        </p:txBody>
-      </p:sp>
-      <p:sp>
-        <p:nvSpPr>
-          <p:cNvPr id="4" name="投影片編號版面配置區 3"/>
-          <p:cNvSpPr>
-            <a:spLocks noGrp="1"/>
-          </p:cNvSpPr>
-          <p:nvPr>
-            <p:ph type="sldNum" sz="quarter" idx="5"/>
-          </p:nvPr>
-        </p:nvSpPr>
-        <p:spPr/>
-        <p:txBody>
-          <a:bodyPr/>
-          <a:lstStyle/>
-          <a:p>
-            <a:fld id="{CA802C15-8439-4650-9275-89E8E467F89F}" type="slidenum">
-              <a:rPr lang="zh-TW" altLang="en-US" smtClean="0"/>
-              <a:t>10</a:t>
-            </a:fld>
-            <a:endParaRPr lang="zh-TW" altLang="en-US"/>
-          </a:p>
-        </p:txBody>
-      </p:sp>
-    </p:spTree>
-    <p:extLst>
-      <p:ext uri="{BB962C8B-B14F-4D97-AF65-F5344CB8AC3E}">
-        <p14:creationId xmlns:p14="http://schemas.microsoft.com/office/powerpoint/2010/main" val="2640755648"/>
-      </p:ext>
-    </p:extLst>
-  </p:cSld>
-  <p:clrMapOvr>
-    <a:masterClrMapping/>
-  </p:clrMapOvr>
-</p:notes>
-</file>
-
-<file path=ppt/notesSlides/notesSlide7.xml><?xml version="1.0" encoding="utf-8"?>
 <p:notes xmlns:a="http://schemas.openxmlformats.org/drawingml/2006/main" xmlns:r="http://schemas.openxmlformats.org/officeDocument/2006/relationships" xmlns:p="http://schemas.openxmlformats.org/presentationml/2006/main">
   <p:cSld>
     <p:spTree>
@@ -7588,7 +8988,7 @@
           <a:p>
             <a:fld id="{CA802C15-8439-4650-9275-89E8E467F89F}" type="slidenum">
               <a:rPr lang="zh-TW" altLang="en-US" smtClean="0"/>
-              <a:t>11</a:t>
+              <a:t>10</a:t>
             </a:fld>
             <a:endParaRPr lang="zh-TW" altLang="en-US"/>
           </a:p>
@@ -7607,7 +9007,7 @@
 </p:notes>
 </file>
 
-<file path=ppt/notesSlides/notesSlide8.xml><?xml version="1.0" encoding="utf-8"?>
+<file path=ppt/notesSlides/notesSlide7.xml><?xml version="1.0" encoding="utf-8"?>
 <p:notes xmlns:a="http://schemas.openxmlformats.org/drawingml/2006/main" xmlns:r="http://schemas.openxmlformats.org/officeDocument/2006/relationships" xmlns:p="http://schemas.openxmlformats.org/presentationml/2006/main">
   <p:cSld>
     <p:spTree>
@@ -8431,7 +9831,7 @@
           <a:p>
             <a:fld id="{CA802C15-8439-4650-9275-89E8E467F89F}" type="slidenum">
               <a:rPr lang="zh-TW" altLang="en-US" smtClean="0"/>
-              <a:t>12</a:t>
+              <a:t>11</a:t>
             </a:fld>
             <a:endParaRPr lang="zh-TW" altLang="en-US"/>
           </a:p>
@@ -8450,7 +9850,7 @@
 </p:notes>
 </file>
 
-<file path=ppt/notesSlides/notesSlide9.xml><?xml version="1.0" encoding="utf-8"?>
+<file path=ppt/notesSlides/notesSlide8.xml><?xml version="1.0" encoding="utf-8"?>
 <p:notes xmlns:a="http://schemas.openxmlformats.org/drawingml/2006/main" xmlns:r="http://schemas.openxmlformats.org/officeDocument/2006/relationships" xmlns:p="http://schemas.openxmlformats.org/presentationml/2006/main">
   <p:cSld>
     <p:spTree>
@@ -9257,7 +10657,7 @@
           <a:p>
             <a:fld id="{CA802C15-8439-4650-9275-89E8E467F89F}" type="slidenum">
               <a:rPr lang="zh-TW" altLang="en-US" smtClean="0"/>
-              <a:t>13</a:t>
+              <a:t>12</a:t>
             </a:fld>
             <a:endParaRPr lang="zh-TW" altLang="en-US"/>
           </a:p>
@@ -9267,6 +10667,1130 @@
     <p:extLst>
       <p:ext uri="{BB962C8B-B14F-4D97-AF65-F5344CB8AC3E}">
         <p14:creationId xmlns:p14="http://schemas.microsoft.com/office/powerpoint/2010/main" val="858231490"/>
+      </p:ext>
+    </p:extLst>
+  </p:cSld>
+  <p:clrMapOvr>
+    <a:masterClrMapping/>
+  </p:clrMapOvr>
+</p:notes>
+</file>
+
+<file path=ppt/notesSlides/notesSlide9.xml><?xml version="1.0" encoding="utf-8"?>
+<p:notes xmlns:a="http://schemas.openxmlformats.org/drawingml/2006/main" xmlns:r="http://schemas.openxmlformats.org/officeDocument/2006/relationships" xmlns:p="http://schemas.openxmlformats.org/presentationml/2006/main">
+  <p:cSld>
+    <p:spTree>
+      <p:nvGrpSpPr>
+        <p:cNvPr id="1" name=""/>
+        <p:cNvGrpSpPr/>
+        <p:nvPr/>
+      </p:nvGrpSpPr>
+      <p:grpSpPr>
+        <a:xfrm>
+          <a:off x="0" y="0"/>
+          <a:ext cx="0" cy="0"/>
+          <a:chOff x="0" y="0"/>
+          <a:chExt cx="0" cy="0"/>
+        </a:xfrm>
+      </p:grpSpPr>
+      <p:sp>
+        <p:nvSpPr>
+          <p:cNvPr id="2" name="投影片影像版面配置區 1"/>
+          <p:cNvSpPr>
+            <a:spLocks noGrp="1" noRot="1" noChangeAspect="1"/>
+          </p:cNvSpPr>
+          <p:nvPr>
+            <p:ph type="sldImg"/>
+          </p:nvPr>
+        </p:nvSpPr>
+        <p:spPr/>
+      </p:sp>
+      <mc:AlternateContent xmlns:mc="http://schemas.openxmlformats.org/markup-compatibility/2006" xmlns:a14="http://schemas.microsoft.com/office/drawing/2010/main">
+        <mc:Choice Requires="a14">
+          <p:sp>
+            <p:nvSpPr>
+              <p:cNvPr id="3" name="備忘稿版面配置區 2"/>
+              <p:cNvSpPr>
+                <a:spLocks noGrp="1"/>
+              </p:cNvSpPr>
+              <p:nvPr>
+                <p:ph type="body" idx="1"/>
+              </p:nvPr>
+            </p:nvSpPr>
+            <p:spPr/>
+            <p:txBody>
+              <a:bodyPr/>
+              <a:lstStyle/>
+              <a:p>
+                <a:r>
+                  <a:rPr lang="en-US" altLang="zh-TW" sz="1800" dirty="0">
+                    <a:solidFill>
+                      <a:srgbClr val="000000"/>
+                    </a:solidFill>
+                    <a:latin typeface="Segoe UI" panose="020B0502040204020203" pitchFamily="34" charset="0"/>
+                  </a:rPr>
+                  <a:t>Special CNN model</a:t>
+                </a:r>
+                <a:r>
+                  <a:rPr lang="zh-TW" altLang="en-US" sz="1800" dirty="0">
+                    <a:solidFill>
+                      <a:srgbClr val="000000"/>
+                    </a:solidFill>
+                    <a:latin typeface="微軟正黑體" panose="020B0604030504040204" pitchFamily="34" charset="-120"/>
+                    <a:ea typeface="微軟正黑體" panose="020B0604030504040204" pitchFamily="34" charset="-120"/>
+                  </a:rPr>
+                  <a:t>是由兩個</a:t>
+                </a:r>
+                <a:r>
+                  <a:rPr lang="en-US" altLang="zh-TW" sz="1800" dirty="0">
+                    <a:solidFill>
+                      <a:srgbClr val="000000"/>
+                    </a:solidFill>
+                    <a:latin typeface="微軟正黑體" panose="020B0604030504040204" pitchFamily="34" charset="-120"/>
+                    <a:ea typeface="微軟正黑體" panose="020B0604030504040204" pitchFamily="34" charset="-120"/>
+                  </a:rPr>
+                  <a:t>6-Layers CNN</a:t>
+                </a:r>
+                <a:r>
+                  <a:rPr lang="zh-TW" altLang="en-US" sz="1800" dirty="0">
+                    <a:solidFill>
+                      <a:srgbClr val="000000"/>
+                    </a:solidFill>
+                    <a:latin typeface="微軟正黑體" panose="020B0604030504040204" pitchFamily="34" charset="-120"/>
+                    <a:ea typeface="微軟正黑體" panose="020B0604030504040204" pitchFamily="34" charset="-120"/>
+                  </a:rPr>
+                  <a:t>的結構組成</a:t>
+                </a:r>
+                <a:r>
+                  <a:rPr lang="en-US" sz="1800" dirty="0">
+                    <a:solidFill>
+                      <a:srgbClr val="000000"/>
+                    </a:solidFill>
+                    <a:latin typeface="Segoe UI" panose="020B0502040204020203" pitchFamily="34" charset="0"/>
+                  </a:rPr>
+                  <a:t>(</a:t>
+                </a:r>
+                <a:r>
+                  <a:rPr lang="zh-TW" altLang="en-US" sz="1800" dirty="0">
+                    <a:solidFill>
+                      <a:srgbClr val="000000"/>
+                    </a:solidFill>
+                    <a:latin typeface="微軟正黑體" panose="020B0604030504040204" pitchFamily="34" charset="-120"/>
+                    <a:ea typeface="微軟正黑體" panose="020B0604030504040204" pitchFamily="34" charset="-120"/>
+                  </a:rPr>
+                  <a:t>每一個</a:t>
+                </a:r>
+                <a:r>
+                  <a:rPr lang="en-US" altLang="zh-TW" sz="1800" dirty="0">
+                    <a:solidFill>
+                      <a:srgbClr val="000000"/>
+                    </a:solidFill>
+                    <a:latin typeface="Segoe UI" panose="020B0502040204020203" pitchFamily="34" charset="0"/>
+                    <a:ea typeface="微軟正黑體" panose="020B0604030504040204" pitchFamily="34" charset="-120"/>
+                  </a:rPr>
+                  <a:t>6-Layer</a:t>
+                </a:r>
+                <a:r>
+                  <a:rPr lang="zh-TW" altLang="en-US" sz="1800" dirty="0">
+                    <a:solidFill>
+                      <a:srgbClr val="000000"/>
+                    </a:solidFill>
+                    <a:latin typeface="微軟正黑體" panose="020B0604030504040204" pitchFamily="34" charset="-120"/>
+                    <a:ea typeface="微軟正黑體" panose="020B0604030504040204" pitchFamily="34" charset="-120"/>
+                  </a:rPr>
+                  <a:t> </a:t>
+                </a:r>
+                <a:r>
+                  <a:rPr lang="en-US" altLang="zh-TW" sz="1800" dirty="0">
+                    <a:solidFill>
+                      <a:srgbClr val="000000"/>
+                    </a:solidFill>
+                    <a:latin typeface="Segoe UI" panose="020B0502040204020203" pitchFamily="34" charset="0"/>
+                    <a:ea typeface="微軟正黑體" panose="020B0604030504040204" pitchFamily="34" charset="-120"/>
+                  </a:rPr>
+                  <a:t>CNN</a:t>
+                </a:r>
+                <a:r>
+                  <a:rPr lang="zh-TW" altLang="en-US" sz="1800" dirty="0">
+                    <a:solidFill>
+                      <a:srgbClr val="000000"/>
+                    </a:solidFill>
+                    <a:latin typeface="微軟正黑體" panose="020B0604030504040204" pitchFamily="34" charset="-120"/>
+                    <a:ea typeface="微軟正黑體" panose="020B0604030504040204" pitchFamily="34" charset="-120"/>
+                  </a:rPr>
+                  <a:t>架構都是如前一節所示</a:t>
+                </a:r>
+                <a:r>
+                  <a:rPr lang="en-US" altLang="zh-TW" sz="1800" dirty="0">
+                    <a:solidFill>
+                      <a:srgbClr val="000000"/>
+                    </a:solidFill>
+                    <a:latin typeface="Segoe UI" panose="020B0502040204020203" pitchFamily="34" charset="0"/>
+                    <a:ea typeface="微軟正黑體" panose="020B0604030504040204" pitchFamily="34" charset="-120"/>
+                  </a:rPr>
+                  <a:t>)</a:t>
+                </a:r>
+                <a:r>
+                  <a:rPr lang="zh-TW" altLang="en-US" sz="1800" dirty="0">
+                    <a:solidFill>
+                      <a:srgbClr val="000000"/>
+                    </a:solidFill>
+                    <a:latin typeface="微軟正黑體" panose="020B0604030504040204" pitchFamily="34" charset="-120"/>
+                    <a:ea typeface="微軟正黑體" panose="020B0604030504040204" pitchFamily="34" charset="-120"/>
+                  </a:rPr>
+                  <a:t>，第一個是</a:t>
+                </a:r>
+                <a:r>
+                  <a:rPr lang="en-US" altLang="zh-TW" sz="1800" dirty="0">
+                    <a:solidFill>
+                      <a:srgbClr val="000000"/>
+                    </a:solidFill>
+                    <a:latin typeface="微軟正黑體" panose="020B0604030504040204" pitchFamily="34" charset="-120"/>
+                    <a:ea typeface="微軟正黑體" panose="020B0604030504040204" pitchFamily="34" charset="-120"/>
+                  </a:rPr>
+                  <a:t>train</a:t>
+                </a:r>
+                <a:r>
+                  <a:rPr lang="zh-TW" altLang="en-US" sz="1800" dirty="0">
+                    <a:solidFill>
+                      <a:srgbClr val="000000"/>
+                    </a:solidFill>
+                    <a:latin typeface="微軟正黑體" panose="020B0604030504040204" pitchFamily="34" charset="-120"/>
+                    <a:ea typeface="微軟正黑體" panose="020B0604030504040204" pitchFamily="34" charset="-120"/>
+                  </a:rPr>
+                  <a:t>全部的</a:t>
+                </a:r>
+                <a:r>
+                  <a:rPr lang="en-US" altLang="zh-TW" sz="1800" dirty="0">
+                    <a:solidFill>
+                      <a:srgbClr val="000000"/>
+                    </a:solidFill>
+                    <a:latin typeface="微軟正黑體" panose="020B0604030504040204" pitchFamily="34" charset="-120"/>
+                    <a:ea typeface="微軟正黑體" panose="020B0604030504040204" pitchFamily="34" charset="-120"/>
+                  </a:rPr>
+                  <a:t>dataset</a:t>
+                </a:r>
+                <a:r>
+                  <a:rPr lang="zh-TW" altLang="en-US" sz="1800" dirty="0">
+                    <a:solidFill>
+                      <a:srgbClr val="000000"/>
+                    </a:solidFill>
+                    <a:latin typeface="微軟正黑體" panose="020B0604030504040204" pitchFamily="34" charset="-120"/>
+                    <a:ea typeface="微軟正黑體" panose="020B0604030504040204" pitchFamily="34" charset="-120"/>
+                  </a:rPr>
+                  <a:t>，而第二個是只</a:t>
+                </a:r>
+                <a:r>
+                  <a:rPr lang="en-US" altLang="zh-TW" sz="1800" dirty="0">
+                    <a:solidFill>
+                      <a:srgbClr val="000000"/>
+                    </a:solidFill>
+                    <a:latin typeface="微軟正黑體" panose="020B0604030504040204" pitchFamily="34" charset="-120"/>
+                    <a:ea typeface="微軟正黑體" panose="020B0604030504040204" pitchFamily="34" charset="-120"/>
+                  </a:rPr>
+                  <a:t>train 40</a:t>
+                </a:r>
+                <a:r>
+                  <a:rPr lang="zh-TW" altLang="en-US" sz="1800" dirty="0">
+                    <a:solidFill>
+                      <a:srgbClr val="000000"/>
+                    </a:solidFill>
+                    <a:latin typeface="微軟正黑體" panose="020B0604030504040204" pitchFamily="34" charset="-120"/>
+                    <a:ea typeface="微軟正黑體" panose="020B0604030504040204" pitchFamily="34" charset="-120"/>
+                  </a:rPr>
+                  <a:t>歲以上的</a:t>
+                </a:r>
+                <a:r>
+                  <a:rPr lang="en-US" altLang="zh-TW" sz="1800" dirty="0">
+                    <a:solidFill>
+                      <a:srgbClr val="000000"/>
+                    </a:solidFill>
+                    <a:latin typeface="微軟正黑體" panose="020B0604030504040204" pitchFamily="34" charset="-120"/>
+                    <a:ea typeface="微軟正黑體" panose="020B0604030504040204" pitchFamily="34" charset="-120"/>
+                  </a:rPr>
+                  <a:t>data</a:t>
+                </a:r>
+                <a:r>
+                  <a:rPr lang="zh-TW" altLang="en-US" sz="1800" dirty="0">
+                    <a:solidFill>
+                      <a:srgbClr val="000000"/>
+                    </a:solidFill>
+                    <a:latin typeface="微軟正黑體" panose="020B0604030504040204" pitchFamily="34" charset="-120"/>
+                    <a:ea typeface="微軟正黑體" panose="020B0604030504040204" pitchFamily="34" charset="-120"/>
+                  </a:rPr>
+                  <a:t>，所以年輕的</a:t>
+                </a:r>
+                <a:r>
+                  <a:rPr lang="en-US" altLang="zh-TW" sz="1800" dirty="0">
+                    <a:solidFill>
+                      <a:srgbClr val="000000"/>
+                    </a:solidFill>
+                    <a:latin typeface="微軟正黑體" panose="020B0604030504040204" pitchFamily="34" charset="-120"/>
+                    <a:ea typeface="微軟正黑體" panose="020B0604030504040204" pitchFamily="34" charset="-120"/>
+                  </a:rPr>
+                  <a:t>data prediction</a:t>
+                </a:r>
+                <a:r>
+                  <a:rPr lang="zh-TW" altLang="en-US" sz="1800" dirty="0">
+                    <a:solidFill>
+                      <a:srgbClr val="000000"/>
+                    </a:solidFill>
+                    <a:latin typeface="微軟正黑體" panose="020B0604030504040204" pitchFamily="34" charset="-120"/>
+                    <a:ea typeface="微軟正黑體" panose="020B0604030504040204" pitchFamily="34" charset="-120"/>
+                  </a:rPr>
+                  <a:t>是只有第一個</a:t>
+                </a:r>
+                <a:r>
+                  <a:rPr lang="en-US" altLang="zh-TW" sz="1800" dirty="0">
+                    <a:solidFill>
+                      <a:srgbClr val="000000"/>
+                    </a:solidFill>
+                    <a:latin typeface="微軟正黑體" panose="020B0604030504040204" pitchFamily="34" charset="-120"/>
+                    <a:ea typeface="微軟正黑體" panose="020B0604030504040204" pitchFamily="34" charset="-120"/>
+                  </a:rPr>
+                  <a:t>CNN</a:t>
+                </a:r>
+                <a:r>
+                  <a:rPr lang="zh-TW" altLang="en-US" sz="1800" dirty="0">
+                    <a:solidFill>
+                      <a:srgbClr val="000000"/>
+                    </a:solidFill>
+                    <a:latin typeface="微軟正黑體" panose="020B0604030504040204" pitchFamily="34" charset="-120"/>
+                    <a:ea typeface="微軟正黑體" panose="020B0604030504040204" pitchFamily="34" charset="-120"/>
+                  </a:rPr>
+                  <a:t>參與</a:t>
+                </a:r>
+                <a:r>
+                  <a:rPr lang="en-US" altLang="zh-TW" sz="1800" dirty="0">
+                    <a:solidFill>
+                      <a:srgbClr val="000000"/>
+                    </a:solidFill>
+                    <a:latin typeface="微軟正黑體" panose="020B0604030504040204" pitchFamily="34" charset="-120"/>
+                    <a:ea typeface="微軟正黑體" panose="020B0604030504040204" pitchFamily="34" charset="-120"/>
+                  </a:rPr>
+                  <a:t>predict</a:t>
+                </a:r>
+                <a:r>
+                  <a:rPr lang="zh-TW" altLang="en-US" sz="1800" dirty="0">
+                    <a:solidFill>
+                      <a:srgbClr val="000000"/>
+                    </a:solidFill>
+                    <a:latin typeface="微軟正黑體" panose="020B0604030504040204" pitchFamily="34" charset="-120"/>
+                    <a:ea typeface="微軟正黑體" panose="020B0604030504040204" pitchFamily="34" charset="-120"/>
+                  </a:rPr>
+                  <a:t>，若是較老的</a:t>
+                </a:r>
+                <a:r>
+                  <a:rPr lang="en-US" altLang="zh-TW" sz="1800" dirty="0">
+                    <a:solidFill>
+                      <a:srgbClr val="000000"/>
+                    </a:solidFill>
+                    <a:latin typeface="微軟正黑體" panose="020B0604030504040204" pitchFamily="34" charset="-120"/>
+                    <a:ea typeface="微軟正黑體" panose="020B0604030504040204" pitchFamily="34" charset="-120"/>
+                  </a:rPr>
+                  <a:t>data prediction</a:t>
+                </a:r>
+                <a:r>
+                  <a:rPr lang="zh-TW" altLang="en-US" sz="1800" dirty="0">
+                    <a:solidFill>
+                      <a:srgbClr val="000000"/>
+                    </a:solidFill>
+                    <a:latin typeface="微軟正黑體" panose="020B0604030504040204" pitchFamily="34" charset="-120"/>
+                    <a:ea typeface="微軟正黑體" panose="020B0604030504040204" pitchFamily="34" charset="-120"/>
+                  </a:rPr>
+                  <a:t>，則由整個</a:t>
+                </a:r>
+                <a:r>
+                  <a:rPr lang="en-US" altLang="zh-TW" sz="1800" dirty="0">
+                    <a:solidFill>
+                      <a:srgbClr val="000000"/>
+                    </a:solidFill>
+                    <a:latin typeface="微軟正黑體" panose="020B0604030504040204" pitchFamily="34" charset="-120"/>
+                    <a:ea typeface="微軟正黑體" panose="020B0604030504040204" pitchFamily="34" charset="-120"/>
+                  </a:rPr>
+                  <a:t>model</a:t>
+                </a:r>
+                <a:r>
+                  <a:rPr lang="zh-TW" altLang="en-US" sz="1800" dirty="0">
+                    <a:solidFill>
+                      <a:srgbClr val="000000"/>
+                    </a:solidFill>
+                    <a:latin typeface="微軟正黑體" panose="020B0604030504040204" pitchFamily="34" charset="-120"/>
+                    <a:ea typeface="微軟正黑體" panose="020B0604030504040204" pitchFamily="34" charset="-120"/>
+                  </a:rPr>
+                  <a:t>給出最後的年齡</a:t>
+                </a:r>
+                <a:endParaRPr lang="en-US" altLang="zh-TW" dirty="0"/>
+              </a:p>
+            </p:txBody>
+          </p:sp>
+        </mc:Choice>
+        <mc:Fallback xmlns="">
+          <p:sp>
+            <p:nvSpPr>
+              <p:cNvPr id="3" name="備忘稿版面配置區 2"/>
+              <p:cNvSpPr>
+                <a:spLocks noGrp="1"/>
+              </p:cNvSpPr>
+              <p:nvPr>
+                <p:ph type="body" idx="1"/>
+              </p:nvPr>
+            </p:nvSpPr>
+            <p:spPr/>
+            <p:txBody>
+              <a:bodyPr/>
+              <a:lstStyle/>
+              <a:p>
+                <a:r>
+                  <a:rPr lang="en-US" b="0" i="0">
+                    <a:solidFill>
+                      <a:srgbClr val="FF0000"/>
+                    </a:solidFill>
+                    <a:latin typeface="Cambria Math" panose="02040503050406030204" pitchFamily="18" charset="0"/>
+                  </a:rPr>
+                  <a:t>𝑤_(</a:t>
+                </a:r>
+                <a:r>
+                  <a:rPr lang="en-US" i="0">
+                    <a:solidFill>
+                      <a:srgbClr val="FF0000"/>
+                    </a:solidFill>
+                    <a:latin typeface="Cambria Math" panose="02040503050406030204" pitchFamily="18" charset="0"/>
+                  </a:rPr>
+                  <a:t>ⅆ_𝑗)^1</a:t>
+                </a:r>
+                <a:r>
+                  <a:rPr lang="zh-TW" altLang="en-US" i="0">
+                    <a:solidFill>
+                      <a:srgbClr val="FF0000"/>
+                    </a:solidFill>
+                    <a:latin typeface="Cambria Math" panose="02040503050406030204" pitchFamily="18" charset="0"/>
+                  </a:rPr>
+                  <a:t> 就是</a:t>
+                </a:r>
+                <a:r>
+                  <a:rPr lang="en-US" altLang="zh-TW" dirty="0">
+                    <a:solidFill>
+                      <a:srgbClr val="FF0000"/>
+                    </a:solidFill>
+                  </a:rPr>
+                  <a:t>abnormality</a:t>
+                </a:r>
+                <a:r>
+                  <a:rPr lang="en-US" altLang="zh-TW" baseline="0" dirty="0">
+                    <a:solidFill>
+                      <a:srgbClr val="FF0000"/>
+                    </a:solidFill>
+                  </a:rPr>
+                  <a:t> parameter</a:t>
+                </a:r>
+                <a:r>
+                  <a:rPr lang="zh-TW" altLang="en-US" baseline="0" dirty="0">
+                    <a:solidFill>
+                      <a:srgbClr val="FF0000"/>
+                    </a:solidFill>
+                  </a:rPr>
+                  <a:t>用來反映</a:t>
+                </a:r>
+                <a:r>
+                  <a:rPr lang="en-US" altLang="zh-TW" baseline="0" dirty="0">
+                    <a:solidFill>
+                      <a:srgbClr val="FF0000"/>
+                    </a:solidFill>
+                    <a:latin typeface="Times New Roman" panose="02020603050405020304" pitchFamily="18" charset="0"/>
+                    <a:ea typeface="標楷體" panose="03000509000000000000" pitchFamily="65" charset="-120"/>
+                    <a:sym typeface="Wingdings" panose="05000000000000000000" pitchFamily="2" charset="2"/>
+                  </a:rPr>
+                  <a:t>data-items </a:t>
+                </a:r>
+                <a:r>
+                  <a:rPr lang="en-US" sz="1200" i="0">
+                    <a:solidFill>
+                      <a:srgbClr val="FF0000"/>
+                    </a:solidFill>
+                    <a:latin typeface="Cambria Math" panose="02040503050406030204" pitchFamily="18" charset="0"/>
+                    <a:ea typeface="Cambria Math" panose="02040503050406030204" pitchFamily="18" charset="0"/>
+                  </a:rPr>
+                  <a:t>𝑑_𝑗</a:t>
+                </a:r>
+                <a:r>
+                  <a:rPr lang="zh-TW" altLang="en-US" dirty="0">
+                    <a:solidFill>
+                      <a:srgbClr val="FF0000"/>
+                    </a:solidFill>
+                  </a:rPr>
+                  <a:t>的異常</a:t>
+                </a:r>
+                <a:endParaRPr lang="en-US" altLang="zh-TW" dirty="0">
+                  <a:solidFill>
+                    <a:srgbClr val="FF0000"/>
+                  </a:solidFill>
+                </a:endParaRPr>
+              </a:p>
+              <a:p>
+                <a:endParaRPr lang="en-US" altLang="zh-TW" dirty="0">
+                  <a:solidFill>
+                    <a:srgbClr val="FF0000"/>
+                  </a:solidFill>
+                </a:endParaRPr>
+              </a:p>
+              <a:p>
+                <a:r>
+                  <a:rPr lang="en-US" i="0">
+                    <a:latin typeface="Cambria Math" panose="02040503050406030204" pitchFamily="18" charset="0"/>
+                  </a:rPr>
+                  <a:t>𝑤</a:t>
+                </a:r>
+                <a:r>
+                  <a:rPr lang="en-US" i="0">
+                    <a:solidFill>
+                      <a:srgbClr val="836967"/>
+                    </a:solidFill>
+                    <a:latin typeface="Cambria Math" panose="02040503050406030204" pitchFamily="18" charset="0"/>
+                  </a:rPr>
+                  <a:t>_(</a:t>
+                </a:r>
+                <a:r>
+                  <a:rPr lang="en-US" i="0">
+                    <a:latin typeface="Cambria Math" panose="02040503050406030204" pitchFamily="18" charset="0"/>
+                  </a:rPr>
+                  <a:t>𝑒</a:t>
+                </a:r>
+                <a:r>
+                  <a:rPr lang="en-US" i="0">
+                    <a:solidFill>
+                      <a:srgbClr val="836967"/>
+                    </a:solidFill>
+                    <a:latin typeface="Cambria Math" panose="02040503050406030204" pitchFamily="18" charset="0"/>
+                  </a:rPr>
+                  <a:t>_</a:t>
+                </a:r>
+                <a:r>
+                  <a:rPr lang="en-US" i="0">
+                    <a:latin typeface="Cambria Math" panose="02040503050406030204" pitchFamily="18" charset="0"/>
+                  </a:rPr>
+                  <a:t>𝑖</a:t>
+                </a:r>
+                <a:r>
+                  <a:rPr lang="en-US" i="0">
+                    <a:solidFill>
+                      <a:srgbClr val="836967"/>
+                    </a:solidFill>
+                    <a:latin typeface="Cambria Math" panose="02040503050406030204" pitchFamily="18" charset="0"/>
+                  </a:rPr>
+                  <a:t>)^</a:t>
+                </a:r>
+                <a:r>
+                  <a:rPr lang="en-US" i="0">
+                    <a:latin typeface="Cambria Math" panose="02040503050406030204" pitchFamily="18" charset="0"/>
+                  </a:rPr>
+                  <a:t>2</a:t>
+                </a:r>
+                <a:r>
+                  <a:rPr lang="zh-TW" altLang="en-US" i="0">
+                    <a:latin typeface="Cambria Math" panose="02040503050406030204" pitchFamily="18" charset="0"/>
+                  </a:rPr>
+                  <a:t> 代表</a:t>
+                </a:r>
+                <a:r>
+                  <a:rPr lang="en-US" dirty="0"/>
+                  <a:t>event </a:t>
+                </a:r>
+                <a:r>
+                  <a:rPr lang="en-US" i="0">
+                    <a:latin typeface="Cambria Math" panose="02040503050406030204" pitchFamily="18" charset="0"/>
+                  </a:rPr>
+                  <a:t>𝑒</a:t>
+                </a:r>
+                <a:r>
+                  <a:rPr lang="en-US" i="0">
+                    <a:solidFill>
+                      <a:srgbClr val="836967"/>
+                    </a:solidFill>
+                    <a:latin typeface="Cambria Math" panose="02040503050406030204" pitchFamily="18" charset="0"/>
+                  </a:rPr>
+                  <a:t>_</a:t>
+                </a:r>
+                <a:r>
+                  <a:rPr lang="en-US" i="0">
+                    <a:latin typeface="Cambria Math" panose="02040503050406030204" pitchFamily="18" charset="0"/>
+                  </a:rPr>
+                  <a:t>𝑖</a:t>
+                </a:r>
+                <a:r>
+                  <a:rPr lang="zh-TW" altLang="en-US" dirty="0"/>
+                  <a:t>的</a:t>
+                </a:r>
+                <a:r>
+                  <a:rPr lang="en-US" altLang="zh-TW" dirty="0"/>
+                  <a:t>priority(0&lt;</a:t>
+                </a:r>
+                <a:r>
+                  <a:rPr lang="en-US" i="0">
+                    <a:latin typeface="Cambria Math" panose="02040503050406030204" pitchFamily="18" charset="0"/>
+                  </a:rPr>
+                  <a:t>𝑤</a:t>
+                </a:r>
+                <a:r>
+                  <a:rPr lang="en-US" i="0">
+                    <a:solidFill>
+                      <a:srgbClr val="836967"/>
+                    </a:solidFill>
+                    <a:latin typeface="Cambria Math" panose="02040503050406030204" pitchFamily="18" charset="0"/>
+                  </a:rPr>
+                  <a:t>_(</a:t>
+                </a:r>
+                <a:r>
+                  <a:rPr lang="en-US" i="0">
+                    <a:latin typeface="Cambria Math" panose="02040503050406030204" pitchFamily="18" charset="0"/>
+                  </a:rPr>
+                  <a:t>𝑒</a:t>
+                </a:r>
+                <a:r>
+                  <a:rPr lang="en-US" i="0">
+                    <a:solidFill>
+                      <a:srgbClr val="836967"/>
+                    </a:solidFill>
+                    <a:latin typeface="Cambria Math" panose="02040503050406030204" pitchFamily="18" charset="0"/>
+                  </a:rPr>
+                  <a:t>_</a:t>
+                </a:r>
+                <a:r>
+                  <a:rPr lang="en-US" i="0">
+                    <a:latin typeface="Cambria Math" panose="02040503050406030204" pitchFamily="18" charset="0"/>
+                  </a:rPr>
+                  <a:t>𝑖</a:t>
+                </a:r>
+                <a:r>
+                  <a:rPr lang="en-US" i="0">
+                    <a:solidFill>
+                      <a:srgbClr val="836967"/>
+                    </a:solidFill>
+                    <a:latin typeface="Cambria Math" panose="02040503050406030204" pitchFamily="18" charset="0"/>
+                  </a:rPr>
+                  <a:t>)^</a:t>
+                </a:r>
+                <a:r>
+                  <a:rPr lang="en-US" i="0">
+                    <a:latin typeface="Cambria Math" panose="02040503050406030204" pitchFamily="18" charset="0"/>
+                  </a:rPr>
+                  <a:t>2</a:t>
+                </a:r>
+                <a:r>
+                  <a:rPr lang="zh-TW" altLang="en-US" dirty="0"/>
+                  <a:t>≦</a:t>
+                </a:r>
+                <a:r>
+                  <a:rPr lang="en-US" altLang="zh-TW" dirty="0"/>
+                  <a:t>1)</a:t>
+                </a:r>
+                <a:r>
+                  <a:rPr lang="zh-TW" altLang="en-US" dirty="0"/>
+                  <a:t>，</a:t>
+                </a:r>
+                <a:r>
+                  <a:rPr lang="en-US" i="0">
+                    <a:latin typeface="Cambria Math" panose="02040503050406030204" pitchFamily="18" charset="0"/>
+                  </a:rPr>
+                  <a:t>𝑝</a:t>
+                </a:r>
+                <a:r>
+                  <a:rPr lang="en-US" i="0">
+                    <a:solidFill>
+                      <a:srgbClr val="836967"/>
+                    </a:solidFill>
+                    <a:latin typeface="Cambria Math" panose="02040503050406030204" pitchFamily="18" charset="0"/>
+                  </a:rPr>
+                  <a:t>_(</a:t>
+                </a:r>
+                <a:r>
+                  <a:rPr lang="en-US" i="0">
+                    <a:latin typeface="Cambria Math" panose="02040503050406030204" pitchFamily="18" charset="0"/>
+                  </a:rPr>
+                  <a:t>𝑒</a:t>
+                </a:r>
+                <a:r>
+                  <a:rPr lang="en-US" i="0">
+                    <a:solidFill>
+                      <a:srgbClr val="836967"/>
+                    </a:solidFill>
+                    <a:latin typeface="Cambria Math" panose="02040503050406030204" pitchFamily="18" charset="0"/>
+                  </a:rPr>
+                  <a:t>_</a:t>
+                </a:r>
+                <a:r>
+                  <a:rPr lang="en-US" i="0">
+                    <a:latin typeface="Cambria Math" panose="02040503050406030204" pitchFamily="18" charset="0"/>
+                  </a:rPr>
+                  <a:t>𝑖 </a:t>
+                </a:r>
+                <a:r>
+                  <a:rPr lang="en-US" i="0">
+                    <a:solidFill>
+                      <a:srgbClr val="836967"/>
+                    </a:solidFill>
+                    <a:latin typeface="Cambria Math" panose="02040503050406030204" pitchFamily="18" charset="0"/>
+                  </a:rPr>
+                  <a:t>)</a:t>
+                </a:r>
+                <a:r>
+                  <a:rPr lang="zh-TW" altLang="en-US" i="0">
+                    <a:solidFill>
+                      <a:srgbClr val="836967"/>
+                    </a:solidFill>
+                    <a:latin typeface="Cambria Math" panose="02040503050406030204" pitchFamily="18" charset="0"/>
+                  </a:rPr>
+                  <a:t> </a:t>
+                </a:r>
+                <a:r>
+                  <a:rPr lang="zh-TW" altLang="en-US" i="0">
+                    <a:latin typeface="Cambria Math" panose="02040503050406030204" pitchFamily="18" charset="0"/>
+                  </a:rPr>
+                  <a:t>代表</a:t>
+                </a:r>
+                <a:r>
+                  <a:rPr lang="en-US" dirty="0"/>
+                  <a:t>event </a:t>
+                </a:r>
+                <a:r>
+                  <a:rPr lang="en-US" i="0">
+                    <a:latin typeface="Cambria Math" panose="02040503050406030204" pitchFamily="18" charset="0"/>
+                  </a:rPr>
+                  <a:t>𝑒</a:t>
+                </a:r>
+                <a:r>
+                  <a:rPr lang="en-US" i="0">
+                    <a:solidFill>
+                      <a:srgbClr val="836967"/>
+                    </a:solidFill>
+                    <a:latin typeface="Cambria Math" panose="02040503050406030204" pitchFamily="18" charset="0"/>
+                  </a:rPr>
+                  <a:t>_</a:t>
+                </a:r>
+                <a:r>
+                  <a:rPr lang="en-US" i="0">
+                    <a:latin typeface="Cambria Math" panose="02040503050406030204" pitchFamily="18" charset="0"/>
+                  </a:rPr>
+                  <a:t>𝑖</a:t>
+                </a:r>
+                <a:r>
+                  <a:rPr lang="zh-TW" altLang="en-US" dirty="0"/>
+                  <a:t>會發生的機率，且</a:t>
+                </a:r>
+                <a:r>
+                  <a:rPr lang="en-US" i="0">
+                    <a:latin typeface="Cambria Math" panose="02040503050406030204" pitchFamily="18" charset="0"/>
+                  </a:rPr>
+                  <a:t>𝑤</a:t>
+                </a:r>
+                <a:r>
+                  <a:rPr lang="en-US" i="0">
+                    <a:solidFill>
+                      <a:srgbClr val="836967"/>
+                    </a:solidFill>
+                    <a:latin typeface="Cambria Math" panose="02040503050406030204" pitchFamily="18" charset="0"/>
+                  </a:rPr>
+                  <a:t>_(</a:t>
+                </a:r>
+                <a:r>
+                  <a:rPr lang="en-US" i="0">
+                    <a:latin typeface="Cambria Math" panose="02040503050406030204" pitchFamily="18" charset="0"/>
+                  </a:rPr>
+                  <a:t>𝑒</a:t>
+                </a:r>
+                <a:r>
+                  <a:rPr lang="en-US" i="0">
+                    <a:solidFill>
+                      <a:srgbClr val="836967"/>
+                    </a:solidFill>
+                    <a:latin typeface="Cambria Math" panose="02040503050406030204" pitchFamily="18" charset="0"/>
+                  </a:rPr>
+                  <a:t>_</a:t>
+                </a:r>
+                <a:r>
+                  <a:rPr lang="en-US" i="0">
+                    <a:latin typeface="Cambria Math" panose="02040503050406030204" pitchFamily="18" charset="0"/>
+                  </a:rPr>
+                  <a:t>𝑖</a:t>
+                </a:r>
+                <a:r>
+                  <a:rPr lang="en-US" i="0">
+                    <a:solidFill>
+                      <a:srgbClr val="836967"/>
+                    </a:solidFill>
+                    <a:latin typeface="Cambria Math" panose="02040503050406030204" pitchFamily="18" charset="0"/>
+                  </a:rPr>
+                  <a:t>)^</a:t>
+                </a:r>
+                <a:r>
+                  <a:rPr lang="en-US" i="0">
+                    <a:latin typeface="Cambria Math" panose="02040503050406030204" pitchFamily="18" charset="0"/>
+                  </a:rPr>
+                  <a:t>2</a:t>
+                </a:r>
+                <a:r>
+                  <a:rPr lang="zh-TW" altLang="en-US" dirty="0"/>
+                  <a:t>會不斷更新，當一個</a:t>
+                </a:r>
+                <a:r>
+                  <a:rPr lang="en-US" altLang="zh-TW" dirty="0"/>
+                  <a:t>event</a:t>
+                </a:r>
+                <a:r>
+                  <a:rPr lang="zh-TW" altLang="en-US" dirty="0"/>
+                  <a:t>被預測會發生時，</a:t>
+                </a:r>
+                <a:r>
+                  <a:rPr lang="en-US" i="0">
+                    <a:latin typeface="Cambria Math" panose="02040503050406030204" pitchFamily="18" charset="0"/>
+                  </a:rPr>
+                  <a:t>𝑤</a:t>
+                </a:r>
+                <a:r>
+                  <a:rPr lang="en-US" i="0">
+                    <a:solidFill>
+                      <a:srgbClr val="836967"/>
+                    </a:solidFill>
+                    <a:latin typeface="Cambria Math" panose="02040503050406030204" pitchFamily="18" charset="0"/>
+                  </a:rPr>
+                  <a:t>_(</a:t>
+                </a:r>
+                <a:r>
+                  <a:rPr lang="en-US" i="0">
+                    <a:latin typeface="Cambria Math" panose="02040503050406030204" pitchFamily="18" charset="0"/>
+                  </a:rPr>
+                  <a:t>𝑒</a:t>
+                </a:r>
+                <a:r>
+                  <a:rPr lang="en-US" i="0">
+                    <a:solidFill>
+                      <a:srgbClr val="836967"/>
+                    </a:solidFill>
+                    <a:latin typeface="Cambria Math" panose="02040503050406030204" pitchFamily="18" charset="0"/>
+                  </a:rPr>
+                  <a:t>_</a:t>
+                </a:r>
+                <a:r>
+                  <a:rPr lang="en-US" i="0">
+                    <a:latin typeface="Cambria Math" panose="02040503050406030204" pitchFamily="18" charset="0"/>
+                  </a:rPr>
+                  <a:t>𝑖</a:t>
+                </a:r>
+                <a:r>
+                  <a:rPr lang="en-US" i="0">
+                    <a:solidFill>
+                      <a:srgbClr val="836967"/>
+                    </a:solidFill>
+                    <a:latin typeface="Cambria Math" panose="02040503050406030204" pitchFamily="18" charset="0"/>
+                  </a:rPr>
+                  <a:t>)^</a:t>
+                </a:r>
+                <a:r>
+                  <a:rPr lang="en-US" i="0">
+                    <a:latin typeface="Cambria Math" panose="02040503050406030204" pitchFamily="18" charset="0"/>
+                  </a:rPr>
+                  <a:t>2</a:t>
+                </a:r>
+                <a:r>
+                  <a:rPr lang="zh-TW" altLang="en-US" dirty="0"/>
+                  <a:t>就會提高此時</a:t>
+                </a:r>
+                <a:r>
+                  <a:rPr lang="en-US" altLang="zh-TW" dirty="0" err="1"/>
+                  <a:t>priorit</a:t>
+                </a:r>
+                <a:r>
+                  <a:rPr lang="zh-TW" altLang="en-US" dirty="0"/>
+                  <a:t>也會上升</a:t>
+                </a:r>
+                <a:endParaRPr lang="en-US" altLang="zh-TW" dirty="0"/>
+              </a:p>
+              <a:p>
+                <a:endParaRPr lang="en-US" dirty="0"/>
+              </a:p>
+              <a:p>
+                <a:pPr marL="0" marR="0" lvl="0" indent="0" algn="l" defTabSz="914400" rtl="0" eaLnBrk="1" fontAlgn="auto" latinLnBrk="0" hangingPunct="1">
+                  <a:lnSpc>
+                    <a:spcPct val="100000"/>
+                  </a:lnSpc>
+                  <a:spcBef>
+                    <a:spcPts val="0"/>
+                  </a:spcBef>
+                  <a:spcAft>
+                    <a:spcPts val="0"/>
+                  </a:spcAft>
+                  <a:buClrTx/>
+                  <a:buSzTx/>
+                  <a:buFontTx/>
+                  <a:buNone/>
+                  <a:tabLst/>
+                  <a:defRPr/>
+                </a:pPr>
+                <a:r>
+                  <a:rPr lang="en-US" i="0">
+                    <a:latin typeface="Cambria Math" panose="02040503050406030204" pitchFamily="18" charset="0"/>
+                  </a:rPr>
+                  <a:t>𝑤_(ⅆ_𝑗,𝑒_𝑖)^3</a:t>
+                </a:r>
+                <a:r>
+                  <a:rPr lang="zh-TW" altLang="en-US" i="0">
+                    <a:latin typeface="Cambria Math" panose="02040503050406030204" pitchFamily="18" charset="0"/>
+                  </a:rPr>
+                  <a:t> 代表</a:t>
+                </a:r>
+                <a:r>
+                  <a:rPr lang="zh-TW" dirty="0"/>
+                  <a:t>事件 ei 上</a:t>
+                </a:r>
+                <a:r>
+                  <a:rPr lang="zh-TW" altLang="en-US" dirty="0"/>
+                  <a:t>，</a:t>
+                </a:r>
+                <a:r>
+                  <a:rPr lang="en-US" altLang="zh-TW" dirty="0"/>
+                  <a:t>data-item</a:t>
+                </a:r>
+                <a:r>
+                  <a:rPr lang="zh-TW" dirty="0"/>
+                  <a:t> dj 的</a:t>
+                </a:r>
+                <a:r>
+                  <a:rPr lang="en-US" altLang="zh-TW" dirty="0"/>
+                  <a:t>data</a:t>
+                </a:r>
+                <a:r>
+                  <a:rPr lang="zh-TW" dirty="0"/>
+                  <a:t>權重參數</a:t>
+                </a:r>
+                <a:endParaRPr lang="en-US" i="1" dirty="0">
+                  <a:latin typeface="Cambria Math" panose="02040503050406030204" pitchFamily="18" charset="0"/>
+                </a:endParaRPr>
+              </a:p>
+              <a:p>
+                <a:pPr marL="0" marR="0" lvl="0" indent="0" algn="l" defTabSz="914400" rtl="0" eaLnBrk="1" fontAlgn="auto" latinLnBrk="0" hangingPunct="1">
+                  <a:lnSpc>
+                    <a:spcPct val="100000"/>
+                  </a:lnSpc>
+                  <a:spcBef>
+                    <a:spcPts val="0"/>
+                  </a:spcBef>
+                  <a:spcAft>
+                    <a:spcPts val="0"/>
+                  </a:spcAft>
+                  <a:buClrTx/>
+                  <a:buSzTx/>
+                  <a:buFontTx/>
+                  <a:buNone/>
+                  <a:tabLst/>
+                  <a:defRPr/>
+                </a:pPr>
+                <a:endParaRPr lang="en-US" i="1" dirty="0">
+                  <a:latin typeface="Cambria Math" panose="02040503050406030204" pitchFamily="18" charset="0"/>
+                </a:endParaRPr>
+              </a:p>
+              <a:p>
+                <a:pPr marL="0" marR="0" lvl="0" indent="0" algn="l" defTabSz="914400" rtl="0" eaLnBrk="1" fontAlgn="auto" latinLnBrk="0" hangingPunct="1">
+                  <a:lnSpc>
+                    <a:spcPct val="100000"/>
+                  </a:lnSpc>
+                  <a:spcBef>
+                    <a:spcPts val="0"/>
+                  </a:spcBef>
+                  <a:spcAft>
+                    <a:spcPts val="0"/>
+                  </a:spcAft>
+                  <a:buClrTx/>
+                  <a:buSzTx/>
+                  <a:buFontTx/>
+                  <a:buNone/>
+                  <a:tabLst/>
+                  <a:defRPr/>
+                </a:pPr>
+                <a:r>
+                  <a:rPr lang="en-US" i="0">
+                    <a:latin typeface="Cambria Math" panose="02040503050406030204" pitchFamily="18" charset="0"/>
+                  </a:rPr>
+                  <a:t>𝑤_(</a:t>
+                </a:r>
+                <a:r>
+                  <a:rPr lang="en-US" b="0" i="0">
+                    <a:latin typeface="Cambria Math" panose="02040503050406030204" pitchFamily="18" charset="0"/>
+                  </a:rPr>
+                  <a:t>𝑐_𝑖</a:t>
+                </a:r>
+                <a:r>
+                  <a:rPr lang="en-US" i="0">
+                    <a:latin typeface="Cambria Math" panose="02040503050406030204" pitchFamily="18" charset="0"/>
+                  </a:rPr>
+                  <a:t>,</a:t>
+                </a:r>
+                <a:r>
+                  <a:rPr lang="en-US" b="0" i="0">
+                    <a:latin typeface="Cambria Math" panose="02040503050406030204" pitchFamily="18" charset="0"/>
+                  </a:rPr>
+                  <a:t>𝑘</a:t>
+                </a:r>
+                <a:r>
+                  <a:rPr lang="en-US" i="0">
+                    <a:latin typeface="Cambria Math" panose="02040503050406030204" pitchFamily="18" charset="0"/>
+                  </a:rPr>
+                  <a:t> )^</a:t>
+                </a:r>
+                <a:r>
+                  <a:rPr lang="en-US" b="0" i="0">
+                    <a:latin typeface="Cambria Math" panose="02040503050406030204" pitchFamily="18" charset="0"/>
+                  </a:rPr>
+                  <a:t>4</a:t>
+                </a:r>
+                <a:r>
+                  <a:rPr lang="zh-TW" altLang="en-US" b="0" i="0">
+                    <a:latin typeface="Cambria Math" panose="02040503050406030204" pitchFamily="18" charset="0"/>
+                  </a:rPr>
+                  <a:t> 代表</a:t>
+                </a:r>
+                <a:r>
+                  <a:rPr lang="zh-TW" altLang="en-US" dirty="0"/>
+                  <a:t>在指定的</a:t>
+                </a:r>
+                <a:r>
+                  <a:rPr lang="en-US" altLang="zh-TW" dirty="0"/>
+                  <a:t>context k</a:t>
+                </a:r>
+                <a:r>
+                  <a:rPr lang="zh-TW" altLang="en-US" dirty="0"/>
+                  <a:t>中，</a:t>
+                </a:r>
+                <a:r>
+                  <a:rPr lang="en-US" dirty="0"/>
+                  <a:t>event </a:t>
+                </a:r>
+                <a:r>
+                  <a:rPr lang="en-US" i="0">
+                    <a:latin typeface="Cambria Math" panose="02040503050406030204" pitchFamily="18" charset="0"/>
+                  </a:rPr>
+                  <a:t>𝑒</a:t>
+                </a:r>
+                <a:r>
+                  <a:rPr lang="en-US" i="0">
+                    <a:solidFill>
+                      <a:srgbClr val="836967"/>
+                    </a:solidFill>
+                    <a:latin typeface="Cambria Math" panose="02040503050406030204" pitchFamily="18" charset="0"/>
+                  </a:rPr>
+                  <a:t>_</a:t>
+                </a:r>
+                <a:r>
+                  <a:rPr lang="en-US" i="0">
+                    <a:latin typeface="Cambria Math" panose="02040503050406030204" pitchFamily="18" charset="0"/>
+                  </a:rPr>
+                  <a:t>𝑖</a:t>
+                </a:r>
+                <a:r>
+                  <a:rPr lang="zh-TW" altLang="en-US" dirty="0"/>
+                  <a:t>是</a:t>
+                </a:r>
+                <a:r>
+                  <a:rPr lang="en-US" altLang="zh-TW" dirty="0"/>
+                  <a:t>true</a:t>
+                </a:r>
+                <a:r>
+                  <a:rPr lang="zh-TW" altLang="en-US" dirty="0"/>
+                  <a:t>的機率，</a:t>
+                </a:r>
+                <a:r>
+                  <a:rPr lang="en-US" i="0">
+                    <a:latin typeface="Cambria Math" panose="02040503050406030204" pitchFamily="18" charset="0"/>
+                  </a:rPr>
+                  <a:t>𝑤_(𝑒_𝑖)^</a:t>
+                </a:r>
+                <a:r>
+                  <a:rPr lang="en-US" b="0" i="0">
+                    <a:latin typeface="Cambria Math" panose="02040503050406030204" pitchFamily="18" charset="0"/>
+                  </a:rPr>
+                  <a:t>4</a:t>
+                </a:r>
+                <a:r>
+                  <a:rPr lang="zh-TW" altLang="en-US" dirty="0"/>
+                  <a:t>則代表</a:t>
+                </a:r>
+                <a:r>
+                  <a:rPr lang="en-US" dirty="0"/>
+                  <a:t>event </a:t>
+                </a:r>
+                <a:r>
+                  <a:rPr lang="en-US" i="0">
+                    <a:latin typeface="Cambria Math" panose="02040503050406030204" pitchFamily="18" charset="0"/>
+                  </a:rPr>
+                  <a:t>𝑒</a:t>
+                </a:r>
+                <a:r>
+                  <a:rPr lang="en-US" i="0">
+                    <a:solidFill>
+                      <a:srgbClr val="836967"/>
+                    </a:solidFill>
+                    <a:latin typeface="Cambria Math" panose="02040503050406030204" pitchFamily="18" charset="0"/>
+                  </a:rPr>
+                  <a:t>_</a:t>
+                </a:r>
+                <a:r>
+                  <a:rPr lang="en-US" i="0">
+                    <a:latin typeface="Cambria Math" panose="02040503050406030204" pitchFamily="18" charset="0"/>
+                  </a:rPr>
+                  <a:t>𝑖</a:t>
+                </a:r>
+                <a:r>
+                  <a:rPr lang="zh-TW" altLang="en-US" dirty="0"/>
+                  <a:t>在特定</a:t>
+                </a:r>
+                <a:r>
+                  <a:rPr lang="en-US" altLang="zh-TW" dirty="0"/>
+                  <a:t>context</a:t>
+                </a:r>
+                <a:r>
+                  <a:rPr lang="zh-TW" altLang="en-US" dirty="0"/>
+                  <a:t>是</a:t>
+                </a:r>
+                <a:r>
+                  <a:rPr lang="en-US" altLang="zh-TW" dirty="0"/>
+                  <a:t>true</a:t>
+                </a:r>
+                <a:r>
+                  <a:rPr lang="zh-TW" altLang="en-US" dirty="0"/>
+                  <a:t>的機率</a:t>
+                </a:r>
+                <a:endParaRPr lang="en-US" altLang="zh-TW" dirty="0"/>
+              </a:p>
+            </p:txBody>
+          </p:sp>
+        </mc:Fallback>
+      </mc:AlternateContent>
+      <p:sp>
+        <p:nvSpPr>
+          <p:cNvPr id="4" name="投影片編號版面配置區 3"/>
+          <p:cNvSpPr>
+            <a:spLocks noGrp="1"/>
+          </p:cNvSpPr>
+          <p:nvPr>
+            <p:ph type="sldNum" sz="quarter" idx="5"/>
+          </p:nvPr>
+        </p:nvSpPr>
+        <p:spPr/>
+        <p:txBody>
+          <a:bodyPr/>
+          <a:lstStyle/>
+          <a:p>
+            <a:fld id="{CA802C15-8439-4650-9275-89E8E467F89F}" type="slidenum">
+              <a:rPr lang="zh-TW" altLang="en-US" smtClean="0"/>
+              <a:t>13</a:t>
+            </a:fld>
+            <a:endParaRPr lang="zh-TW" altLang="en-US"/>
+          </a:p>
+        </p:txBody>
+      </p:sp>
+    </p:spTree>
+    <p:extLst>
+      <p:ext uri="{BB962C8B-B14F-4D97-AF65-F5344CB8AC3E}">
+        <p14:creationId xmlns:p14="http://schemas.microsoft.com/office/powerpoint/2010/main" val="1032364227"/>
       </p:ext>
     </p:extLst>
   </p:cSld>
@@ -9475,7 +11999,7 @@
             <a:fld id="{14815ECC-D564-4E70-8DF2-69078BE7875F}" type="datetime1">
               <a:rPr lang="zh-TW" altLang="en-US" smtClean="0"/>
               <a:pPr/>
-              <a:t>2022/12/5</a:t>
+              <a:t>2022/12/8</a:t>
             </a:fld>
             <a:endParaRPr lang="zh-TW" altLang="en-US"/>
           </a:p>
@@ -9734,7 +12258,7 @@
             <a:fld id="{83DD6ECF-C089-405B-AC93-5118EFF8BBB6}" type="datetime1">
               <a:rPr lang="zh-TW" altLang="en-US" smtClean="0"/>
               <a:pPr/>
-              <a:t>2022/12/5</a:t>
+              <a:t>2022/12/8</a:t>
             </a:fld>
             <a:endParaRPr lang="zh-TW" altLang="en-US"/>
           </a:p>
@@ -10039,7 +12563,7 @@
             <a:fld id="{76357D8C-541D-4E8A-9D62-CD397C305041}" type="datetime1">
               <a:rPr lang="zh-TW" altLang="en-US" smtClean="0"/>
               <a:pPr/>
-              <a:t>2022/12/5</a:t>
+              <a:t>2022/12/8</a:t>
             </a:fld>
             <a:endParaRPr lang="zh-TW" altLang="en-US"/>
           </a:p>
@@ -10233,7 +12757,12 @@
             <p:ph idx="1"/>
           </p:nvPr>
         </p:nvSpPr>
-        <p:spPr/>
+        <p:spPr>
+          <a:xfrm>
+            <a:off x="838200" y="1690688"/>
+            <a:ext cx="10515600" cy="4486275"/>
+          </a:xfrm>
+        </p:spPr>
         <p:txBody>
           <a:bodyPr/>
           <a:lstStyle>
@@ -10336,7 +12865,7 @@
             <a:fld id="{8C353E2A-D468-42D4-B95B-D083617748B9}" type="datetime1">
               <a:rPr lang="zh-TW" altLang="en-US" smtClean="0"/>
               <a:pPr/>
-              <a:t>2022/12/5</a:t>
+              <a:t>2022/12/8</a:t>
             </a:fld>
             <a:endParaRPr lang="zh-TW" altLang="en-US"/>
           </a:p>
@@ -10677,7 +13206,7 @@
             <a:fld id="{84AD58FD-9B8B-4B75-A125-75D0E225B163}" type="datetime1">
               <a:rPr lang="zh-TW" altLang="en-US" smtClean="0"/>
               <a:pPr/>
-              <a:t>2022/12/5</a:t>
+              <a:t>2022/12/8</a:t>
             </a:fld>
             <a:endParaRPr lang="zh-TW" altLang="en-US"/>
           </a:p>
@@ -11070,7 +13599,7 @@
             <a:fld id="{8530E546-62A0-4324-90D2-C64DBE828A43}" type="datetime1">
               <a:rPr lang="zh-TW" altLang="en-US" smtClean="0"/>
               <a:pPr/>
-              <a:t>2022/12/5</a:t>
+              <a:t>2022/12/8</a:t>
             </a:fld>
             <a:endParaRPr lang="zh-TW" altLang="en-US"/>
           </a:p>
@@ -11616,7 +14145,7 @@
             <a:fld id="{23B845D1-7E58-4D56-9D2C-E7C4F468F1A7}" type="datetime1">
               <a:rPr lang="zh-TW" altLang="en-US" smtClean="0"/>
               <a:pPr/>
-              <a:t>2022/12/5</a:t>
+              <a:t>2022/12/8</a:t>
             </a:fld>
             <a:endParaRPr lang="zh-TW" altLang="en-US"/>
           </a:p>
@@ -11823,7 +14352,7 @@
             <a:fld id="{15663873-6E6A-47C2-B30A-E11F3F3F4292}" type="datetime1">
               <a:rPr lang="zh-TW" altLang="en-US" smtClean="0"/>
               <a:pPr/>
-              <a:t>2022/12/5</a:t>
+              <a:t>2022/12/8</a:t>
             </a:fld>
             <a:endParaRPr lang="zh-TW" altLang="en-US"/>
           </a:p>
@@ -11995,7 +14524,7 @@
             <a:fld id="{9A804300-340F-4666-B5DD-9B4A9515F3E4}" type="datetime1">
               <a:rPr lang="zh-TW" altLang="en-US" smtClean="0"/>
               <a:pPr/>
-              <a:t>2022/12/5</a:t>
+              <a:t>2022/12/8</a:t>
             </a:fld>
             <a:endParaRPr lang="zh-TW" altLang="en-US"/>
           </a:p>
@@ -12386,7 +14915,7 @@
             <a:fld id="{8728CD89-BEAC-4BD7-B611-D0AC8782BCED}" type="datetime1">
               <a:rPr lang="zh-TW" altLang="en-US" smtClean="0"/>
               <a:pPr/>
-              <a:t>2022/12/5</a:t>
+              <a:t>2022/12/8</a:t>
             </a:fld>
             <a:endParaRPr lang="zh-TW" altLang="en-US"/>
           </a:p>
@@ -12742,7 +15271,7 @@
             <a:fld id="{4C92E972-9527-48BA-ABE1-BB9C17ED7431}" type="datetime1">
               <a:rPr lang="zh-TW" altLang="en-US" smtClean="0"/>
               <a:pPr/>
-              <a:t>2022/12/5</a:t>
+              <a:t>2022/12/8</a:t>
             </a:fld>
             <a:endParaRPr lang="zh-TW" altLang="en-US"/>
           </a:p>
@@ -13037,7 +15566,7 @@
             <a:fld id="{7E9BC08B-076E-4B68-8A46-ED2629AFDEA3}" type="datetime1">
               <a:rPr lang="zh-TW" altLang="en-US" smtClean="0"/>
               <a:pPr/>
-              <a:t>2022/12/5</a:t>
+              <a:t>2022/12/8</a:t>
             </a:fld>
             <a:endParaRPr lang="zh-TW" altLang="en-US"/>
           </a:p>
@@ -13601,7 +16130,7 @@
 </file>
 
 <file path=ppt/slides/slide10.xml><?xml version="1.0" encoding="utf-8"?>
-<p:sld xmlns:a="http://schemas.openxmlformats.org/drawingml/2006/main" xmlns:r="http://schemas.openxmlformats.org/officeDocument/2006/relationships" xmlns:p="http://schemas.openxmlformats.org/presentationml/2006/main" show="0">
+<p:sld xmlns:a="http://schemas.openxmlformats.org/drawingml/2006/main" xmlns:r="http://schemas.openxmlformats.org/officeDocument/2006/relationships" xmlns:p="http://schemas.openxmlformats.org/presentationml/2006/main">
   <p:cSld>
     <p:spTree>
       <p:nvGrpSpPr>
@@ -13622,7 +16151,7 @@
           <p:cNvPr id="2" name="標題 1">
             <a:extLst>
               <a:ext uri="{FF2B5EF4-FFF2-40B4-BE49-F238E27FC236}">
-                <a16:creationId xmlns:a16="http://schemas.microsoft.com/office/drawing/2014/main" id="{D5BD2A02-094E-4049-86CE-1F0F31F00EC4}"/>
+                <a16:creationId xmlns:a16="http://schemas.microsoft.com/office/drawing/2014/main" id="{7DC51965-3B55-4A2C-8171-E572382DD444}"/>
               </a:ext>
             </a:extLst>
           </p:cNvPr>
@@ -13644,9 +16173,13 @@
                 <a:ea typeface="標楷體" panose="03000509000000000000" pitchFamily="65" charset="-120"/>
                 <a:cs typeface="Times New Roman" panose="02020603050405020304" pitchFamily="18" charset="0"/>
               </a:rPr>
-              <a:t>Designed Experiment</a:t>
-            </a:r>
-            <a:endParaRPr lang="en-US" dirty="0"/>
+              <a:t>Proposed Methods – BLUP</a:t>
+            </a:r>
+            <a:endParaRPr lang="zh-TW" altLang="en-US" dirty="0">
+              <a:latin typeface="Times New Roman" panose="02020603050405020304" pitchFamily="18" charset="0"/>
+              <a:ea typeface="標楷體" panose="03000509000000000000" pitchFamily="65" charset="-120"/>
+              <a:cs typeface="Times New Roman" panose="02020603050405020304" pitchFamily="18" charset="0"/>
+            </a:endParaRPr>
           </a:p>
         </p:txBody>
       </p:sp>
@@ -13655,7 +16188,7 @@
           <p:cNvPr id="3" name="內容版面配置區 2">
             <a:extLst>
               <a:ext uri="{FF2B5EF4-FFF2-40B4-BE49-F238E27FC236}">
-                <a16:creationId xmlns:a16="http://schemas.microsoft.com/office/drawing/2014/main" id="{4729ADF7-84BC-42C9-A38C-D09E00D84A4C}"/>
+                <a16:creationId xmlns:a16="http://schemas.microsoft.com/office/drawing/2014/main" id="{7E658B3D-20B6-435E-B15B-C0553C4AE19F}"/>
               </a:ext>
             </a:extLst>
           </p:cNvPr>
@@ -13668,8 +16201,8 @@
         </p:nvSpPr>
         <p:spPr>
           <a:xfrm>
-            <a:off x="838200" y="1690689"/>
-            <a:ext cx="10302240" cy="4557712"/>
+            <a:off x="838200" y="1690688"/>
+            <a:ext cx="10515600" cy="4486275"/>
           </a:xfrm>
         </p:spPr>
         <p:txBody>
@@ -13678,16 +16211,49 @@
           </a:bodyPr>
           <a:lstStyle/>
           <a:p>
-            <a:endParaRPr lang="en-US" sz="2000" dirty="0"/>
+            <a:r>
+              <a:rPr lang="en-US" altLang="zh-TW" dirty="0">
+                <a:cs typeface="Times New Roman" panose="02020603050405020304" pitchFamily="18" charset="0"/>
+              </a:rPr>
+              <a:t>Minimizing the mean square error within the class of linear unbiased predictors</a:t>
+            </a:r>
+          </a:p>
+          <a:p>
+            <a:r>
+              <a:rPr lang="en-US" altLang="zh-TW" dirty="0">
+                <a:cs typeface="Times New Roman" panose="02020603050405020304" pitchFamily="18" charset="0"/>
+              </a:rPr>
+              <a:t>Computationally efficient – use estimated variance–covariance matrix between the features</a:t>
+            </a:r>
+          </a:p>
+          <a:p>
+            <a:r>
+              <a:rPr lang="en-US" altLang="zh-TW" dirty="0">
+                <a:cs typeface="Times New Roman" panose="02020603050405020304" pitchFamily="18" charset="0"/>
+              </a:rPr>
+              <a:t>Use OSCA[35] to compute BLUP</a:t>
+            </a:r>
+            <a:r>
+              <a:rPr lang="zh-TW" altLang="en-US" dirty="0">
+                <a:cs typeface="Times New Roman" panose="02020603050405020304" pitchFamily="18" charset="0"/>
+              </a:rPr>
+              <a:t> </a:t>
+            </a:r>
+            <a:r>
+              <a:rPr lang="en-US" altLang="zh-TW" dirty="0">
+                <a:cs typeface="Times New Roman" panose="02020603050405020304" pitchFamily="18" charset="0"/>
+              </a:rPr>
+              <a:t>score</a:t>
+            </a:r>
           </a:p>
         </p:txBody>
       </p:sp>
       <p:sp>
         <p:nvSpPr>
-          <p:cNvPr id="4" name="投影片編號版面配置區 3">
+          <p:cNvPr id="5" name="投影片編號版面配置區 4">
             <a:extLst>
               <a:ext uri="{FF2B5EF4-FFF2-40B4-BE49-F238E27FC236}">
-                <a16:creationId xmlns:a16="http://schemas.microsoft.com/office/drawing/2014/main" id="{0215B297-14CB-4790-8574-A3F756E6B81C}"/>
+                <a16:creationId xmlns:a16="http://schemas.microsoft.com/office/drawing/2014/main" id="{6FDB81DD-25D0-4B7D-85DA-019476717276}"/>
               </a:ext>
             </a:extLst>
           </p:cNvPr>
@@ -13704,18 +16270,25 @@
           <a:lstStyle/>
           <a:p>
             <a:fld id="{D2B5BE26-702C-4921-81E7-8AF275EDA2CC}" type="slidenum">
-              <a:rPr lang="zh-TW" altLang="en-US" smtClean="0"/>
-              <a:pPr/>
+              <a:rPr lang="zh-TW" altLang="en-US" smtClean="0">
+                <a:latin typeface="Times New Roman" panose="02020603050405020304" pitchFamily="18" charset="0"/>
+                <a:ea typeface="標楷體" panose="03000509000000000000" pitchFamily="65" charset="-120"/>
+                <a:cs typeface="Times New Roman" panose="02020603050405020304" pitchFamily="18" charset="0"/>
+              </a:rPr>
               <a:t>10</a:t>
             </a:fld>
-            <a:endParaRPr lang="zh-TW" altLang="en-US"/>
+            <a:endParaRPr lang="zh-TW" altLang="en-US">
+              <a:latin typeface="Times New Roman" panose="02020603050405020304" pitchFamily="18" charset="0"/>
+              <a:ea typeface="標楷體" panose="03000509000000000000" pitchFamily="65" charset="-120"/>
+              <a:cs typeface="Times New Roman" panose="02020603050405020304" pitchFamily="18" charset="0"/>
+            </a:endParaRPr>
           </a:p>
         </p:txBody>
       </p:sp>
     </p:spTree>
     <p:extLst>
       <p:ext uri="{BB962C8B-B14F-4D97-AF65-F5344CB8AC3E}">
-        <p14:creationId xmlns:p14="http://schemas.microsoft.com/office/powerpoint/2010/main" val="860791272"/>
+        <p14:creationId xmlns:p14="http://schemas.microsoft.com/office/powerpoint/2010/main" val="78285712"/>
       </p:ext>
     </p:extLst>
   </p:cSld>
@@ -13811,35 +16384,54 @@
               <a:rPr lang="en-US" altLang="zh-TW" dirty="0">
                 <a:cs typeface="Times New Roman" panose="02020603050405020304" pitchFamily="18" charset="0"/>
               </a:rPr>
-              <a:t>Minimizing the mean square error within the class of linear unbiased predictors</a:t>
-            </a:r>
-          </a:p>
-          <a:p>
+              <a:t>BLUP-mean: scores using the </a:t>
+            </a:r>
+            <a:r>
+              <a:rPr lang="en-US" altLang="zh-TW" dirty="0">
+                <a:solidFill>
+                  <a:srgbClr val="FF0000"/>
+                </a:solidFill>
+                <a:cs typeface="Times New Roman" panose="02020603050405020304" pitchFamily="18" charset="0"/>
+              </a:rPr>
+              <a:t>mean</a:t>
+            </a:r>
             <a:r>
               <a:rPr lang="en-US" altLang="zh-TW" dirty="0">
                 <a:cs typeface="Times New Roman" panose="02020603050405020304" pitchFamily="18" charset="0"/>
               </a:rPr>
-              <a:t>Computationally efficient – use estimated variance–covariance matrix between the features</a:t>
-            </a:r>
-          </a:p>
-          <a:p>
+              <a:t> and </a:t>
+            </a:r>
+            <a:r>
+              <a:rPr lang="en-US" altLang="zh-TW" dirty="0">
+                <a:solidFill>
+                  <a:srgbClr val="FF0000"/>
+                </a:solidFill>
+                <a:cs typeface="Times New Roman" panose="02020603050405020304" pitchFamily="18" charset="0"/>
+              </a:rPr>
+              <a:t>SD</a:t>
+            </a:r>
             <a:r>
               <a:rPr lang="en-US" altLang="zh-TW" dirty="0">
                 <a:cs typeface="Times New Roman" panose="02020603050405020304" pitchFamily="18" charset="0"/>
               </a:rPr>
-              <a:t>Use OSCA[35] to compute BLUP</a:t>
-            </a:r>
-            <a:r>
-              <a:rPr lang="zh-TW" altLang="en-US" dirty="0">
-                <a:cs typeface="Times New Roman" panose="02020603050405020304" pitchFamily="18" charset="0"/>
-              </a:rPr>
-              <a:t> </a:t>
-            </a:r>
+              <a:t> calculated from each site of the discovery sample</a:t>
+            </a:r>
+          </a:p>
+          <a:p>
             <a:r>
               <a:rPr lang="en-US" altLang="zh-TW" dirty="0">
                 <a:cs typeface="Times New Roman" panose="02020603050405020304" pitchFamily="18" charset="0"/>
               </a:rPr>
-              <a:t>score</a:t>
+              <a:t>BLUP-quantiles: applied quantile-based scaling to address </a:t>
+            </a:r>
+            <a:r>
+              <a:rPr lang="en-US" altLang="zh-TW" dirty="0">
+                <a:solidFill>
+                  <a:srgbClr val="FF0000"/>
+                </a:solidFill>
+                <a:cs typeface="Times New Roman" panose="02020603050405020304" pitchFamily="18" charset="0"/>
+              </a:rPr>
+              <a:t>non-normal distribution</a:t>
             </a:r>
           </a:p>
         </p:txBody>
@@ -13884,7 +16476,7 @@
     </p:spTree>
     <p:extLst>
       <p:ext uri="{BB962C8B-B14F-4D97-AF65-F5344CB8AC3E}">
-        <p14:creationId xmlns:p14="http://schemas.microsoft.com/office/powerpoint/2010/main" val="78285712"/>
+        <p14:creationId xmlns:p14="http://schemas.microsoft.com/office/powerpoint/2010/main" val="3145629167"/>
       </p:ext>
     </p:extLst>
   </p:cSld>
@@ -13938,7 +16530,7 @@
                 <a:ea typeface="標楷體" panose="03000509000000000000" pitchFamily="65" charset="-120"/>
                 <a:cs typeface="Times New Roman" panose="02020603050405020304" pitchFamily="18" charset="0"/>
               </a:rPr>
-              <a:t>Proposed Methods – BLUP</a:t>
+              <a:t>Proposed Methods – 6-Layer CNN</a:t>
             </a:r>
             <a:endParaRPr lang="zh-TW" altLang="en-US" dirty="0">
               <a:latin typeface="Times New Roman" panose="02020603050405020304" pitchFamily="18" charset="0"/>
@@ -13948,196 +16540,8 @@
           </a:p>
         </p:txBody>
       </p:sp>
-      <p:sp>
-        <p:nvSpPr>
-          <p:cNvPr id="3" name="內容版面配置區 2">
-            <a:extLst>
-              <a:ext uri="{FF2B5EF4-FFF2-40B4-BE49-F238E27FC236}">
-                <a16:creationId xmlns:a16="http://schemas.microsoft.com/office/drawing/2014/main" id="{7E658B3D-20B6-435E-B15B-C0553C4AE19F}"/>
-              </a:ext>
-            </a:extLst>
-          </p:cNvPr>
-          <p:cNvSpPr>
-            <a:spLocks noGrp="1"/>
-          </p:cNvSpPr>
-          <p:nvPr>
-            <p:ph idx="1"/>
-          </p:nvPr>
-        </p:nvSpPr>
-        <p:spPr>
-          <a:xfrm>
-            <a:off x="838200" y="1690688"/>
-            <a:ext cx="10515600" cy="4486275"/>
-          </a:xfrm>
-        </p:spPr>
-        <p:txBody>
-          <a:bodyPr>
-            <a:normAutofit/>
-          </a:bodyPr>
-          <a:lstStyle/>
-          <a:p>
-            <a:r>
-              <a:rPr lang="en-US" altLang="zh-TW" dirty="0">
-                <a:cs typeface="Times New Roman" panose="02020603050405020304" pitchFamily="18" charset="0"/>
-              </a:rPr>
-              <a:t>BLUP-mean: scores using the </a:t>
-            </a:r>
-            <a:r>
-              <a:rPr lang="en-US" altLang="zh-TW" dirty="0">
-                <a:solidFill>
-                  <a:srgbClr val="FF0000"/>
-                </a:solidFill>
-                <a:cs typeface="Times New Roman" panose="02020603050405020304" pitchFamily="18" charset="0"/>
-              </a:rPr>
-              <a:t>mean</a:t>
-            </a:r>
-            <a:r>
-              <a:rPr lang="en-US" altLang="zh-TW" dirty="0">
-                <a:cs typeface="Times New Roman" panose="02020603050405020304" pitchFamily="18" charset="0"/>
-              </a:rPr>
-              <a:t> and </a:t>
-            </a:r>
-            <a:r>
-              <a:rPr lang="en-US" altLang="zh-TW" dirty="0">
-                <a:solidFill>
-                  <a:srgbClr val="FF0000"/>
-                </a:solidFill>
-                <a:cs typeface="Times New Roman" panose="02020603050405020304" pitchFamily="18" charset="0"/>
-              </a:rPr>
-              <a:t>SD</a:t>
-            </a:r>
-            <a:r>
-              <a:rPr lang="en-US" altLang="zh-TW" dirty="0">
-                <a:cs typeface="Times New Roman" panose="02020603050405020304" pitchFamily="18" charset="0"/>
-              </a:rPr>
-              <a:t> calculated from each site of the discovery sample</a:t>
-            </a:r>
-          </a:p>
-          <a:p>
-            <a:r>
-              <a:rPr lang="en-US" altLang="zh-TW" dirty="0">
-                <a:cs typeface="Times New Roman" panose="02020603050405020304" pitchFamily="18" charset="0"/>
-              </a:rPr>
-              <a:t>BLUP-quantiles: applied quantile-based scaling to address </a:t>
-            </a:r>
-            <a:r>
-              <a:rPr lang="en-US" altLang="zh-TW" dirty="0">
-                <a:solidFill>
-                  <a:srgbClr val="FF0000"/>
-                </a:solidFill>
-                <a:cs typeface="Times New Roman" panose="02020603050405020304" pitchFamily="18" charset="0"/>
-              </a:rPr>
-              <a:t>non-normal distribution</a:t>
-            </a:r>
-          </a:p>
-        </p:txBody>
-      </p:sp>
-      <p:sp>
-        <p:nvSpPr>
-          <p:cNvPr id="5" name="投影片編號版面配置區 4">
-            <a:extLst>
-              <a:ext uri="{FF2B5EF4-FFF2-40B4-BE49-F238E27FC236}">
-                <a16:creationId xmlns:a16="http://schemas.microsoft.com/office/drawing/2014/main" id="{6FDB81DD-25D0-4B7D-85DA-019476717276}"/>
-              </a:ext>
-            </a:extLst>
-          </p:cNvPr>
-          <p:cNvSpPr>
-            <a:spLocks noGrp="1"/>
-          </p:cNvSpPr>
-          <p:nvPr>
-            <p:ph type="sldNum" sz="quarter" idx="12"/>
-          </p:nvPr>
-        </p:nvSpPr>
-        <p:spPr/>
-        <p:txBody>
-          <a:bodyPr/>
-          <a:lstStyle/>
-          <a:p>
-            <a:fld id="{D2B5BE26-702C-4921-81E7-8AF275EDA2CC}" type="slidenum">
-              <a:rPr lang="zh-TW" altLang="en-US" smtClean="0">
-                <a:latin typeface="Times New Roman" panose="02020603050405020304" pitchFamily="18" charset="0"/>
-                <a:ea typeface="標楷體" panose="03000509000000000000" pitchFamily="65" charset="-120"/>
-                <a:cs typeface="Times New Roman" panose="02020603050405020304" pitchFamily="18" charset="0"/>
-              </a:rPr>
-              <a:t>12</a:t>
-            </a:fld>
-            <a:endParaRPr lang="zh-TW" altLang="en-US">
-              <a:latin typeface="Times New Roman" panose="02020603050405020304" pitchFamily="18" charset="0"/>
-              <a:ea typeface="標楷體" panose="03000509000000000000" pitchFamily="65" charset="-120"/>
-              <a:cs typeface="Times New Roman" panose="02020603050405020304" pitchFamily="18" charset="0"/>
-            </a:endParaRPr>
-          </a:p>
-        </p:txBody>
-      </p:sp>
-    </p:spTree>
-    <p:extLst>
-      <p:ext uri="{BB962C8B-B14F-4D97-AF65-F5344CB8AC3E}">
-        <p14:creationId xmlns:p14="http://schemas.microsoft.com/office/powerpoint/2010/main" val="3145629167"/>
-      </p:ext>
-    </p:extLst>
-  </p:cSld>
-  <p:clrMapOvr>
-    <a:masterClrMapping/>
-  </p:clrMapOvr>
-</p:sld>
-</file>
-
-<file path=ppt/slides/slide13.xml><?xml version="1.0" encoding="utf-8"?>
-<p:sld xmlns:a="http://schemas.openxmlformats.org/drawingml/2006/main" xmlns:r="http://schemas.openxmlformats.org/officeDocument/2006/relationships" xmlns:p="http://schemas.openxmlformats.org/presentationml/2006/main">
-  <p:cSld>
-    <p:spTree>
-      <p:nvGrpSpPr>
-        <p:cNvPr id="1" name=""/>
-        <p:cNvGrpSpPr/>
-        <p:nvPr/>
-      </p:nvGrpSpPr>
-      <p:grpSpPr>
-        <a:xfrm>
-          <a:off x="0" y="0"/>
-          <a:ext cx="0" cy="0"/>
-          <a:chOff x="0" y="0"/>
-          <a:chExt cx="0" cy="0"/>
-        </a:xfrm>
-      </p:grpSpPr>
-      <p:sp>
-        <p:nvSpPr>
-          <p:cNvPr id="2" name="標題 1">
-            <a:extLst>
-              <a:ext uri="{FF2B5EF4-FFF2-40B4-BE49-F238E27FC236}">
-                <a16:creationId xmlns:a16="http://schemas.microsoft.com/office/drawing/2014/main" id="{7DC51965-3B55-4A2C-8171-E572382DD444}"/>
-              </a:ext>
-            </a:extLst>
-          </p:cNvPr>
-          <p:cNvSpPr>
-            <a:spLocks noGrp="1"/>
-          </p:cNvSpPr>
-          <p:nvPr>
-            <p:ph type="title"/>
-          </p:nvPr>
-        </p:nvSpPr>
-        <p:spPr/>
-        <p:txBody>
-          <a:bodyPr/>
-          <a:lstStyle/>
-          <a:p>
-            <a:r>
-              <a:rPr lang="en-US" altLang="zh-TW" dirty="0">
-                <a:latin typeface="Times New Roman" panose="02020603050405020304" pitchFamily="18" charset="0"/>
-                <a:ea typeface="標楷體" panose="03000509000000000000" pitchFamily="65" charset="-120"/>
-                <a:cs typeface="Times New Roman" panose="02020603050405020304" pitchFamily="18" charset="0"/>
-              </a:rPr>
-              <a:t>Proposed Methods – 6-Layer CNN</a:t>
-            </a:r>
-            <a:endParaRPr lang="zh-TW" altLang="en-US" dirty="0">
-              <a:latin typeface="Times New Roman" panose="02020603050405020304" pitchFamily="18" charset="0"/>
-              <a:ea typeface="標楷體" panose="03000509000000000000" pitchFamily="65" charset="-120"/>
-              <a:cs typeface="Times New Roman" panose="02020603050405020304" pitchFamily="18" charset="0"/>
-            </a:endParaRPr>
-          </a:p>
-        </p:txBody>
-      </p:sp>
-      <mc:AlternateContent xmlns:mc="http://schemas.openxmlformats.org/markup-compatibility/2006">
-        <mc:Choice xmlns:a14="http://schemas.microsoft.com/office/drawing/2010/main" Requires="a14">
+      <mc:AlternateContent xmlns:mc="http://schemas.openxmlformats.org/markup-compatibility/2006" xmlns:a14="http://schemas.microsoft.com/office/drawing/2010/main">
+        <mc:Choice Requires="a14">
           <p:sp>
             <p:nvSpPr>
               <p:cNvPr id="3" name="內容版面配置區 2">
@@ -14293,7 +16697,7 @@
             </p:txBody>
           </p:sp>
         </mc:Choice>
-        <mc:Fallback>
+        <mc:Fallback xmlns="">
           <p:sp>
             <p:nvSpPr>
               <p:cNvPr id="3" name="內容版面配置區 2">
@@ -14364,7 +16768,7 @@
                 <a:ea typeface="標楷體" panose="03000509000000000000" pitchFamily="65" charset="-120"/>
                 <a:cs typeface="Times New Roman" panose="02020603050405020304" pitchFamily="18" charset="0"/>
               </a:rPr>
-              <a:t>13</a:t>
+              <a:t>12</a:t>
             </a:fld>
             <a:endParaRPr lang="zh-TW" altLang="en-US">
               <a:latin typeface="Times New Roman" panose="02020603050405020304" pitchFamily="18" charset="0"/>
@@ -14408,6 +16812,190 @@
     <p:extLst>
       <p:ext uri="{BB962C8B-B14F-4D97-AF65-F5344CB8AC3E}">
         <p14:creationId xmlns:p14="http://schemas.microsoft.com/office/powerpoint/2010/main" val="1298037698"/>
+      </p:ext>
+    </p:extLst>
+  </p:cSld>
+  <p:clrMapOvr>
+    <a:masterClrMapping/>
+  </p:clrMapOvr>
+</p:sld>
+</file>
+
+<file path=ppt/slides/slide13.xml><?xml version="1.0" encoding="utf-8"?>
+<p:sld xmlns:a="http://schemas.openxmlformats.org/drawingml/2006/main" xmlns:r="http://schemas.openxmlformats.org/officeDocument/2006/relationships" xmlns:p="http://schemas.openxmlformats.org/presentationml/2006/main">
+  <p:cSld>
+    <p:spTree>
+      <p:nvGrpSpPr>
+        <p:cNvPr id="1" name=""/>
+        <p:cNvGrpSpPr/>
+        <p:nvPr/>
+      </p:nvGrpSpPr>
+      <p:grpSpPr>
+        <a:xfrm>
+          <a:off x="0" y="0"/>
+          <a:ext cx="0" cy="0"/>
+          <a:chOff x="0" y="0"/>
+          <a:chExt cx="0" cy="0"/>
+        </a:xfrm>
+      </p:grpSpPr>
+      <p:sp>
+        <p:nvSpPr>
+          <p:cNvPr id="2" name="標題 1">
+            <a:extLst>
+              <a:ext uri="{FF2B5EF4-FFF2-40B4-BE49-F238E27FC236}">
+                <a16:creationId xmlns:a16="http://schemas.microsoft.com/office/drawing/2014/main" id="{7DC51965-3B55-4A2C-8171-E572382DD444}"/>
+              </a:ext>
+            </a:extLst>
+          </p:cNvPr>
+          <p:cNvSpPr>
+            <a:spLocks noGrp="1"/>
+          </p:cNvSpPr>
+          <p:nvPr>
+            <p:ph type="title"/>
+          </p:nvPr>
+        </p:nvSpPr>
+        <p:spPr/>
+        <p:txBody>
+          <a:bodyPr/>
+          <a:lstStyle/>
+          <a:p>
+            <a:r>
+              <a:rPr lang="en-US" altLang="zh-TW" dirty="0">
+                <a:latin typeface="Times New Roman" panose="02020603050405020304" pitchFamily="18" charset="0"/>
+                <a:ea typeface="標楷體" panose="03000509000000000000" pitchFamily="65" charset="-120"/>
+                <a:cs typeface="Times New Roman" panose="02020603050405020304" pitchFamily="18" charset="0"/>
+              </a:rPr>
+              <a:t>Proposed Methods – Special 6-Layer CNN</a:t>
+            </a:r>
+            <a:endParaRPr lang="zh-TW" altLang="en-US" dirty="0">
+              <a:latin typeface="Times New Roman" panose="02020603050405020304" pitchFamily="18" charset="0"/>
+              <a:ea typeface="標楷體" panose="03000509000000000000" pitchFamily="65" charset="-120"/>
+              <a:cs typeface="Times New Roman" panose="02020603050405020304" pitchFamily="18" charset="0"/>
+            </a:endParaRPr>
+          </a:p>
+        </p:txBody>
+      </p:sp>
+      <p:sp>
+        <p:nvSpPr>
+          <p:cNvPr id="3" name="內容版面配置區 2">
+            <a:extLst>
+              <a:ext uri="{FF2B5EF4-FFF2-40B4-BE49-F238E27FC236}">
+                <a16:creationId xmlns:a16="http://schemas.microsoft.com/office/drawing/2014/main" id="{7E658B3D-20B6-435E-B15B-C0553C4AE19F}"/>
+              </a:ext>
+            </a:extLst>
+          </p:cNvPr>
+          <p:cNvSpPr>
+            <a:spLocks noGrp="1"/>
+          </p:cNvSpPr>
+          <p:nvPr>
+            <p:ph idx="1"/>
+          </p:nvPr>
+        </p:nvSpPr>
+        <p:spPr>
+          <a:xfrm>
+            <a:off x="838200" y="1690688"/>
+            <a:ext cx="10515600" cy="4486275"/>
+          </a:xfrm>
+        </p:spPr>
+        <p:txBody>
+          <a:bodyPr>
+            <a:normAutofit/>
+          </a:bodyPr>
+          <a:lstStyle/>
+          <a:p>
+            <a:r>
+              <a:rPr lang="en-US" altLang="zh-TW" dirty="0">
+                <a:cs typeface="Times New Roman" panose="02020603050405020304" pitchFamily="18" charset="0"/>
+              </a:rPr>
+              <a:t>This model is the combination of </a:t>
+            </a:r>
+            <a:r>
+              <a:rPr lang="en-US" altLang="zh-TW" dirty="0">
+                <a:solidFill>
+                  <a:srgbClr val="FF0000"/>
+                </a:solidFill>
+                <a:cs typeface="Times New Roman" panose="02020603050405020304" pitchFamily="18" charset="0"/>
+              </a:rPr>
+              <a:t>two 6-layer CNNs </a:t>
+            </a:r>
+            <a:r>
+              <a:rPr lang="en-US" altLang="zh-TW" dirty="0">
+                <a:cs typeface="Times New Roman" panose="02020603050405020304" pitchFamily="18" charset="0"/>
+              </a:rPr>
+              <a:t>with the architecture described in the previous section</a:t>
+            </a:r>
+          </a:p>
+          <a:p>
+            <a:r>
+              <a:rPr lang="en-US" altLang="zh-TW" dirty="0">
+                <a:cs typeface="Times New Roman" panose="02020603050405020304" pitchFamily="18" charset="0"/>
+              </a:rPr>
+              <a:t>First CNN:</a:t>
+            </a:r>
+            <a:r>
+              <a:rPr lang="zh-TW" altLang="en-US" dirty="0">
+                <a:cs typeface="Times New Roman" panose="02020603050405020304" pitchFamily="18" charset="0"/>
+              </a:rPr>
+              <a:t> </a:t>
+            </a:r>
+            <a:r>
+              <a:rPr lang="en-US" altLang="zh-TW" dirty="0">
+                <a:cs typeface="Times New Roman" panose="02020603050405020304" pitchFamily="18" charset="0"/>
+              </a:rPr>
+              <a:t>for whole dataset</a:t>
+            </a:r>
+          </a:p>
+          <a:p>
+            <a:r>
+              <a:rPr lang="en-US" altLang="zh-TW" dirty="0">
+                <a:cs typeface="Times New Roman" panose="02020603050405020304" pitchFamily="18" charset="0"/>
+              </a:rPr>
+              <a:t>Second CNN: only older than 40</a:t>
+            </a:r>
+          </a:p>
+        </p:txBody>
+      </p:sp>
+      <p:sp>
+        <p:nvSpPr>
+          <p:cNvPr id="5" name="投影片編號版面配置區 4">
+            <a:extLst>
+              <a:ext uri="{FF2B5EF4-FFF2-40B4-BE49-F238E27FC236}">
+                <a16:creationId xmlns:a16="http://schemas.microsoft.com/office/drawing/2014/main" id="{6FDB81DD-25D0-4B7D-85DA-019476717276}"/>
+              </a:ext>
+            </a:extLst>
+          </p:cNvPr>
+          <p:cNvSpPr>
+            <a:spLocks noGrp="1"/>
+          </p:cNvSpPr>
+          <p:nvPr>
+            <p:ph type="sldNum" sz="quarter" idx="12"/>
+          </p:nvPr>
+        </p:nvSpPr>
+        <p:spPr/>
+        <p:txBody>
+          <a:bodyPr/>
+          <a:lstStyle/>
+          <a:p>
+            <a:fld id="{D2B5BE26-702C-4921-81E7-8AF275EDA2CC}" type="slidenum">
+              <a:rPr lang="zh-TW" altLang="en-US" smtClean="0">
+                <a:latin typeface="Times New Roman" panose="02020603050405020304" pitchFamily="18" charset="0"/>
+                <a:ea typeface="標楷體" panose="03000509000000000000" pitchFamily="65" charset="-120"/>
+                <a:cs typeface="Times New Roman" panose="02020603050405020304" pitchFamily="18" charset="0"/>
+              </a:rPr>
+              <a:t>13</a:t>
+            </a:fld>
+            <a:endParaRPr lang="zh-TW" altLang="en-US">
+              <a:latin typeface="Times New Roman" panose="02020603050405020304" pitchFamily="18" charset="0"/>
+              <a:ea typeface="標楷體" panose="03000509000000000000" pitchFamily="65" charset="-120"/>
+              <a:cs typeface="Times New Roman" panose="02020603050405020304" pitchFamily="18" charset="0"/>
+            </a:endParaRPr>
+          </a:p>
+        </p:txBody>
+      </p:sp>
+    </p:spTree>
+    <p:extLst>
+      <p:ext uri="{BB962C8B-B14F-4D97-AF65-F5344CB8AC3E}">
+        <p14:creationId xmlns:p14="http://schemas.microsoft.com/office/powerpoint/2010/main" val="879069658"/>
       </p:ext>
     </p:extLst>
   </p:cSld>
@@ -14461,7 +17049,15 @@
                 <a:ea typeface="標楷體" panose="03000509000000000000" pitchFamily="65" charset="-120"/>
                 <a:cs typeface="Times New Roman" panose="02020603050405020304" pitchFamily="18" charset="0"/>
               </a:rPr>
-              <a:t>Proposed Methods – Special 6-Layer CNN</a:t>
+              <a:t>Proposed Methods – </a:t>
+            </a:r>
+            <a:r>
+              <a:rPr lang="en-US" altLang="zh-TW" dirty="0" err="1">
+                <a:latin typeface="Times New Roman" panose="02020603050405020304" pitchFamily="18" charset="0"/>
+                <a:ea typeface="標楷體" panose="03000509000000000000" pitchFamily="65" charset="-120"/>
+                <a:cs typeface="Times New Roman" panose="02020603050405020304" pitchFamily="18" charset="0"/>
+              </a:rPr>
+              <a:t>ResNet</a:t>
             </a:r>
             <a:endParaRPr lang="zh-TW" altLang="en-US" dirty="0">
               <a:latin typeface="Times New Roman" panose="02020603050405020304" pitchFamily="18" charset="0"/>
@@ -14471,200 +17067,8 @@
           </a:p>
         </p:txBody>
       </p:sp>
-      <p:sp>
-        <p:nvSpPr>
-          <p:cNvPr id="3" name="內容版面配置區 2">
-            <a:extLst>
-              <a:ext uri="{FF2B5EF4-FFF2-40B4-BE49-F238E27FC236}">
-                <a16:creationId xmlns:a16="http://schemas.microsoft.com/office/drawing/2014/main" id="{7E658B3D-20B6-435E-B15B-C0553C4AE19F}"/>
-              </a:ext>
-            </a:extLst>
-          </p:cNvPr>
-          <p:cNvSpPr>
-            <a:spLocks noGrp="1"/>
-          </p:cNvSpPr>
-          <p:nvPr>
-            <p:ph idx="1"/>
-          </p:nvPr>
-        </p:nvSpPr>
-        <p:spPr>
-          <a:xfrm>
-            <a:off x="838200" y="1690688"/>
-            <a:ext cx="10515600" cy="4486275"/>
-          </a:xfrm>
-        </p:spPr>
-        <p:txBody>
-          <a:bodyPr>
-            <a:normAutofit/>
-          </a:bodyPr>
-          <a:lstStyle/>
-          <a:p>
-            <a:r>
-              <a:rPr lang="en-US" altLang="zh-TW" dirty="0">
-                <a:cs typeface="Times New Roman" panose="02020603050405020304" pitchFamily="18" charset="0"/>
-              </a:rPr>
-              <a:t>This model is the combination of </a:t>
-            </a:r>
-            <a:r>
-              <a:rPr lang="en-US" altLang="zh-TW" dirty="0">
-                <a:solidFill>
-                  <a:srgbClr val="FF0000"/>
-                </a:solidFill>
-                <a:cs typeface="Times New Roman" panose="02020603050405020304" pitchFamily="18" charset="0"/>
-              </a:rPr>
-              <a:t>two 6-layer CNNs </a:t>
-            </a:r>
-            <a:r>
-              <a:rPr lang="en-US" altLang="zh-TW" dirty="0">
-                <a:cs typeface="Times New Roman" panose="02020603050405020304" pitchFamily="18" charset="0"/>
-              </a:rPr>
-              <a:t>with the architecture described in the previous section</a:t>
-            </a:r>
-          </a:p>
-          <a:p>
-            <a:r>
-              <a:rPr lang="en-US" altLang="zh-TW" dirty="0">
-                <a:cs typeface="Times New Roman" panose="02020603050405020304" pitchFamily="18" charset="0"/>
-              </a:rPr>
-              <a:t>First CNN:</a:t>
-            </a:r>
-            <a:r>
-              <a:rPr lang="zh-TW" altLang="en-US" dirty="0">
-                <a:cs typeface="Times New Roman" panose="02020603050405020304" pitchFamily="18" charset="0"/>
-              </a:rPr>
-              <a:t> </a:t>
-            </a:r>
-            <a:r>
-              <a:rPr lang="en-US" altLang="zh-TW" dirty="0">
-                <a:cs typeface="Times New Roman" panose="02020603050405020304" pitchFamily="18" charset="0"/>
-              </a:rPr>
-              <a:t>for whole dataset</a:t>
-            </a:r>
-          </a:p>
-          <a:p>
-            <a:r>
-              <a:rPr lang="en-US" altLang="zh-TW" dirty="0">
-                <a:cs typeface="Times New Roman" panose="02020603050405020304" pitchFamily="18" charset="0"/>
-              </a:rPr>
-              <a:t>Second CNN: only older than 40</a:t>
-            </a:r>
-          </a:p>
-        </p:txBody>
-      </p:sp>
-      <p:sp>
-        <p:nvSpPr>
-          <p:cNvPr id="5" name="投影片編號版面配置區 4">
-            <a:extLst>
-              <a:ext uri="{FF2B5EF4-FFF2-40B4-BE49-F238E27FC236}">
-                <a16:creationId xmlns:a16="http://schemas.microsoft.com/office/drawing/2014/main" id="{6FDB81DD-25D0-4B7D-85DA-019476717276}"/>
-              </a:ext>
-            </a:extLst>
-          </p:cNvPr>
-          <p:cNvSpPr>
-            <a:spLocks noGrp="1"/>
-          </p:cNvSpPr>
-          <p:nvPr>
-            <p:ph type="sldNum" sz="quarter" idx="12"/>
-          </p:nvPr>
-        </p:nvSpPr>
-        <p:spPr/>
-        <p:txBody>
-          <a:bodyPr/>
-          <a:lstStyle/>
-          <a:p>
-            <a:fld id="{D2B5BE26-702C-4921-81E7-8AF275EDA2CC}" type="slidenum">
-              <a:rPr lang="zh-TW" altLang="en-US" smtClean="0">
-                <a:latin typeface="Times New Roman" panose="02020603050405020304" pitchFamily="18" charset="0"/>
-                <a:ea typeface="標楷體" panose="03000509000000000000" pitchFamily="65" charset="-120"/>
-                <a:cs typeface="Times New Roman" panose="02020603050405020304" pitchFamily="18" charset="0"/>
-              </a:rPr>
-              <a:t>14</a:t>
-            </a:fld>
-            <a:endParaRPr lang="zh-TW" altLang="en-US">
-              <a:latin typeface="Times New Roman" panose="02020603050405020304" pitchFamily="18" charset="0"/>
-              <a:ea typeface="標楷體" panose="03000509000000000000" pitchFamily="65" charset="-120"/>
-              <a:cs typeface="Times New Roman" panose="02020603050405020304" pitchFamily="18" charset="0"/>
-            </a:endParaRPr>
-          </a:p>
-        </p:txBody>
-      </p:sp>
-    </p:spTree>
-    <p:extLst>
-      <p:ext uri="{BB962C8B-B14F-4D97-AF65-F5344CB8AC3E}">
-        <p14:creationId xmlns:p14="http://schemas.microsoft.com/office/powerpoint/2010/main" val="879069658"/>
-      </p:ext>
-    </p:extLst>
-  </p:cSld>
-  <p:clrMapOvr>
-    <a:masterClrMapping/>
-  </p:clrMapOvr>
-</p:sld>
-</file>
-
-<file path=ppt/slides/slide15.xml><?xml version="1.0" encoding="utf-8"?>
-<p:sld xmlns:a="http://schemas.openxmlformats.org/drawingml/2006/main" xmlns:r="http://schemas.openxmlformats.org/officeDocument/2006/relationships" xmlns:p="http://schemas.openxmlformats.org/presentationml/2006/main">
-  <p:cSld>
-    <p:spTree>
-      <p:nvGrpSpPr>
-        <p:cNvPr id="1" name=""/>
-        <p:cNvGrpSpPr/>
-        <p:nvPr/>
-      </p:nvGrpSpPr>
-      <p:grpSpPr>
-        <a:xfrm>
-          <a:off x="0" y="0"/>
-          <a:ext cx="0" cy="0"/>
-          <a:chOff x="0" y="0"/>
-          <a:chExt cx="0" cy="0"/>
-        </a:xfrm>
-      </p:grpSpPr>
-      <p:sp>
-        <p:nvSpPr>
-          <p:cNvPr id="2" name="標題 1">
-            <a:extLst>
-              <a:ext uri="{FF2B5EF4-FFF2-40B4-BE49-F238E27FC236}">
-                <a16:creationId xmlns:a16="http://schemas.microsoft.com/office/drawing/2014/main" id="{7DC51965-3B55-4A2C-8171-E572382DD444}"/>
-              </a:ext>
-            </a:extLst>
-          </p:cNvPr>
-          <p:cNvSpPr>
-            <a:spLocks noGrp="1"/>
-          </p:cNvSpPr>
-          <p:nvPr>
-            <p:ph type="title"/>
-          </p:nvPr>
-        </p:nvSpPr>
-        <p:spPr/>
-        <p:txBody>
-          <a:bodyPr/>
-          <a:lstStyle/>
-          <a:p>
-            <a:r>
-              <a:rPr lang="en-US" altLang="zh-TW" dirty="0">
-                <a:latin typeface="Times New Roman" panose="02020603050405020304" pitchFamily="18" charset="0"/>
-                <a:ea typeface="標楷體" panose="03000509000000000000" pitchFamily="65" charset="-120"/>
-                <a:cs typeface="Times New Roman" panose="02020603050405020304" pitchFamily="18" charset="0"/>
-              </a:rPr>
-              <a:t>Proposed Methods – </a:t>
-            </a:r>
-            <a:r>
-              <a:rPr lang="en-US" altLang="zh-TW" dirty="0" err="1">
-                <a:latin typeface="Times New Roman" panose="02020603050405020304" pitchFamily="18" charset="0"/>
-                <a:ea typeface="標楷體" panose="03000509000000000000" pitchFamily="65" charset="-120"/>
-                <a:cs typeface="Times New Roman" panose="02020603050405020304" pitchFamily="18" charset="0"/>
-              </a:rPr>
-              <a:t>ResNet</a:t>
-            </a:r>
-            <a:endParaRPr lang="zh-TW" altLang="en-US" dirty="0">
-              <a:latin typeface="Times New Roman" panose="02020603050405020304" pitchFamily="18" charset="0"/>
-              <a:ea typeface="標楷體" panose="03000509000000000000" pitchFamily="65" charset="-120"/>
-              <a:cs typeface="Times New Roman" panose="02020603050405020304" pitchFamily="18" charset="0"/>
-            </a:endParaRPr>
-          </a:p>
-        </p:txBody>
-      </p:sp>
-      <mc:AlternateContent xmlns:mc="http://schemas.openxmlformats.org/markup-compatibility/2006">
-        <mc:Choice xmlns:a14="http://schemas.microsoft.com/office/drawing/2010/main" Requires="a14">
+      <mc:AlternateContent xmlns:mc="http://schemas.openxmlformats.org/markup-compatibility/2006" xmlns:a14="http://schemas.microsoft.com/office/drawing/2010/main">
+        <mc:Choice Requires="a14">
           <p:sp>
             <p:nvSpPr>
               <p:cNvPr id="3" name="內容版面配置區 2">
@@ -14825,7 +17229,7 @@
             </p:txBody>
           </p:sp>
         </mc:Choice>
-        <mc:Fallback>
+        <mc:Fallback xmlns="">
           <p:sp>
             <p:nvSpPr>
               <p:cNvPr id="3" name="內容版面配置區 2">
@@ -14896,7 +17300,7 @@
                 <a:ea typeface="標楷體" panose="03000509000000000000" pitchFamily="65" charset="-120"/>
                 <a:cs typeface="Times New Roman" panose="02020603050405020304" pitchFamily="18" charset="0"/>
               </a:rPr>
-              <a:t>15</a:t>
+              <a:t>14</a:t>
             </a:fld>
             <a:endParaRPr lang="zh-TW" altLang="en-US">
               <a:latin typeface="Times New Roman" panose="02020603050405020304" pitchFamily="18" charset="0"/>
@@ -14949,7 +17353,7 @@
 </p:sld>
 </file>
 
-<file path=ppt/slides/slide16.xml><?xml version="1.0" encoding="utf-8"?>
+<file path=ppt/slides/slide15.xml><?xml version="1.0" encoding="utf-8"?>
 <p:sld xmlns:a="http://schemas.openxmlformats.org/drawingml/2006/main" xmlns:r="http://schemas.openxmlformats.org/officeDocument/2006/relationships" xmlns:p="http://schemas.openxmlformats.org/presentationml/2006/main">
   <p:cSld>
     <p:spTree>
@@ -15091,7 +17495,7 @@
                 <a:ea typeface="標楷體" panose="03000509000000000000" pitchFamily="65" charset="-120"/>
                 <a:cs typeface="Times New Roman" panose="02020603050405020304" pitchFamily="18" charset="0"/>
               </a:rPr>
-              <a:t>16</a:t>
+              <a:t>15</a:t>
             </a:fld>
             <a:endParaRPr lang="zh-TW" altLang="en-US">
               <a:latin typeface="Times New Roman" panose="02020603050405020304" pitchFamily="18" charset="0"/>
@@ -15144,7 +17548,7 @@
 </p:sld>
 </file>
 
-<file path=ppt/slides/slide17.xml><?xml version="1.0" encoding="utf-8"?>
+<file path=ppt/slides/slide16.xml><?xml version="1.0" encoding="utf-8"?>
 <p:sld xmlns:a="http://schemas.openxmlformats.org/drawingml/2006/main" xmlns:r="http://schemas.openxmlformats.org/officeDocument/2006/relationships" xmlns:p="http://schemas.openxmlformats.org/presentationml/2006/main">
   <p:cSld>
     <p:spTree>
@@ -15259,7 +17663,7 @@
             <a:fld id="{D2B5BE26-702C-4921-81E7-8AF275EDA2CC}" type="slidenum">
               <a:rPr lang="zh-TW" altLang="en-US" smtClean="0"/>
               <a:pPr/>
-              <a:t>17</a:t>
+              <a:t>16</a:t>
             </a:fld>
             <a:endParaRPr lang="zh-TW" altLang="en-US"/>
           </a:p>
@@ -15280,7 +17684,7 @@
           <p:nvPr/>
         </p:nvPicPr>
         <p:blipFill>
-          <a:blip r:embed="rId2"/>
+          <a:blip r:embed="rId3"/>
           <a:stretch>
             <a:fillRect/>
           </a:stretch>
@@ -16026,6 +18430,256 @@
 </p:sld>
 </file>
 
+<file path=ppt/slides/slide17.xml><?xml version="1.0" encoding="utf-8"?>
+<p:sld xmlns:a="http://schemas.openxmlformats.org/drawingml/2006/main" xmlns:r="http://schemas.openxmlformats.org/officeDocument/2006/relationships" xmlns:p="http://schemas.openxmlformats.org/presentationml/2006/main">
+  <p:cSld>
+    <p:spTree>
+      <p:nvGrpSpPr>
+        <p:cNvPr id="1" name=""/>
+        <p:cNvGrpSpPr/>
+        <p:nvPr/>
+      </p:nvGrpSpPr>
+      <p:grpSpPr>
+        <a:xfrm>
+          <a:off x="0" y="0"/>
+          <a:ext cx="0" cy="0"/>
+          <a:chOff x="0" y="0"/>
+          <a:chExt cx="0" cy="0"/>
+        </a:xfrm>
+      </p:grpSpPr>
+      <p:sp>
+        <p:nvSpPr>
+          <p:cNvPr id="2" name="標題 1">
+            <a:extLst>
+              <a:ext uri="{FF2B5EF4-FFF2-40B4-BE49-F238E27FC236}">
+                <a16:creationId xmlns:a16="http://schemas.microsoft.com/office/drawing/2014/main" id="{D5BD2A02-094E-4049-86CE-1F0F31F00EC4}"/>
+              </a:ext>
+            </a:extLst>
+          </p:cNvPr>
+          <p:cNvSpPr>
+            <a:spLocks noGrp="1"/>
+          </p:cNvSpPr>
+          <p:nvPr>
+            <p:ph type="title"/>
+          </p:nvPr>
+        </p:nvSpPr>
+        <p:spPr/>
+        <p:txBody>
+          <a:bodyPr/>
+          <a:lstStyle/>
+          <a:p>
+            <a:r>
+              <a:rPr lang="en-US" altLang="zh-TW" dirty="0">
+                <a:latin typeface="Times New Roman" panose="02020603050405020304" pitchFamily="18" charset="0"/>
+                <a:ea typeface="標楷體" panose="03000509000000000000" pitchFamily="65" charset="-120"/>
+                <a:cs typeface="Times New Roman" panose="02020603050405020304" pitchFamily="18" charset="0"/>
+              </a:rPr>
+              <a:t>Designed Experiment</a:t>
+            </a:r>
+            <a:r>
+              <a:rPr lang="zh-TW" altLang="en-US" dirty="0">
+                <a:latin typeface="Times New Roman" panose="02020603050405020304" pitchFamily="18" charset="0"/>
+                <a:ea typeface="標楷體" panose="03000509000000000000" pitchFamily="65" charset="-120"/>
+                <a:cs typeface="Times New Roman" panose="02020603050405020304" pitchFamily="18" charset="0"/>
+              </a:rPr>
+              <a:t> </a:t>
+            </a:r>
+            <a:r>
+              <a:rPr lang="en-US" altLang="zh-TW" dirty="0">
+                <a:latin typeface="Times New Roman" panose="02020603050405020304" pitchFamily="18" charset="0"/>
+                <a:ea typeface="標楷體" panose="03000509000000000000" pitchFamily="65" charset="-120"/>
+                <a:cs typeface="Times New Roman" panose="02020603050405020304" pitchFamily="18" charset="0"/>
+              </a:rPr>
+              <a:t>– Additional</a:t>
+            </a:r>
+            <a:endParaRPr lang="en-US" dirty="0"/>
+          </a:p>
+        </p:txBody>
+      </p:sp>
+      <p:sp>
+        <p:nvSpPr>
+          <p:cNvPr id="3" name="內容版面配置區 2">
+            <a:extLst>
+              <a:ext uri="{FF2B5EF4-FFF2-40B4-BE49-F238E27FC236}">
+                <a16:creationId xmlns:a16="http://schemas.microsoft.com/office/drawing/2014/main" id="{4729ADF7-84BC-42C9-A38C-D09E00D84A4C}"/>
+              </a:ext>
+            </a:extLst>
+          </p:cNvPr>
+          <p:cNvSpPr>
+            <a:spLocks noGrp="1"/>
+          </p:cNvSpPr>
+          <p:nvPr>
+            <p:ph idx="1"/>
+          </p:nvPr>
+        </p:nvSpPr>
+        <p:spPr>
+          <a:xfrm>
+            <a:off x="838200" y="1690689"/>
+            <a:ext cx="11140440" cy="4557712"/>
+          </a:xfrm>
+        </p:spPr>
+        <p:txBody>
+          <a:bodyPr>
+            <a:normAutofit/>
+          </a:bodyPr>
+          <a:lstStyle/>
+          <a:p>
+            <a:r>
+              <a:rPr lang="en-US" sz="2400" dirty="0"/>
+              <a:t>Individual Performance of Each Algorithm</a:t>
+            </a:r>
+          </a:p>
+          <a:p>
+            <a:pPr lvl="1"/>
+            <a:r>
+              <a:rPr lang="en-US" altLang="zh-TW" sz="2000" dirty="0"/>
+              <a:t>5-Folds CV on 2640 PAC individuals</a:t>
+            </a:r>
+          </a:p>
+          <a:p>
+            <a:pPr lvl="1"/>
+            <a:r>
+              <a:rPr lang="en-US" altLang="zh-TW" sz="2000" dirty="0"/>
+              <a:t>Use </a:t>
+            </a:r>
+            <a:r>
+              <a:rPr lang="en-US" altLang="zh-TW" sz="2000" dirty="0">
+                <a:solidFill>
+                  <a:srgbClr val="FF0000"/>
+                </a:solidFill>
+              </a:rPr>
+              <a:t>Paired t-test</a:t>
+            </a:r>
+            <a:r>
+              <a:rPr lang="en-US" altLang="zh-TW" sz="2000" dirty="0"/>
+              <a:t> to compare the performance of the algorithms</a:t>
+            </a:r>
+            <a:endParaRPr lang="en-US" sz="2000" dirty="0"/>
+          </a:p>
+          <a:p>
+            <a:r>
+              <a:rPr lang="en-US" sz="2400" dirty="0"/>
+              <a:t>Different Types of Model Combination: Linear Regression vs. Random Forest</a:t>
+            </a:r>
+          </a:p>
+          <a:p>
+            <a:pPr lvl="1"/>
+            <a:r>
+              <a:rPr lang="en-US" altLang="zh-TW" sz="2000" dirty="0"/>
+              <a:t>M</a:t>
+            </a:r>
+            <a:r>
+              <a:rPr lang="en-US" sz="2000" dirty="0"/>
+              <a:t>ean score for each individual</a:t>
+            </a:r>
+          </a:p>
+          <a:p>
+            <a:pPr lvl="1"/>
+            <a:r>
+              <a:rPr lang="en-US" altLang="zh-TW" sz="2000" dirty="0"/>
+              <a:t>M</a:t>
+            </a:r>
+            <a:r>
+              <a:rPr lang="en-US" sz="2000" dirty="0"/>
+              <a:t>edian score</a:t>
+            </a:r>
+          </a:p>
+          <a:p>
+            <a:pPr lvl="1"/>
+            <a:r>
+              <a:rPr lang="en-US" altLang="zh-TW" sz="2000" dirty="0"/>
+              <a:t>L</a:t>
+            </a:r>
+            <a:r>
+              <a:rPr lang="en-US" sz="2000" dirty="0"/>
+              <a:t>inear combination with weights estimated from </a:t>
+            </a:r>
+            <a:r>
+              <a:rPr lang="en-US" sz="2000" dirty="0">
+                <a:solidFill>
+                  <a:srgbClr val="FF0000"/>
+                </a:solidFill>
+              </a:rPr>
+              <a:t>linear regression</a:t>
+            </a:r>
+          </a:p>
+          <a:p>
+            <a:pPr lvl="1"/>
+            <a:r>
+              <a:rPr lang="en-US" altLang="zh-TW" sz="2000" dirty="0"/>
+              <a:t>S</a:t>
+            </a:r>
+            <a:r>
+              <a:rPr lang="en-US" sz="2000" dirty="0"/>
+              <a:t>cores combination from </a:t>
+            </a:r>
+            <a:r>
+              <a:rPr lang="en-US" sz="2000" dirty="0">
+                <a:solidFill>
+                  <a:srgbClr val="FF0000"/>
+                </a:solidFill>
+              </a:rPr>
+              <a:t>random forest</a:t>
+            </a:r>
+            <a:r>
+              <a:rPr lang="en-US" sz="2000" dirty="0"/>
+              <a:t> regression</a:t>
+            </a:r>
+            <a:r>
+              <a:rPr lang="zh-TW" altLang="en-US" sz="2000" dirty="0"/>
+              <a:t> </a:t>
+            </a:r>
+            <a:r>
+              <a:rPr lang="en-US" altLang="zh-TW" sz="2000" dirty="0"/>
+              <a:t>– composed of 100 trees of maximum depth 15</a:t>
+            </a:r>
+            <a:endParaRPr lang="en-US" sz="2000" dirty="0"/>
+          </a:p>
+        </p:txBody>
+      </p:sp>
+      <p:sp>
+        <p:nvSpPr>
+          <p:cNvPr id="4" name="投影片編號版面配置區 3">
+            <a:extLst>
+              <a:ext uri="{FF2B5EF4-FFF2-40B4-BE49-F238E27FC236}">
+                <a16:creationId xmlns:a16="http://schemas.microsoft.com/office/drawing/2014/main" id="{0215B297-14CB-4790-8574-A3F756E6B81C}"/>
+              </a:ext>
+            </a:extLst>
+          </p:cNvPr>
+          <p:cNvSpPr>
+            <a:spLocks noGrp="1"/>
+          </p:cNvSpPr>
+          <p:nvPr>
+            <p:ph type="sldNum" sz="quarter" idx="12"/>
+          </p:nvPr>
+        </p:nvSpPr>
+        <p:spPr/>
+        <p:txBody>
+          <a:bodyPr/>
+          <a:lstStyle/>
+          <a:p>
+            <a:fld id="{D2B5BE26-702C-4921-81E7-8AF275EDA2CC}" type="slidenum">
+              <a:rPr lang="zh-TW" altLang="en-US" smtClean="0"/>
+              <a:pPr/>
+              <a:t>17</a:t>
+            </a:fld>
+            <a:endParaRPr lang="zh-TW" altLang="en-US"/>
+          </a:p>
+        </p:txBody>
+      </p:sp>
+    </p:spTree>
+    <p:extLst>
+      <p:ext uri="{BB962C8B-B14F-4D97-AF65-F5344CB8AC3E}">
+        <p14:creationId xmlns:p14="http://schemas.microsoft.com/office/powerpoint/2010/main" val="860791272"/>
+      </p:ext>
+    </p:extLst>
+  </p:cSld>
+  <p:clrMapOvr>
+    <a:masterClrMapping/>
+  </p:clrMapOvr>
+</p:sld>
+</file>
+
 <file path=ppt/slides/slide18.xml><?xml version="1.0" encoding="utf-8"?>
 <p:sld xmlns:a="http://schemas.openxmlformats.org/drawingml/2006/main" xmlns:r="http://schemas.openxmlformats.org/officeDocument/2006/relationships" xmlns:p="http://schemas.openxmlformats.org/presentationml/2006/main">
   <p:cSld>
@@ -16048,7 +18702,7 @@
           <p:cNvPr id="2" name="標題 1">
             <a:extLst>
               <a:ext uri="{FF2B5EF4-FFF2-40B4-BE49-F238E27FC236}">
-                <a16:creationId xmlns:a16="http://schemas.microsoft.com/office/drawing/2014/main" id="{7DC51965-3B55-4A2C-8171-E572382DD444}"/>
+                <a16:creationId xmlns:a16="http://schemas.microsoft.com/office/drawing/2014/main" id="{D5BD2A02-094E-4049-86CE-1F0F31F00EC4}"/>
               </a:ext>
             </a:extLst>
           </p:cNvPr>
@@ -16070,165 +18724,75 @@
                 <a:ea typeface="標楷體" panose="03000509000000000000" pitchFamily="65" charset="-120"/>
                 <a:cs typeface="Times New Roman" panose="02020603050405020304" pitchFamily="18" charset="0"/>
               </a:rPr>
-              <a:t>Results and Comparisons – Validation set</a:t>
-            </a:r>
-            <a:endParaRPr lang="zh-TW" altLang="en-US" dirty="0">
-              <a:latin typeface="Times New Roman" panose="02020603050405020304" pitchFamily="18" charset="0"/>
-              <a:ea typeface="標楷體" panose="03000509000000000000" pitchFamily="65" charset="-120"/>
-              <a:cs typeface="Times New Roman" panose="02020603050405020304" pitchFamily="18" charset="0"/>
-            </a:endParaRPr>
+              <a:t>Designed Experiment</a:t>
+            </a:r>
+            <a:r>
+              <a:rPr lang="zh-TW" altLang="en-US" dirty="0">
+                <a:latin typeface="Times New Roman" panose="02020603050405020304" pitchFamily="18" charset="0"/>
+                <a:ea typeface="標楷體" panose="03000509000000000000" pitchFamily="65" charset="-120"/>
+                <a:cs typeface="Times New Roman" panose="02020603050405020304" pitchFamily="18" charset="0"/>
+              </a:rPr>
+              <a:t> </a:t>
+            </a:r>
+            <a:r>
+              <a:rPr lang="en-US" altLang="zh-TW" dirty="0">
+                <a:latin typeface="Times New Roman" panose="02020603050405020304" pitchFamily="18" charset="0"/>
+                <a:ea typeface="標楷體" panose="03000509000000000000" pitchFamily="65" charset="-120"/>
+                <a:cs typeface="Times New Roman" panose="02020603050405020304" pitchFamily="18" charset="0"/>
+              </a:rPr>
+              <a:t>– Additional</a:t>
+            </a:r>
+            <a:endParaRPr lang="en-US" dirty="0"/>
           </a:p>
         </p:txBody>
       </p:sp>
-      <mc:AlternateContent xmlns:mc="http://schemas.openxmlformats.org/markup-compatibility/2006">
-        <mc:Choice xmlns:a14="http://schemas.microsoft.com/office/drawing/2010/main" Requires="a14">
-          <p:sp>
-            <p:nvSpPr>
-              <p:cNvPr id="6" name="內容版面配置區 5">
-                <a:extLst>
-                  <a:ext uri="{FF2B5EF4-FFF2-40B4-BE49-F238E27FC236}">
-                    <a16:creationId xmlns:a16="http://schemas.microsoft.com/office/drawing/2014/main" id="{E29171C1-823F-445B-AF2D-9326427009CD}"/>
-                  </a:ext>
-                </a:extLst>
-              </p:cNvPr>
-              <p:cNvSpPr>
-                <a:spLocks noGrp="1"/>
-              </p:cNvSpPr>
-              <p:nvPr>
-                <p:ph idx="1"/>
-              </p:nvPr>
-            </p:nvSpPr>
-            <p:spPr/>
-            <p:txBody>
-              <a:bodyPr>
-                <a:normAutofit/>
-              </a:bodyPr>
-              <a:lstStyle/>
-              <a:p>
-                <a:r>
-                  <a:rPr lang="en-US" altLang="zh-TW" sz="2400" dirty="0">
-                    <a:latin typeface="Times New Roman" panose="02020603050405020304" pitchFamily="18" charset="0"/>
-                    <a:ea typeface="標楷體" panose="03000509000000000000" pitchFamily="65" charset="-120"/>
-                    <a:cs typeface="Times New Roman" panose="02020603050405020304" pitchFamily="18" charset="0"/>
-                  </a:rPr>
-                  <a:t>Mean absolute error (standard error) / Spearman correlation coefficient </a:t>
-                </a:r>
-                <a:r>
-                  <a:rPr lang="el-GR" altLang="zh-TW" sz="2400" dirty="0">
-                    <a:latin typeface="Times New Roman" panose="02020603050405020304" pitchFamily="18" charset="0"/>
-                    <a:ea typeface="標楷體" panose="03000509000000000000" pitchFamily="65" charset="-120"/>
-                    <a:cs typeface="Times New Roman" panose="02020603050405020304" pitchFamily="18" charset="0"/>
-                  </a:rPr>
-                  <a:t>ρ</a:t>
-                </a:r>
-                <a:endParaRPr lang="en-US" altLang="zh-TW" sz="2400" dirty="0">
-                  <a:latin typeface="Times New Roman" panose="02020603050405020304" pitchFamily="18" charset="0"/>
-                  <a:ea typeface="標楷體" panose="03000509000000000000" pitchFamily="65" charset="-120"/>
-                  <a:cs typeface="Times New Roman" panose="02020603050405020304" pitchFamily="18" charset="0"/>
-                </a:endParaRPr>
-              </a:p>
-              <a:p>
-                <a14:m>
-                  <m:oMath xmlns:m="http://schemas.openxmlformats.org/officeDocument/2006/math">
-                    <m:r>
-                      <a:rPr lang="en-US" sz="2400" b="0" i="1" smtClean="0">
-                        <a:latin typeface="Cambria Math" panose="02040503050406030204" pitchFamily="18" charset="0"/>
-                      </a:rPr>
-                      <m:t>𝑆𝐸</m:t>
-                    </m:r>
-                    <m:r>
-                      <a:rPr lang="en-US" sz="2400" b="0" i="1" smtClean="0">
-                        <a:latin typeface="Cambria Math" panose="02040503050406030204" pitchFamily="18" charset="0"/>
-                      </a:rPr>
-                      <m:t>=</m:t>
-                    </m:r>
-                    <m:r>
-                      <a:rPr lang="en-US" sz="2400" b="0" i="1" smtClean="0">
-                        <a:latin typeface="Cambria Math" panose="02040503050406030204" pitchFamily="18" charset="0"/>
-                      </a:rPr>
-                      <m:t>𝑆𝐷</m:t>
-                    </m:r>
-                    <m:r>
-                      <a:rPr lang="en-US" sz="2400" b="0" i="1" smtClean="0">
-                        <a:latin typeface="Cambria Math" panose="02040503050406030204" pitchFamily="18" charset="0"/>
-                      </a:rPr>
-                      <m:t>/</m:t>
-                    </m:r>
-                    <m:rad>
-                      <m:radPr>
-                        <m:degHide m:val="on"/>
-                        <m:ctrlPr>
-                          <a:rPr lang="en-US" sz="2400" b="0" i="1" smtClean="0">
-                            <a:latin typeface="Cambria Math" panose="02040503050406030204" pitchFamily="18" charset="0"/>
-                          </a:rPr>
-                        </m:ctrlPr>
-                      </m:radPr>
-                      <m:deg/>
-                      <m:e>
-                        <m:r>
-                          <a:rPr lang="en-US" sz="2400" b="0" i="1" smtClean="0">
-                            <a:latin typeface="Cambria Math" panose="02040503050406030204" pitchFamily="18" charset="0"/>
-                          </a:rPr>
-                          <m:t>𝑁</m:t>
-                        </m:r>
-                      </m:e>
-                    </m:rad>
-                  </m:oMath>
-                </a14:m>
-                <a:r>
-                  <a:rPr lang="en-US" sz="2400" dirty="0"/>
-                  <a:t> reflects the uncertainty around the MAE estimate</a:t>
-                </a:r>
-              </a:p>
-            </p:txBody>
-          </p:sp>
-        </mc:Choice>
-        <mc:Fallback>
-          <p:sp>
-            <p:nvSpPr>
-              <p:cNvPr id="6" name="內容版面配置區 5">
-                <a:extLst>
-                  <a:ext uri="{FF2B5EF4-FFF2-40B4-BE49-F238E27FC236}">
-                    <a16:creationId xmlns:a16="http://schemas.microsoft.com/office/drawing/2014/main" id="{E29171C1-823F-445B-AF2D-9326427009CD}"/>
-                  </a:ext>
-                </a:extLst>
-              </p:cNvPr>
-              <p:cNvSpPr>
-                <a:spLocks noGrp="1" noRot="1" noChangeAspect="1" noMove="1" noResize="1" noEditPoints="1" noAdjustHandles="1" noChangeArrowheads="1" noChangeShapeType="1" noTextEdit="1"/>
-              </p:cNvSpPr>
-              <p:nvPr>
-                <p:ph idx="1"/>
-              </p:nvPr>
-            </p:nvSpPr>
-            <p:spPr>
-              <a:blipFill>
-                <a:blip r:embed="rId3"/>
-                <a:stretch>
-                  <a:fillRect l="-812"/>
-                </a:stretch>
-              </a:blipFill>
-            </p:spPr>
-            <p:txBody>
-              <a:bodyPr/>
-              <a:lstStyle/>
-              <a:p>
-                <a:r>
-                  <a:rPr lang="en-US">
-                    <a:noFill/>
-                  </a:rPr>
-                  <a:t> </a:t>
-                </a:r>
-              </a:p>
-            </p:txBody>
-          </p:sp>
-        </mc:Fallback>
-      </mc:AlternateContent>
       <p:sp>
         <p:nvSpPr>
-          <p:cNvPr id="5" name="投影片編號版面配置區 4">
+          <p:cNvPr id="3" name="內容版面配置區 2">
             <a:extLst>
               <a:ext uri="{FF2B5EF4-FFF2-40B4-BE49-F238E27FC236}">
-                <a16:creationId xmlns:a16="http://schemas.microsoft.com/office/drawing/2014/main" id="{6FDB81DD-25D0-4B7D-85DA-019476717276}"/>
+                <a16:creationId xmlns:a16="http://schemas.microsoft.com/office/drawing/2014/main" id="{4729ADF7-84BC-42C9-A38C-D09E00D84A4C}"/>
+              </a:ext>
+            </a:extLst>
+          </p:cNvPr>
+          <p:cNvSpPr>
+            <a:spLocks noGrp="1"/>
+          </p:cNvSpPr>
+          <p:nvPr>
+            <p:ph idx="1"/>
+          </p:nvPr>
+        </p:nvSpPr>
+        <p:spPr>
+          <a:xfrm>
+            <a:off x="838200" y="1690689"/>
+            <a:ext cx="10302240" cy="4557712"/>
+          </a:xfrm>
+        </p:spPr>
+        <p:txBody>
+          <a:bodyPr>
+            <a:normAutofit/>
+          </a:bodyPr>
+          <a:lstStyle/>
+          <a:p>
+            <a:r>
+              <a:rPr lang="en-US" sz="2400" dirty="0"/>
+              <a:t>Influence of the Type of Brain Features on Prediction Accuracy</a:t>
+            </a:r>
+          </a:p>
+          <a:p>
+            <a:r>
+              <a:rPr lang="en-US" sz="2400" dirty="0"/>
+              <a:t>Sex, Age, and Site Bias</a:t>
+            </a:r>
+          </a:p>
+        </p:txBody>
+      </p:sp>
+      <p:sp>
+        <p:nvSpPr>
+          <p:cNvPr id="4" name="投影片編號版面配置區 3">
+            <a:extLst>
+              <a:ext uri="{FF2B5EF4-FFF2-40B4-BE49-F238E27FC236}">
+                <a16:creationId xmlns:a16="http://schemas.microsoft.com/office/drawing/2014/main" id="{0215B297-14CB-4790-8574-A3F756E6B81C}"/>
               </a:ext>
             </a:extLst>
           </p:cNvPr>
@@ -16245,55 +18809,18 @@
           <a:lstStyle/>
           <a:p>
             <a:fld id="{D2B5BE26-702C-4921-81E7-8AF275EDA2CC}" type="slidenum">
-              <a:rPr lang="zh-TW" altLang="en-US" smtClean="0">
-                <a:latin typeface="Times New Roman" panose="02020603050405020304" pitchFamily="18" charset="0"/>
-                <a:ea typeface="標楷體" panose="03000509000000000000" pitchFamily="65" charset="-120"/>
-                <a:cs typeface="Times New Roman" panose="02020603050405020304" pitchFamily="18" charset="0"/>
-              </a:rPr>
+              <a:rPr lang="zh-TW" altLang="en-US" smtClean="0"/>
+              <a:pPr/>
               <a:t>18</a:t>
             </a:fld>
-            <a:endParaRPr lang="zh-TW" altLang="en-US">
-              <a:latin typeface="Times New Roman" panose="02020603050405020304" pitchFamily="18" charset="0"/>
-              <a:ea typeface="標楷體" panose="03000509000000000000" pitchFamily="65" charset="-120"/>
-              <a:cs typeface="Times New Roman" panose="02020603050405020304" pitchFamily="18" charset="0"/>
-            </a:endParaRPr>
+            <a:endParaRPr lang="zh-TW" altLang="en-US"/>
           </a:p>
         </p:txBody>
       </p:sp>
-      <p:pic>
-        <p:nvPicPr>
-          <p:cNvPr id="4" name="圖片 3">
-            <a:extLst>
-              <a:ext uri="{FF2B5EF4-FFF2-40B4-BE49-F238E27FC236}">
-                <a16:creationId xmlns:a16="http://schemas.microsoft.com/office/drawing/2014/main" id="{F94A530B-8254-414E-9559-B4FF0312A407}"/>
-              </a:ext>
-            </a:extLst>
-          </p:cNvPr>
-          <p:cNvPicPr>
-            <a:picLocks noChangeAspect="1"/>
-          </p:cNvPicPr>
-          <p:nvPr/>
-        </p:nvPicPr>
-        <p:blipFill>
-          <a:blip r:embed="rId4"/>
-          <a:stretch>
-            <a:fillRect/>
-          </a:stretch>
-        </p:blipFill>
-        <p:spPr>
-          <a:xfrm>
-            <a:off x="502920" y="3876647"/>
-            <a:ext cx="10972800" cy="2435253"/>
-          </a:xfrm>
-          <a:prstGeom prst="rect">
-            <a:avLst/>
-          </a:prstGeom>
-        </p:spPr>
-      </p:pic>
     </p:spTree>
     <p:extLst>
       <p:ext uri="{BB962C8B-B14F-4D97-AF65-F5344CB8AC3E}">
-        <p14:creationId xmlns:p14="http://schemas.microsoft.com/office/powerpoint/2010/main" val="2326381744"/>
+        <p14:creationId xmlns:p14="http://schemas.microsoft.com/office/powerpoint/2010/main" val="4114940155"/>
       </p:ext>
     </p:extLst>
   </p:cSld>
@@ -16347,7 +18874,7 @@
                 <a:ea typeface="標楷體" panose="03000509000000000000" pitchFamily="65" charset="-120"/>
                 <a:cs typeface="Times New Roman" panose="02020603050405020304" pitchFamily="18" charset="0"/>
               </a:rPr>
-              <a:t>Analysis and Discussion</a:t>
+              <a:t>Results &amp; Comparisons – Validation Set</a:t>
             </a:r>
             <a:endParaRPr lang="zh-TW" altLang="en-US" dirty="0">
               <a:latin typeface="Times New Roman" panose="02020603050405020304" pitchFamily="18" charset="0"/>
@@ -16357,42 +18884,184 @@
           </a:p>
         </p:txBody>
       </p:sp>
-      <p:sp>
-        <p:nvSpPr>
-          <p:cNvPr id="3" name="內容版面配置區 2">
-            <a:extLst>
-              <a:ext uri="{FF2B5EF4-FFF2-40B4-BE49-F238E27FC236}">
-                <a16:creationId xmlns:a16="http://schemas.microsoft.com/office/drawing/2014/main" id="{7E658B3D-20B6-435E-B15B-C0553C4AE19F}"/>
-              </a:ext>
-            </a:extLst>
-          </p:cNvPr>
-          <p:cNvSpPr>
-            <a:spLocks noGrp="1"/>
-          </p:cNvSpPr>
-          <p:nvPr>
-            <p:ph idx="1"/>
-          </p:nvPr>
-        </p:nvSpPr>
-        <p:spPr>
-          <a:xfrm>
-            <a:off x="838200" y="1690688"/>
-            <a:ext cx="10515600" cy="4486275"/>
-          </a:xfrm>
-        </p:spPr>
-        <p:txBody>
-          <a:bodyPr>
-            <a:normAutofit/>
-          </a:bodyPr>
-          <a:lstStyle/>
-          <a:p>
-            <a:endParaRPr lang="en-US" altLang="zh-TW" sz="2400" dirty="0">
-              <a:latin typeface="Times New Roman" panose="02020603050405020304" pitchFamily="18" charset="0"/>
-              <a:ea typeface="標楷體" panose="03000509000000000000" pitchFamily="65" charset="-120"/>
-              <a:cs typeface="Times New Roman" panose="02020603050405020304" pitchFamily="18" charset="0"/>
-            </a:endParaRPr>
-          </a:p>
-        </p:txBody>
-      </p:sp>
+      <mc:AlternateContent xmlns:mc="http://schemas.openxmlformats.org/markup-compatibility/2006" xmlns:a14="http://schemas.microsoft.com/office/drawing/2010/main">
+        <mc:Choice Requires="a14">
+          <p:sp>
+            <p:nvSpPr>
+              <p:cNvPr id="6" name="內容版面配置區 5">
+                <a:extLst>
+                  <a:ext uri="{FF2B5EF4-FFF2-40B4-BE49-F238E27FC236}">
+                    <a16:creationId xmlns:a16="http://schemas.microsoft.com/office/drawing/2014/main" id="{E29171C1-823F-445B-AF2D-9326427009CD}"/>
+                  </a:ext>
+                </a:extLst>
+              </p:cNvPr>
+              <p:cNvSpPr>
+                <a:spLocks noGrp="1"/>
+              </p:cNvSpPr>
+              <p:nvPr>
+                <p:ph idx="1"/>
+              </p:nvPr>
+            </p:nvSpPr>
+            <p:spPr>
+              <a:xfrm>
+                <a:off x="838200" y="1825625"/>
+                <a:ext cx="10515600" cy="2095472"/>
+              </a:xfrm>
+            </p:spPr>
+            <p:txBody>
+              <a:bodyPr>
+                <a:normAutofit/>
+              </a:bodyPr>
+              <a:lstStyle/>
+              <a:p>
+                <a:r>
+                  <a:rPr lang="en-US" altLang="zh-TW" sz="2000" dirty="0">
+                    <a:latin typeface="Times New Roman" panose="02020603050405020304" pitchFamily="18" charset="0"/>
+                    <a:ea typeface="標楷體" panose="03000509000000000000" pitchFamily="65" charset="-120"/>
+                    <a:cs typeface="Times New Roman" panose="02020603050405020304" pitchFamily="18" charset="0"/>
+                  </a:rPr>
+                  <a:t>Challenge 1: Minimizing the MAE</a:t>
+                </a:r>
+                <a:r>
+                  <a:rPr lang="zh-TW" altLang="en-US" sz="2000" dirty="0">
+                    <a:latin typeface="Times New Roman" panose="02020603050405020304" pitchFamily="18" charset="0"/>
+                    <a:ea typeface="標楷體" panose="03000509000000000000" pitchFamily="65" charset="-120"/>
+                    <a:cs typeface="Times New Roman" panose="02020603050405020304" pitchFamily="18" charset="0"/>
+                  </a:rPr>
+                  <a:t> </a:t>
+                </a:r>
+                <a:r>
+                  <a:rPr lang="en-US" altLang="zh-TW" sz="2000" dirty="0">
+                    <a:latin typeface="Times New Roman" panose="02020603050405020304" pitchFamily="18" charset="0"/>
+                    <a:ea typeface="標楷體" panose="03000509000000000000" pitchFamily="65" charset="-120"/>
+                    <a:cs typeface="Times New Roman" panose="02020603050405020304" pitchFamily="18" charset="0"/>
+                  </a:rPr>
+                  <a:t>/ Challenge 2: Rescaled prediction</a:t>
+                </a:r>
+              </a:p>
+              <a:p>
+                <a:r>
+                  <a:rPr lang="en-US" altLang="zh-TW" sz="2000" dirty="0">
+                    <a:latin typeface="Times New Roman" panose="02020603050405020304" pitchFamily="18" charset="0"/>
+                    <a:ea typeface="標楷體" panose="03000509000000000000" pitchFamily="65" charset="-120"/>
+                    <a:cs typeface="Times New Roman" panose="02020603050405020304" pitchFamily="18" charset="0"/>
+                  </a:rPr>
+                  <a:t>Mean absolute error (standard error) / Spearman correlation coefficient </a:t>
+                </a:r>
+                <a:r>
+                  <a:rPr lang="el-GR" altLang="zh-TW" sz="2000" dirty="0">
+                    <a:latin typeface="Times New Roman" panose="02020603050405020304" pitchFamily="18" charset="0"/>
+                    <a:ea typeface="標楷體" panose="03000509000000000000" pitchFamily="65" charset="-120"/>
+                    <a:cs typeface="Times New Roman" panose="02020603050405020304" pitchFamily="18" charset="0"/>
+                  </a:rPr>
+                  <a:t>ρ</a:t>
+                </a:r>
+                <a:endParaRPr lang="en-US" altLang="zh-TW" sz="2000" dirty="0">
+                  <a:latin typeface="Times New Roman" panose="02020603050405020304" pitchFamily="18" charset="0"/>
+                  <a:ea typeface="標楷體" panose="03000509000000000000" pitchFamily="65" charset="-120"/>
+                  <a:cs typeface="Times New Roman" panose="02020603050405020304" pitchFamily="18" charset="0"/>
+                </a:endParaRPr>
+              </a:p>
+              <a:p>
+                <a14:m>
+                  <m:oMath xmlns:m="http://schemas.openxmlformats.org/officeDocument/2006/math">
+                    <m:r>
+                      <a:rPr lang="en-US" sz="2000" b="0" i="1" smtClean="0">
+                        <a:latin typeface="Cambria Math" panose="02040503050406030204" pitchFamily="18" charset="0"/>
+                      </a:rPr>
+                      <m:t>𝑆𝐸</m:t>
+                    </m:r>
+                    <m:r>
+                      <a:rPr lang="en-US" sz="2000" b="0" i="1" smtClean="0">
+                        <a:latin typeface="Cambria Math" panose="02040503050406030204" pitchFamily="18" charset="0"/>
+                      </a:rPr>
+                      <m:t>=</m:t>
+                    </m:r>
+                    <m:r>
+                      <a:rPr lang="en-US" sz="2000" b="0" i="1" smtClean="0">
+                        <a:latin typeface="Cambria Math" panose="02040503050406030204" pitchFamily="18" charset="0"/>
+                      </a:rPr>
+                      <m:t>𝑆𝐷</m:t>
+                    </m:r>
+                    <m:r>
+                      <a:rPr lang="en-US" sz="2000" b="0" i="1" smtClean="0">
+                        <a:latin typeface="Cambria Math" panose="02040503050406030204" pitchFamily="18" charset="0"/>
+                      </a:rPr>
+                      <m:t>/</m:t>
+                    </m:r>
+                    <m:rad>
+                      <m:radPr>
+                        <m:degHide m:val="on"/>
+                        <m:ctrlPr>
+                          <a:rPr lang="en-US" sz="2000" b="0" i="1" smtClean="0">
+                            <a:latin typeface="Cambria Math" panose="02040503050406030204" pitchFamily="18" charset="0"/>
+                          </a:rPr>
+                        </m:ctrlPr>
+                      </m:radPr>
+                      <m:deg/>
+                      <m:e>
+                        <m:r>
+                          <a:rPr lang="en-US" sz="2000" b="0" i="1" smtClean="0">
+                            <a:latin typeface="Cambria Math" panose="02040503050406030204" pitchFamily="18" charset="0"/>
+                          </a:rPr>
+                          <m:t>𝑁</m:t>
+                        </m:r>
+                      </m:e>
+                    </m:rad>
+                  </m:oMath>
+                </a14:m>
+                <a:r>
+                  <a:rPr lang="en-US" sz="2000" dirty="0"/>
+                  <a:t> reflects the uncertainty around the MAE estimate</a:t>
+                </a:r>
+              </a:p>
+            </p:txBody>
+          </p:sp>
+        </mc:Choice>
+        <mc:Fallback xmlns="">
+          <p:sp>
+            <p:nvSpPr>
+              <p:cNvPr id="6" name="內容版面配置區 5">
+                <a:extLst>
+                  <a:ext uri="{FF2B5EF4-FFF2-40B4-BE49-F238E27FC236}">
+                    <a16:creationId xmlns:a16="http://schemas.microsoft.com/office/drawing/2014/main" id="{E29171C1-823F-445B-AF2D-9326427009CD}"/>
+                  </a:ext>
+                </a:extLst>
+              </p:cNvPr>
+              <p:cNvSpPr>
+                <a:spLocks noGrp="1" noRot="1" noChangeAspect="1" noMove="1" noResize="1" noEditPoints="1" noAdjustHandles="1" noChangeArrowheads="1" noChangeShapeType="1" noTextEdit="1"/>
+              </p:cNvSpPr>
+              <p:nvPr>
+                <p:ph idx="1"/>
+              </p:nvPr>
+            </p:nvSpPr>
+            <p:spPr>
+              <a:xfrm>
+                <a:off x="838200" y="1825625"/>
+                <a:ext cx="10515600" cy="2095472"/>
+              </a:xfrm>
+              <a:blipFill>
+                <a:blip r:embed="rId3"/>
+                <a:stretch>
+                  <a:fillRect l="-522"/>
+                </a:stretch>
+              </a:blipFill>
+            </p:spPr>
+            <p:txBody>
+              <a:bodyPr/>
+              <a:lstStyle/>
+              <a:p>
+                <a:r>
+                  <a:rPr lang="en-US">
+                    <a:noFill/>
+                  </a:rPr>
+                  <a:t> </a:t>
+                </a:r>
+              </a:p>
+            </p:txBody>
+          </p:sp>
+        </mc:Fallback>
+      </mc:AlternateContent>
       <p:sp>
         <p:nvSpPr>
           <p:cNvPr id="5" name="投影片編號版面配置區 4">
@@ -16430,10 +19099,40 @@
           </a:p>
         </p:txBody>
       </p:sp>
+      <p:pic>
+        <p:nvPicPr>
+          <p:cNvPr id="4" name="圖片 3">
+            <a:extLst>
+              <a:ext uri="{FF2B5EF4-FFF2-40B4-BE49-F238E27FC236}">
+                <a16:creationId xmlns:a16="http://schemas.microsoft.com/office/drawing/2014/main" id="{F94A530B-8254-414E-9559-B4FF0312A407}"/>
+              </a:ext>
+            </a:extLst>
+          </p:cNvPr>
+          <p:cNvPicPr>
+            <a:picLocks noChangeAspect="1"/>
+          </p:cNvPicPr>
+          <p:nvPr/>
+        </p:nvPicPr>
+        <p:blipFill>
+          <a:blip r:embed="rId4"/>
+          <a:stretch>
+            <a:fillRect/>
+          </a:stretch>
+        </p:blipFill>
+        <p:spPr>
+          <a:xfrm>
+            <a:off x="609600" y="3921097"/>
+            <a:ext cx="10972800" cy="2435253"/>
+          </a:xfrm>
+          <a:prstGeom prst="rect">
+            <a:avLst/>
+          </a:prstGeom>
+        </p:spPr>
+      </p:pic>
     </p:spTree>
     <p:extLst>
       <p:ext uri="{BB962C8B-B14F-4D97-AF65-F5344CB8AC3E}">
-        <p14:creationId xmlns:p14="http://schemas.microsoft.com/office/powerpoint/2010/main" val="301353381"/>
+        <p14:creationId xmlns:p14="http://schemas.microsoft.com/office/powerpoint/2010/main" val="2326381744"/>
       </p:ext>
     </p:extLst>
   </p:cSld>
@@ -16506,13 +19205,13 @@
         </p:nvSpPr>
         <p:spPr>
           <a:xfrm>
-            <a:off x="838200" y="1879412"/>
-            <a:ext cx="10515600" cy="4978587"/>
+            <a:off x="838200" y="1676400"/>
+            <a:ext cx="10515600" cy="5045075"/>
           </a:xfrm>
         </p:spPr>
         <p:txBody>
           <a:bodyPr>
-            <a:normAutofit fontScale="70000" lnSpcReduction="20000"/>
+            <a:normAutofit lnSpcReduction="10000"/>
           </a:bodyPr>
           <a:lstStyle/>
           <a:p>
@@ -16528,7 +19227,7 @@
                 <a:ea typeface="標楷體" panose="03000509000000000000" pitchFamily="65" charset="-120"/>
                 <a:cs typeface="Times New Roman" panose="02020603050405020304" pitchFamily="18" charset="0"/>
               </a:rPr>
-              <a:t>Problem Statement</a:t>
+              <a:t>Hypothesis</a:t>
             </a:r>
           </a:p>
           <a:p>
@@ -16548,7 +19247,7 @@
                 <a:ea typeface="標楷體" panose="03000509000000000000" pitchFamily="65" charset="-120"/>
                 <a:cs typeface="Times New Roman" panose="02020603050405020304" pitchFamily="18" charset="0"/>
               </a:rPr>
-              <a:t>Hypothesis</a:t>
+              <a:t>Proposed Methods</a:t>
             </a:r>
           </a:p>
           <a:p>
@@ -16571,25 +19270,7 @@
                 <a:ea typeface="標楷體" panose="03000509000000000000" pitchFamily="65" charset="-120"/>
                 <a:cs typeface="Times New Roman" panose="02020603050405020304" pitchFamily="18" charset="0"/>
               </a:rPr>
-              <a:t>Proposed Methods</a:t>
-            </a:r>
-          </a:p>
-          <a:p>
-            <a:r>
-              <a:rPr lang="en-US" altLang="zh-TW" dirty="0">
-                <a:latin typeface="Times New Roman" panose="02020603050405020304" pitchFamily="18" charset="0"/>
-                <a:ea typeface="標楷體" panose="03000509000000000000" pitchFamily="65" charset="-120"/>
-                <a:cs typeface="Times New Roman" panose="02020603050405020304" pitchFamily="18" charset="0"/>
-              </a:rPr>
               <a:t>Results and Comparisons</a:t>
-            </a:r>
-          </a:p>
-          <a:p>
-            <a:r>
-              <a:rPr lang="en-US" dirty="0">
-                <a:cs typeface="Times New Roman" panose="02020603050405020304" pitchFamily="18" charset="0"/>
-              </a:rPr>
-              <a:t>Analysis and Discussion</a:t>
             </a:r>
           </a:p>
           <a:p>
@@ -16689,7 +19370,1344 @@
                 <a:ea typeface="標楷體" panose="03000509000000000000" pitchFamily="65" charset="-120"/>
                 <a:cs typeface="Times New Roman" panose="02020603050405020304" pitchFamily="18" charset="0"/>
               </a:rPr>
-              <a:t>Conclusion</a:t>
+              <a:t>Results &amp; Comparisons – Validation Set</a:t>
+            </a:r>
+            <a:endParaRPr lang="zh-TW" altLang="en-US" dirty="0">
+              <a:latin typeface="Times New Roman" panose="02020603050405020304" pitchFamily="18" charset="0"/>
+              <a:ea typeface="標楷體" panose="03000509000000000000" pitchFamily="65" charset="-120"/>
+              <a:cs typeface="Times New Roman" panose="02020603050405020304" pitchFamily="18" charset="0"/>
+            </a:endParaRPr>
+          </a:p>
+        </p:txBody>
+      </p:sp>
+      <p:sp>
+        <p:nvSpPr>
+          <p:cNvPr id="6" name="內容版面配置區 5">
+            <a:extLst>
+              <a:ext uri="{FF2B5EF4-FFF2-40B4-BE49-F238E27FC236}">
+                <a16:creationId xmlns:a16="http://schemas.microsoft.com/office/drawing/2014/main" id="{E29171C1-823F-445B-AF2D-9326427009CD}"/>
+              </a:ext>
+            </a:extLst>
+          </p:cNvPr>
+          <p:cNvSpPr>
+            <a:spLocks noGrp="1"/>
+          </p:cNvSpPr>
+          <p:nvPr>
+            <p:ph idx="1"/>
+          </p:nvPr>
+        </p:nvSpPr>
+        <p:spPr>
+          <a:xfrm>
+            <a:off x="838200" y="1825625"/>
+            <a:ext cx="10515600" cy="2095472"/>
+          </a:xfrm>
+        </p:spPr>
+        <p:txBody>
+          <a:bodyPr>
+            <a:normAutofit fontScale="92500" lnSpcReduction="10000"/>
+          </a:bodyPr>
+          <a:lstStyle/>
+          <a:p>
+            <a:r>
+              <a:rPr lang="en-US" sz="2000" dirty="0"/>
+              <a:t>Challenge 1: Paired t-test between deep learning algorithm and  BLUP/SVM(p&lt;3.1e-4)</a:t>
+            </a:r>
+          </a:p>
+          <a:p>
+            <a:r>
+              <a:rPr lang="en-US" sz="2000" dirty="0"/>
+              <a:t>Paired t-test between deep learning algorithm has not significant difference(p&gt;0.027)</a:t>
+            </a:r>
+          </a:p>
+          <a:p>
+            <a:r>
+              <a:rPr lang="en-US" sz="2000" dirty="0"/>
+              <a:t>Ensemble Learning has significant difference(p=1.3e-4)</a:t>
+            </a:r>
+          </a:p>
+          <a:p>
+            <a:r>
+              <a:rPr lang="en-US" sz="2000" dirty="0"/>
+              <a:t>Challenge 2: Paired t-test between ensemble learning and Inception(p=0.010)</a:t>
+            </a:r>
+          </a:p>
+          <a:p>
+            <a:endParaRPr lang="en-US" sz="2000" dirty="0"/>
+          </a:p>
+        </p:txBody>
+      </p:sp>
+      <p:sp>
+        <p:nvSpPr>
+          <p:cNvPr id="5" name="投影片編號版面配置區 4">
+            <a:extLst>
+              <a:ext uri="{FF2B5EF4-FFF2-40B4-BE49-F238E27FC236}">
+                <a16:creationId xmlns:a16="http://schemas.microsoft.com/office/drawing/2014/main" id="{6FDB81DD-25D0-4B7D-85DA-019476717276}"/>
+              </a:ext>
+            </a:extLst>
+          </p:cNvPr>
+          <p:cNvSpPr>
+            <a:spLocks noGrp="1"/>
+          </p:cNvSpPr>
+          <p:nvPr>
+            <p:ph type="sldNum" sz="quarter" idx="12"/>
+          </p:nvPr>
+        </p:nvSpPr>
+        <p:spPr/>
+        <p:txBody>
+          <a:bodyPr/>
+          <a:lstStyle/>
+          <a:p>
+            <a:fld id="{D2B5BE26-702C-4921-81E7-8AF275EDA2CC}" type="slidenum">
+              <a:rPr lang="zh-TW" altLang="en-US" smtClean="0">
+                <a:latin typeface="Times New Roman" panose="02020603050405020304" pitchFamily="18" charset="0"/>
+                <a:ea typeface="標楷體" panose="03000509000000000000" pitchFamily="65" charset="-120"/>
+                <a:cs typeface="Times New Roman" panose="02020603050405020304" pitchFamily="18" charset="0"/>
+              </a:rPr>
+              <a:t>20</a:t>
+            </a:fld>
+            <a:endParaRPr lang="zh-TW" altLang="en-US">
+              <a:latin typeface="Times New Roman" panose="02020603050405020304" pitchFamily="18" charset="0"/>
+              <a:ea typeface="標楷體" panose="03000509000000000000" pitchFamily="65" charset="-120"/>
+              <a:cs typeface="Times New Roman" panose="02020603050405020304" pitchFamily="18" charset="0"/>
+            </a:endParaRPr>
+          </a:p>
+        </p:txBody>
+      </p:sp>
+      <p:pic>
+        <p:nvPicPr>
+          <p:cNvPr id="4" name="圖片 3">
+            <a:extLst>
+              <a:ext uri="{FF2B5EF4-FFF2-40B4-BE49-F238E27FC236}">
+                <a16:creationId xmlns:a16="http://schemas.microsoft.com/office/drawing/2014/main" id="{F94A530B-8254-414E-9559-B4FF0312A407}"/>
+              </a:ext>
+            </a:extLst>
+          </p:cNvPr>
+          <p:cNvPicPr>
+            <a:picLocks noChangeAspect="1"/>
+          </p:cNvPicPr>
+          <p:nvPr/>
+        </p:nvPicPr>
+        <p:blipFill>
+          <a:blip r:embed="rId3"/>
+          <a:stretch>
+            <a:fillRect/>
+          </a:stretch>
+        </p:blipFill>
+        <p:spPr>
+          <a:xfrm>
+            <a:off x="609600" y="3921097"/>
+            <a:ext cx="10972800" cy="2435253"/>
+          </a:xfrm>
+          <a:prstGeom prst="rect">
+            <a:avLst/>
+          </a:prstGeom>
+        </p:spPr>
+      </p:pic>
+    </p:spTree>
+    <p:extLst>
+      <p:ext uri="{BB962C8B-B14F-4D97-AF65-F5344CB8AC3E}">
+        <p14:creationId xmlns:p14="http://schemas.microsoft.com/office/powerpoint/2010/main" val="916409998"/>
+      </p:ext>
+    </p:extLst>
+  </p:cSld>
+  <p:clrMapOvr>
+    <a:masterClrMapping/>
+  </p:clrMapOvr>
+</p:sld>
+</file>
+
+<file path=ppt/slides/slide21.xml><?xml version="1.0" encoding="utf-8"?>
+<p:sld xmlns:a="http://schemas.openxmlformats.org/drawingml/2006/main" xmlns:r="http://schemas.openxmlformats.org/officeDocument/2006/relationships" xmlns:p="http://schemas.openxmlformats.org/presentationml/2006/main">
+  <p:cSld>
+    <p:spTree>
+      <p:nvGrpSpPr>
+        <p:cNvPr id="1" name=""/>
+        <p:cNvGrpSpPr/>
+        <p:nvPr/>
+      </p:nvGrpSpPr>
+      <p:grpSpPr>
+        <a:xfrm>
+          <a:off x="0" y="0"/>
+          <a:ext cx="0" cy="0"/>
+          <a:chOff x="0" y="0"/>
+          <a:chExt cx="0" cy="0"/>
+        </a:xfrm>
+      </p:grpSpPr>
+      <p:sp>
+        <p:nvSpPr>
+          <p:cNvPr id="2" name="標題 1">
+            <a:extLst>
+              <a:ext uri="{FF2B5EF4-FFF2-40B4-BE49-F238E27FC236}">
+                <a16:creationId xmlns:a16="http://schemas.microsoft.com/office/drawing/2014/main" id="{7DC51965-3B55-4A2C-8171-E572382DD444}"/>
+              </a:ext>
+            </a:extLst>
+          </p:cNvPr>
+          <p:cNvSpPr>
+            <a:spLocks noGrp="1"/>
+          </p:cNvSpPr>
+          <p:nvPr>
+            <p:ph type="title"/>
+          </p:nvPr>
+        </p:nvSpPr>
+        <p:spPr/>
+        <p:txBody>
+          <a:bodyPr/>
+          <a:lstStyle/>
+          <a:p>
+            <a:r>
+              <a:rPr lang="en-US" altLang="zh-TW" dirty="0">
+                <a:latin typeface="Times New Roman" panose="02020603050405020304" pitchFamily="18" charset="0"/>
+                <a:ea typeface="標楷體" panose="03000509000000000000" pitchFamily="65" charset="-120"/>
+                <a:cs typeface="Times New Roman" panose="02020603050405020304" pitchFamily="18" charset="0"/>
+              </a:rPr>
+              <a:t>Results &amp; Comparisons – Additional Exp.</a:t>
+            </a:r>
+            <a:endParaRPr lang="zh-TW" altLang="en-US" dirty="0">
+              <a:latin typeface="Times New Roman" panose="02020603050405020304" pitchFamily="18" charset="0"/>
+              <a:ea typeface="標楷體" panose="03000509000000000000" pitchFamily="65" charset="-120"/>
+              <a:cs typeface="Times New Roman" panose="02020603050405020304" pitchFamily="18" charset="0"/>
+            </a:endParaRPr>
+          </a:p>
+        </p:txBody>
+      </p:sp>
+      <p:sp>
+        <p:nvSpPr>
+          <p:cNvPr id="6" name="內容版面配置區 5">
+            <a:extLst>
+              <a:ext uri="{FF2B5EF4-FFF2-40B4-BE49-F238E27FC236}">
+                <a16:creationId xmlns:a16="http://schemas.microsoft.com/office/drawing/2014/main" id="{E29171C1-823F-445B-AF2D-9326427009CD}"/>
+              </a:ext>
+            </a:extLst>
+          </p:cNvPr>
+          <p:cNvSpPr>
+            <a:spLocks noGrp="1"/>
+          </p:cNvSpPr>
+          <p:nvPr>
+            <p:ph idx="1"/>
+          </p:nvPr>
+        </p:nvSpPr>
+        <p:spPr>
+          <a:xfrm>
+            <a:off x="838200" y="1825625"/>
+            <a:ext cx="10515600" cy="1325563"/>
+          </a:xfrm>
+        </p:spPr>
+        <p:txBody>
+          <a:bodyPr>
+            <a:normAutofit/>
+          </a:bodyPr>
+          <a:lstStyle/>
+          <a:p>
+            <a:r>
+              <a:rPr lang="en-US" sz="2400" dirty="0"/>
+              <a:t>Paired t-test between BLUP/SVM </a:t>
+            </a:r>
+            <a:r>
+              <a:rPr lang="en-US" altLang="zh-TW" sz="2400" dirty="0"/>
+              <a:t>and</a:t>
+            </a:r>
+            <a:r>
+              <a:rPr lang="zh-TW" altLang="en-US" sz="2400" dirty="0"/>
+              <a:t> </a:t>
+            </a:r>
+            <a:r>
+              <a:rPr lang="en-US" sz="2400" dirty="0" err="1"/>
+              <a:t>ResNet</a:t>
+            </a:r>
+            <a:r>
+              <a:rPr lang="en-US" sz="2400" dirty="0"/>
+              <a:t> (p &lt; 5.5E−3) </a:t>
+            </a:r>
+          </a:p>
+          <a:p>
+            <a:r>
+              <a:rPr lang="en-US" sz="2400" dirty="0"/>
+              <a:t>Paired t-test between BLUP/SVM </a:t>
+            </a:r>
+            <a:r>
+              <a:rPr lang="en-US" altLang="zh-TW" sz="2400" dirty="0"/>
+              <a:t>and</a:t>
+            </a:r>
+            <a:r>
+              <a:rPr lang="zh-TW" altLang="en-US" sz="2400" dirty="0"/>
+              <a:t> </a:t>
+            </a:r>
+            <a:r>
+              <a:rPr lang="en-US" sz="2400" dirty="0"/>
+              <a:t>Inception V1 (p &lt; 5.3E−5) </a:t>
+            </a:r>
+          </a:p>
+        </p:txBody>
+      </p:sp>
+      <p:sp>
+        <p:nvSpPr>
+          <p:cNvPr id="5" name="投影片編號版面配置區 4">
+            <a:extLst>
+              <a:ext uri="{FF2B5EF4-FFF2-40B4-BE49-F238E27FC236}">
+                <a16:creationId xmlns:a16="http://schemas.microsoft.com/office/drawing/2014/main" id="{6FDB81DD-25D0-4B7D-85DA-019476717276}"/>
+              </a:ext>
+            </a:extLst>
+          </p:cNvPr>
+          <p:cNvSpPr>
+            <a:spLocks noGrp="1"/>
+          </p:cNvSpPr>
+          <p:nvPr>
+            <p:ph type="sldNum" sz="quarter" idx="12"/>
+          </p:nvPr>
+        </p:nvSpPr>
+        <p:spPr/>
+        <p:txBody>
+          <a:bodyPr/>
+          <a:lstStyle/>
+          <a:p>
+            <a:fld id="{D2B5BE26-702C-4921-81E7-8AF275EDA2CC}" type="slidenum">
+              <a:rPr lang="zh-TW" altLang="en-US" smtClean="0">
+                <a:latin typeface="Times New Roman" panose="02020603050405020304" pitchFamily="18" charset="0"/>
+                <a:ea typeface="標楷體" panose="03000509000000000000" pitchFamily="65" charset="-120"/>
+                <a:cs typeface="Times New Roman" panose="02020603050405020304" pitchFamily="18" charset="0"/>
+              </a:rPr>
+              <a:t>21</a:t>
+            </a:fld>
+            <a:endParaRPr lang="zh-TW" altLang="en-US">
+              <a:latin typeface="Times New Roman" panose="02020603050405020304" pitchFamily="18" charset="0"/>
+              <a:ea typeface="標楷體" panose="03000509000000000000" pitchFamily="65" charset="-120"/>
+              <a:cs typeface="Times New Roman" panose="02020603050405020304" pitchFamily="18" charset="0"/>
+            </a:endParaRPr>
+          </a:p>
+        </p:txBody>
+      </p:sp>
+      <p:pic>
+        <p:nvPicPr>
+          <p:cNvPr id="7" name="圖片 6">
+            <a:extLst>
+              <a:ext uri="{FF2B5EF4-FFF2-40B4-BE49-F238E27FC236}">
+                <a16:creationId xmlns:a16="http://schemas.microsoft.com/office/drawing/2014/main" id="{42152D21-1736-4278-B5CD-AA4F6E670876}"/>
+              </a:ext>
+            </a:extLst>
+          </p:cNvPr>
+          <p:cNvPicPr>
+            <a:picLocks noChangeAspect="1"/>
+          </p:cNvPicPr>
+          <p:nvPr/>
+        </p:nvPicPr>
+        <p:blipFill>
+          <a:blip r:embed="rId3"/>
+          <a:stretch>
+            <a:fillRect/>
+          </a:stretch>
+        </p:blipFill>
+        <p:spPr>
+          <a:xfrm>
+            <a:off x="609600" y="3429000"/>
+            <a:ext cx="10972800" cy="2890684"/>
+          </a:xfrm>
+          <a:prstGeom prst="rect">
+            <a:avLst/>
+          </a:prstGeom>
+        </p:spPr>
+      </p:pic>
+    </p:spTree>
+    <p:extLst>
+      <p:ext uri="{BB962C8B-B14F-4D97-AF65-F5344CB8AC3E}">
+        <p14:creationId xmlns:p14="http://schemas.microsoft.com/office/powerpoint/2010/main" val="1729659901"/>
+      </p:ext>
+    </p:extLst>
+  </p:cSld>
+  <p:clrMapOvr>
+    <a:masterClrMapping/>
+  </p:clrMapOvr>
+</p:sld>
+</file>
+
+<file path=ppt/slides/slide22.xml><?xml version="1.0" encoding="utf-8"?>
+<p:sld xmlns:a="http://schemas.openxmlformats.org/drawingml/2006/main" xmlns:r="http://schemas.openxmlformats.org/officeDocument/2006/relationships" xmlns:p="http://schemas.openxmlformats.org/presentationml/2006/main">
+  <p:cSld>
+    <p:spTree>
+      <p:nvGrpSpPr>
+        <p:cNvPr id="1" name=""/>
+        <p:cNvGrpSpPr/>
+        <p:nvPr/>
+      </p:nvGrpSpPr>
+      <p:grpSpPr>
+        <a:xfrm>
+          <a:off x="0" y="0"/>
+          <a:ext cx="0" cy="0"/>
+          <a:chOff x="0" y="0"/>
+          <a:chExt cx="0" cy="0"/>
+        </a:xfrm>
+      </p:grpSpPr>
+      <p:sp>
+        <p:nvSpPr>
+          <p:cNvPr id="2" name="標題 1">
+            <a:extLst>
+              <a:ext uri="{FF2B5EF4-FFF2-40B4-BE49-F238E27FC236}">
+                <a16:creationId xmlns:a16="http://schemas.microsoft.com/office/drawing/2014/main" id="{7DC51965-3B55-4A2C-8171-E572382DD444}"/>
+              </a:ext>
+            </a:extLst>
+          </p:cNvPr>
+          <p:cNvSpPr>
+            <a:spLocks noGrp="1"/>
+          </p:cNvSpPr>
+          <p:nvPr>
+            <p:ph type="title"/>
+          </p:nvPr>
+        </p:nvSpPr>
+        <p:spPr/>
+        <p:txBody>
+          <a:bodyPr/>
+          <a:lstStyle/>
+          <a:p>
+            <a:r>
+              <a:rPr lang="en-US" altLang="zh-TW" dirty="0">
+                <a:latin typeface="Times New Roman" panose="02020603050405020304" pitchFamily="18" charset="0"/>
+                <a:ea typeface="標楷體" panose="03000509000000000000" pitchFamily="65" charset="-120"/>
+                <a:cs typeface="Times New Roman" panose="02020603050405020304" pitchFamily="18" charset="0"/>
+              </a:rPr>
+              <a:t>Results &amp; Comparisons – Additional Exp.</a:t>
+            </a:r>
+            <a:endParaRPr lang="zh-TW" altLang="en-US" dirty="0">
+              <a:latin typeface="Times New Roman" panose="02020603050405020304" pitchFamily="18" charset="0"/>
+              <a:ea typeface="標楷體" panose="03000509000000000000" pitchFamily="65" charset="-120"/>
+              <a:cs typeface="Times New Roman" panose="02020603050405020304" pitchFamily="18" charset="0"/>
+            </a:endParaRPr>
+          </a:p>
+        </p:txBody>
+      </p:sp>
+      <p:sp>
+        <p:nvSpPr>
+          <p:cNvPr id="6" name="內容版面配置區 5">
+            <a:extLst>
+              <a:ext uri="{FF2B5EF4-FFF2-40B4-BE49-F238E27FC236}">
+                <a16:creationId xmlns:a16="http://schemas.microsoft.com/office/drawing/2014/main" id="{E29171C1-823F-445B-AF2D-9326427009CD}"/>
+              </a:ext>
+            </a:extLst>
+          </p:cNvPr>
+          <p:cNvSpPr>
+            <a:spLocks noGrp="1"/>
+          </p:cNvSpPr>
+          <p:nvPr>
+            <p:ph idx="1"/>
+          </p:nvPr>
+        </p:nvSpPr>
+        <p:spPr>
+          <a:xfrm>
+            <a:off x="838200" y="1825625"/>
+            <a:ext cx="10515600" cy="1325563"/>
+          </a:xfrm>
+        </p:spPr>
+        <p:txBody>
+          <a:bodyPr>
+            <a:normAutofit/>
+          </a:bodyPr>
+          <a:lstStyle/>
+          <a:p>
+            <a:r>
+              <a:rPr lang="en-US" sz="2400" dirty="0"/>
+              <a:t>In each fold, linear regression(LM) is better than Inception V1(p&lt;0.0022)</a:t>
+            </a:r>
+          </a:p>
+          <a:p>
+            <a:r>
+              <a:rPr lang="en-US" sz="2400" dirty="0"/>
+              <a:t>RF is better than Inception V1 only in Fold2 and Fold3(p=4.0E−3and 3.4E−4)</a:t>
+            </a:r>
+          </a:p>
+        </p:txBody>
+      </p:sp>
+      <p:sp>
+        <p:nvSpPr>
+          <p:cNvPr id="5" name="投影片編號版面配置區 4">
+            <a:extLst>
+              <a:ext uri="{FF2B5EF4-FFF2-40B4-BE49-F238E27FC236}">
+                <a16:creationId xmlns:a16="http://schemas.microsoft.com/office/drawing/2014/main" id="{6FDB81DD-25D0-4B7D-85DA-019476717276}"/>
+              </a:ext>
+            </a:extLst>
+          </p:cNvPr>
+          <p:cNvSpPr>
+            <a:spLocks noGrp="1"/>
+          </p:cNvSpPr>
+          <p:nvPr>
+            <p:ph type="sldNum" sz="quarter" idx="12"/>
+          </p:nvPr>
+        </p:nvSpPr>
+        <p:spPr/>
+        <p:txBody>
+          <a:bodyPr/>
+          <a:lstStyle/>
+          <a:p>
+            <a:fld id="{D2B5BE26-702C-4921-81E7-8AF275EDA2CC}" type="slidenum">
+              <a:rPr lang="zh-TW" altLang="en-US" smtClean="0">
+                <a:latin typeface="Times New Roman" panose="02020603050405020304" pitchFamily="18" charset="0"/>
+                <a:ea typeface="標楷體" panose="03000509000000000000" pitchFamily="65" charset="-120"/>
+                <a:cs typeface="Times New Roman" panose="02020603050405020304" pitchFamily="18" charset="0"/>
+              </a:rPr>
+              <a:t>22</a:t>
+            </a:fld>
+            <a:endParaRPr lang="zh-TW" altLang="en-US">
+              <a:latin typeface="Times New Roman" panose="02020603050405020304" pitchFamily="18" charset="0"/>
+              <a:ea typeface="標楷體" panose="03000509000000000000" pitchFamily="65" charset="-120"/>
+              <a:cs typeface="Times New Roman" panose="02020603050405020304" pitchFamily="18" charset="0"/>
+            </a:endParaRPr>
+          </a:p>
+        </p:txBody>
+      </p:sp>
+      <p:pic>
+        <p:nvPicPr>
+          <p:cNvPr id="7" name="圖片 6">
+            <a:extLst>
+              <a:ext uri="{FF2B5EF4-FFF2-40B4-BE49-F238E27FC236}">
+                <a16:creationId xmlns:a16="http://schemas.microsoft.com/office/drawing/2014/main" id="{42152D21-1736-4278-B5CD-AA4F6E670876}"/>
+              </a:ext>
+            </a:extLst>
+          </p:cNvPr>
+          <p:cNvPicPr>
+            <a:picLocks noChangeAspect="1"/>
+          </p:cNvPicPr>
+          <p:nvPr/>
+        </p:nvPicPr>
+        <p:blipFill>
+          <a:blip r:embed="rId3"/>
+          <a:stretch>
+            <a:fillRect/>
+          </a:stretch>
+        </p:blipFill>
+        <p:spPr>
+          <a:xfrm>
+            <a:off x="609600" y="3429000"/>
+            <a:ext cx="10972800" cy="2890684"/>
+          </a:xfrm>
+          <a:prstGeom prst="rect">
+            <a:avLst/>
+          </a:prstGeom>
+        </p:spPr>
+      </p:pic>
+      <p:grpSp>
+        <p:nvGrpSpPr>
+          <p:cNvPr id="28" name="群組 27">
+            <a:extLst>
+              <a:ext uri="{FF2B5EF4-FFF2-40B4-BE49-F238E27FC236}">
+                <a16:creationId xmlns:a16="http://schemas.microsoft.com/office/drawing/2014/main" id="{D517DF6D-A68F-4F76-812A-6219AADD9C65}"/>
+              </a:ext>
+            </a:extLst>
+          </p:cNvPr>
+          <p:cNvGrpSpPr/>
+          <p:nvPr/>
+        </p:nvGrpSpPr>
+        <p:grpSpPr>
+          <a:xfrm>
+            <a:off x="8991600" y="5616093"/>
+            <a:ext cx="3070860" cy="914400"/>
+            <a:chOff x="9037320" y="5683096"/>
+            <a:chExt cx="3070860" cy="914400"/>
+          </a:xfrm>
+        </p:grpSpPr>
+        <p:grpSp>
+          <p:nvGrpSpPr>
+            <p:cNvPr id="25" name="群組 24">
+              <a:extLst>
+                <a:ext uri="{FF2B5EF4-FFF2-40B4-BE49-F238E27FC236}">
+                  <a16:creationId xmlns:a16="http://schemas.microsoft.com/office/drawing/2014/main" id="{808904B1-C7AE-4F57-8D73-9F2E7214D5F9}"/>
+                </a:ext>
+              </a:extLst>
+            </p:cNvPr>
+            <p:cNvGrpSpPr/>
+            <p:nvPr/>
+          </p:nvGrpSpPr>
+          <p:grpSpPr>
+            <a:xfrm>
+              <a:off x="9037320" y="5802948"/>
+              <a:ext cx="2743200" cy="632539"/>
+              <a:chOff x="9037320" y="5802948"/>
+              <a:chExt cx="2743200" cy="632539"/>
+            </a:xfrm>
+          </p:grpSpPr>
+          <p:grpSp>
+            <p:nvGrpSpPr>
+              <p:cNvPr id="23" name="群組 22">
+                <a:extLst>
+                  <a:ext uri="{FF2B5EF4-FFF2-40B4-BE49-F238E27FC236}">
+                    <a16:creationId xmlns:a16="http://schemas.microsoft.com/office/drawing/2014/main" id="{84B1575B-0C66-453A-85F8-338F13DE7785}"/>
+                  </a:ext>
+                </a:extLst>
+              </p:cNvPr>
+              <p:cNvGrpSpPr/>
+              <p:nvPr/>
+            </p:nvGrpSpPr>
+            <p:grpSpPr>
+              <a:xfrm rot="10800000">
+                <a:off x="9494520" y="5802948"/>
+                <a:ext cx="1706880" cy="277812"/>
+                <a:chOff x="9479280" y="3151188"/>
+                <a:chExt cx="1706880" cy="277812"/>
+              </a:xfrm>
+            </p:grpSpPr>
+            <p:cxnSp>
+              <p:nvCxnSpPr>
+                <p:cNvPr id="15" name="直線單箭頭接點 14">
+                  <a:extLst>
+                    <a:ext uri="{FF2B5EF4-FFF2-40B4-BE49-F238E27FC236}">
+                      <a16:creationId xmlns:a16="http://schemas.microsoft.com/office/drawing/2014/main" id="{06CA221B-2DD5-47FD-A802-DAEA012CBF3F}"/>
+                    </a:ext>
+                  </a:extLst>
+                </p:cNvPr>
+                <p:cNvCxnSpPr/>
+                <p:nvPr/>
+              </p:nvCxnSpPr>
+              <p:spPr>
+                <a:xfrm>
+                  <a:off x="9479280" y="3151188"/>
+                  <a:ext cx="0" cy="277812"/>
+                </a:xfrm>
+                <a:prstGeom prst="straightConnector1">
+                  <a:avLst/>
+                </a:prstGeom>
+                <a:ln>
+                  <a:tailEnd type="triangle"/>
+                </a:ln>
+              </p:spPr>
+              <p:style>
+                <a:lnRef idx="1">
+                  <a:schemeClr val="accent1"/>
+                </a:lnRef>
+                <a:fillRef idx="0">
+                  <a:schemeClr val="accent1"/>
+                </a:fillRef>
+                <a:effectRef idx="0">
+                  <a:schemeClr val="accent1"/>
+                </a:effectRef>
+                <a:fontRef idx="minor">
+                  <a:schemeClr val="tx1"/>
+                </a:fontRef>
+              </p:style>
+            </p:cxnSp>
+            <p:cxnSp>
+              <p:nvCxnSpPr>
+                <p:cNvPr id="16" name="直線單箭頭接點 15">
+                  <a:extLst>
+                    <a:ext uri="{FF2B5EF4-FFF2-40B4-BE49-F238E27FC236}">
+                      <a16:creationId xmlns:a16="http://schemas.microsoft.com/office/drawing/2014/main" id="{6790F8E1-3997-42A3-8D68-83B7BD8F318F}"/>
+                    </a:ext>
+                  </a:extLst>
+                </p:cNvPr>
+                <p:cNvCxnSpPr/>
+                <p:nvPr/>
+              </p:nvCxnSpPr>
+              <p:spPr>
+                <a:xfrm>
+                  <a:off x="10271760" y="3151188"/>
+                  <a:ext cx="0" cy="277812"/>
+                </a:xfrm>
+                <a:prstGeom prst="straightConnector1">
+                  <a:avLst/>
+                </a:prstGeom>
+                <a:ln>
+                  <a:tailEnd type="triangle"/>
+                </a:ln>
+              </p:spPr>
+              <p:style>
+                <a:lnRef idx="1">
+                  <a:schemeClr val="accent1"/>
+                </a:lnRef>
+                <a:fillRef idx="0">
+                  <a:schemeClr val="accent1"/>
+                </a:fillRef>
+                <a:effectRef idx="0">
+                  <a:schemeClr val="accent1"/>
+                </a:effectRef>
+                <a:fontRef idx="minor">
+                  <a:schemeClr val="tx1"/>
+                </a:fontRef>
+              </p:style>
+            </p:cxnSp>
+            <p:cxnSp>
+              <p:nvCxnSpPr>
+                <p:cNvPr id="17" name="直線單箭頭接點 16">
+                  <a:extLst>
+                    <a:ext uri="{FF2B5EF4-FFF2-40B4-BE49-F238E27FC236}">
+                      <a16:creationId xmlns:a16="http://schemas.microsoft.com/office/drawing/2014/main" id="{F45A85A4-EF9F-4960-9CCB-B836818E7F07}"/>
+                    </a:ext>
+                  </a:extLst>
+                </p:cNvPr>
+                <p:cNvCxnSpPr/>
+                <p:nvPr/>
+              </p:nvCxnSpPr>
+              <p:spPr>
+                <a:xfrm>
+                  <a:off x="11186160" y="3151188"/>
+                  <a:ext cx="0" cy="277812"/>
+                </a:xfrm>
+                <a:prstGeom prst="straightConnector1">
+                  <a:avLst/>
+                </a:prstGeom>
+                <a:ln>
+                  <a:tailEnd type="triangle"/>
+                </a:ln>
+              </p:spPr>
+              <p:style>
+                <a:lnRef idx="1">
+                  <a:schemeClr val="accent1"/>
+                </a:lnRef>
+                <a:fillRef idx="0">
+                  <a:schemeClr val="accent1"/>
+                </a:fillRef>
+                <a:effectRef idx="0">
+                  <a:schemeClr val="accent1"/>
+                </a:effectRef>
+                <a:fontRef idx="minor">
+                  <a:schemeClr val="tx1"/>
+                </a:fontRef>
+              </p:style>
+            </p:cxnSp>
+            <p:cxnSp>
+              <p:nvCxnSpPr>
+                <p:cNvPr id="19" name="直線接點 18">
+                  <a:extLst>
+                    <a:ext uri="{FF2B5EF4-FFF2-40B4-BE49-F238E27FC236}">
+                      <a16:creationId xmlns:a16="http://schemas.microsoft.com/office/drawing/2014/main" id="{07A2B858-F53D-416B-AA75-6C91EF952531}"/>
+                    </a:ext>
+                  </a:extLst>
+                </p:cNvPr>
+                <p:cNvCxnSpPr>
+                  <a:cxnSpLocks/>
+                </p:cNvCxnSpPr>
+                <p:nvPr/>
+              </p:nvCxnSpPr>
+              <p:spPr>
+                <a:xfrm>
+                  <a:off x="9479280" y="3151188"/>
+                  <a:ext cx="1706880" cy="0"/>
+                </a:xfrm>
+                <a:prstGeom prst="line">
+                  <a:avLst/>
+                </a:prstGeom>
+              </p:spPr>
+              <p:style>
+                <a:lnRef idx="1">
+                  <a:schemeClr val="accent1"/>
+                </a:lnRef>
+                <a:fillRef idx="0">
+                  <a:schemeClr val="accent1"/>
+                </a:fillRef>
+                <a:effectRef idx="0">
+                  <a:schemeClr val="accent1"/>
+                </a:effectRef>
+                <a:fontRef idx="minor">
+                  <a:schemeClr val="tx1"/>
+                </a:fontRef>
+              </p:style>
+            </p:cxnSp>
+          </p:grpSp>
+          <p:sp>
+            <p:nvSpPr>
+              <p:cNvPr id="24" name="文字方塊 23">
+                <a:extLst>
+                  <a:ext uri="{FF2B5EF4-FFF2-40B4-BE49-F238E27FC236}">
+                    <a16:creationId xmlns:a16="http://schemas.microsoft.com/office/drawing/2014/main" id="{91344E67-D45C-4A9D-A641-384E64550694}"/>
+                  </a:ext>
+                </a:extLst>
+              </p:cNvPr>
+              <p:cNvSpPr txBox="1"/>
+              <p:nvPr/>
+            </p:nvSpPr>
+            <p:spPr>
+              <a:xfrm>
+                <a:off x="9037320" y="6066155"/>
+                <a:ext cx="2743200" cy="369332"/>
+              </a:xfrm>
+              <a:prstGeom prst="rect">
+                <a:avLst/>
+              </a:prstGeom>
+              <a:noFill/>
+            </p:spPr>
+            <p:txBody>
+              <a:bodyPr wrap="square" rtlCol="0">
+                <a:spAutoFit/>
+              </a:bodyPr>
+              <a:lstStyle/>
+              <a:p>
+                <a:pPr algn="ctr"/>
+                <a:r>
+                  <a:rPr lang="en-US" dirty="0">
+                    <a:latin typeface="Times New Roman" panose="02020603050405020304" pitchFamily="18" charset="0"/>
+                    <a:cs typeface="Times New Roman" panose="02020603050405020304" pitchFamily="18" charset="0"/>
+                  </a:rPr>
+                  <a:t>Significant Difference</a:t>
+                </a:r>
+              </a:p>
+            </p:txBody>
+          </p:sp>
+        </p:grpSp>
+        <p:pic>
+          <p:nvPicPr>
+            <p:cNvPr id="27" name="圖形 26" descr="問號 以實心填滿">
+              <a:extLst>
+                <a:ext uri="{FF2B5EF4-FFF2-40B4-BE49-F238E27FC236}">
+                  <a16:creationId xmlns:a16="http://schemas.microsoft.com/office/drawing/2014/main" id="{C2ED5458-AFA1-4A2D-82C2-A1640FB04F60}"/>
+                </a:ext>
+              </a:extLst>
+            </p:cNvPr>
+            <p:cNvPicPr>
+              <a:picLocks noChangeAspect="1"/>
+            </p:cNvPicPr>
+            <p:nvPr/>
+          </p:nvPicPr>
+          <p:blipFill>
+            <a:blip r:embed="rId4">
+              <a:extLst>
+                <a:ext uri="{28A0092B-C50C-407E-A947-70E740481C1C}">
+                  <a14:useLocalDpi xmlns:a14="http://schemas.microsoft.com/office/drawing/2010/main" val="0"/>
+                </a:ext>
+                <a:ext uri="{96DAC541-7B7A-43D3-8B79-37D633B846F1}">
+                  <asvg:svgBlip xmlns:asvg="http://schemas.microsoft.com/office/drawing/2016/SVG/main" r:embed="rId5"/>
+                </a:ext>
+              </a:extLst>
+            </a:blip>
+            <a:stretch>
+              <a:fillRect/>
+            </a:stretch>
+          </p:blipFill>
+          <p:spPr>
+            <a:xfrm>
+              <a:off x="11193780" y="5683096"/>
+              <a:ext cx="914400" cy="914400"/>
+            </a:xfrm>
+            <a:prstGeom prst="rect">
+              <a:avLst/>
+            </a:prstGeom>
+          </p:spPr>
+        </p:pic>
+      </p:grpSp>
+    </p:spTree>
+    <p:extLst>
+      <p:ext uri="{BB962C8B-B14F-4D97-AF65-F5344CB8AC3E}">
+        <p14:creationId xmlns:p14="http://schemas.microsoft.com/office/powerpoint/2010/main" val="3887237348"/>
+      </p:ext>
+    </p:extLst>
+  </p:cSld>
+  <p:clrMapOvr>
+    <a:masterClrMapping/>
+  </p:clrMapOvr>
+  <p:timing>
+    <p:tnLst>
+      <p:par>
+        <p:cTn id="1" dur="indefinite" restart="never" nodeType="tmRoot">
+          <p:childTnLst>
+            <p:seq concurrent="1" nextAc="seek">
+              <p:cTn id="2" dur="indefinite" nodeType="mainSeq">
+                <p:childTnLst>
+                  <p:par>
+                    <p:cTn id="3" fill="hold">
+                      <p:stCondLst>
+                        <p:cond delay="indefinite"/>
+                      </p:stCondLst>
+                      <p:childTnLst>
+                        <p:par>
+                          <p:cTn id="4" fill="hold">
+                            <p:stCondLst>
+                              <p:cond delay="0"/>
+                            </p:stCondLst>
+                            <p:childTnLst>
+                              <p:par>
+                                <p:cTn id="5" presetID="1" presetClass="entr" presetSubtype="0" fill="hold" nodeType="clickEffect">
+                                  <p:stCondLst>
+                                    <p:cond delay="0"/>
+                                  </p:stCondLst>
+                                  <p:childTnLst>
+                                    <p:set>
+                                      <p:cBhvr>
+                                        <p:cTn id="6" dur="1" fill="hold">
+                                          <p:stCondLst>
+                                            <p:cond delay="0"/>
+                                          </p:stCondLst>
+                                        </p:cTn>
+                                        <p:tgtEl>
+                                          <p:spTgt spid="28"/>
+                                        </p:tgtEl>
+                                        <p:attrNameLst>
+                                          <p:attrName>style.visibility</p:attrName>
+                                        </p:attrNameLst>
+                                      </p:cBhvr>
+                                      <p:to>
+                                        <p:strVal val="visible"/>
+                                      </p:to>
+                                    </p:set>
+                                  </p:childTnLst>
+                                </p:cTn>
+                              </p:par>
+                            </p:childTnLst>
+                          </p:cTn>
+                        </p:par>
+                      </p:childTnLst>
+                    </p:cTn>
+                  </p:par>
+                </p:childTnLst>
+              </p:cTn>
+              <p:prevCondLst>
+                <p:cond evt="onPrev" delay="0">
+                  <p:tgtEl>
+                    <p:sldTgt/>
+                  </p:tgtEl>
+                </p:cond>
+              </p:prevCondLst>
+              <p:nextCondLst>
+                <p:cond evt="onNext" delay="0">
+                  <p:tgtEl>
+                    <p:sldTgt/>
+                  </p:tgtEl>
+                </p:cond>
+              </p:nextCondLst>
+            </p:seq>
+          </p:childTnLst>
+        </p:cTn>
+      </p:par>
+    </p:tnLst>
+  </p:timing>
+</p:sld>
+</file>
+
+<file path=ppt/slides/slide23.xml><?xml version="1.0" encoding="utf-8"?>
+<p:sld xmlns:a="http://schemas.openxmlformats.org/drawingml/2006/main" xmlns:r="http://schemas.openxmlformats.org/officeDocument/2006/relationships" xmlns:p="http://schemas.openxmlformats.org/presentationml/2006/main">
+  <p:cSld>
+    <p:spTree>
+      <p:nvGrpSpPr>
+        <p:cNvPr id="1" name=""/>
+        <p:cNvGrpSpPr/>
+        <p:nvPr/>
+      </p:nvGrpSpPr>
+      <p:grpSpPr>
+        <a:xfrm>
+          <a:off x="0" y="0"/>
+          <a:ext cx="0" cy="0"/>
+          <a:chOff x="0" y="0"/>
+          <a:chExt cx="0" cy="0"/>
+        </a:xfrm>
+      </p:grpSpPr>
+      <p:sp>
+        <p:nvSpPr>
+          <p:cNvPr id="2" name="標題 1">
+            <a:extLst>
+              <a:ext uri="{FF2B5EF4-FFF2-40B4-BE49-F238E27FC236}">
+                <a16:creationId xmlns:a16="http://schemas.microsoft.com/office/drawing/2014/main" id="{DF0F85BC-3CB1-46D7-BA51-CA483C93922A}"/>
+              </a:ext>
+            </a:extLst>
+          </p:cNvPr>
+          <p:cNvSpPr>
+            <a:spLocks noGrp="1"/>
+          </p:cNvSpPr>
+          <p:nvPr>
+            <p:ph type="title"/>
+          </p:nvPr>
+        </p:nvSpPr>
+        <p:spPr/>
+        <p:txBody>
+          <a:bodyPr/>
+          <a:lstStyle/>
+          <a:p>
+            <a:r>
+              <a:rPr lang="en-US" dirty="0"/>
+              <a:t>Results &amp; Comparisons </a:t>
+            </a:r>
+            <a:r>
+              <a:rPr lang="en-US" altLang="zh-TW" dirty="0">
+                <a:latin typeface="Times New Roman" panose="02020603050405020304" pitchFamily="18" charset="0"/>
+                <a:ea typeface="標楷體" panose="03000509000000000000" pitchFamily="65" charset="-120"/>
+                <a:cs typeface="Times New Roman" panose="02020603050405020304" pitchFamily="18" charset="0"/>
+              </a:rPr>
+              <a:t>– Additional Exp.</a:t>
+            </a:r>
+            <a:endParaRPr lang="en-US" dirty="0"/>
+          </a:p>
+        </p:txBody>
+      </p:sp>
+      <p:sp>
+        <p:nvSpPr>
+          <p:cNvPr id="3" name="內容版面配置區 2">
+            <a:extLst>
+              <a:ext uri="{FF2B5EF4-FFF2-40B4-BE49-F238E27FC236}">
+                <a16:creationId xmlns:a16="http://schemas.microsoft.com/office/drawing/2014/main" id="{477D7999-5F11-49C1-A0B0-68AAC27DDF9B}"/>
+              </a:ext>
+            </a:extLst>
+          </p:cNvPr>
+          <p:cNvSpPr>
+            <a:spLocks noGrp="1"/>
+          </p:cNvSpPr>
+          <p:nvPr>
+            <p:ph idx="1"/>
+          </p:nvPr>
+        </p:nvSpPr>
+        <p:spPr>
+          <a:xfrm>
+            <a:off x="838200" y="1690688"/>
+            <a:ext cx="10850880" cy="1713633"/>
+          </a:xfrm>
+        </p:spPr>
+        <p:txBody>
+          <a:bodyPr>
+            <a:noAutofit/>
+          </a:bodyPr>
+          <a:lstStyle/>
+          <a:p>
+            <a:r>
+              <a:rPr lang="en-US" sz="2000" b="0" i="0" u="none" strike="noStrike" baseline="0" dirty="0">
+                <a:latin typeface="HelveticaNeueLTStd-LtIt"/>
+              </a:rPr>
+              <a:t>†</a:t>
+            </a:r>
+            <a:r>
+              <a:rPr lang="en-US" sz="2000" dirty="0"/>
+              <a:t>Algorithm trained on </a:t>
+            </a:r>
+            <a:r>
+              <a:rPr lang="en-US" sz="2000" dirty="0">
+                <a:solidFill>
+                  <a:srgbClr val="FF0000"/>
+                </a:solidFill>
+              </a:rPr>
+              <a:t>gray matter maps</a:t>
+            </a:r>
+            <a:r>
+              <a:rPr lang="en-US" sz="2000" dirty="0"/>
+              <a:t> performs significantly better than the same algorithm trained on </a:t>
+            </a:r>
+            <a:r>
+              <a:rPr lang="en-US" sz="2000" dirty="0">
+                <a:solidFill>
+                  <a:srgbClr val="FF0000"/>
+                </a:solidFill>
+              </a:rPr>
+              <a:t>surface-based vertices</a:t>
+            </a:r>
+            <a:r>
+              <a:rPr lang="en-US" sz="2000" dirty="0"/>
+              <a:t> (p &lt; 0.05/15)</a:t>
+            </a:r>
+          </a:p>
+          <a:p>
+            <a:r>
+              <a:rPr lang="en-US" sz="2000" dirty="0"/>
+              <a:t>*Algorithm trained on gray matter maps performs significantly worse than Inception V1 (p &lt; 0.05/15)</a:t>
+            </a:r>
+          </a:p>
+        </p:txBody>
+      </p:sp>
+      <p:sp>
+        <p:nvSpPr>
+          <p:cNvPr id="4" name="投影片編號版面配置區 3">
+            <a:extLst>
+              <a:ext uri="{FF2B5EF4-FFF2-40B4-BE49-F238E27FC236}">
+                <a16:creationId xmlns:a16="http://schemas.microsoft.com/office/drawing/2014/main" id="{D03E5E99-8F31-4FDA-B254-B7C28CF2B21F}"/>
+              </a:ext>
+            </a:extLst>
+          </p:cNvPr>
+          <p:cNvSpPr>
+            <a:spLocks noGrp="1"/>
+          </p:cNvSpPr>
+          <p:nvPr>
+            <p:ph type="sldNum" sz="quarter" idx="12"/>
+          </p:nvPr>
+        </p:nvSpPr>
+        <p:spPr/>
+        <p:txBody>
+          <a:bodyPr/>
+          <a:lstStyle/>
+          <a:p>
+            <a:fld id="{D2B5BE26-702C-4921-81E7-8AF275EDA2CC}" type="slidenum">
+              <a:rPr lang="zh-TW" altLang="en-US" smtClean="0"/>
+              <a:pPr/>
+              <a:t>23</a:t>
+            </a:fld>
+            <a:endParaRPr lang="zh-TW" altLang="en-US"/>
+          </a:p>
+        </p:txBody>
+      </p:sp>
+      <p:pic>
+        <p:nvPicPr>
+          <p:cNvPr id="6" name="圖片 5">
+            <a:extLst>
+              <a:ext uri="{FF2B5EF4-FFF2-40B4-BE49-F238E27FC236}">
+                <a16:creationId xmlns:a16="http://schemas.microsoft.com/office/drawing/2014/main" id="{131AA3D1-F65A-48CF-B329-CB04107A0592}"/>
+              </a:ext>
+            </a:extLst>
+          </p:cNvPr>
+          <p:cNvPicPr>
+            <a:picLocks noChangeAspect="1"/>
+          </p:cNvPicPr>
+          <p:nvPr/>
+        </p:nvPicPr>
+        <p:blipFill>
+          <a:blip r:embed="rId3"/>
+          <a:stretch>
+            <a:fillRect/>
+          </a:stretch>
+        </p:blipFill>
+        <p:spPr>
+          <a:xfrm>
+            <a:off x="1752600" y="3429000"/>
+            <a:ext cx="8229600" cy="3267796"/>
+          </a:xfrm>
+          <a:prstGeom prst="rect">
+            <a:avLst/>
+          </a:prstGeom>
+        </p:spPr>
+      </p:pic>
+    </p:spTree>
+    <p:extLst>
+      <p:ext uri="{BB962C8B-B14F-4D97-AF65-F5344CB8AC3E}">
+        <p14:creationId xmlns:p14="http://schemas.microsoft.com/office/powerpoint/2010/main" val="3585147952"/>
+      </p:ext>
+    </p:extLst>
+  </p:cSld>
+  <p:clrMapOvr>
+    <a:masterClrMapping/>
+  </p:clrMapOvr>
+</p:sld>
+</file>
+
+<file path=ppt/slides/slide24.xml><?xml version="1.0" encoding="utf-8"?>
+<p:sld xmlns:a="http://schemas.openxmlformats.org/drawingml/2006/main" xmlns:r="http://schemas.openxmlformats.org/officeDocument/2006/relationships" xmlns:p="http://schemas.openxmlformats.org/presentationml/2006/main">
+  <p:cSld>
+    <p:spTree>
+      <p:nvGrpSpPr>
+        <p:cNvPr id="1" name=""/>
+        <p:cNvGrpSpPr/>
+        <p:nvPr/>
+      </p:nvGrpSpPr>
+      <p:grpSpPr>
+        <a:xfrm>
+          <a:off x="0" y="0"/>
+          <a:ext cx="0" cy="0"/>
+          <a:chOff x="0" y="0"/>
+          <a:chExt cx="0" cy="0"/>
+        </a:xfrm>
+      </p:grpSpPr>
+      <p:sp>
+        <p:nvSpPr>
+          <p:cNvPr id="2" name="標題 1">
+            <a:extLst>
+              <a:ext uri="{FF2B5EF4-FFF2-40B4-BE49-F238E27FC236}">
+                <a16:creationId xmlns:a16="http://schemas.microsoft.com/office/drawing/2014/main" id="{DF0F85BC-3CB1-46D7-BA51-CA483C93922A}"/>
+              </a:ext>
+            </a:extLst>
+          </p:cNvPr>
+          <p:cNvSpPr>
+            <a:spLocks noGrp="1"/>
+          </p:cNvSpPr>
+          <p:nvPr>
+            <p:ph type="title"/>
+          </p:nvPr>
+        </p:nvSpPr>
+        <p:spPr/>
+        <p:txBody>
+          <a:bodyPr/>
+          <a:lstStyle/>
+          <a:p>
+            <a:r>
+              <a:rPr lang="en-US" dirty="0"/>
+              <a:t>Results &amp; Comparisons </a:t>
+            </a:r>
+            <a:r>
+              <a:rPr lang="en-US" altLang="zh-TW" dirty="0">
+                <a:latin typeface="Times New Roman" panose="02020603050405020304" pitchFamily="18" charset="0"/>
+                <a:ea typeface="標楷體" panose="03000509000000000000" pitchFamily="65" charset="-120"/>
+                <a:cs typeface="Times New Roman" panose="02020603050405020304" pitchFamily="18" charset="0"/>
+              </a:rPr>
+              <a:t>– Additional Exp.</a:t>
+            </a:r>
+            <a:endParaRPr lang="en-US" dirty="0"/>
+          </a:p>
+        </p:txBody>
+      </p:sp>
+      <p:sp>
+        <p:nvSpPr>
+          <p:cNvPr id="3" name="內容版面配置區 2">
+            <a:extLst>
+              <a:ext uri="{FF2B5EF4-FFF2-40B4-BE49-F238E27FC236}">
+                <a16:creationId xmlns:a16="http://schemas.microsoft.com/office/drawing/2014/main" id="{477D7999-5F11-49C1-A0B0-68AAC27DDF9B}"/>
+              </a:ext>
+            </a:extLst>
+          </p:cNvPr>
+          <p:cNvSpPr>
+            <a:spLocks noGrp="1"/>
+          </p:cNvSpPr>
+          <p:nvPr>
+            <p:ph idx="1"/>
+          </p:nvPr>
+        </p:nvSpPr>
+        <p:spPr>
+          <a:xfrm>
+            <a:off x="838200" y="1690688"/>
+            <a:ext cx="10515600" cy="2012632"/>
+          </a:xfrm>
+        </p:spPr>
+        <p:txBody>
+          <a:bodyPr>
+            <a:normAutofit fontScale="85000" lnSpcReduction="10000"/>
+          </a:bodyPr>
+          <a:lstStyle/>
+          <a:p>
+            <a:r>
+              <a:rPr lang="en-US" dirty="0"/>
+              <a:t>Predicted age tended to </a:t>
+            </a:r>
+            <a:r>
+              <a:rPr lang="en-US" dirty="0">
+                <a:solidFill>
+                  <a:srgbClr val="FF0000"/>
+                </a:solidFill>
+              </a:rPr>
+              <a:t>underestimate</a:t>
+            </a:r>
+            <a:r>
+              <a:rPr lang="en-US" dirty="0"/>
+              <a:t> the age of older participants and </a:t>
+            </a:r>
+            <a:r>
+              <a:rPr lang="en-US" dirty="0">
+                <a:solidFill>
+                  <a:srgbClr val="FF0000"/>
+                </a:solidFill>
+              </a:rPr>
+              <a:t>overestimate</a:t>
+            </a:r>
+            <a:r>
+              <a:rPr lang="en-US" dirty="0"/>
+              <a:t> age of younger individuals.</a:t>
+            </a:r>
+          </a:p>
+          <a:p>
+            <a:r>
+              <a:rPr lang="en-US" dirty="0"/>
+              <a:t>We did not observe a significant association of prediction error with </a:t>
+            </a:r>
+            <a:r>
+              <a:rPr lang="en-US" dirty="0">
+                <a:solidFill>
+                  <a:srgbClr val="FF0000"/>
+                </a:solidFill>
+              </a:rPr>
+              <a:t>sex or site</a:t>
+            </a:r>
+          </a:p>
+        </p:txBody>
+      </p:sp>
+      <p:sp>
+        <p:nvSpPr>
+          <p:cNvPr id="4" name="投影片編號版面配置區 3">
+            <a:extLst>
+              <a:ext uri="{FF2B5EF4-FFF2-40B4-BE49-F238E27FC236}">
+                <a16:creationId xmlns:a16="http://schemas.microsoft.com/office/drawing/2014/main" id="{D03E5E99-8F31-4FDA-B254-B7C28CF2B21F}"/>
+              </a:ext>
+            </a:extLst>
+          </p:cNvPr>
+          <p:cNvSpPr>
+            <a:spLocks noGrp="1"/>
+          </p:cNvSpPr>
+          <p:nvPr>
+            <p:ph type="sldNum" sz="quarter" idx="12"/>
+          </p:nvPr>
+        </p:nvSpPr>
+        <p:spPr/>
+        <p:txBody>
+          <a:bodyPr/>
+          <a:lstStyle/>
+          <a:p>
+            <a:fld id="{D2B5BE26-702C-4921-81E7-8AF275EDA2CC}" type="slidenum">
+              <a:rPr lang="zh-TW" altLang="en-US" smtClean="0"/>
+              <a:pPr/>
+              <a:t>24</a:t>
+            </a:fld>
+            <a:endParaRPr lang="zh-TW" altLang="en-US"/>
+          </a:p>
+        </p:txBody>
+      </p:sp>
+      <p:pic>
+        <p:nvPicPr>
+          <p:cNvPr id="7" name="圖片 6">
+            <a:extLst>
+              <a:ext uri="{FF2B5EF4-FFF2-40B4-BE49-F238E27FC236}">
+                <a16:creationId xmlns:a16="http://schemas.microsoft.com/office/drawing/2014/main" id="{E9DEC6DF-FE2D-4ECB-B293-9F0027326A46}"/>
+              </a:ext>
+            </a:extLst>
+          </p:cNvPr>
+          <p:cNvPicPr>
+            <a:picLocks noChangeAspect="1"/>
+          </p:cNvPicPr>
+          <p:nvPr/>
+        </p:nvPicPr>
+        <p:blipFill>
+          <a:blip r:embed="rId3"/>
+          <a:stretch>
+            <a:fillRect/>
+          </a:stretch>
+        </p:blipFill>
+        <p:spPr>
+          <a:xfrm>
+            <a:off x="609600" y="4160520"/>
+            <a:ext cx="10972800" cy="1362751"/>
+          </a:xfrm>
+          <a:prstGeom prst="rect">
+            <a:avLst/>
+          </a:prstGeom>
+        </p:spPr>
+      </p:pic>
+    </p:spTree>
+    <p:extLst>
+      <p:ext uri="{BB962C8B-B14F-4D97-AF65-F5344CB8AC3E}">
+        <p14:creationId xmlns:p14="http://schemas.microsoft.com/office/powerpoint/2010/main" val="3904325748"/>
+      </p:ext>
+    </p:extLst>
+  </p:cSld>
+  <p:clrMapOvr>
+    <a:masterClrMapping/>
+  </p:clrMapOvr>
+</p:sld>
+</file>
+
+<file path=ppt/slides/slide25.xml><?xml version="1.0" encoding="utf-8"?>
+<p:sld xmlns:a="http://schemas.openxmlformats.org/drawingml/2006/main" xmlns:r="http://schemas.openxmlformats.org/officeDocument/2006/relationships" xmlns:p="http://schemas.openxmlformats.org/presentationml/2006/main" show="0">
+  <p:cSld>
+    <p:spTree>
+      <p:nvGrpSpPr>
+        <p:cNvPr id="1" name=""/>
+        <p:cNvGrpSpPr/>
+        <p:nvPr/>
+      </p:nvGrpSpPr>
+      <p:grpSpPr>
+        <a:xfrm>
+          <a:off x="0" y="0"/>
+          <a:ext cx="0" cy="0"/>
+          <a:chOff x="0" y="0"/>
+          <a:chExt cx="0" cy="0"/>
+        </a:xfrm>
+      </p:grpSpPr>
+      <p:sp>
+        <p:nvSpPr>
+          <p:cNvPr id="2" name="標題 1">
+            <a:extLst>
+              <a:ext uri="{FF2B5EF4-FFF2-40B4-BE49-F238E27FC236}">
+                <a16:creationId xmlns:a16="http://schemas.microsoft.com/office/drawing/2014/main" id="{7DC51965-3B55-4A2C-8171-E572382DD444}"/>
+              </a:ext>
+            </a:extLst>
+          </p:cNvPr>
+          <p:cNvSpPr>
+            <a:spLocks noGrp="1"/>
+          </p:cNvSpPr>
+          <p:nvPr>
+            <p:ph type="title"/>
+          </p:nvPr>
+        </p:nvSpPr>
+        <p:spPr/>
+        <p:txBody>
+          <a:bodyPr/>
+          <a:lstStyle/>
+          <a:p>
+            <a:r>
+              <a:rPr lang="en-US" altLang="zh-TW" dirty="0">
+                <a:latin typeface="Times New Roman" panose="02020603050405020304" pitchFamily="18" charset="0"/>
+                <a:ea typeface="標楷體" panose="03000509000000000000" pitchFamily="65" charset="-120"/>
+                <a:cs typeface="Times New Roman" panose="02020603050405020304" pitchFamily="18" charset="0"/>
+              </a:rPr>
+              <a:t>Analysis and Discussion</a:t>
             </a:r>
             <a:endParaRPr lang="zh-TW" altLang="en-US" dirty="0">
               <a:latin typeface="Times New Roman" panose="02020603050405020304" pitchFamily="18" charset="0"/>
@@ -16727,14 +20745,11 @@
           </a:bodyPr>
           <a:lstStyle/>
           <a:p>
-            <a:r>
-              <a:rPr lang="en-US" altLang="zh-TW" sz="2400" dirty="0">
-                <a:latin typeface="Times New Roman" panose="02020603050405020304" pitchFamily="18" charset="0"/>
-                <a:ea typeface="標楷體" panose="03000509000000000000" pitchFamily="65" charset="-120"/>
-                <a:cs typeface="Times New Roman" panose="02020603050405020304" pitchFamily="18" charset="0"/>
-              </a:rPr>
-              <a:t>Significance of the study</a:t>
-            </a:r>
+            <a:endParaRPr lang="en-US" altLang="zh-TW" sz="2400" dirty="0">
+              <a:latin typeface="Times New Roman" panose="02020603050405020304" pitchFamily="18" charset="0"/>
+              <a:ea typeface="標楷體" panose="03000509000000000000" pitchFamily="65" charset="-120"/>
+              <a:cs typeface="Times New Roman" panose="02020603050405020304" pitchFamily="18" charset="0"/>
+            </a:endParaRPr>
           </a:p>
         </p:txBody>
       </p:sp>
@@ -16765,7 +20780,290 @@
                 <a:ea typeface="標楷體" panose="03000509000000000000" pitchFamily="65" charset="-120"/>
                 <a:cs typeface="Times New Roman" panose="02020603050405020304" pitchFamily="18" charset="0"/>
               </a:rPr>
-              <a:t>20</a:t>
+              <a:t>25</a:t>
+            </a:fld>
+            <a:endParaRPr lang="zh-TW" altLang="en-US">
+              <a:latin typeface="Times New Roman" panose="02020603050405020304" pitchFamily="18" charset="0"/>
+              <a:ea typeface="標楷體" panose="03000509000000000000" pitchFamily="65" charset="-120"/>
+              <a:cs typeface="Times New Roman" panose="02020603050405020304" pitchFamily="18" charset="0"/>
+            </a:endParaRPr>
+          </a:p>
+        </p:txBody>
+      </p:sp>
+    </p:spTree>
+    <p:extLst>
+      <p:ext uri="{BB962C8B-B14F-4D97-AF65-F5344CB8AC3E}">
+        <p14:creationId xmlns:p14="http://schemas.microsoft.com/office/powerpoint/2010/main" val="301353381"/>
+      </p:ext>
+    </p:extLst>
+  </p:cSld>
+  <p:clrMapOvr>
+    <a:masterClrMapping/>
+  </p:clrMapOvr>
+</p:sld>
+</file>
+
+<file path=ppt/slides/slide26.xml><?xml version="1.0" encoding="utf-8"?>
+<p:sld xmlns:a="http://schemas.openxmlformats.org/drawingml/2006/main" xmlns:r="http://schemas.openxmlformats.org/officeDocument/2006/relationships" xmlns:p="http://schemas.openxmlformats.org/presentationml/2006/main">
+  <p:cSld>
+    <p:spTree>
+      <p:nvGrpSpPr>
+        <p:cNvPr id="1" name=""/>
+        <p:cNvGrpSpPr/>
+        <p:nvPr/>
+      </p:nvGrpSpPr>
+      <p:grpSpPr>
+        <a:xfrm>
+          <a:off x="0" y="0"/>
+          <a:ext cx="0" cy="0"/>
+          <a:chOff x="0" y="0"/>
+          <a:chExt cx="0" cy="0"/>
+        </a:xfrm>
+      </p:grpSpPr>
+      <p:sp>
+        <p:nvSpPr>
+          <p:cNvPr id="2" name="標題 1">
+            <a:extLst>
+              <a:ext uri="{FF2B5EF4-FFF2-40B4-BE49-F238E27FC236}">
+                <a16:creationId xmlns:a16="http://schemas.microsoft.com/office/drawing/2014/main" id="{7DC51965-3B55-4A2C-8171-E572382DD444}"/>
+              </a:ext>
+            </a:extLst>
+          </p:cNvPr>
+          <p:cNvSpPr>
+            <a:spLocks noGrp="1"/>
+          </p:cNvSpPr>
+          <p:nvPr>
+            <p:ph type="title"/>
+          </p:nvPr>
+        </p:nvSpPr>
+        <p:spPr/>
+        <p:txBody>
+          <a:bodyPr/>
+          <a:lstStyle/>
+          <a:p>
+            <a:r>
+              <a:rPr lang="en-US" altLang="zh-TW" dirty="0">
+                <a:latin typeface="Times New Roman" panose="02020603050405020304" pitchFamily="18" charset="0"/>
+                <a:ea typeface="標楷體" panose="03000509000000000000" pitchFamily="65" charset="-120"/>
+                <a:cs typeface="Times New Roman" panose="02020603050405020304" pitchFamily="18" charset="0"/>
+              </a:rPr>
+              <a:t>Conclusion</a:t>
+            </a:r>
+            <a:endParaRPr lang="zh-TW" altLang="en-US" dirty="0">
+              <a:latin typeface="Times New Roman" panose="02020603050405020304" pitchFamily="18" charset="0"/>
+              <a:ea typeface="標楷體" panose="03000509000000000000" pitchFamily="65" charset="-120"/>
+              <a:cs typeface="Times New Roman" panose="02020603050405020304" pitchFamily="18" charset="0"/>
+            </a:endParaRPr>
+          </a:p>
+        </p:txBody>
+      </p:sp>
+      <p:sp>
+        <p:nvSpPr>
+          <p:cNvPr id="3" name="內容版面配置區 2">
+            <a:extLst>
+              <a:ext uri="{FF2B5EF4-FFF2-40B4-BE49-F238E27FC236}">
+                <a16:creationId xmlns:a16="http://schemas.microsoft.com/office/drawing/2014/main" id="{7E658B3D-20B6-435E-B15B-C0553C4AE19F}"/>
+              </a:ext>
+            </a:extLst>
+          </p:cNvPr>
+          <p:cNvSpPr>
+            <a:spLocks noGrp="1"/>
+          </p:cNvSpPr>
+          <p:nvPr>
+            <p:ph idx="1"/>
+          </p:nvPr>
+        </p:nvSpPr>
+        <p:spPr>
+          <a:xfrm>
+            <a:off x="838200" y="1690688"/>
+            <a:ext cx="10515600" cy="4486275"/>
+          </a:xfrm>
+        </p:spPr>
+        <p:txBody>
+          <a:bodyPr>
+            <a:normAutofit fontScale="92500"/>
+          </a:bodyPr>
+          <a:lstStyle/>
+          <a:p>
+            <a:r>
+              <a:rPr lang="en-US" altLang="zh-TW" sz="2400" dirty="0">
+                <a:latin typeface="Times New Roman" panose="02020603050405020304" pitchFamily="18" charset="0"/>
+                <a:ea typeface="標楷體" panose="03000509000000000000" pitchFamily="65" charset="-120"/>
+                <a:cs typeface="Times New Roman" panose="02020603050405020304" pitchFamily="18" charset="0"/>
+              </a:rPr>
+              <a:t>Proposed an ensemble learning algorithm of </a:t>
+            </a:r>
+            <a:r>
+              <a:rPr lang="en-US" altLang="zh-TW" sz="2400" dirty="0">
+                <a:solidFill>
+                  <a:srgbClr val="FF0000"/>
+                </a:solidFill>
+                <a:latin typeface="Times New Roman" panose="02020603050405020304" pitchFamily="18" charset="0"/>
+                <a:ea typeface="標楷體" panose="03000509000000000000" pitchFamily="65" charset="-120"/>
+                <a:cs typeface="Times New Roman" panose="02020603050405020304" pitchFamily="18" charset="0"/>
+              </a:rPr>
+              <a:t>7 different age predictions </a:t>
+            </a:r>
+            <a:r>
+              <a:rPr lang="en-US" altLang="zh-TW" sz="2400" dirty="0">
+                <a:latin typeface="Times New Roman" panose="02020603050405020304" pitchFamily="18" charset="0"/>
+                <a:ea typeface="標楷體" panose="03000509000000000000" pitchFamily="65" charset="-120"/>
+                <a:cs typeface="Times New Roman" panose="02020603050405020304" pitchFamily="18" charset="0"/>
+              </a:rPr>
+              <a:t>from T1w MRI images </a:t>
+            </a:r>
+          </a:p>
+          <a:p>
+            <a:r>
+              <a:rPr lang="en-US" altLang="zh-TW" sz="2400" dirty="0">
+                <a:cs typeface="Times New Roman" panose="02020603050405020304" pitchFamily="18" charset="0"/>
+              </a:rPr>
+              <a:t>Ranked third in PAC2019</a:t>
+            </a:r>
+          </a:p>
+          <a:p>
+            <a:r>
+              <a:rPr lang="en-US" altLang="zh-TW" sz="2400" dirty="0">
+                <a:latin typeface="Times New Roman" panose="02020603050405020304" pitchFamily="18" charset="0"/>
+                <a:ea typeface="標楷體" panose="03000509000000000000" pitchFamily="65" charset="-120"/>
+                <a:cs typeface="Times New Roman" panose="02020603050405020304" pitchFamily="18" charset="0"/>
+              </a:rPr>
+              <a:t>Ranking of prediction accuracy may be highly dependent on the metric chosen as well as on the test data</a:t>
+            </a:r>
+          </a:p>
+          <a:p>
+            <a:r>
+              <a:rPr lang="en-US" altLang="zh-TW" sz="2400" dirty="0">
+                <a:cs typeface="Times New Roman" panose="02020603050405020304" pitchFamily="18" charset="0"/>
+              </a:rPr>
+              <a:t>E</a:t>
+            </a:r>
+            <a:r>
+              <a:rPr lang="en-US" altLang="zh-TW" sz="2400" dirty="0">
+                <a:latin typeface="Times New Roman" panose="02020603050405020304" pitchFamily="18" charset="0"/>
+                <a:ea typeface="標楷體" panose="03000509000000000000" pitchFamily="65" charset="-120"/>
+                <a:cs typeface="Times New Roman" panose="02020603050405020304" pitchFamily="18" charset="0"/>
+              </a:rPr>
+              <a:t>valuated the effect on performance of </a:t>
+            </a:r>
+            <a:r>
+              <a:rPr lang="en-US" altLang="zh-TW" sz="2400" dirty="0">
+                <a:solidFill>
+                  <a:srgbClr val="FF0000"/>
+                </a:solidFill>
+                <a:latin typeface="Times New Roman" panose="02020603050405020304" pitchFamily="18" charset="0"/>
+                <a:ea typeface="標楷體" panose="03000509000000000000" pitchFamily="65" charset="-120"/>
+                <a:cs typeface="Times New Roman" panose="02020603050405020304" pitchFamily="18" charset="0"/>
+              </a:rPr>
+              <a:t>algorithm choice</a:t>
+            </a:r>
+            <a:r>
+              <a:rPr lang="en-US" altLang="zh-TW" sz="2400" dirty="0">
+                <a:latin typeface="Times New Roman" panose="02020603050405020304" pitchFamily="18" charset="0"/>
+                <a:ea typeface="標楷體" panose="03000509000000000000" pitchFamily="65" charset="-120"/>
+                <a:cs typeface="Times New Roman" panose="02020603050405020304" pitchFamily="18" charset="0"/>
+              </a:rPr>
+              <a:t>, </a:t>
+            </a:r>
+            <a:r>
+              <a:rPr lang="en-US" altLang="zh-TW" sz="2400" dirty="0">
+                <a:solidFill>
+                  <a:srgbClr val="FF0000"/>
+                </a:solidFill>
+                <a:latin typeface="Times New Roman" panose="02020603050405020304" pitchFamily="18" charset="0"/>
+                <a:ea typeface="標楷體" panose="03000509000000000000" pitchFamily="65" charset="-120"/>
+                <a:cs typeface="Times New Roman" panose="02020603050405020304" pitchFamily="18" charset="0"/>
+              </a:rPr>
+              <a:t>ensemble learning methods</a:t>
+            </a:r>
+            <a:r>
+              <a:rPr lang="en-US" altLang="zh-TW" sz="2400" dirty="0">
+                <a:latin typeface="Times New Roman" panose="02020603050405020304" pitchFamily="18" charset="0"/>
+                <a:ea typeface="標楷體" panose="03000509000000000000" pitchFamily="65" charset="-120"/>
+                <a:cs typeface="Times New Roman" panose="02020603050405020304" pitchFamily="18" charset="0"/>
+              </a:rPr>
+              <a:t>, </a:t>
+            </a:r>
+            <a:r>
+              <a:rPr lang="en-US" altLang="zh-TW" sz="2400" dirty="0">
+                <a:solidFill>
+                  <a:srgbClr val="FF0000"/>
+                </a:solidFill>
+                <a:latin typeface="Times New Roman" panose="02020603050405020304" pitchFamily="18" charset="0"/>
+                <a:ea typeface="標楷體" panose="03000509000000000000" pitchFamily="65" charset="-120"/>
+                <a:cs typeface="Times New Roman" panose="02020603050405020304" pitchFamily="18" charset="0"/>
+              </a:rPr>
+              <a:t>feature input/data processing</a:t>
+            </a:r>
+            <a:r>
+              <a:rPr lang="en-US" altLang="zh-TW" sz="2400" dirty="0">
+                <a:latin typeface="Times New Roman" panose="02020603050405020304" pitchFamily="18" charset="0"/>
+                <a:ea typeface="標楷體" panose="03000509000000000000" pitchFamily="65" charset="-120"/>
+                <a:cs typeface="Times New Roman" panose="02020603050405020304" pitchFamily="18" charset="0"/>
+              </a:rPr>
+              <a:t>, </a:t>
+            </a:r>
+            <a:r>
+              <a:rPr lang="en-US" altLang="zh-TW" sz="2400" dirty="0">
+                <a:solidFill>
+                  <a:srgbClr val="FF0000"/>
+                </a:solidFill>
+                <a:latin typeface="Times New Roman" panose="02020603050405020304" pitchFamily="18" charset="0"/>
+                <a:ea typeface="標楷體" panose="03000509000000000000" pitchFamily="65" charset="-120"/>
+                <a:cs typeface="Times New Roman" panose="02020603050405020304" pitchFamily="18" charset="0"/>
+              </a:rPr>
+              <a:t>number and type of scores </a:t>
+            </a:r>
+            <a:r>
+              <a:rPr lang="en-US" altLang="zh-TW" sz="2400" dirty="0">
+                <a:latin typeface="Times New Roman" panose="02020603050405020304" pitchFamily="18" charset="0"/>
+                <a:ea typeface="標楷體" panose="03000509000000000000" pitchFamily="65" charset="-120"/>
+                <a:cs typeface="Times New Roman" panose="02020603050405020304" pitchFamily="18" charset="0"/>
+              </a:rPr>
+              <a:t>in ensemble learning, and covariates such as </a:t>
+            </a:r>
+            <a:r>
+              <a:rPr lang="en-US" altLang="zh-TW" sz="2400" dirty="0">
+                <a:solidFill>
+                  <a:srgbClr val="FF0000"/>
+                </a:solidFill>
+                <a:latin typeface="Times New Roman" panose="02020603050405020304" pitchFamily="18" charset="0"/>
+                <a:ea typeface="標楷體" panose="03000509000000000000" pitchFamily="65" charset="-120"/>
+                <a:cs typeface="Times New Roman" panose="02020603050405020304" pitchFamily="18" charset="0"/>
+              </a:rPr>
+              <a:t>age, sex, and site</a:t>
+            </a:r>
+          </a:p>
+        </p:txBody>
+      </p:sp>
+      <p:sp>
+        <p:nvSpPr>
+          <p:cNvPr id="5" name="投影片編號版面配置區 4">
+            <a:extLst>
+              <a:ext uri="{FF2B5EF4-FFF2-40B4-BE49-F238E27FC236}">
+                <a16:creationId xmlns:a16="http://schemas.microsoft.com/office/drawing/2014/main" id="{6FDB81DD-25D0-4B7D-85DA-019476717276}"/>
+              </a:ext>
+            </a:extLst>
+          </p:cNvPr>
+          <p:cNvSpPr>
+            <a:spLocks noGrp="1"/>
+          </p:cNvSpPr>
+          <p:nvPr>
+            <p:ph type="sldNum" sz="quarter" idx="12"/>
+          </p:nvPr>
+        </p:nvSpPr>
+        <p:spPr/>
+        <p:txBody>
+          <a:bodyPr/>
+          <a:lstStyle/>
+          <a:p>
+            <a:fld id="{D2B5BE26-702C-4921-81E7-8AF275EDA2CC}" type="slidenum">
+              <a:rPr lang="zh-TW" altLang="en-US" smtClean="0">
+                <a:latin typeface="Times New Roman" panose="02020603050405020304" pitchFamily="18" charset="0"/>
+                <a:ea typeface="標楷體" panose="03000509000000000000" pitchFamily="65" charset="-120"/>
+                <a:cs typeface="Times New Roman" panose="02020603050405020304" pitchFamily="18" charset="0"/>
+              </a:rPr>
+              <a:t>26</a:t>
             </a:fld>
             <a:endParaRPr lang="zh-TW" altLang="en-US">
               <a:latin typeface="Times New Roman" panose="02020603050405020304" pitchFamily="18" charset="0"/>
@@ -16788,7 +21086,7 @@
 </p:sld>
 </file>
 
-<file path=ppt/slides/slide21.xml><?xml version="1.0" encoding="utf-8"?>
+<file path=ppt/slides/slide27.xml><?xml version="1.0" encoding="utf-8"?>
 <p:sld xmlns:a="http://schemas.openxmlformats.org/drawingml/2006/main" xmlns:r="http://schemas.openxmlformats.org/officeDocument/2006/relationships" xmlns:p="http://schemas.openxmlformats.org/presentationml/2006/main">
   <p:cSld>
     <p:spTree>
@@ -16932,7 +21230,7 @@
                 <a:ea typeface="標楷體" panose="03000509000000000000" pitchFamily="65" charset="-120"/>
                 <a:cs typeface="Times New Roman" panose="02020603050405020304" pitchFamily="18" charset="0"/>
               </a:rPr>
-              <a:t>21</a:t>
+              <a:t>27</a:t>
             </a:fld>
             <a:endParaRPr lang="zh-TW" altLang="en-US">
               <a:latin typeface="Times New Roman" panose="02020603050405020304" pitchFamily="18" charset="0"/>
